--- a/赵玉琦硕士论文答辩.pptx
+++ b/赵玉琦硕士论文答辩.pptx
@@ -549,7 +549,7 @@
         <p:nvSpPr>
           <p:cNvPr id="24580" name="Rectangle 4"/>
           <p:cNvSpPr>
-            <a:spLocks noRot="1" noChangeArrowheads="1" noTextEdit="1"/>
+            <a:spLocks noGrp="1" noRot="1" noChangeAspect="1" noChangeArrowheads="1" noTextEdit="1"/>
           </p:cNvSpPr>
           <p:nvPr>
             <p:ph type="sldImg" idx="2"/>
@@ -901,7 +901,7 @@
         <p:nvSpPr>
           <p:cNvPr id="89090" name="Rectangle 2"/>
           <p:cNvSpPr>
-            <a:spLocks noRot="1" noChangeArrowheads="1" noTextEdit="1"/>
+            <a:spLocks noGrp="1" noRot="1" noChangeAspect="1" noChangeArrowheads="1" noTextEdit="1"/>
           </p:cNvSpPr>
           <p:nvPr>
             <p:ph type="sldImg"/>
@@ -915,7 +915,7 @@
         <p:nvSpPr>
           <p:cNvPr id="89091" name="Rectangle 3"/>
           <p:cNvSpPr>
-            <a:spLocks noChangeArrowheads="1"/>
+            <a:spLocks noGrp="1" noChangeArrowheads="1"/>
           </p:cNvSpPr>
           <p:nvPr>
             <p:ph type="body" idx="1"/>
@@ -952,13 +952,7 @@
               <a:rPr lang="zh-CN" altLang="en-US" dirty="0" smtClean="0">
                 <a:latin typeface="Arial" panose="020B0604020202020204" pitchFamily="34" charset="0"/>
               </a:rPr>
-              <a:t>各位老师，上午好，我的名字是邵波，</a:t>
-            </a:r>
-            <a:r>
-              <a:rPr lang="zh-CN" altLang="en-US" dirty="0" smtClean="0">
-                <a:latin typeface="Arial" panose="020B0604020202020204" pitchFamily="34" charset="0"/>
-              </a:rPr>
-              <a:t>是计算机学院</a:t>
+              <a:t>各位老师，上午好，我的名字是邵波，是计算机学院</a:t>
             </a:r>
             <a:r>
               <a:rPr lang="en-US" altLang="zh-CN" dirty="0" smtClean="0">
@@ -1016,7 +1010,7 @@
         <p:nvSpPr>
           <p:cNvPr id="90114" name="Rectangle 2"/>
           <p:cNvSpPr>
-            <a:spLocks noRot="1" noChangeArrowheads="1" noTextEdit="1"/>
+            <a:spLocks noGrp="1" noRot="1" noChangeAspect="1" noChangeArrowheads="1" noTextEdit="1"/>
           </p:cNvSpPr>
           <p:nvPr>
             <p:ph type="sldImg"/>
@@ -1030,7 +1024,7 @@
         <p:nvSpPr>
           <p:cNvPr id="90115" name="Rectangle 3"/>
           <p:cNvSpPr>
-            <a:spLocks noChangeArrowheads="1"/>
+            <a:spLocks noGrp="1" noChangeArrowheads="1"/>
           </p:cNvSpPr>
           <p:nvPr>
             <p:ph type="body" idx="1"/>
@@ -1101,7 +1095,7 @@
         <p:nvSpPr>
           <p:cNvPr id="96258" name="Rectangle 2"/>
           <p:cNvSpPr>
-            <a:spLocks noRot="1" noChangeArrowheads="1" noTextEdit="1"/>
+            <a:spLocks noGrp="1" noRot="1" noChangeAspect="1" noChangeArrowheads="1" noTextEdit="1"/>
           </p:cNvSpPr>
           <p:nvPr>
             <p:ph type="sldImg"/>
@@ -1115,7 +1109,7 @@
         <p:nvSpPr>
           <p:cNvPr id="96259" name="Rectangle 3"/>
           <p:cNvSpPr>
-            <a:spLocks noChangeArrowheads="1"/>
+            <a:spLocks noGrp="1" noChangeArrowheads="1"/>
           </p:cNvSpPr>
           <p:nvPr>
             <p:ph type="body" idx="1"/>
@@ -1234,7 +1228,7 @@
         <p:nvSpPr>
           <p:cNvPr id="91138" name="Rectangle 2"/>
           <p:cNvSpPr>
-            <a:spLocks noRot="1" noChangeArrowheads="1" noTextEdit="1"/>
+            <a:spLocks noGrp="1" noRot="1" noChangeAspect="1" noChangeArrowheads="1" noTextEdit="1"/>
           </p:cNvSpPr>
           <p:nvPr>
             <p:ph type="sldImg"/>
@@ -1248,7 +1242,7 @@
         <p:nvSpPr>
           <p:cNvPr id="91139" name="Rectangle 3"/>
           <p:cNvSpPr>
-            <a:spLocks noChangeArrowheads="1"/>
+            <a:spLocks noGrp="1" noChangeArrowheads="1"/>
           </p:cNvSpPr>
           <p:nvPr>
             <p:ph type="body" idx="1"/>
@@ -1319,7 +1313,7 @@
         <p:nvSpPr>
           <p:cNvPr id="66562" name="Rectangle 2"/>
           <p:cNvSpPr>
-            <a:spLocks noRot="1" noChangeArrowheads="1" noTextEdit="1"/>
+            <a:spLocks noGrp="1" noRot="1" noChangeAspect="1" noChangeArrowheads="1" noTextEdit="1"/>
           </p:cNvSpPr>
           <p:nvPr>
             <p:ph type="sldImg"/>
@@ -1333,7 +1327,7 @@
         <p:nvSpPr>
           <p:cNvPr id="66563" name="Rectangle 3"/>
           <p:cNvSpPr>
-            <a:spLocks noChangeArrowheads="1"/>
+            <a:spLocks noGrp="1" noChangeArrowheads="1"/>
           </p:cNvSpPr>
           <p:nvPr>
             <p:ph type="body" idx="1"/>
@@ -1440,7 +1434,7 @@
         <p:nvSpPr>
           <p:cNvPr id="92162" name="Rectangle 2"/>
           <p:cNvSpPr>
-            <a:spLocks noRot="1" noChangeArrowheads="1" noTextEdit="1"/>
+            <a:spLocks noGrp="1" noRot="1" noChangeAspect="1" noChangeArrowheads="1" noTextEdit="1"/>
           </p:cNvSpPr>
           <p:nvPr>
             <p:ph type="sldImg"/>
@@ -1454,7 +1448,7 @@
         <p:nvSpPr>
           <p:cNvPr id="92163" name="Rectangle 3"/>
           <p:cNvSpPr>
-            <a:spLocks noChangeArrowheads="1"/>
+            <a:spLocks noGrp="1" noChangeArrowheads="1"/>
           </p:cNvSpPr>
           <p:nvPr>
             <p:ph type="body" idx="1"/>
@@ -1525,7 +1519,7 @@
         <p:nvSpPr>
           <p:cNvPr id="93186" name="Rectangle 2"/>
           <p:cNvSpPr>
-            <a:spLocks noRot="1" noChangeArrowheads="1" noTextEdit="1"/>
+            <a:spLocks noGrp="1" noRot="1" noChangeAspect="1" noChangeArrowheads="1" noTextEdit="1"/>
           </p:cNvSpPr>
           <p:nvPr>
             <p:ph type="sldImg"/>
@@ -1539,7 +1533,7 @@
         <p:nvSpPr>
           <p:cNvPr id="93187" name="Rectangle 3"/>
           <p:cNvSpPr>
-            <a:spLocks noChangeArrowheads="1"/>
+            <a:spLocks noGrp="1" noChangeArrowheads="1"/>
           </p:cNvSpPr>
           <p:nvPr>
             <p:ph type="body" idx="1"/>
@@ -1658,7 +1652,7 @@
         <p:nvSpPr>
           <p:cNvPr id="70658" name="Rectangle 2"/>
           <p:cNvSpPr>
-            <a:spLocks noRot="1" noChangeArrowheads="1" noTextEdit="1"/>
+            <a:spLocks noGrp="1" noRot="1" noChangeAspect="1" noChangeArrowheads="1" noTextEdit="1"/>
           </p:cNvSpPr>
           <p:nvPr>
             <p:ph type="sldImg"/>
@@ -2090,7 +2084,7 @@
         <p:nvSpPr>
           <p:cNvPr id="72706" name="Rectangle 2"/>
           <p:cNvSpPr>
-            <a:spLocks noRot="1" noChangeArrowheads="1" noTextEdit="1"/>
+            <a:spLocks noGrp="1" noRot="1" noChangeAspect="1" noChangeArrowheads="1" noTextEdit="1"/>
           </p:cNvSpPr>
           <p:nvPr>
             <p:ph type="sldImg"/>
@@ -2104,7 +2098,7 @@
         <p:nvSpPr>
           <p:cNvPr id="72707" name="Rectangle 3"/>
           <p:cNvSpPr>
-            <a:spLocks noChangeArrowheads="1"/>
+            <a:spLocks noGrp="1" noChangeArrowheads="1"/>
           </p:cNvSpPr>
           <p:nvPr>
             <p:ph type="body" idx="1"/>
@@ -2314,7 +2308,7 @@
         <p:nvSpPr>
           <p:cNvPr id="88066" name="Rectangle 2"/>
           <p:cNvSpPr>
-            <a:spLocks noRot="1" noChangeArrowheads="1" noTextEdit="1"/>
+            <a:spLocks noGrp="1" noRot="1" noChangeAspect="1" noChangeArrowheads="1" noTextEdit="1"/>
           </p:cNvSpPr>
           <p:nvPr>
             <p:ph type="sldImg"/>
@@ -2328,7 +2322,7 @@
         <p:nvSpPr>
           <p:cNvPr id="88067" name="Rectangle 3"/>
           <p:cNvSpPr>
-            <a:spLocks noChangeArrowheads="1"/>
+            <a:spLocks noGrp="1" noChangeArrowheads="1"/>
           </p:cNvSpPr>
           <p:nvPr>
             <p:ph type="body" idx="1"/>
@@ -2517,7 +2511,7 @@
         <p:nvSpPr>
           <p:cNvPr id="75778" name="Rectangle 2"/>
           <p:cNvSpPr>
-            <a:spLocks noRot="1" noChangeArrowheads="1" noTextEdit="1"/>
+            <a:spLocks noGrp="1" noRot="1" noChangeAspect="1" noChangeArrowheads="1" noTextEdit="1"/>
           </p:cNvSpPr>
           <p:nvPr>
             <p:ph type="sldImg"/>
@@ -2769,7 +2763,7 @@
         <p:nvSpPr>
           <p:cNvPr id="86018" name="Rectangle 2"/>
           <p:cNvSpPr>
-            <a:spLocks noRot="1" noChangeArrowheads="1" noTextEdit="1"/>
+            <a:spLocks noGrp="1" noRot="1" noChangeAspect="1" noChangeArrowheads="1" noTextEdit="1"/>
           </p:cNvSpPr>
           <p:nvPr>
             <p:ph type="sldImg"/>
@@ -2783,7 +2777,7 @@
         <p:nvSpPr>
           <p:cNvPr id="86019" name="Rectangle 3"/>
           <p:cNvSpPr>
-            <a:spLocks noChangeArrowheads="1"/>
+            <a:spLocks noGrp="1" noChangeArrowheads="1"/>
           </p:cNvSpPr>
           <p:nvPr>
             <p:ph type="body" idx="1"/>
@@ -2820,19 +2814,7 @@
               <a:rPr lang="zh-CN" altLang="en-US" dirty="0" smtClean="0">
                 <a:latin typeface="Arial" panose="020B0604020202020204" pitchFamily="34" charset="0"/>
               </a:rPr>
-              <a:t>下面我主要通过六个方面介绍我的论文工作 首先是介绍研究背景和相关工作，然后</a:t>
-            </a:r>
-            <a:r>
-              <a:rPr lang="zh-CN" altLang="en-US" dirty="0" smtClean="0">
-                <a:latin typeface="Arial" panose="020B0604020202020204" pitchFamily="34" charset="0"/>
-              </a:rPr>
-              <a:t>是研究框架和系统</a:t>
-            </a:r>
-            <a:r>
-              <a:rPr lang="zh-CN" altLang="en-US" dirty="0" smtClean="0">
-                <a:latin typeface="Arial" panose="020B0604020202020204" pitchFamily="34" charset="0"/>
-              </a:rPr>
-              <a:t>的设计与实验，最后给出本文的总结与展望以及在硕士期间参加的科研项目和发表的论文</a:t>
+              <a:t>下面我主要通过六个方面介绍我的论文工作 首先是介绍研究背景和相关工作，然后是研究框架和系统的设计与实验，最后给出本文的总结与展望以及在硕士期间参加的科研项目和发表的论文</a:t>
             </a:r>
           </a:p>
         </p:txBody>
@@ -2866,7 +2848,7 @@
         <p:nvSpPr>
           <p:cNvPr id="94210" name="Rectangle 2"/>
           <p:cNvSpPr>
-            <a:spLocks noRot="1" noChangeArrowheads="1" noTextEdit="1"/>
+            <a:spLocks noGrp="1" noRot="1" noChangeAspect="1" noChangeArrowheads="1" noTextEdit="1"/>
           </p:cNvSpPr>
           <p:nvPr>
             <p:ph type="sldImg"/>
@@ -2880,7 +2862,7 @@
         <p:nvSpPr>
           <p:cNvPr id="94211" name="Rectangle 3"/>
           <p:cNvSpPr>
-            <a:spLocks noChangeArrowheads="1"/>
+            <a:spLocks noGrp="1" noChangeArrowheads="1"/>
           </p:cNvSpPr>
           <p:nvPr>
             <p:ph type="body" idx="1"/>
@@ -2951,7 +2933,7 @@
         <p:nvSpPr>
           <p:cNvPr id="95234" name="Rectangle 2"/>
           <p:cNvSpPr>
-            <a:spLocks noRot="1" noChangeArrowheads="1" noTextEdit="1"/>
+            <a:spLocks noGrp="1" noRot="1" noChangeAspect="1" noChangeArrowheads="1" noTextEdit="1"/>
           </p:cNvSpPr>
           <p:nvPr>
             <p:ph type="sldImg"/>
@@ -2965,7 +2947,7 @@
         <p:nvSpPr>
           <p:cNvPr id="95235" name="Rectangle 3"/>
           <p:cNvSpPr>
-            <a:spLocks noChangeArrowheads="1"/>
+            <a:spLocks noGrp="1" noChangeArrowheads="1"/>
           </p:cNvSpPr>
           <p:nvPr>
             <p:ph type="body" idx="1"/>
@@ -3060,7 +3042,7 @@
         <p:nvSpPr>
           <p:cNvPr id="80898" name="Rectangle 2"/>
           <p:cNvSpPr>
-            <a:spLocks noRot="1" noChangeArrowheads="1" noTextEdit="1"/>
+            <a:spLocks noGrp="1" noRot="1" noChangeAspect="1" noChangeArrowheads="1" noTextEdit="1"/>
           </p:cNvSpPr>
           <p:nvPr>
             <p:ph type="sldImg"/>
@@ -3074,7 +3056,7 @@
         <p:nvSpPr>
           <p:cNvPr id="80899" name="Rectangle 3"/>
           <p:cNvSpPr>
-            <a:spLocks noChangeArrowheads="1"/>
+            <a:spLocks noGrp="1" noChangeArrowheads="1"/>
           </p:cNvSpPr>
           <p:nvPr>
             <p:ph type="body" idx="1"/>
@@ -3246,7 +3228,7 @@
         <p:nvSpPr>
           <p:cNvPr id="82946" name="Rectangle 2"/>
           <p:cNvSpPr>
-            <a:spLocks noRot="1" noChangeArrowheads="1" noTextEdit="1"/>
+            <a:spLocks noGrp="1" noRot="1" noChangeAspect="1" noChangeArrowheads="1" noTextEdit="1"/>
           </p:cNvSpPr>
           <p:nvPr>
             <p:ph type="sldImg"/>
@@ -3260,7 +3242,7 @@
         <p:nvSpPr>
           <p:cNvPr id="82947" name="Rectangle 3"/>
           <p:cNvSpPr>
-            <a:spLocks noChangeArrowheads="1"/>
+            <a:spLocks noGrp="1" noChangeArrowheads="1"/>
           </p:cNvSpPr>
           <p:nvPr>
             <p:ph type="body" idx="1"/>
@@ -3433,7 +3415,7 @@
         <p:nvSpPr>
           <p:cNvPr id="87042" name="Rectangle 2"/>
           <p:cNvSpPr>
-            <a:spLocks noRot="1" noChangeArrowheads="1" noTextEdit="1"/>
+            <a:spLocks noGrp="1" noRot="1" noChangeAspect="1" noChangeArrowheads="1" noTextEdit="1"/>
           </p:cNvSpPr>
           <p:nvPr>
             <p:ph type="sldImg"/>
@@ -3447,7 +3429,7 @@
         <p:nvSpPr>
           <p:cNvPr id="87043" name="Rectangle 3"/>
           <p:cNvSpPr>
-            <a:spLocks noChangeArrowheads="1"/>
+            <a:spLocks noGrp="1" noChangeArrowheads="1"/>
           </p:cNvSpPr>
           <p:nvPr>
             <p:ph type="body" idx="1"/>
@@ -3515,7 +3497,7 @@
         <p:nvSpPr>
           <p:cNvPr id="53250" name="Rectangle 2"/>
           <p:cNvSpPr>
-            <a:spLocks noRot="1" noChangeArrowheads="1" noTextEdit="1"/>
+            <a:spLocks noGrp="1" noRot="1" noChangeAspect="1" noChangeArrowheads="1" noTextEdit="1"/>
           </p:cNvSpPr>
           <p:nvPr>
             <p:ph type="sldImg"/>
@@ -3529,7 +3511,7 @@
         <p:nvSpPr>
           <p:cNvPr id="53251" name="Rectangle 3"/>
           <p:cNvSpPr>
-            <a:spLocks noChangeArrowheads="1"/>
+            <a:spLocks noGrp="1" noChangeArrowheads="1"/>
           </p:cNvSpPr>
           <p:nvPr>
             <p:ph type="body" idx="1"/>
@@ -3762,7 +3744,7 @@
         <p:nvSpPr>
           <p:cNvPr id="57347" name="Rectangle 2"/>
           <p:cNvSpPr>
-            <a:spLocks noRot="1" noChangeArrowheads="1" noTextEdit="1"/>
+            <a:spLocks noGrp="1" noRot="1" noChangeAspect="1" noChangeArrowheads="1" noTextEdit="1"/>
           </p:cNvSpPr>
           <p:nvPr>
             <p:ph type="sldImg"/>
@@ -4291,7 +4273,7 @@
         <p:nvSpPr>
           <p:cNvPr id="57347" name="Rectangle 2"/>
           <p:cNvSpPr>
-            <a:spLocks noRot="1" noChangeArrowheads="1" noTextEdit="1"/>
+            <a:spLocks noGrp="1" noRot="1" noChangeAspect="1" noChangeArrowheads="1" noTextEdit="1"/>
           </p:cNvSpPr>
           <p:nvPr>
             <p:ph type="sldImg"/>
@@ -4825,7 +4807,7 @@
         <p:nvSpPr>
           <p:cNvPr id="59395" name="Rectangle 2"/>
           <p:cNvSpPr>
-            <a:spLocks noRot="1" noChangeArrowheads="1" noTextEdit="1"/>
+            <a:spLocks noGrp="1" noRot="1" noChangeAspect="1" noChangeArrowheads="1" noTextEdit="1"/>
           </p:cNvSpPr>
           <p:nvPr>
             <p:ph type="sldImg"/>
@@ -4998,7 +4980,7 @@
         <p:nvSpPr>
           <p:cNvPr id="55298" name="Rectangle 2"/>
           <p:cNvSpPr>
-            <a:spLocks noRot="1" noChangeArrowheads="1" noTextEdit="1"/>
+            <a:spLocks noGrp="1" noRot="1" noChangeAspect="1" noChangeArrowheads="1" noTextEdit="1"/>
           </p:cNvSpPr>
           <p:nvPr>
             <p:ph type="sldImg"/>
@@ -5080,7 +5062,7 @@
         <p:nvSpPr>
           <p:cNvPr id="61442" name="Rectangle 2"/>
           <p:cNvSpPr>
-            <a:spLocks noRot="1" noChangeArrowheads="1" noTextEdit="1"/>
+            <a:spLocks noGrp="1" noRot="1" noChangeAspect="1" noChangeArrowheads="1" noTextEdit="1"/>
           </p:cNvSpPr>
           <p:nvPr>
             <p:ph type="sldImg"/>
@@ -5094,7 +5076,7 @@
         <p:nvSpPr>
           <p:cNvPr id="61443" name="Rectangle 3"/>
           <p:cNvSpPr>
-            <a:spLocks noChangeArrowheads="1"/>
+            <a:spLocks noGrp="1" noChangeArrowheads="1"/>
           </p:cNvSpPr>
           <p:nvPr>
             <p:ph type="body" idx="1"/>
@@ -8843,14 +8825,7 @@
                 <a:latin typeface="黑体" panose="02010609060101010101" pitchFamily="49" charset="-122"/>
                 <a:ea typeface="黑体" panose="02010609060101010101" pitchFamily="49" charset="-122"/>
               </a:rPr>
-              <a:t>学生姓名</a:t>
-            </a:r>
-            <a:r>
-              <a:rPr lang="zh-CN" altLang="en-US" dirty="0" smtClean="0">
-                <a:latin typeface="黑体" panose="02010609060101010101" pitchFamily="49" charset="-122"/>
-                <a:ea typeface="黑体" panose="02010609060101010101" pitchFamily="49" charset="-122"/>
-              </a:rPr>
-              <a:t>： 赵玉琦</a:t>
+              <a:t>学生姓名： 赵玉琦</a:t>
             </a:r>
             <a:endParaRPr lang="zh-CN" altLang="en-US" sz="1200" dirty="0" smtClean="0">
               <a:latin typeface="黑体" panose="02010609060101010101" pitchFamily="49" charset="-122"/>
@@ -8864,7 +8839,21 @@
                 <a:latin typeface="黑体" panose="02010609060101010101" pitchFamily="49" charset="-122"/>
                 <a:ea typeface="黑体" panose="02010609060101010101" pitchFamily="49" charset="-122"/>
               </a:rPr>
-              <a:t>指导教师： 李兵 教授</a:t>
+              <a:t>指导教师</a:t>
+            </a:r>
+            <a:r>
+              <a:rPr lang="zh-CN" altLang="en-US" smtClean="0">
+                <a:latin typeface="黑体" panose="02010609060101010101" pitchFamily="49" charset="-122"/>
+                <a:ea typeface="黑体" panose="02010609060101010101" pitchFamily="49" charset="-122"/>
+              </a:rPr>
+              <a:t>： </a:t>
+            </a:r>
+            <a:r>
+              <a:rPr lang="zh-CN" altLang="en-US" smtClean="0">
+                <a:latin typeface="黑体" panose="02010609060101010101" pitchFamily="49" charset="-122"/>
+                <a:ea typeface="黑体" panose="02010609060101010101" pitchFamily="49" charset="-122"/>
+              </a:rPr>
+              <a:t>李兵教授</a:t>
             </a:r>
             <a:endParaRPr lang="en-US" altLang="zh-CN" dirty="0" smtClean="0">
               <a:latin typeface="黑体" panose="02010609060101010101" pitchFamily="49" charset="-122"/>
@@ -8880,10 +8869,6 @@
               </a:rPr>
               <a:t>专    业： 软件工程</a:t>
             </a:r>
-            <a:endParaRPr lang="zh-CN" altLang="en-US" dirty="0" smtClean="0">
-              <a:latin typeface="黑体" panose="02010609060101010101" pitchFamily="49" charset="-122"/>
-              <a:ea typeface="黑体" panose="02010609060101010101" pitchFamily="49" charset="-122"/>
-            </a:endParaRPr>
           </a:p>
         </p:txBody>
       </p:sp>
@@ -11773,7 +11758,7 @@
           <a:graphicData uri="http://schemas.openxmlformats.org/presentationml/2006/ole">
             <mc:AlternateContent xmlns:mc="http://schemas.openxmlformats.org/markup-compatibility/2006">
               <mc:Choice xmlns:v="urn:schemas-microsoft-com:vml" Requires="v">
-                <p:oleObj spid="_x0000_s71687" name="Visio" r:id="rId4" imgW="3817620" imgH="5402967" progId="Visio.Drawing.11">
+                <p:oleObj spid="_x0000_s71690" name="Visio" r:id="rId4" imgW="3817620" imgH="5402967" progId="Visio.Drawing.11">
                   <p:embed/>
                 </p:oleObj>
               </mc:Choice>
@@ -12735,17 +12720,8 @@
               <a:rPr lang="zh-CN" altLang="en-US" sz="1600" dirty="0" smtClean="0">
                 <a:ea typeface="华文行楷" panose="02010800040101010101" pitchFamily="2" charset="-122"/>
               </a:rPr>
-              <a:t>武汉</a:t>
-            </a:r>
-            <a:r>
-              <a:rPr lang="zh-CN" altLang="en-US" sz="1600" dirty="0" smtClean="0">
-                <a:ea typeface="华文行楷" panose="02010800040101010101" pitchFamily="2" charset="-122"/>
-              </a:rPr>
-              <a:t>大学计算机学院</a:t>
-            </a:r>
-            <a:endParaRPr lang="zh-CN" altLang="en-US" sz="1600" dirty="0" smtClean="0">
-              <a:ea typeface="华文行楷" panose="02010800040101010101" pitchFamily="2" charset="-122"/>
-            </a:endParaRPr>
+              <a:t>武汉大学计算机学院</a:t>
+            </a:r>
           </a:p>
         </p:txBody>
       </p:sp>
@@ -12808,7 +12784,7 @@
         <p:nvSpPr>
           <p:cNvPr id="14340" name="Rectangle 3"/>
           <p:cNvSpPr>
-            <a:spLocks noChangeArrowheads="1"/>
+            <a:spLocks noGrp="1" noChangeArrowheads="1"/>
           </p:cNvSpPr>
           <p:nvPr>
             <p:ph type="body" idx="1"/>
@@ -12884,14 +12860,7 @@
                 <a:latin typeface="Verdana" panose="020B0604030504040204" pitchFamily="34" charset="0"/>
                 <a:ea typeface="宋体" panose="02010600030101010101" pitchFamily="2" charset="-122"/>
               </a:rPr>
-              <a:t>系统设计</a:t>
-            </a:r>
-            <a:r>
-              <a:rPr lang="zh-CN" altLang="en-US" b="1" dirty="0" smtClean="0">
-                <a:latin typeface="Verdana" panose="020B0604030504040204" pitchFamily="34" charset="0"/>
-                <a:ea typeface="宋体" panose="02010600030101010101" pitchFamily="2" charset="-122"/>
-              </a:rPr>
-              <a:t>与实现</a:t>
+              <a:t>系统设计与实现</a:t>
             </a:r>
           </a:p>
           <a:p>
@@ -14365,14 +14334,7 @@
                 <a:latin typeface="黑体" panose="02010609060101010101" pitchFamily="49" charset="-122"/>
                 <a:ea typeface="黑体" panose="02010609060101010101" pitchFamily="49" charset="-122"/>
               </a:rPr>
-              <a:t>发表</a:t>
-            </a:r>
-            <a:r>
-              <a:rPr lang="zh-CN" altLang="en-US" dirty="0" smtClean="0">
-                <a:latin typeface="黑体" panose="02010609060101010101" pitchFamily="49" charset="-122"/>
-                <a:ea typeface="黑体" panose="02010609060101010101" pitchFamily="49" charset="-122"/>
-              </a:rPr>
-              <a:t>论文</a:t>
+              <a:t>发表论文</a:t>
             </a:r>
             <a:endParaRPr lang="en-US" altLang="zh-CN" dirty="0" smtClean="0">
               <a:latin typeface="黑体" panose="02010609060101010101" pitchFamily="49" charset="-122"/>
@@ -14704,17 +14666,8 @@
               <a:rPr lang="zh-CN" altLang="en-US" sz="1600" dirty="0" smtClean="0">
                 <a:ea typeface="华文行楷" panose="02010800040101010101" pitchFamily="2" charset="-122"/>
               </a:rPr>
-              <a:t>武汉</a:t>
-            </a:r>
-            <a:r>
-              <a:rPr lang="zh-CN" altLang="en-US" sz="1600" dirty="0" smtClean="0">
-                <a:ea typeface="华文行楷" panose="02010800040101010101" pitchFamily="2" charset="-122"/>
-              </a:rPr>
-              <a:t>大学计算机学院</a:t>
-            </a:r>
-            <a:endParaRPr lang="zh-CN" altLang="en-US" sz="1600" dirty="0" smtClean="0">
-              <a:ea typeface="华文行楷" panose="02010800040101010101" pitchFamily="2" charset="-122"/>
-            </a:endParaRPr>
+              <a:t>武汉大学计算机学院</a:t>
+            </a:r>
           </a:p>
         </p:txBody>
       </p:sp>
@@ -14845,14 +14798,7 @@
                 <a:latin typeface="黑体" panose="02010609060101010101" pitchFamily="49" charset="-122"/>
                 <a:ea typeface="黑体" panose="02010609060101010101" pitchFamily="49" charset="-122"/>
               </a:rPr>
-              <a:t>在读</a:t>
-            </a:r>
-            <a:r>
-              <a:rPr lang="zh-CN" altLang="en-US" dirty="0" smtClean="0">
-                <a:latin typeface="黑体" panose="02010609060101010101" pitchFamily="49" charset="-122"/>
-                <a:ea typeface="黑体" panose="02010609060101010101" pitchFamily="49" charset="-122"/>
-              </a:rPr>
-              <a:t>期间获得奖励</a:t>
+              <a:t>在读期间获得奖励</a:t>
             </a:r>
             <a:endParaRPr lang="en-US" altLang="zh-CN" dirty="0" smtClean="0">
               <a:latin typeface="黑体" panose="02010609060101010101" pitchFamily="49" charset="-122"/>
@@ -15248,17 +15194,8 @@
               <a:rPr lang="zh-CN" altLang="en-US" sz="1600" dirty="0" smtClean="0">
                 <a:ea typeface="华文行楷" panose="02010800040101010101" pitchFamily="2" charset="-122"/>
               </a:rPr>
-              <a:t>武汉</a:t>
-            </a:r>
-            <a:r>
-              <a:rPr lang="zh-CN" altLang="en-US" sz="1600" dirty="0" smtClean="0">
-                <a:ea typeface="华文行楷" panose="02010800040101010101" pitchFamily="2" charset="-122"/>
-              </a:rPr>
-              <a:t>大学计算机学院</a:t>
-            </a:r>
-            <a:endParaRPr lang="zh-CN" altLang="en-US" sz="1600" dirty="0" smtClean="0">
-              <a:ea typeface="华文行楷" panose="02010800040101010101" pitchFamily="2" charset="-122"/>
-            </a:endParaRPr>
+              <a:t>武汉大学计算机学院</a:t>
+            </a:r>
           </a:p>
         </p:txBody>
       </p:sp>
@@ -15447,17 +15384,8 @@
               <a:rPr lang="zh-CN" altLang="en-US" sz="1600" dirty="0" smtClean="0">
                 <a:ea typeface="华文行楷" panose="02010800040101010101" pitchFamily="2" charset="-122"/>
               </a:rPr>
-              <a:t>武汉</a:t>
-            </a:r>
-            <a:r>
-              <a:rPr lang="zh-CN" altLang="en-US" sz="1600" dirty="0" smtClean="0">
-                <a:ea typeface="华文行楷" panose="02010800040101010101" pitchFamily="2" charset="-122"/>
-              </a:rPr>
-              <a:t>大学计算机学院</a:t>
-            </a:r>
-            <a:endParaRPr lang="zh-CN" altLang="en-US" sz="1600" dirty="0" smtClean="0">
-              <a:ea typeface="华文行楷" panose="02010800040101010101" pitchFamily="2" charset="-122"/>
-            </a:endParaRPr>
+              <a:t>武汉大学计算机学院</a:t>
+            </a:r>
           </a:p>
         </p:txBody>
       </p:sp>
@@ -15880,17 +15808,8 @@
               <a:rPr lang="zh-CN" altLang="en-US" sz="1600" dirty="0" smtClean="0">
                 <a:ea typeface="华文行楷" panose="02010800040101010101" pitchFamily="2" charset="-122"/>
               </a:rPr>
-              <a:t>武汉</a:t>
-            </a:r>
-            <a:r>
-              <a:rPr lang="zh-CN" altLang="en-US" sz="1600" dirty="0" smtClean="0">
-                <a:ea typeface="华文行楷" panose="02010800040101010101" pitchFamily="2" charset="-122"/>
-              </a:rPr>
-              <a:t>大学计算机学院</a:t>
-            </a:r>
-            <a:endParaRPr lang="zh-CN" altLang="en-US" sz="1600" dirty="0" smtClean="0">
-              <a:ea typeface="华文行楷" panose="02010800040101010101" pitchFamily="2" charset="-122"/>
-            </a:endParaRPr>
+              <a:t>武汉大学计算机学院</a:t>
+            </a:r>
           </a:p>
         </p:txBody>
       </p:sp>
@@ -16600,15 +16519,6 @@
               </a:rPr>
               <a:t>）</a:t>
             </a:r>
-            <a:endParaRPr lang="zh-CN" altLang="en-US" dirty="0" smtClean="0">
-              <a:effectLst>
-                <a:outerShdw blurRad="38100" dist="38100" dir="2700000" algn="tl">
-                  <a:srgbClr val="C0C0C0"/>
-                </a:outerShdw>
-              </a:effectLst>
-              <a:latin typeface="黑体" panose="02010609060101010101" pitchFamily="49" charset="-122"/>
-              <a:ea typeface="黑体" panose="02010609060101010101" pitchFamily="49" charset="-122"/>
-            </a:endParaRPr>
           </a:p>
         </p:txBody>
       </p:sp>
@@ -17042,15 +16952,6 @@
               </a:rPr>
               <a:t>）</a:t>
             </a:r>
-            <a:endParaRPr lang="zh-CN" altLang="en-US" dirty="0" smtClean="0">
-              <a:effectLst>
-                <a:outerShdw blurRad="38100" dist="38100" dir="2700000" algn="tl">
-                  <a:srgbClr val="C0C0C0"/>
-                </a:outerShdw>
-              </a:effectLst>
-              <a:latin typeface="黑体" panose="02010609060101010101" pitchFamily="49" charset="-122"/>
-              <a:ea typeface="黑体" panose="02010609060101010101" pitchFamily="49" charset="-122"/>
-            </a:endParaRPr>
           </a:p>
         </p:txBody>
       </p:sp>
@@ -18013,15 +17914,6 @@
               </a:rPr>
               <a:t>主要工作和研究框架</a:t>
             </a:r>
-            <a:endParaRPr lang="zh-CN" altLang="en-US" dirty="0" smtClean="0">
-              <a:effectLst>
-                <a:outerShdw blurRad="38100" dist="38100" dir="2700000" algn="tl">
-                  <a:srgbClr val="C0C0C0"/>
-                </a:outerShdw>
-              </a:effectLst>
-              <a:latin typeface="黑体" panose="02010609060101010101" pitchFamily="49" charset="-122"/>
-              <a:ea typeface="黑体" panose="02010609060101010101" pitchFamily="49" charset="-122"/>
-            </a:endParaRPr>
           </a:p>
         </p:txBody>
       </p:sp>

--- a/赵玉琦硕士论文答辩.pptx
+++ b/赵玉琦硕士论文答辩.pptx
@@ -8846,14 +8846,7 @@
                 <a:latin typeface="黑体" panose="02010609060101010101" pitchFamily="49" charset="-122"/>
                 <a:ea typeface="黑体" panose="02010609060101010101" pitchFamily="49" charset="-122"/>
               </a:rPr>
-              <a:t>： </a:t>
-            </a:r>
-            <a:r>
-              <a:rPr lang="zh-CN" altLang="en-US" smtClean="0">
-                <a:latin typeface="黑体" panose="02010609060101010101" pitchFamily="49" charset="-122"/>
-                <a:ea typeface="黑体" panose="02010609060101010101" pitchFamily="49" charset="-122"/>
-              </a:rPr>
-              <a:t>李兵教授</a:t>
+              <a:t>： 李兵教授</a:t>
             </a:r>
             <a:endParaRPr lang="en-US" altLang="zh-CN" dirty="0" smtClean="0">
               <a:latin typeface="黑体" panose="02010609060101010101" pitchFamily="49" charset="-122"/>
@@ -11758,7 +11751,7 @@
           <a:graphicData uri="http://schemas.openxmlformats.org/presentationml/2006/ole">
             <mc:AlternateContent xmlns:mc="http://schemas.openxmlformats.org/markup-compatibility/2006">
               <mc:Choice xmlns:v="urn:schemas-microsoft-com:vml" Requires="v">
-                <p:oleObj spid="_x0000_s71690" name="Visio" r:id="rId4" imgW="3817620" imgH="5402967" progId="Visio.Drawing.11">
+                <p:oleObj spid="_x0000_s71693" name="Visio" r:id="rId4" imgW="3817620" imgH="5402967" progId="Visio.Drawing.11">
                   <p:embed/>
                 </p:oleObj>
               </mc:Choice>
@@ -15632,7 +15625,21 @@
                 <a:latin typeface="黑体" panose="02010609060101010101" pitchFamily="49" charset="-122"/>
                 <a:ea typeface="黑体" panose="02010609060101010101" pitchFamily="49" charset="-122"/>
               </a:rPr>
-              <a:t>大规模网络过精度时间同步成为多网融合关键问题</a:t>
+              <a:t>大规模</a:t>
+            </a:r>
+            <a:r>
+              <a:rPr lang="zh-CN" altLang="en-US" sz="3200" dirty="0" smtClean="0">
+                <a:latin typeface="黑体" panose="02010609060101010101" pitchFamily="49" charset="-122"/>
+                <a:ea typeface="黑体" panose="02010609060101010101" pitchFamily="49" charset="-122"/>
+              </a:rPr>
+              <a:t>网络高精度</a:t>
+            </a:r>
+            <a:r>
+              <a:rPr lang="zh-CN" altLang="en-US" sz="3200" dirty="0" smtClean="0">
+                <a:latin typeface="黑体" panose="02010609060101010101" pitchFamily="49" charset="-122"/>
+                <a:ea typeface="黑体" panose="02010609060101010101" pitchFamily="49" charset="-122"/>
+              </a:rPr>
+              <a:t>时间同步成为多网融合关键问题</a:t>
             </a:r>
           </a:p>
           <a:p>
@@ -15834,7 +15841,7 @@
         </p:blipFill>
         <p:spPr bwMode="auto">
           <a:xfrm>
-            <a:off x="1905000" y="1905000"/>
+            <a:off x="2057400" y="3878947"/>
             <a:ext cx="5701030" cy="4005263"/>
           </a:xfrm>
           <a:prstGeom prst="rect">

--- a/赵玉琦硕士论文答辩.pptx
+++ b/赵玉琦硕士论文答辩.pptx
@@ -5,39 +5,41 @@
     <p:sldMasterId id="2147483681" r:id="rId1"/>
   </p:sldMasterIdLst>
   <p:notesMasterIdLst>
-    <p:notesMasterId r:id="rId29"/>
+    <p:notesMasterId r:id="rId31"/>
   </p:notesMasterIdLst>
   <p:handoutMasterIdLst>
-    <p:handoutMasterId r:id="rId30"/>
+    <p:handoutMasterId r:id="rId32"/>
   </p:handoutMasterIdLst>
   <p:sldIdLst>
     <p:sldId id="256" r:id="rId2"/>
     <p:sldId id="259" r:id="rId3"/>
-    <p:sldId id="257" r:id="rId4"/>
-    <p:sldId id="331" r:id="rId5"/>
-    <p:sldId id="333" r:id="rId6"/>
-    <p:sldId id="352" r:id="rId7"/>
-    <p:sldId id="334" r:id="rId8"/>
-    <p:sldId id="332" r:id="rId9"/>
-    <p:sldId id="335" r:id="rId10"/>
-    <p:sldId id="336" r:id="rId11"/>
-    <p:sldId id="337" r:id="rId12"/>
-    <p:sldId id="338" r:id="rId13"/>
-    <p:sldId id="339" r:id="rId14"/>
-    <p:sldId id="340" r:id="rId15"/>
-    <p:sldId id="341" r:id="rId16"/>
-    <p:sldId id="342" r:id="rId17"/>
-    <p:sldId id="343" r:id="rId18"/>
-    <p:sldId id="344" r:id="rId19"/>
-    <p:sldId id="345" r:id="rId20"/>
-    <p:sldId id="346" r:id="rId21"/>
-    <p:sldId id="347" r:id="rId22"/>
-    <p:sldId id="348" r:id="rId23"/>
-    <p:sldId id="349" r:id="rId24"/>
-    <p:sldId id="350" r:id="rId25"/>
-    <p:sldId id="330" r:id="rId26"/>
-    <p:sldId id="351" r:id="rId27"/>
-    <p:sldId id="273" r:id="rId28"/>
+    <p:sldId id="353" r:id="rId4"/>
+    <p:sldId id="257" r:id="rId5"/>
+    <p:sldId id="331" r:id="rId6"/>
+    <p:sldId id="333" r:id="rId7"/>
+    <p:sldId id="352" r:id="rId8"/>
+    <p:sldId id="334" r:id="rId9"/>
+    <p:sldId id="332" r:id="rId10"/>
+    <p:sldId id="354" r:id="rId11"/>
+    <p:sldId id="335" r:id="rId12"/>
+    <p:sldId id="336" r:id="rId13"/>
+    <p:sldId id="337" r:id="rId14"/>
+    <p:sldId id="338" r:id="rId15"/>
+    <p:sldId id="339" r:id="rId16"/>
+    <p:sldId id="340" r:id="rId17"/>
+    <p:sldId id="341" r:id="rId18"/>
+    <p:sldId id="342" r:id="rId19"/>
+    <p:sldId id="343" r:id="rId20"/>
+    <p:sldId id="344" r:id="rId21"/>
+    <p:sldId id="345" r:id="rId22"/>
+    <p:sldId id="346" r:id="rId23"/>
+    <p:sldId id="347" r:id="rId24"/>
+    <p:sldId id="348" r:id="rId25"/>
+    <p:sldId id="349" r:id="rId26"/>
+    <p:sldId id="350" r:id="rId27"/>
+    <p:sldId id="330" r:id="rId28"/>
+    <p:sldId id="351" r:id="rId29"/>
+    <p:sldId id="273" r:id="rId30"/>
   </p:sldIdLst>
   <p:sldSz cx="9144000" cy="6858000" type="screen4x3"/>
   <p:notesSz cx="6858000" cy="9144000"/>
@@ -1008,7 +1010,7 @@
       </p:grpSpPr>
       <p:sp>
         <p:nvSpPr>
-          <p:cNvPr id="90114" name="Rectangle 2"/>
+          <p:cNvPr id="55298" name="Rectangle 2"/>
           <p:cNvSpPr>
             <a:spLocks noGrp="1" noRot="1" noChangeAspect="1" noChangeArrowheads="1" noTextEdit="1"/>
           </p:cNvSpPr>
@@ -1022,7 +1024,7 @@
       </p:sp>
       <p:sp>
         <p:nvSpPr>
-          <p:cNvPr id="90115" name="Rectangle 3"/>
+          <p:cNvPr id="55299" name="Rectangle 3"/>
           <p:cNvSpPr>
             <a:spLocks noGrp="1" noChangeArrowheads="1"/>
           </p:cNvSpPr>
@@ -1057,16 +1059,18 @@
           <a:bodyPr/>
           <a:lstStyle/>
           <a:p>
-            <a:r>
-              <a:rPr lang="zh-CN" altLang="en-US" smtClean="0">
-                <a:latin typeface="Arial" panose="020B0604020202020204" pitchFamily="34" charset="0"/>
-              </a:rPr>
-              <a:t>首先是数据收集和整理主要是对第三方注册平台的服务信息进行搜集和整理</a:t>
-            </a:r>
+            <a:endParaRPr lang="zh-CN" altLang="en-US" dirty="0" smtClean="0">
+              <a:latin typeface="Arial" panose="020B0604020202020204" pitchFamily="34" charset="0"/>
+            </a:endParaRPr>
           </a:p>
         </p:txBody>
       </p:sp>
     </p:spTree>
+    <p:extLst>
+      <p:ext uri="{BB962C8B-B14F-4D97-AF65-F5344CB8AC3E}">
+        <p14:creationId xmlns:p14="http://schemas.microsoft.com/office/powerpoint/2010/main" val="3907596636"/>
+      </p:ext>
+    </p:extLst>
   </p:cSld>
   <p:clrMapOvr>
     <a:masterClrMapping/>
@@ -1093,7 +1097,7 @@
       </p:grpSpPr>
       <p:sp>
         <p:nvSpPr>
-          <p:cNvPr id="96258" name="Rectangle 2"/>
+          <p:cNvPr id="61442" name="Rectangle 2"/>
           <p:cNvSpPr>
             <a:spLocks noGrp="1" noRot="1" noChangeAspect="1" noChangeArrowheads="1" noTextEdit="1"/>
           </p:cNvSpPr>
@@ -1107,7 +1111,7 @@
       </p:sp>
       <p:sp>
         <p:nvSpPr>
-          <p:cNvPr id="96259" name="Rectangle 3"/>
+          <p:cNvPr id="61443" name="Rectangle 3"/>
           <p:cNvSpPr>
             <a:spLocks noGrp="1" noChangeArrowheads="1"/>
           </p:cNvSpPr>
@@ -1142,60 +1146,9 @@
           <a:bodyPr/>
           <a:lstStyle/>
           <a:p>
-            <a:r>
-              <a:rPr lang="zh-CN" altLang="en-US" smtClean="0">
-                <a:latin typeface="Arial" panose="020B0604020202020204" pitchFamily="34" charset="0"/>
-              </a:rPr>
-              <a:t>由于搜集到的信息大多是提供给人理解的自然语言，所以需要进行预处理。预处理的过程主要包括特殊符号处理，标点符号和不合法字符的去除，单词分析，对于停用词的处理，停用词包括常用停用词和</a:t>
-            </a:r>
-            <a:r>
-              <a:rPr lang="en-US" altLang="zh-CN" smtClean="0">
-                <a:latin typeface="Arial" panose="020B0604020202020204" pitchFamily="34" charset="0"/>
-              </a:rPr>
-              <a:t>API</a:t>
-            </a:r>
-            <a:r>
-              <a:rPr lang="zh-CN" altLang="en-US" smtClean="0">
-                <a:latin typeface="Arial" panose="020B0604020202020204" pitchFamily="34" charset="0"/>
-              </a:rPr>
-              <a:t>服务专用停用词后缀处理，词频文档频计算，词之间关系的分析，由于标签等中存在</a:t>
-            </a:r>
-            <a:r>
-              <a:rPr lang="en-US" altLang="zh-CN" smtClean="0">
-                <a:latin typeface="Arial" panose="020B0604020202020204" pitchFamily="34" charset="0"/>
-              </a:rPr>
-              <a:t>bike</a:t>
-            </a:r>
-            <a:r>
-              <a:rPr lang="zh-CN" altLang="en-US" smtClean="0">
-                <a:latin typeface="Arial" panose="020B0604020202020204" pitchFamily="34" charset="0"/>
-              </a:rPr>
-              <a:t>和</a:t>
-            </a:r>
-            <a:r>
-              <a:rPr lang="en-US" altLang="zh-CN" smtClean="0">
-                <a:latin typeface="Arial" panose="020B0604020202020204" pitchFamily="34" charset="0"/>
-              </a:rPr>
-              <a:t>bicycle</a:t>
-            </a:r>
-            <a:r>
-              <a:rPr lang="zh-CN" altLang="en-US" smtClean="0">
-                <a:latin typeface="Arial" panose="020B0604020202020204" pitchFamily="34" charset="0"/>
-              </a:rPr>
-              <a:t>这样的同义词，我们使用</a:t>
-            </a:r>
-            <a:r>
-              <a:rPr lang="en-US" altLang="zh-CN" smtClean="0">
-                <a:latin typeface="Arial" panose="020B0604020202020204" pitchFamily="34" charset="0"/>
-              </a:rPr>
-              <a:t>WordNet</a:t>
-            </a:r>
-            <a:r>
-              <a:rPr lang="zh-CN" altLang="en-US" smtClean="0">
-                <a:latin typeface="Arial" panose="020B0604020202020204" pitchFamily="34" charset="0"/>
-              </a:rPr>
-              <a:t>进行语义处理</a:t>
-            </a:r>
+            <a:endParaRPr lang="zh-CN" altLang="en-US" dirty="0" smtClean="0">
+              <a:latin typeface="Arial" panose="020B0604020202020204" pitchFamily="34" charset="0"/>
+            </a:endParaRPr>
           </a:p>
         </p:txBody>
       </p:sp>
@@ -1226,7 +1179,7 @@
       </p:grpSpPr>
       <p:sp>
         <p:nvSpPr>
-          <p:cNvPr id="91138" name="Rectangle 2"/>
+          <p:cNvPr id="90114" name="Rectangle 2"/>
           <p:cNvSpPr>
             <a:spLocks noGrp="1" noRot="1" noChangeAspect="1" noChangeArrowheads="1" noTextEdit="1"/>
           </p:cNvSpPr>
@@ -1240,7 +1193,7 @@
       </p:sp>
       <p:sp>
         <p:nvSpPr>
-          <p:cNvPr id="91139" name="Rectangle 3"/>
+          <p:cNvPr id="90115" name="Rectangle 3"/>
           <p:cNvSpPr>
             <a:spLocks noGrp="1" noChangeArrowheads="1"/>
           </p:cNvSpPr>
@@ -1279,7 +1232,7 @@
               <a:rPr lang="zh-CN" altLang="en-US" smtClean="0">
                 <a:latin typeface="Arial" panose="020B0604020202020204" pitchFamily="34" charset="0"/>
               </a:rPr>
-              <a:t>相似度计算主要是对于服务的功能的语义相似度进行计算，主要包含标签相似度、摘要相似度和描述相似度</a:t>
+              <a:t>首先是数据收集和整理主要是对第三方注册平台的服务信息进行搜集和整理</a:t>
             </a:r>
           </a:p>
         </p:txBody>
@@ -1311,7 +1264,7 @@
       </p:grpSpPr>
       <p:sp>
         <p:nvSpPr>
-          <p:cNvPr id="66562" name="Rectangle 2"/>
+          <p:cNvPr id="96258" name="Rectangle 2"/>
           <p:cNvSpPr>
             <a:spLocks noGrp="1" noRot="1" noChangeAspect="1" noChangeArrowheads="1" noTextEdit="1"/>
           </p:cNvSpPr>
@@ -1325,7 +1278,7 @@
       </p:sp>
       <p:sp>
         <p:nvSpPr>
-          <p:cNvPr id="66563" name="Rectangle 3"/>
+          <p:cNvPr id="96259" name="Rectangle 3"/>
           <p:cNvSpPr>
             <a:spLocks noGrp="1" noChangeArrowheads="1"/>
           </p:cNvSpPr>
@@ -1364,43 +1317,55 @@
               <a:rPr lang="zh-CN" altLang="en-US" smtClean="0">
                 <a:latin typeface="Arial" panose="020B0604020202020204" pitchFamily="34" charset="0"/>
               </a:rPr>
-              <a:t>标签相似度和摘要相似度采用的同一种算法，通过数据预处理后可以得到标签和摘要的特征词集合，在</a:t>
+              <a:t>由于搜集到的信息大多是提供给人理解的自然语言，所以需要进行预处理。预处理的过程主要包括特殊符号处理，标点符号和不合法字符的去除，单词分析，对于停用词的处理，停用词包括常用停用词和</a:t>
             </a:r>
             <a:r>
               <a:rPr lang="en-US" altLang="zh-CN" smtClean="0">
                 <a:latin typeface="Arial" panose="020B0604020202020204" pitchFamily="34" charset="0"/>
               </a:rPr>
-              <a:t>LFH</a:t>
-            </a:r>
-            <a:r>
-              <a:rPr lang="zh-CN" altLang="en-US" smtClean="0">
-                <a:latin typeface="Arial" panose="020B0604020202020204" pitchFamily="34" charset="0"/>
-              </a:rPr>
-              <a:t>方法中，使用</a:t>
+              <a:t>API</a:t>
+            </a:r>
+            <a:r>
+              <a:rPr lang="zh-CN" altLang="en-US" smtClean="0">
+                <a:latin typeface="Arial" panose="020B0604020202020204" pitchFamily="34" charset="0"/>
+              </a:rPr>
+              <a:t>服务专用停用词后缀处理，词频文档频计算，词之间关系的分析，由于标签等中存在</a:t>
             </a:r>
             <a:r>
               <a:rPr lang="en-US" altLang="zh-CN" smtClean="0">
                 <a:latin typeface="Arial" panose="020B0604020202020204" pitchFamily="34" charset="0"/>
               </a:rPr>
-              <a:t>Jaccard</a:t>
-            </a:r>
-            <a:r>
-              <a:rPr lang="zh-CN" altLang="en-US" smtClean="0">
-                <a:latin typeface="Arial" panose="020B0604020202020204" pitchFamily="34" charset="0"/>
-              </a:rPr>
-              <a:t>系数计算语义相似，但是我们考虑使用</a:t>
+              <a:t>bike</a:t>
+            </a:r>
+            <a:r>
+              <a:rPr lang="zh-CN" altLang="en-US" smtClean="0">
+                <a:latin typeface="Arial" panose="020B0604020202020204" pitchFamily="34" charset="0"/>
+              </a:rPr>
+              <a:t>和</a:t>
             </a:r>
             <a:r>
               <a:rPr lang="en-US" altLang="zh-CN" smtClean="0">
                 <a:latin typeface="Arial" panose="020B0604020202020204" pitchFamily="34" charset="0"/>
               </a:rPr>
-              <a:t>Jaccard</a:t>
-            </a:r>
-            <a:r>
-              <a:rPr lang="zh-CN" altLang="en-US" smtClean="0">
-                <a:latin typeface="Arial" panose="020B0604020202020204" pitchFamily="34" charset="0"/>
-              </a:rPr>
-              <a:t>系数没有考虑到逆向文档频，以及词之间的语义形式度，（不介绍具体算法了）算法的具体表达式如图</a:t>
+              <a:t>bicycle</a:t>
+            </a:r>
+            <a:r>
+              <a:rPr lang="zh-CN" altLang="en-US" smtClean="0">
+                <a:latin typeface="Arial" panose="020B0604020202020204" pitchFamily="34" charset="0"/>
+              </a:rPr>
+              <a:t>这样的同义词，我们使用</a:t>
+            </a:r>
+            <a:r>
+              <a:rPr lang="en-US" altLang="zh-CN" smtClean="0">
+                <a:latin typeface="Arial" panose="020B0604020202020204" pitchFamily="34" charset="0"/>
+              </a:rPr>
+              <a:t>WordNet</a:t>
+            </a:r>
+            <a:r>
+              <a:rPr lang="zh-CN" altLang="en-US" smtClean="0">
+                <a:latin typeface="Arial" panose="020B0604020202020204" pitchFamily="34" charset="0"/>
+              </a:rPr>
+              <a:t>进行语义处理</a:t>
             </a:r>
           </a:p>
         </p:txBody>
@@ -1432,7 +1397,7 @@
       </p:grpSpPr>
       <p:sp>
         <p:nvSpPr>
-          <p:cNvPr id="92162" name="Rectangle 2"/>
+          <p:cNvPr id="91138" name="Rectangle 2"/>
           <p:cNvSpPr>
             <a:spLocks noGrp="1" noRot="1" noChangeAspect="1" noChangeArrowheads="1" noTextEdit="1"/>
           </p:cNvSpPr>
@@ -1446,7 +1411,7 @@
       </p:sp>
       <p:sp>
         <p:nvSpPr>
-          <p:cNvPr id="92163" name="Rectangle 3"/>
+          <p:cNvPr id="91139" name="Rectangle 3"/>
           <p:cNvSpPr>
             <a:spLocks noGrp="1" noChangeArrowheads="1"/>
           </p:cNvSpPr>
@@ -1485,7 +1450,7 @@
               <a:rPr lang="zh-CN" altLang="en-US" smtClean="0">
                 <a:latin typeface="Arial" panose="020B0604020202020204" pitchFamily="34" charset="0"/>
               </a:rPr>
-              <a:t>描述相似度使用经典的空间向量模型通过余弦值表示向量的相似度，服务相似度通过将上述计算的相似度进行加权得到</a:t>
+              <a:t>相似度计算主要是对于服务的功能的语义相似度进行计算，主要包含标签相似度、摘要相似度和描述相似度</a:t>
             </a:r>
           </a:p>
         </p:txBody>
@@ -1517,7 +1482,7 @@
       </p:grpSpPr>
       <p:sp>
         <p:nvSpPr>
-          <p:cNvPr id="93186" name="Rectangle 2"/>
+          <p:cNvPr id="66562" name="Rectangle 2"/>
           <p:cNvSpPr>
             <a:spLocks noGrp="1" noRot="1" noChangeAspect="1" noChangeArrowheads="1" noTextEdit="1"/>
           </p:cNvSpPr>
@@ -1531,7 +1496,7 @@
       </p:sp>
       <p:sp>
         <p:nvSpPr>
-          <p:cNvPr id="93187" name="Rectangle 3"/>
+          <p:cNvPr id="66563" name="Rectangle 3"/>
           <p:cNvSpPr>
             <a:spLocks noGrp="1" noChangeArrowheads="1"/>
           </p:cNvSpPr>
@@ -1570,55 +1535,43 @@
               <a:rPr lang="zh-CN" altLang="en-US" smtClean="0">
                 <a:latin typeface="Arial" panose="020B0604020202020204" pitchFamily="34" charset="0"/>
               </a:rPr>
-              <a:t>服务推荐主要是将上述步骤计算得到的</a:t>
+              <a:t>标签相似度和摘要相似度采用的同一种算法，通过数据预处理后可以得到标签和摘要的特征词集合，在</a:t>
             </a:r>
             <a:r>
               <a:rPr lang="en-US" altLang="zh-CN" smtClean="0">
                 <a:latin typeface="Arial" panose="020B0604020202020204" pitchFamily="34" charset="0"/>
               </a:rPr>
-              <a:t>API</a:t>
-            </a:r>
-            <a:r>
-              <a:rPr lang="zh-CN" altLang="en-US" smtClean="0">
-                <a:latin typeface="Arial" panose="020B0604020202020204" pitchFamily="34" charset="0"/>
-              </a:rPr>
-              <a:t>服务相似度数据结合</a:t>
+              <a:t>LFH</a:t>
+            </a:r>
+            <a:r>
+              <a:rPr lang="zh-CN" altLang="en-US" smtClean="0">
+                <a:latin typeface="Arial" panose="020B0604020202020204" pitchFamily="34" charset="0"/>
+              </a:rPr>
+              <a:t>方法中，使用</a:t>
             </a:r>
             <a:r>
               <a:rPr lang="en-US" altLang="zh-CN" smtClean="0">
                 <a:latin typeface="Arial" panose="020B0604020202020204" pitchFamily="34" charset="0"/>
               </a:rPr>
-              <a:t>API</a:t>
-            </a:r>
-            <a:r>
-              <a:rPr lang="zh-CN" altLang="en-US" smtClean="0">
-                <a:latin typeface="Arial" panose="020B0604020202020204" pitchFamily="34" charset="0"/>
-              </a:rPr>
-              <a:t>服务可组合的网络进行</a:t>
+              <a:t>Jaccard</a:t>
+            </a:r>
+            <a:r>
+              <a:rPr lang="zh-CN" altLang="en-US" smtClean="0">
+                <a:latin typeface="Arial" panose="020B0604020202020204" pitchFamily="34" charset="0"/>
+              </a:rPr>
+              <a:t>系数计算语义相似，但是我们考虑使用</a:t>
             </a:r>
             <a:r>
               <a:rPr lang="en-US" altLang="zh-CN" smtClean="0">
                 <a:latin typeface="Arial" panose="020B0604020202020204" pitchFamily="34" charset="0"/>
               </a:rPr>
-              <a:t>API</a:t>
-            </a:r>
-            <a:r>
-              <a:rPr lang="zh-CN" altLang="en-US" smtClean="0">
-                <a:latin typeface="Arial" panose="020B0604020202020204" pitchFamily="34" charset="0"/>
-              </a:rPr>
-              <a:t>服务的推荐，主要提出了功能相似的</a:t>
-            </a:r>
-            <a:r>
-              <a:rPr lang="en-US" altLang="zh-CN" smtClean="0">
-                <a:latin typeface="Arial" panose="020B0604020202020204" pitchFamily="34" charset="0"/>
-              </a:rPr>
-              <a:t>API</a:t>
-            </a:r>
-            <a:r>
-              <a:rPr lang="zh-CN" altLang="en-US" smtClean="0">
-                <a:latin typeface="Arial" panose="020B0604020202020204" pitchFamily="34" charset="0"/>
-              </a:rPr>
-              <a:t>服务推荐和对基于使用历史的服务推荐方法的扩展，最后对这两部分进行整合得到服务推荐的算法。</a:t>
+              <a:t>Jaccard</a:t>
+            </a:r>
+            <a:r>
+              <a:rPr lang="zh-CN" altLang="en-US" smtClean="0">
+                <a:latin typeface="Arial" panose="020B0604020202020204" pitchFamily="34" charset="0"/>
+              </a:rPr>
+              <a:t>系数没有考虑到逆向文档频，以及词之间的语义形式度，（不介绍具体算法了）算法的具体表达式如图</a:t>
             </a:r>
           </a:p>
         </p:txBody>
@@ -1650,7 +1603,7 @@
       </p:grpSpPr>
       <p:sp>
         <p:nvSpPr>
-          <p:cNvPr id="70658" name="Rectangle 2"/>
+          <p:cNvPr id="92162" name="Rectangle 2"/>
           <p:cNvSpPr>
             <a:spLocks noGrp="1" noRot="1" noChangeAspect="1" noChangeArrowheads="1" noTextEdit="1"/>
           </p:cNvSpPr>
@@ -1664,7 +1617,7 @@
       </p:sp>
       <p:sp>
         <p:nvSpPr>
-          <p:cNvPr id="70659" name="Rectangle 3"/>
+          <p:cNvPr id="92163" name="Rectangle 3"/>
           <p:cNvSpPr>
             <a:spLocks noGrp="1" noChangeArrowheads="1"/>
           </p:cNvSpPr>
@@ -1699,358 +1652,11 @@
           <a:bodyPr/>
           <a:lstStyle/>
           <a:p>
-            <a:pPr>
-              <a:lnSpc>
-                <a:spcPct val="90000"/>
-              </a:lnSpc>
-            </a:pPr>
-            <a:r>
-              <a:rPr lang="zh-CN" altLang="en-US" smtClean="0">
-                <a:latin typeface="黑体" panose="02010609060101010101" pitchFamily="49" charset="-122"/>
-                <a:ea typeface="黑体" panose="02010609060101010101" pitchFamily="49" charset="-122"/>
-              </a:rPr>
-              <a:t>功能相似</a:t>
-            </a:r>
-            <a:r>
-              <a:rPr lang="en-US" altLang="zh-CN" smtClean="0">
-                <a:latin typeface="黑体" panose="02010609060101010101" pitchFamily="49" charset="-122"/>
-                <a:ea typeface="黑体" panose="02010609060101010101" pitchFamily="49" charset="-122"/>
-              </a:rPr>
-              <a:t>API</a:t>
-            </a:r>
-            <a:r>
-              <a:rPr lang="zh-CN" altLang="en-US" smtClean="0">
-                <a:latin typeface="黑体" panose="02010609060101010101" pitchFamily="49" charset="-122"/>
-                <a:ea typeface="黑体" panose="02010609060101010101" pitchFamily="49" charset="-122"/>
-              </a:rPr>
-              <a:t>服务的推荐，主要</a:t>
-            </a:r>
-            <a:r>
-              <a:rPr lang="zh-CN" altLang="en-US" sz="1100" smtClean="0">
-                <a:latin typeface="宋体" panose="02010600030101010101" pitchFamily="2" charset="-122"/>
-              </a:rPr>
-              <a:t>解决基于使用历史的</a:t>
-            </a:r>
-            <a:r>
-              <a:rPr lang="en-US" altLang="zh-CN" sz="1100" smtClean="0">
-                <a:latin typeface="宋体" panose="02010600030101010101" pitchFamily="2" charset="-122"/>
-              </a:rPr>
-              <a:t>API</a:t>
-            </a:r>
-            <a:r>
-              <a:rPr lang="zh-CN" altLang="en-US" sz="1100" smtClean="0">
-                <a:latin typeface="宋体" panose="02010600030101010101" pitchFamily="2" charset="-122"/>
-              </a:rPr>
-              <a:t>服务推荐不能进行功能相似的推荐的问题</a:t>
-            </a:r>
-          </a:p>
-          <a:p>
-            <a:r>
-              <a:rPr lang="zh-CN" altLang="en-US" smtClean="0">
-                <a:latin typeface="Arial" panose="020B0604020202020204" pitchFamily="34" charset="0"/>
-              </a:rPr>
-              <a:t>算法是对于选择的</a:t>
-            </a:r>
-            <a:r>
-              <a:rPr lang="en-US" altLang="zh-CN" smtClean="0">
-                <a:latin typeface="Arial" panose="020B0604020202020204" pitchFamily="34" charset="0"/>
-              </a:rPr>
-              <a:t>API</a:t>
-            </a:r>
-            <a:r>
-              <a:rPr lang="zh-CN" altLang="en-US" smtClean="0">
-                <a:latin typeface="Arial" panose="020B0604020202020204" pitchFamily="34" charset="0"/>
-              </a:rPr>
-              <a:t>服务通过上述步骤计算出来的</a:t>
-            </a:r>
-            <a:r>
-              <a:rPr lang="en-US" altLang="zh-CN" smtClean="0">
-                <a:latin typeface="Arial" panose="020B0604020202020204" pitchFamily="34" charset="0"/>
-              </a:rPr>
-              <a:t>API</a:t>
-            </a:r>
-            <a:r>
-              <a:rPr lang="zh-CN" altLang="en-US" smtClean="0">
-                <a:latin typeface="Arial" panose="020B0604020202020204" pitchFamily="34" charset="0"/>
-              </a:rPr>
-              <a:t>服务相似度数据进行功能相似的</a:t>
-            </a:r>
-            <a:r>
-              <a:rPr lang="en-US" altLang="zh-CN" smtClean="0">
-                <a:latin typeface="Arial" panose="020B0604020202020204" pitchFamily="34" charset="0"/>
-              </a:rPr>
-              <a:t>API</a:t>
-            </a:r>
-            <a:r>
-              <a:rPr lang="zh-CN" altLang="en-US" smtClean="0">
-                <a:latin typeface="Arial" panose="020B0604020202020204" pitchFamily="34" charset="0"/>
-              </a:rPr>
-              <a:t>服务推荐</a:t>
-            </a:r>
-          </a:p>
-          <a:p>
-            <a:pPr>
-              <a:lnSpc>
-                <a:spcPct val="90000"/>
-              </a:lnSpc>
-            </a:pPr>
-            <a:r>
-              <a:rPr lang="en-US" altLang="zh-CN" smtClean="0">
-                <a:latin typeface="黑体" panose="02010609060101010101" pitchFamily="49" charset="-122"/>
-                <a:ea typeface="黑体" panose="02010609060101010101" pitchFamily="49" charset="-122"/>
-              </a:rPr>
-              <a:t>LFH</a:t>
-            </a:r>
-            <a:r>
-              <a:rPr lang="zh-CN" altLang="en-US" smtClean="0">
-                <a:latin typeface="黑体" panose="02010609060101010101" pitchFamily="49" charset="-122"/>
-                <a:ea typeface="黑体" panose="02010609060101010101" pitchFamily="49" charset="-122"/>
-              </a:rPr>
-              <a:t>方法的扩展</a:t>
-            </a:r>
-          </a:p>
-          <a:p>
-            <a:pPr marL="742950" lvl="1" indent="-285750">
-              <a:lnSpc>
-                <a:spcPct val="90000"/>
-              </a:lnSpc>
-            </a:pPr>
-            <a:r>
-              <a:rPr lang="zh-CN" altLang="en-US" sz="1100" smtClean="0">
-                <a:latin typeface="宋体" panose="02010600030101010101" pitchFamily="2" charset="-122"/>
-              </a:rPr>
-              <a:t>主要解决基于使用历史的</a:t>
-            </a:r>
-            <a:r>
-              <a:rPr lang="en-US" altLang="zh-CN" sz="1100" smtClean="0">
-                <a:latin typeface="宋体" panose="02010600030101010101" pitchFamily="2" charset="-122"/>
-              </a:rPr>
-              <a:t>API</a:t>
-            </a:r>
-            <a:r>
-              <a:rPr lang="zh-CN" altLang="en-US" sz="1100" smtClean="0">
-                <a:latin typeface="宋体" panose="02010600030101010101" pitchFamily="2" charset="-122"/>
-              </a:rPr>
-              <a:t>服务推荐可以进行推荐的</a:t>
-            </a:r>
-            <a:r>
-              <a:rPr lang="en-US" altLang="zh-CN" sz="1100" smtClean="0">
-                <a:latin typeface="宋体" panose="02010600030101010101" pitchFamily="2" charset="-122"/>
-              </a:rPr>
-              <a:t>API</a:t>
-            </a:r>
-            <a:r>
-              <a:rPr lang="zh-CN" altLang="en-US" sz="1100" smtClean="0">
-                <a:latin typeface="宋体" panose="02010600030101010101" pitchFamily="2" charset="-122"/>
-              </a:rPr>
-              <a:t>数量少的问题 </a:t>
-            </a:r>
-          </a:p>
-          <a:p>
-            <a:pPr marL="742950" lvl="1" indent="-285750">
-              <a:lnSpc>
-                <a:spcPct val="90000"/>
-              </a:lnSpc>
-            </a:pPr>
-            <a:r>
-              <a:rPr lang="zh-CN" altLang="en-US" sz="1100" smtClean="0">
-                <a:latin typeface="宋体" panose="02010600030101010101" pitchFamily="2" charset="-122"/>
-              </a:rPr>
-              <a:t>基本思想是</a:t>
-            </a:r>
-            <a:r>
-              <a:rPr lang="zh-CN" altLang="en-US" smtClean="0">
-                <a:latin typeface="Arial" panose="020B0604020202020204" pitchFamily="34" charset="0"/>
-              </a:rPr>
-              <a:t>如果服务</a:t>
-            </a:r>
-            <a:r>
-              <a:rPr lang="en-US" altLang="zh-CN" smtClean="0">
-                <a:latin typeface="Arial" panose="020B0604020202020204" pitchFamily="34" charset="0"/>
-              </a:rPr>
-              <a:t>A</a:t>
-            </a:r>
-            <a:r>
-              <a:rPr lang="zh-CN" altLang="en-US" smtClean="0">
-                <a:latin typeface="Arial" panose="020B0604020202020204" pitchFamily="34" charset="0"/>
-              </a:rPr>
-              <a:t>可以跟服务</a:t>
-            </a:r>
-            <a:r>
-              <a:rPr lang="en-US" altLang="zh-CN" smtClean="0">
-                <a:latin typeface="Arial" panose="020B0604020202020204" pitchFamily="34" charset="0"/>
-              </a:rPr>
-              <a:t>B</a:t>
-            </a:r>
-            <a:r>
-              <a:rPr lang="zh-CN" altLang="en-US" smtClean="0">
-                <a:latin typeface="Arial" panose="020B0604020202020204" pitchFamily="34" charset="0"/>
-              </a:rPr>
-              <a:t>可替代，而服务</a:t>
-            </a:r>
-            <a:r>
-              <a:rPr lang="en-US" altLang="zh-CN" smtClean="0">
-                <a:latin typeface="Arial" panose="020B0604020202020204" pitchFamily="34" charset="0"/>
-              </a:rPr>
-              <a:t>B</a:t>
-            </a:r>
-            <a:r>
-              <a:rPr lang="zh-CN" altLang="en-US" smtClean="0">
-                <a:latin typeface="Arial" panose="020B0604020202020204" pitchFamily="34" charset="0"/>
-              </a:rPr>
-              <a:t>和服务</a:t>
-            </a:r>
-            <a:r>
-              <a:rPr lang="en-US" altLang="zh-CN" smtClean="0">
-                <a:latin typeface="Arial" panose="020B0604020202020204" pitchFamily="34" charset="0"/>
-              </a:rPr>
-              <a:t>C</a:t>
-            </a:r>
-            <a:r>
-              <a:rPr lang="zh-CN" altLang="en-US" smtClean="0">
-                <a:latin typeface="Arial" panose="020B0604020202020204" pitchFamily="34" charset="0"/>
-              </a:rPr>
-              <a:t>是可以组合的关系，那么服务</a:t>
-            </a:r>
-            <a:r>
-              <a:rPr lang="en-US" altLang="zh-CN" smtClean="0">
-                <a:latin typeface="Arial" panose="020B0604020202020204" pitchFamily="34" charset="0"/>
-              </a:rPr>
-              <a:t>A</a:t>
-            </a:r>
-            <a:r>
-              <a:rPr lang="zh-CN" altLang="en-US" smtClean="0">
-                <a:latin typeface="Arial" panose="020B0604020202020204" pitchFamily="34" charset="0"/>
-              </a:rPr>
-              <a:t>跟服务</a:t>
-            </a:r>
-            <a:r>
-              <a:rPr lang="en-US" altLang="zh-CN" smtClean="0">
-                <a:latin typeface="Arial" panose="020B0604020202020204" pitchFamily="34" charset="0"/>
-              </a:rPr>
-              <a:t>C</a:t>
-            </a:r>
-            <a:r>
-              <a:rPr lang="zh-CN" altLang="en-US" smtClean="0">
-                <a:latin typeface="Arial" panose="020B0604020202020204" pitchFamily="34" charset="0"/>
-              </a:rPr>
-              <a:t>可以组合的概率就很大。 </a:t>
-            </a:r>
-          </a:p>
-          <a:p>
-            <a:r>
-              <a:rPr lang="zh-CN" altLang="en-US" smtClean="0">
-                <a:latin typeface="Arial" panose="020B0604020202020204" pitchFamily="34" charset="0"/>
-              </a:rPr>
-              <a:t>算法是如果服务</a:t>
-            </a:r>
-            <a:r>
-              <a:rPr lang="en-US" altLang="zh-CN" smtClean="0">
-                <a:latin typeface="Arial" panose="020B0604020202020204" pitchFamily="34" charset="0"/>
-              </a:rPr>
-              <a:t>A</a:t>
-            </a:r>
-            <a:r>
-              <a:rPr lang="zh-CN" altLang="en-US" smtClean="0">
-                <a:latin typeface="Arial" panose="020B0604020202020204" pitchFamily="34" charset="0"/>
-              </a:rPr>
-              <a:t>没有被组合过，那么服务</a:t>
-            </a:r>
-            <a:r>
-              <a:rPr lang="en-US" altLang="zh-CN" smtClean="0">
-                <a:latin typeface="Arial" panose="020B0604020202020204" pitchFamily="34" charset="0"/>
-              </a:rPr>
-              <a:t>A</a:t>
-            </a:r>
-            <a:r>
-              <a:rPr lang="zh-CN" altLang="en-US" smtClean="0">
-                <a:latin typeface="Arial" panose="020B0604020202020204" pitchFamily="34" charset="0"/>
-              </a:rPr>
-              <a:t>通过</a:t>
-            </a:r>
-            <a:r>
-              <a:rPr lang="en-US" altLang="zh-CN" smtClean="0">
-                <a:latin typeface="Arial" panose="020B0604020202020204" pitchFamily="34" charset="0"/>
-              </a:rPr>
-              <a:t>LFH</a:t>
-            </a:r>
-            <a:r>
-              <a:rPr lang="zh-CN" altLang="en-US" smtClean="0">
-                <a:latin typeface="Arial" panose="020B0604020202020204" pitchFamily="34" charset="0"/>
-              </a:rPr>
-              <a:t>方法就不能够得到可组合服务的推荐，这时可以通过得到与服务</a:t>
-            </a:r>
-            <a:r>
-              <a:rPr lang="en-US" altLang="zh-CN" smtClean="0">
-                <a:latin typeface="Arial" panose="020B0604020202020204" pitchFamily="34" charset="0"/>
-              </a:rPr>
-              <a:t>A</a:t>
-            </a:r>
-            <a:r>
-              <a:rPr lang="zh-CN" altLang="en-US" smtClean="0">
-                <a:latin typeface="Arial" panose="020B0604020202020204" pitchFamily="34" charset="0"/>
-              </a:rPr>
-              <a:t>功能相近</a:t>
-            </a:r>
-            <a:r>
-              <a:rPr lang="en-US" altLang="zh-CN" smtClean="0">
-                <a:latin typeface="Arial" panose="020B0604020202020204" pitchFamily="34" charset="0"/>
-              </a:rPr>
-              <a:t>top-k</a:t>
-            </a:r>
-            <a:r>
-              <a:rPr lang="zh-CN" altLang="en-US" smtClean="0">
-                <a:latin typeface="Arial" panose="020B0604020202020204" pitchFamily="34" charset="0"/>
-              </a:rPr>
-              <a:t>的服务列表</a:t>
-            </a:r>
-            <a:r>
-              <a:rPr lang="en-US" altLang="zh-CN" smtClean="0">
-                <a:latin typeface="Arial" panose="020B0604020202020204" pitchFamily="34" charset="0"/>
-              </a:rPr>
-              <a:t>{A1,A2,…..},</a:t>
-            </a:r>
-            <a:r>
-              <a:rPr lang="zh-CN" altLang="en-US" smtClean="0">
-                <a:latin typeface="Arial" panose="020B0604020202020204" pitchFamily="34" charset="0"/>
-              </a:rPr>
-              <a:t>然后根据列表中的服务</a:t>
-            </a:r>
-            <a:r>
-              <a:rPr lang="en-US" altLang="zh-CN" smtClean="0">
-                <a:latin typeface="Arial" panose="020B0604020202020204" pitchFamily="34" charset="0"/>
-              </a:rPr>
-              <a:t>A1</a:t>
-            </a:r>
-            <a:r>
-              <a:rPr lang="zh-CN" altLang="en-US" smtClean="0">
-                <a:latin typeface="Arial" panose="020B0604020202020204" pitchFamily="34" charset="0"/>
-              </a:rPr>
-              <a:t>，</a:t>
-            </a:r>
-            <a:r>
-              <a:rPr lang="en-US" altLang="zh-CN" smtClean="0">
-                <a:latin typeface="Arial" panose="020B0604020202020204" pitchFamily="34" charset="0"/>
-              </a:rPr>
-              <a:t>A2,......, An</a:t>
-            </a:r>
-            <a:r>
-              <a:rPr lang="zh-CN" altLang="en-US" smtClean="0">
-                <a:latin typeface="Arial" panose="020B0604020202020204" pitchFamily="34" charset="0"/>
-              </a:rPr>
-              <a:t>的可组合服务的情况，进行服务</a:t>
-            </a:r>
-            <a:r>
-              <a:rPr lang="en-US" altLang="zh-CN" smtClean="0">
-                <a:latin typeface="Arial" panose="020B0604020202020204" pitchFamily="34" charset="0"/>
-              </a:rPr>
-              <a:t>A</a:t>
-            </a:r>
-            <a:r>
-              <a:rPr lang="zh-CN" altLang="en-US" smtClean="0">
-                <a:latin typeface="Arial" panose="020B0604020202020204" pitchFamily="34" charset="0"/>
-              </a:rPr>
-              <a:t>的可组合服务的推荐 。</a:t>
+            <a:r>
+              <a:rPr lang="zh-CN" altLang="en-US" smtClean="0">
+                <a:latin typeface="Arial" panose="020B0604020202020204" pitchFamily="34" charset="0"/>
+              </a:rPr>
+              <a:t>描述相似度使用经典的空间向量模型通过余弦值表示向量的相似度，服务相似度通过将上述计算的相似度进行加权得到</a:t>
             </a:r>
           </a:p>
         </p:txBody>
@@ -2082,7 +1688,7 @@
       </p:grpSpPr>
       <p:sp>
         <p:nvSpPr>
-          <p:cNvPr id="72706" name="Rectangle 2"/>
+          <p:cNvPr id="93186" name="Rectangle 2"/>
           <p:cNvSpPr>
             <a:spLocks noGrp="1" noRot="1" noChangeAspect="1" noChangeArrowheads="1" noTextEdit="1"/>
           </p:cNvSpPr>
@@ -2096,7 +1702,7 @@
       </p:sp>
       <p:sp>
         <p:nvSpPr>
-          <p:cNvPr id="72707" name="Rectangle 3"/>
+          <p:cNvPr id="93187" name="Rectangle 3"/>
           <p:cNvSpPr>
             <a:spLocks noGrp="1" noChangeArrowheads="1"/>
           </p:cNvSpPr>
@@ -2131,150 +1737,59 @@
           <a:bodyPr/>
           <a:lstStyle/>
           <a:p>
-            <a:pPr marL="228600" indent="-228600"/>
-            <a:r>
-              <a:rPr lang="zh-CN" altLang="en-US" smtClean="0">
-                <a:latin typeface="Arial" panose="020B0604020202020204" pitchFamily="34" charset="0"/>
-              </a:rPr>
-              <a:t>主要是对于有使用历史的</a:t>
-            </a:r>
-          </a:p>
-          <a:p>
-            <a:pPr marL="228600" indent="-228600"/>
-            <a:r>
-              <a:rPr lang="zh-CN" altLang="en-US" smtClean="0">
-                <a:latin typeface="Arial" panose="020B0604020202020204" pitchFamily="34" charset="0"/>
-              </a:rPr>
-              <a:t>根据基于使用历史的方法推荐可组合服务列表</a:t>
+            <a:r>
+              <a:rPr lang="zh-CN" altLang="en-US" smtClean="0">
+                <a:latin typeface="Arial" panose="020B0604020202020204" pitchFamily="34" charset="0"/>
+              </a:rPr>
+              <a:t>服务推荐主要是将上述步骤计算得到的</a:t>
             </a:r>
             <a:r>
               <a:rPr lang="en-US" altLang="zh-CN" smtClean="0">
                 <a:latin typeface="Arial" panose="020B0604020202020204" pitchFamily="34" charset="0"/>
               </a:rPr>
-              <a:t>;</a:t>
-            </a:r>
-          </a:p>
-          <a:p>
-            <a:pPr marL="228600" indent="-228600"/>
+              <a:t>API</a:t>
+            </a:r>
+            <a:r>
+              <a:rPr lang="zh-CN" altLang="en-US" smtClean="0">
+                <a:latin typeface="Arial" panose="020B0604020202020204" pitchFamily="34" charset="0"/>
+              </a:rPr>
+              <a:t>服务相似度数据结合</a:t>
+            </a:r>
             <a:r>
               <a:rPr lang="en-US" altLang="zh-CN" smtClean="0">
                 <a:latin typeface="Arial" panose="020B0604020202020204" pitchFamily="34" charset="0"/>
               </a:rPr>
-              <a:t>        </a:t>
-            </a:r>
-            <a:r>
-              <a:rPr lang="zh-CN" altLang="en-US" smtClean="0">
-                <a:latin typeface="Arial" panose="020B0604020202020204" pitchFamily="34" charset="0"/>
-              </a:rPr>
-              <a:t>根据</a:t>
+              <a:t>API</a:t>
+            </a:r>
+            <a:r>
+              <a:rPr lang="zh-CN" altLang="en-US" smtClean="0">
+                <a:latin typeface="Arial" panose="020B0604020202020204" pitchFamily="34" charset="0"/>
+              </a:rPr>
+              <a:t>服务可组合的网络进行</a:t>
             </a:r>
             <a:r>
               <a:rPr lang="en-US" altLang="zh-CN" smtClean="0">
                 <a:latin typeface="Arial" panose="020B0604020202020204" pitchFamily="34" charset="0"/>
               </a:rPr>
-              <a:t>LFH</a:t>
-            </a:r>
-            <a:r>
-              <a:rPr lang="zh-CN" altLang="en-US" smtClean="0">
-                <a:latin typeface="Arial" panose="020B0604020202020204" pitchFamily="34" charset="0"/>
-              </a:rPr>
-              <a:t>方法的扩展推荐潜在可组合服务列表</a:t>
+              <a:t>API</a:t>
+            </a:r>
+            <a:r>
+              <a:rPr lang="zh-CN" altLang="en-US" smtClean="0">
+                <a:latin typeface="Arial" panose="020B0604020202020204" pitchFamily="34" charset="0"/>
+              </a:rPr>
+              <a:t>服务的推荐，主要提出了功能相似的</a:t>
             </a:r>
             <a:r>
               <a:rPr lang="en-US" altLang="zh-CN" smtClean="0">
                 <a:latin typeface="Arial" panose="020B0604020202020204" pitchFamily="34" charset="0"/>
               </a:rPr>
-              <a:t>;</a:t>
-            </a:r>
-          </a:p>
-          <a:p>
-            <a:pPr marL="228600" indent="-228600"/>
-            <a:r>
-              <a:rPr lang="en-US" altLang="zh-CN" smtClean="0">
-                <a:latin typeface="Arial" panose="020B0604020202020204" pitchFamily="34" charset="0"/>
-              </a:rPr>
-              <a:t>        </a:t>
-            </a:r>
-            <a:r>
-              <a:rPr lang="zh-CN" altLang="en-US" smtClean="0">
-                <a:latin typeface="Arial" panose="020B0604020202020204" pitchFamily="34" charset="0"/>
-              </a:rPr>
-              <a:t>根据功能相似</a:t>
-            </a:r>
-            <a:r>
-              <a:rPr lang="en-US" altLang="zh-CN" smtClean="0">
-                <a:latin typeface="Arial" panose="020B0604020202020204" pitchFamily="34" charset="0"/>
-              </a:rPr>
               <a:t>API</a:t>
             </a:r>
             <a:r>
               <a:rPr lang="zh-CN" altLang="en-US" smtClean="0">
                 <a:latin typeface="Arial" panose="020B0604020202020204" pitchFamily="34" charset="0"/>
               </a:rPr>
-              <a:t>服务推荐可替代服务列表；</a:t>
-            </a:r>
-          </a:p>
-          <a:p>
-            <a:pPr marL="228600" indent="-228600"/>
-            <a:r>
-              <a:rPr lang="zh-CN" altLang="en-US" smtClean="0">
-                <a:latin typeface="Arial" panose="020B0604020202020204" pitchFamily="34" charset="0"/>
-              </a:rPr>
-              <a:t>没有使用历史的</a:t>
-            </a:r>
-          </a:p>
-          <a:p>
-            <a:pPr marL="228600" indent="-228600"/>
-            <a:r>
-              <a:rPr lang="zh-CN" altLang="en-US" smtClean="0">
-                <a:latin typeface="Arial" panose="020B0604020202020204" pitchFamily="34" charset="0"/>
-              </a:rPr>
-              <a:t>根据</a:t>
-            </a:r>
-            <a:r>
-              <a:rPr lang="en-US" altLang="zh-CN" smtClean="0">
-                <a:latin typeface="Arial" panose="020B0604020202020204" pitchFamily="34" charset="0"/>
-              </a:rPr>
-              <a:t>LFH</a:t>
-            </a:r>
-            <a:r>
-              <a:rPr lang="zh-CN" altLang="en-US" smtClean="0">
-                <a:latin typeface="Arial" panose="020B0604020202020204" pitchFamily="34" charset="0"/>
-              </a:rPr>
-              <a:t>方法的扩展推荐潜在可组合服务列表</a:t>
-            </a:r>
-            <a:r>
-              <a:rPr lang="en-US" altLang="zh-CN" smtClean="0">
-                <a:latin typeface="Arial" panose="020B0604020202020204" pitchFamily="34" charset="0"/>
-              </a:rPr>
-              <a:t>;</a:t>
-            </a:r>
-          </a:p>
-          <a:p>
-            <a:pPr marL="228600" indent="-228600"/>
-            <a:r>
-              <a:rPr lang="en-US" altLang="zh-CN" smtClean="0">
-                <a:latin typeface="Arial" panose="020B0604020202020204" pitchFamily="34" charset="0"/>
-              </a:rPr>
-              <a:t>        </a:t>
-            </a:r>
-            <a:r>
-              <a:rPr lang="zh-CN" altLang="en-US" smtClean="0">
-                <a:latin typeface="Arial" panose="020B0604020202020204" pitchFamily="34" charset="0"/>
-              </a:rPr>
-              <a:t>根据功能相似</a:t>
-            </a:r>
-            <a:r>
-              <a:rPr lang="en-US" altLang="zh-CN" smtClean="0">
-                <a:latin typeface="Arial" panose="020B0604020202020204" pitchFamily="34" charset="0"/>
-              </a:rPr>
-              <a:t>API</a:t>
-            </a:r>
-            <a:r>
-              <a:rPr lang="zh-CN" altLang="en-US" smtClean="0">
-                <a:latin typeface="Arial" panose="020B0604020202020204" pitchFamily="34" charset="0"/>
-              </a:rPr>
-              <a:t>服务推荐可替代服务列表；</a:t>
+              <a:t>服务推荐和对基于使用历史的服务推荐方法的扩展，最后对这两部分进行整合得到服务推荐的算法。</a:t>
             </a:r>
           </a:p>
         </p:txBody>
@@ -2306,7 +1821,7 @@
       </p:grpSpPr>
       <p:sp>
         <p:nvSpPr>
-          <p:cNvPr id="88066" name="Rectangle 2"/>
+          <p:cNvPr id="70658" name="Rectangle 2"/>
           <p:cNvSpPr>
             <a:spLocks noGrp="1" noRot="1" noChangeAspect="1" noChangeArrowheads="1" noTextEdit="1"/>
           </p:cNvSpPr>
@@ -2320,7 +1835,7 @@
       </p:sp>
       <p:sp>
         <p:nvSpPr>
-          <p:cNvPr id="88067" name="Rectangle 3"/>
+          <p:cNvPr id="70659" name="Rectangle 3"/>
           <p:cNvSpPr>
             <a:spLocks noGrp="1" noChangeArrowheads="1"/>
           </p:cNvSpPr>
@@ -2355,23 +1870,57 @@
           <a:bodyPr/>
           <a:lstStyle/>
           <a:p>
-            <a:r>
-              <a:rPr lang="zh-CN" altLang="en-US" smtClean="0">
-                <a:latin typeface="Arial" panose="020B0604020202020204" pitchFamily="34" charset="0"/>
-              </a:rPr>
-              <a:t>验证本文提出的服务推荐算法的可组合服务查询推荐可以能过解决基于使用历史的</a:t>
+            <a:pPr>
+              <a:lnSpc>
+                <a:spcPct val="90000"/>
+              </a:lnSpc>
+            </a:pPr>
+            <a:r>
+              <a:rPr lang="zh-CN" altLang="en-US" smtClean="0">
+                <a:latin typeface="黑体" panose="02010609060101010101" pitchFamily="49" charset="-122"/>
+                <a:ea typeface="黑体" panose="02010609060101010101" pitchFamily="49" charset="-122"/>
+              </a:rPr>
+              <a:t>功能相似</a:t>
             </a:r>
             <a:r>
               <a:rPr lang="en-US" altLang="zh-CN" smtClean="0">
-                <a:latin typeface="Arial" panose="020B0604020202020204" pitchFamily="34" charset="0"/>
+                <a:latin typeface="黑体" panose="02010609060101010101" pitchFamily="49" charset="-122"/>
+                <a:ea typeface="黑体" panose="02010609060101010101" pitchFamily="49" charset="-122"/>
               </a:rPr>
               <a:t>API</a:t>
             </a:r>
             <a:r>
               <a:rPr lang="zh-CN" altLang="en-US" smtClean="0">
-                <a:latin typeface="Arial" panose="020B0604020202020204" pitchFamily="34" charset="0"/>
-              </a:rPr>
-              <a:t>服务查询推荐方法可查询推荐的</a:t>
+                <a:latin typeface="黑体" panose="02010609060101010101" pitchFamily="49" charset="-122"/>
+                <a:ea typeface="黑体" panose="02010609060101010101" pitchFamily="49" charset="-122"/>
+              </a:rPr>
+              <a:t>服务的推荐，主要</a:t>
+            </a:r>
+            <a:r>
+              <a:rPr lang="zh-CN" altLang="en-US" sz="1100" smtClean="0">
+                <a:latin typeface="宋体" panose="02010600030101010101" pitchFamily="2" charset="-122"/>
+              </a:rPr>
+              <a:t>解决基于使用历史的</a:t>
+            </a:r>
+            <a:r>
+              <a:rPr lang="en-US" altLang="zh-CN" sz="1100" smtClean="0">
+                <a:latin typeface="宋体" panose="02010600030101010101" pitchFamily="2" charset="-122"/>
+              </a:rPr>
+              <a:t>API</a:t>
+            </a:r>
+            <a:r>
+              <a:rPr lang="zh-CN" altLang="en-US" sz="1100" smtClean="0">
+                <a:latin typeface="宋体" panose="02010600030101010101" pitchFamily="2" charset="-122"/>
+              </a:rPr>
+              <a:t>服务推荐不能进行功能相似的推荐的问题</a:t>
+            </a:r>
+          </a:p>
+          <a:p>
+            <a:r>
+              <a:rPr lang="zh-CN" altLang="en-US" smtClean="0">
+                <a:latin typeface="Arial" panose="020B0604020202020204" pitchFamily="34" charset="0"/>
+              </a:rPr>
+              <a:t>算法是对于选择的</a:t>
             </a:r>
             <a:r>
               <a:rPr lang="en-US" altLang="zh-CN" smtClean="0">
@@ -2383,101 +1932,296 @@
               <a:rPr lang="zh-CN" altLang="en-US" smtClean="0">
                 <a:latin typeface="Arial" panose="020B0604020202020204" pitchFamily="34" charset="0"/>
               </a:rPr>
-              <a:t>服务数量较少的问题</a:t>
-            </a:r>
-          </a:p>
-          <a:p>
+              <a:t>服务通过上述步骤计算出来的</a:t>
+            </a:r>
             <a:r>
               <a:rPr lang="en-US" altLang="zh-CN" smtClean="0">
                 <a:latin typeface="Arial" panose="020B0604020202020204" pitchFamily="34" charset="0"/>
               </a:rPr>
-              <a:t>K</a:t>
-            </a:r>
-            <a:r>
-              <a:rPr lang="zh-CN" altLang="en-US" smtClean="0">
-                <a:latin typeface="Arial" panose="020B0604020202020204" pitchFamily="34" charset="0"/>
-              </a:rPr>
-              <a:t>为</a:t>
+              <a:t>API</a:t>
+            </a:r>
+            <a:r>
+              <a:rPr lang="zh-CN" altLang="en-US" smtClean="0">
+                <a:latin typeface="Arial" panose="020B0604020202020204" pitchFamily="34" charset="0"/>
+              </a:rPr>
+              <a:t>服务相似度数据进行功能相似的</a:t>
             </a:r>
             <a:r>
               <a:rPr lang="en-US" altLang="zh-CN" smtClean="0">
                 <a:latin typeface="Arial" panose="020B0604020202020204" pitchFamily="34" charset="0"/>
               </a:rPr>
-              <a:t>0</a:t>
-            </a:r>
-            <a:r>
-              <a:rPr lang="zh-CN" altLang="en-US" smtClean="0">
-                <a:latin typeface="Arial" panose="020B0604020202020204" pitchFamily="34" charset="0"/>
-              </a:rPr>
-              <a:t>时是基于使用历史的</a:t>
-            </a:r>
+              <a:t>API</a:t>
+            </a:r>
+            <a:r>
+              <a:rPr lang="zh-CN" altLang="en-US" smtClean="0">
+                <a:latin typeface="Arial" panose="020B0604020202020204" pitchFamily="34" charset="0"/>
+              </a:rPr>
+              <a:t>服务推荐</a:t>
+            </a:r>
+          </a:p>
+          <a:p>
+            <a:pPr>
+              <a:lnSpc>
+                <a:spcPct val="90000"/>
+              </a:lnSpc>
+            </a:pPr>
             <a:r>
               <a:rPr lang="en-US" altLang="zh-CN" smtClean="0">
-                <a:latin typeface="Arial" panose="020B0604020202020204" pitchFamily="34" charset="0"/>
+                <a:latin typeface="黑体" panose="02010609060101010101" pitchFamily="49" charset="-122"/>
+                <a:ea typeface="黑体" panose="02010609060101010101" pitchFamily="49" charset="-122"/>
+              </a:rPr>
+              <a:t>LFH</a:t>
+            </a:r>
+            <a:r>
+              <a:rPr lang="zh-CN" altLang="en-US" smtClean="0">
+                <a:latin typeface="黑体" panose="02010609060101010101" pitchFamily="49" charset="-122"/>
+                <a:ea typeface="黑体" panose="02010609060101010101" pitchFamily="49" charset="-122"/>
+              </a:rPr>
+              <a:t>方法的扩展</a:t>
+            </a:r>
+          </a:p>
+          <a:p>
+            <a:pPr marL="742950" lvl="1" indent="-285750">
+              <a:lnSpc>
+                <a:spcPct val="90000"/>
+              </a:lnSpc>
+            </a:pPr>
+            <a:r>
+              <a:rPr lang="zh-CN" altLang="en-US" sz="1100" smtClean="0">
+                <a:latin typeface="宋体" panose="02010600030101010101" pitchFamily="2" charset="-122"/>
+              </a:rPr>
+              <a:t>主要解决基于使用历史的</a:t>
+            </a:r>
+            <a:r>
+              <a:rPr lang="en-US" altLang="zh-CN" sz="1100" smtClean="0">
+                <a:latin typeface="宋体" panose="02010600030101010101" pitchFamily="2" charset="-122"/>
               </a:rPr>
               <a:t>API</a:t>
             </a:r>
             <a:r>
-              <a:rPr lang="zh-CN" altLang="en-US" smtClean="0">
-                <a:latin typeface="Arial" panose="020B0604020202020204" pitchFamily="34" charset="0"/>
-              </a:rPr>
-              <a:t>服务的查询推荐</a:t>
-            </a:r>
-          </a:p>
-          <a:p>
-            <a:r>
-              <a:rPr lang="zh-CN" altLang="en-US" smtClean="0">
-                <a:latin typeface="Arial" panose="020B0604020202020204" pitchFamily="34" charset="0"/>
-              </a:rPr>
-              <a:t>可以看到在</a:t>
+              <a:rPr lang="zh-CN" altLang="en-US" sz="1100" smtClean="0">
+                <a:latin typeface="宋体" panose="02010600030101010101" pitchFamily="2" charset="-122"/>
+              </a:rPr>
+              <a:t>服务推荐可以进行推荐的</a:t>
+            </a:r>
+            <a:r>
+              <a:rPr lang="en-US" altLang="zh-CN" sz="1100" smtClean="0">
+                <a:latin typeface="宋体" panose="02010600030101010101" pitchFamily="2" charset="-122"/>
+              </a:rPr>
+              <a:t>API</a:t>
+            </a:r>
+            <a:r>
+              <a:rPr lang="zh-CN" altLang="en-US" sz="1100" smtClean="0">
+                <a:latin typeface="宋体" panose="02010600030101010101" pitchFamily="2" charset="-122"/>
+              </a:rPr>
+              <a:t>数量少的问题 </a:t>
+            </a:r>
+          </a:p>
+          <a:p>
+            <a:pPr marL="742950" lvl="1" indent="-285750">
+              <a:lnSpc>
+                <a:spcPct val="90000"/>
+              </a:lnSpc>
+            </a:pPr>
+            <a:r>
+              <a:rPr lang="zh-CN" altLang="en-US" sz="1100" smtClean="0">
+                <a:latin typeface="宋体" panose="02010600030101010101" pitchFamily="2" charset="-122"/>
+              </a:rPr>
+              <a:t>基本思想是</a:t>
+            </a:r>
+            <a:r>
+              <a:rPr lang="zh-CN" altLang="en-US" smtClean="0">
+                <a:latin typeface="Arial" panose="020B0604020202020204" pitchFamily="34" charset="0"/>
+              </a:rPr>
+              <a:t>如果服务</a:t>
             </a:r>
             <a:r>
               <a:rPr lang="en-US" altLang="zh-CN" smtClean="0">
                 <a:latin typeface="Arial" panose="020B0604020202020204" pitchFamily="34" charset="0"/>
               </a:rPr>
-              <a:t>k</a:t>
-            </a:r>
-            <a:r>
-              <a:rPr lang="zh-CN" altLang="en-US" smtClean="0">
-                <a:latin typeface="Arial" panose="020B0604020202020204" pitchFamily="34" charset="0"/>
-              </a:rPr>
-              <a:t>为</a:t>
+              <a:t>A</a:t>
+            </a:r>
+            <a:r>
+              <a:rPr lang="zh-CN" altLang="en-US" smtClean="0">
+                <a:latin typeface="Arial" panose="020B0604020202020204" pitchFamily="34" charset="0"/>
+              </a:rPr>
+              <a:t>可以跟服务</a:t>
             </a:r>
             <a:r>
               <a:rPr lang="en-US" altLang="zh-CN" smtClean="0">
                 <a:latin typeface="Arial" panose="020B0604020202020204" pitchFamily="34" charset="0"/>
               </a:rPr>
-              <a:t>15</a:t>
-            </a:r>
-            <a:r>
-              <a:rPr lang="zh-CN" altLang="en-US" smtClean="0">
-                <a:latin typeface="Arial" panose="020B0604020202020204" pitchFamily="34" charset="0"/>
-              </a:rPr>
-              <a:t>时可以查询推荐的</a:t>
+              <a:t>B</a:t>
+            </a:r>
+            <a:r>
+              <a:rPr lang="zh-CN" altLang="en-US" smtClean="0">
+                <a:latin typeface="Arial" panose="020B0604020202020204" pitchFamily="34" charset="0"/>
+              </a:rPr>
+              <a:t>可替代，而服务</a:t>
             </a:r>
             <a:r>
               <a:rPr lang="en-US" altLang="zh-CN" smtClean="0">
                 <a:latin typeface="Arial" panose="020B0604020202020204" pitchFamily="34" charset="0"/>
               </a:rPr>
-              <a:t>API</a:t>
-            </a:r>
-            <a:r>
-              <a:rPr lang="zh-CN" altLang="en-US" smtClean="0">
-                <a:latin typeface="Arial" panose="020B0604020202020204" pitchFamily="34" charset="0"/>
-              </a:rPr>
-              <a:t>服务就为</a:t>
+              <a:t>B</a:t>
+            </a:r>
+            <a:r>
+              <a:rPr lang="zh-CN" altLang="en-US" smtClean="0">
+                <a:latin typeface="Arial" panose="020B0604020202020204" pitchFamily="34" charset="0"/>
+              </a:rPr>
+              <a:t>和服务</a:t>
             </a:r>
             <a:r>
               <a:rPr lang="en-US" altLang="zh-CN" smtClean="0">
                 <a:latin typeface="Arial" panose="020B0604020202020204" pitchFamily="34" charset="0"/>
               </a:rPr>
-              <a:t>4242</a:t>
-            </a:r>
-            <a:r>
-              <a:rPr lang="zh-CN" altLang="en-US" smtClean="0">
-                <a:latin typeface="Arial" panose="020B0604020202020204" pitchFamily="34" charset="0"/>
-              </a:rPr>
-              <a:t>个，基本都可以进行查询</a:t>
+              <a:t>C</a:t>
+            </a:r>
+            <a:r>
+              <a:rPr lang="zh-CN" altLang="en-US" smtClean="0">
+                <a:latin typeface="Arial" panose="020B0604020202020204" pitchFamily="34" charset="0"/>
+              </a:rPr>
+              <a:t>是可以组合的关系，那么服务</a:t>
+            </a:r>
+            <a:r>
+              <a:rPr lang="en-US" altLang="zh-CN" smtClean="0">
+                <a:latin typeface="Arial" panose="020B0604020202020204" pitchFamily="34" charset="0"/>
+              </a:rPr>
+              <a:t>A</a:t>
+            </a:r>
+            <a:r>
+              <a:rPr lang="zh-CN" altLang="en-US" smtClean="0">
+                <a:latin typeface="Arial" panose="020B0604020202020204" pitchFamily="34" charset="0"/>
+              </a:rPr>
+              <a:t>跟服务</a:t>
+            </a:r>
+            <a:r>
+              <a:rPr lang="en-US" altLang="zh-CN" smtClean="0">
+                <a:latin typeface="Arial" panose="020B0604020202020204" pitchFamily="34" charset="0"/>
+              </a:rPr>
+              <a:t>C</a:t>
+            </a:r>
+            <a:r>
+              <a:rPr lang="zh-CN" altLang="en-US" smtClean="0">
+                <a:latin typeface="Arial" panose="020B0604020202020204" pitchFamily="34" charset="0"/>
+              </a:rPr>
+              <a:t>可以组合的概率就很大。 </a:t>
+            </a:r>
+          </a:p>
+          <a:p>
+            <a:r>
+              <a:rPr lang="zh-CN" altLang="en-US" smtClean="0">
+                <a:latin typeface="Arial" panose="020B0604020202020204" pitchFamily="34" charset="0"/>
+              </a:rPr>
+              <a:t>算法是如果服务</a:t>
+            </a:r>
+            <a:r>
+              <a:rPr lang="en-US" altLang="zh-CN" smtClean="0">
+                <a:latin typeface="Arial" panose="020B0604020202020204" pitchFamily="34" charset="0"/>
+              </a:rPr>
+              <a:t>A</a:t>
+            </a:r>
+            <a:r>
+              <a:rPr lang="zh-CN" altLang="en-US" smtClean="0">
+                <a:latin typeface="Arial" panose="020B0604020202020204" pitchFamily="34" charset="0"/>
+              </a:rPr>
+              <a:t>没有被组合过，那么服务</a:t>
+            </a:r>
+            <a:r>
+              <a:rPr lang="en-US" altLang="zh-CN" smtClean="0">
+                <a:latin typeface="Arial" panose="020B0604020202020204" pitchFamily="34" charset="0"/>
+              </a:rPr>
+              <a:t>A</a:t>
+            </a:r>
+            <a:r>
+              <a:rPr lang="zh-CN" altLang="en-US" smtClean="0">
+                <a:latin typeface="Arial" panose="020B0604020202020204" pitchFamily="34" charset="0"/>
+              </a:rPr>
+              <a:t>通过</a:t>
+            </a:r>
+            <a:r>
+              <a:rPr lang="en-US" altLang="zh-CN" smtClean="0">
+                <a:latin typeface="Arial" panose="020B0604020202020204" pitchFamily="34" charset="0"/>
+              </a:rPr>
+              <a:t>LFH</a:t>
+            </a:r>
+            <a:r>
+              <a:rPr lang="zh-CN" altLang="en-US" smtClean="0">
+                <a:latin typeface="Arial" panose="020B0604020202020204" pitchFamily="34" charset="0"/>
+              </a:rPr>
+              <a:t>方法就不能够得到可组合服务的推荐，这时可以通过得到与服务</a:t>
+            </a:r>
+            <a:r>
+              <a:rPr lang="en-US" altLang="zh-CN" smtClean="0">
+                <a:latin typeface="Arial" panose="020B0604020202020204" pitchFamily="34" charset="0"/>
+              </a:rPr>
+              <a:t>A</a:t>
+            </a:r>
+            <a:r>
+              <a:rPr lang="zh-CN" altLang="en-US" smtClean="0">
+                <a:latin typeface="Arial" panose="020B0604020202020204" pitchFamily="34" charset="0"/>
+              </a:rPr>
+              <a:t>功能相近</a:t>
+            </a:r>
+            <a:r>
+              <a:rPr lang="en-US" altLang="zh-CN" smtClean="0">
+                <a:latin typeface="Arial" panose="020B0604020202020204" pitchFamily="34" charset="0"/>
+              </a:rPr>
+              <a:t>top-k</a:t>
+            </a:r>
+            <a:r>
+              <a:rPr lang="zh-CN" altLang="en-US" smtClean="0">
+                <a:latin typeface="Arial" panose="020B0604020202020204" pitchFamily="34" charset="0"/>
+              </a:rPr>
+              <a:t>的服务列表</a:t>
+            </a:r>
+            <a:r>
+              <a:rPr lang="en-US" altLang="zh-CN" smtClean="0">
+                <a:latin typeface="Arial" panose="020B0604020202020204" pitchFamily="34" charset="0"/>
+              </a:rPr>
+              <a:t>{A1,A2,…..},</a:t>
+            </a:r>
+            <a:r>
+              <a:rPr lang="zh-CN" altLang="en-US" smtClean="0">
+                <a:latin typeface="Arial" panose="020B0604020202020204" pitchFamily="34" charset="0"/>
+              </a:rPr>
+              <a:t>然后根据列表中的服务</a:t>
+            </a:r>
+            <a:r>
+              <a:rPr lang="en-US" altLang="zh-CN" smtClean="0">
+                <a:latin typeface="Arial" panose="020B0604020202020204" pitchFamily="34" charset="0"/>
+              </a:rPr>
+              <a:t>A1</a:t>
+            </a:r>
+            <a:r>
+              <a:rPr lang="zh-CN" altLang="en-US" smtClean="0">
+                <a:latin typeface="Arial" panose="020B0604020202020204" pitchFamily="34" charset="0"/>
+              </a:rPr>
+              <a:t>，</a:t>
+            </a:r>
+            <a:r>
+              <a:rPr lang="en-US" altLang="zh-CN" smtClean="0">
+                <a:latin typeface="Arial" panose="020B0604020202020204" pitchFamily="34" charset="0"/>
+              </a:rPr>
+              <a:t>A2,......, An</a:t>
+            </a:r>
+            <a:r>
+              <a:rPr lang="zh-CN" altLang="en-US" smtClean="0">
+                <a:latin typeface="Arial" panose="020B0604020202020204" pitchFamily="34" charset="0"/>
+              </a:rPr>
+              <a:t>的可组合服务的情况，进行服务</a:t>
+            </a:r>
+            <a:r>
+              <a:rPr lang="en-US" altLang="zh-CN" smtClean="0">
+                <a:latin typeface="Arial" panose="020B0604020202020204" pitchFamily="34" charset="0"/>
+              </a:rPr>
+              <a:t>A</a:t>
+            </a:r>
+            <a:r>
+              <a:rPr lang="zh-CN" altLang="en-US" smtClean="0">
+                <a:latin typeface="Arial" panose="020B0604020202020204" pitchFamily="34" charset="0"/>
+              </a:rPr>
+              <a:t>的可组合服务的推荐 。</a:t>
             </a:r>
           </a:p>
         </p:txBody>
@@ -2509,7 +2253,7 @@
       </p:grpSpPr>
       <p:sp>
         <p:nvSpPr>
-          <p:cNvPr id="75778" name="Rectangle 2"/>
+          <p:cNvPr id="72706" name="Rectangle 2"/>
           <p:cNvSpPr>
             <a:spLocks noGrp="1" noRot="1" noChangeAspect="1" noChangeArrowheads="1" noTextEdit="1"/>
           </p:cNvSpPr>
@@ -2523,7 +2267,7 @@
       </p:sp>
       <p:sp>
         <p:nvSpPr>
-          <p:cNvPr id="75779" name="Rectangle 3"/>
+          <p:cNvPr id="72707" name="Rectangle 3"/>
           <p:cNvSpPr>
             <a:spLocks noGrp="1" noChangeArrowheads="1"/>
           </p:cNvSpPr>
@@ -2558,178 +2302,150 @@
           <a:bodyPr/>
           <a:lstStyle/>
           <a:p>
-            <a:pPr marL="742950" lvl="1" indent="-285750"/>
-            <a:r>
-              <a:rPr lang="zh-CN" altLang="en-US" smtClean="0">
-                <a:latin typeface="Arial" panose="020B0604020202020204" pitchFamily="34" charset="0"/>
-              </a:rPr>
-              <a:t>验证本文提出的服务推荐算法的可组合服务查询推荐的结果的有效性。</a:t>
-            </a:r>
-          </a:p>
-          <a:p>
-            <a:pPr marL="742950" lvl="1" indent="-285750"/>
-            <a:r>
-              <a:rPr lang="zh-CN" altLang="en-US" smtClean="0">
-                <a:latin typeface="Arial" panose="020B0604020202020204" pitchFamily="34" charset="0"/>
-              </a:rPr>
-              <a:t>基本思路  对于</a:t>
+            <a:pPr marL="228600" indent="-228600"/>
+            <a:r>
+              <a:rPr lang="zh-CN" altLang="en-US" smtClean="0">
+                <a:latin typeface="Arial" panose="020B0604020202020204" pitchFamily="34" charset="0"/>
+              </a:rPr>
+              <a:t>主要是对于有使用历史的</a:t>
+            </a:r>
+          </a:p>
+          <a:p>
+            <a:pPr marL="228600" indent="-228600"/>
+            <a:r>
+              <a:rPr lang="zh-CN" altLang="en-US" smtClean="0">
+                <a:latin typeface="Arial" panose="020B0604020202020204" pitchFamily="34" charset="0"/>
+              </a:rPr>
+              <a:t>根据基于使用历史的方法推荐可组合服务列表</a:t>
             </a:r>
             <a:r>
               <a:rPr lang="en-US" altLang="zh-CN" smtClean="0">
                 <a:latin typeface="Arial" panose="020B0604020202020204" pitchFamily="34" charset="0"/>
               </a:rPr>
+              <a:t>;</a:t>
+            </a:r>
+          </a:p>
+          <a:p>
+            <a:pPr marL="228600" indent="-228600"/>
+            <a:r>
+              <a:rPr lang="en-US" altLang="zh-CN" smtClean="0">
+                <a:latin typeface="Arial" panose="020B0604020202020204" pitchFamily="34" charset="0"/>
+              </a:rPr>
+              <a:t>        </a:t>
+            </a:r>
+            <a:r>
+              <a:rPr lang="zh-CN" altLang="en-US" smtClean="0">
+                <a:latin typeface="Arial" panose="020B0604020202020204" pitchFamily="34" charset="0"/>
+              </a:rPr>
+              <a:t>根据</a:t>
+            </a:r>
+            <a:r>
+              <a:rPr lang="en-US" altLang="zh-CN" smtClean="0">
+                <a:latin typeface="Arial" panose="020B0604020202020204" pitchFamily="34" charset="0"/>
+              </a:rPr>
               <a:t>LFH</a:t>
             </a:r>
             <a:r>
               <a:rPr lang="zh-CN" altLang="en-US" smtClean="0">
                 <a:latin typeface="Arial" panose="020B0604020202020204" pitchFamily="34" charset="0"/>
               </a:rPr>
-              <a:t>可以查询的结果与本方法的结果进行比较 如果本方法查询的结果包含的基于使用历史的查询的结果越多，说明本方法越有效</a:t>
-            </a:r>
-          </a:p>
-          <a:p>
-            <a:endParaRPr lang="zh-CN" altLang="en-US" smtClean="0">
-              <a:latin typeface="Arial" panose="020B0604020202020204" pitchFamily="34" charset="0"/>
-            </a:endParaRPr>
-          </a:p>
-          <a:p>
-            <a:r>
-              <a:rPr lang="zh-CN" altLang="en-US" smtClean="0">
-                <a:latin typeface="Arial" panose="020B0604020202020204" pitchFamily="34" charset="0"/>
-              </a:rPr>
-              <a:t>可以看出</a:t>
+              <a:t>方法的扩展推荐潜在可组合服务列表</a:t>
             </a:r>
             <a:r>
               <a:rPr lang="en-US" altLang="zh-CN" smtClean="0">
                 <a:latin typeface="Arial" panose="020B0604020202020204" pitchFamily="34" charset="0"/>
               </a:rPr>
-              <a:t>68%</a:t>
-            </a:r>
-            <a:r>
-              <a:rPr lang="zh-CN" altLang="en-US" smtClean="0">
-                <a:latin typeface="Arial" panose="020B0604020202020204" pitchFamily="34" charset="0"/>
-              </a:rPr>
-              <a:t>的</a:t>
-            </a:r>
+              <a:t>;</a:t>
+            </a:r>
+          </a:p>
+          <a:p>
+            <a:pPr marL="228600" indent="-228600"/>
             <a:r>
               <a:rPr lang="en-US" altLang="zh-CN" smtClean="0">
                 <a:latin typeface="Arial" panose="020B0604020202020204" pitchFamily="34" charset="0"/>
               </a:rPr>
+              <a:t>        </a:t>
+            </a:r>
+            <a:r>
+              <a:rPr lang="zh-CN" altLang="en-US" smtClean="0">
+                <a:latin typeface="Arial" panose="020B0604020202020204" pitchFamily="34" charset="0"/>
+              </a:rPr>
+              <a:t>根据功能相似</a:t>
+            </a:r>
+            <a:r>
+              <a:rPr lang="en-US" altLang="zh-CN" smtClean="0">
+                <a:latin typeface="Arial" panose="020B0604020202020204" pitchFamily="34" charset="0"/>
+              </a:rPr>
               <a:t>API</a:t>
             </a:r>
             <a:r>
               <a:rPr lang="zh-CN" altLang="en-US" smtClean="0">
                 <a:latin typeface="Arial" panose="020B0604020202020204" pitchFamily="34" charset="0"/>
               </a:rPr>
-              <a:t>服务通过本文提出的方法得到的可组合服务的</a:t>
+              <a:t>服务推荐可替代服务列表；</a:t>
+            </a:r>
+          </a:p>
+          <a:p>
+            <a:pPr marL="228600" indent="-228600"/>
+            <a:r>
+              <a:rPr lang="zh-CN" altLang="en-US" smtClean="0">
+                <a:latin typeface="Arial" panose="020B0604020202020204" pitchFamily="34" charset="0"/>
+              </a:rPr>
+              <a:t>没有使用历史的</a:t>
+            </a:r>
+          </a:p>
+          <a:p>
+            <a:pPr marL="228600" indent="-228600"/>
+            <a:r>
+              <a:rPr lang="zh-CN" altLang="en-US" smtClean="0">
+                <a:latin typeface="Arial" panose="020B0604020202020204" pitchFamily="34" charset="0"/>
+              </a:rPr>
+              <a:t>根据</a:t>
             </a:r>
             <a:r>
               <a:rPr lang="en-US" altLang="zh-CN" smtClean="0">
                 <a:latin typeface="Arial" panose="020B0604020202020204" pitchFamily="34" charset="0"/>
               </a:rPr>
+              <a:t>LFH</a:t>
+            </a:r>
+            <a:r>
+              <a:rPr lang="zh-CN" altLang="en-US" smtClean="0">
+                <a:latin typeface="Arial" panose="020B0604020202020204" pitchFamily="34" charset="0"/>
+              </a:rPr>
+              <a:t>方法的扩展推荐潜在可组合服务列表</a:t>
+            </a:r>
+            <a:r>
+              <a:rPr lang="en-US" altLang="zh-CN" smtClean="0">
+                <a:latin typeface="Arial" panose="020B0604020202020204" pitchFamily="34" charset="0"/>
+              </a:rPr>
+              <a:t>;</a:t>
+            </a:r>
+          </a:p>
+          <a:p>
+            <a:pPr marL="228600" indent="-228600"/>
+            <a:r>
+              <a:rPr lang="en-US" altLang="zh-CN" smtClean="0">
+                <a:latin typeface="Arial" panose="020B0604020202020204" pitchFamily="34" charset="0"/>
+              </a:rPr>
+              <a:t>        </a:t>
+            </a:r>
+            <a:r>
+              <a:rPr lang="zh-CN" altLang="en-US" smtClean="0">
+                <a:latin typeface="Arial" panose="020B0604020202020204" pitchFamily="34" charset="0"/>
+              </a:rPr>
+              <a:t>根据功能相似</a:t>
+            </a:r>
+            <a:r>
+              <a:rPr lang="en-US" altLang="zh-CN" smtClean="0">
+                <a:latin typeface="Arial" panose="020B0604020202020204" pitchFamily="34" charset="0"/>
+              </a:rPr>
               <a:t>API</a:t>
             </a:r>
             <a:r>
               <a:rPr lang="zh-CN" altLang="en-US" smtClean="0">
                 <a:latin typeface="Arial" panose="020B0604020202020204" pitchFamily="34" charset="0"/>
               </a:rPr>
-              <a:t>服务推荐集合中包含了</a:t>
-            </a:r>
-            <a:r>
-              <a:rPr lang="en-US" altLang="zh-CN" smtClean="0">
-                <a:latin typeface="Arial" panose="020B0604020202020204" pitchFamily="34" charset="0"/>
-              </a:rPr>
-              <a:t>50%</a:t>
-            </a:r>
-            <a:r>
-              <a:rPr lang="zh-CN" altLang="en-US" smtClean="0">
-                <a:latin typeface="Arial" panose="020B0604020202020204" pitchFamily="34" charset="0"/>
-              </a:rPr>
-              <a:t>以上的通过</a:t>
-            </a:r>
-            <a:r>
-              <a:rPr lang="en-US" altLang="zh-CN" smtClean="0">
-                <a:latin typeface="Arial" panose="020B0604020202020204" pitchFamily="34" charset="0"/>
-              </a:rPr>
-              <a:t>LFH</a:t>
-            </a:r>
-            <a:r>
-              <a:rPr lang="zh-CN" altLang="en-US" smtClean="0">
-                <a:latin typeface="Arial" panose="020B0604020202020204" pitchFamily="34" charset="0"/>
-              </a:rPr>
-              <a:t>方法得到可组合服务的</a:t>
-            </a:r>
-            <a:r>
-              <a:rPr lang="en-US" altLang="zh-CN" smtClean="0">
-                <a:latin typeface="Arial" panose="020B0604020202020204" pitchFamily="34" charset="0"/>
-              </a:rPr>
-              <a:t>API</a:t>
-            </a:r>
-            <a:r>
-              <a:rPr lang="zh-CN" altLang="en-US" smtClean="0">
-                <a:latin typeface="Arial" panose="020B0604020202020204" pitchFamily="34" charset="0"/>
-              </a:rPr>
-              <a:t>服务推荐集合，并且其中</a:t>
-            </a:r>
-            <a:r>
-              <a:rPr lang="en-US" altLang="zh-CN" smtClean="0">
-                <a:latin typeface="Arial" panose="020B0604020202020204" pitchFamily="34" charset="0"/>
-              </a:rPr>
-              <a:t>1/3</a:t>
-            </a:r>
-            <a:r>
-              <a:rPr lang="zh-CN" altLang="en-US" smtClean="0">
-                <a:latin typeface="Arial" panose="020B0604020202020204" pitchFamily="34" charset="0"/>
-              </a:rPr>
-              <a:t>的</a:t>
-            </a:r>
-            <a:r>
-              <a:rPr lang="en-US" altLang="zh-CN" smtClean="0">
-                <a:latin typeface="Arial" panose="020B0604020202020204" pitchFamily="34" charset="0"/>
-              </a:rPr>
-              <a:t>API</a:t>
-            </a:r>
-            <a:r>
-              <a:rPr lang="zh-CN" altLang="en-US" smtClean="0">
-                <a:latin typeface="Arial" panose="020B0604020202020204" pitchFamily="34" charset="0"/>
-              </a:rPr>
-              <a:t>服务通过本文提出的方法可以得到的</a:t>
-            </a:r>
-            <a:r>
-              <a:rPr lang="en-US" altLang="zh-CN" smtClean="0">
-                <a:latin typeface="Arial" panose="020B0604020202020204" pitchFamily="34" charset="0"/>
-              </a:rPr>
-              <a:t>90%</a:t>
-            </a:r>
-            <a:r>
-              <a:rPr lang="zh-CN" altLang="en-US" smtClean="0">
-                <a:latin typeface="Arial" panose="020B0604020202020204" pitchFamily="34" charset="0"/>
-              </a:rPr>
-              <a:t>以上的通过</a:t>
-            </a:r>
-            <a:r>
-              <a:rPr lang="en-US" altLang="zh-CN" smtClean="0">
-                <a:latin typeface="Arial" panose="020B0604020202020204" pitchFamily="34" charset="0"/>
-              </a:rPr>
-              <a:t>LFH</a:t>
-            </a:r>
-            <a:r>
-              <a:rPr lang="zh-CN" altLang="en-US" smtClean="0">
-                <a:latin typeface="Arial" panose="020B0604020202020204" pitchFamily="34" charset="0"/>
-              </a:rPr>
-              <a:t>方法得到的可组合</a:t>
-            </a:r>
-            <a:r>
-              <a:rPr lang="en-US" altLang="zh-CN" smtClean="0">
-                <a:latin typeface="Arial" panose="020B0604020202020204" pitchFamily="34" charset="0"/>
-              </a:rPr>
-              <a:t>API</a:t>
-            </a:r>
-            <a:r>
-              <a:rPr lang="zh-CN" altLang="en-US" smtClean="0">
-                <a:latin typeface="Arial" panose="020B0604020202020204" pitchFamily="34" charset="0"/>
-              </a:rPr>
-              <a:t>服务 </a:t>
+              <a:t>服务推荐可替代服务列表；</a:t>
             </a:r>
           </a:p>
         </p:txBody>
@@ -2846,7 +2562,7 @@
       </p:grpSpPr>
       <p:sp>
         <p:nvSpPr>
-          <p:cNvPr id="94210" name="Rectangle 2"/>
+          <p:cNvPr id="88066" name="Rectangle 2"/>
           <p:cNvSpPr>
             <a:spLocks noGrp="1" noRot="1" noChangeAspect="1" noChangeArrowheads="1" noTextEdit="1"/>
           </p:cNvSpPr>
@@ -2860,7 +2576,7 @@
       </p:sp>
       <p:sp>
         <p:nvSpPr>
-          <p:cNvPr id="94211" name="Rectangle 3"/>
+          <p:cNvPr id="88067" name="Rectangle 3"/>
           <p:cNvSpPr>
             <a:spLocks noGrp="1" noChangeArrowheads="1"/>
           </p:cNvSpPr>
@@ -2899,7 +2615,125 @@
               <a:rPr lang="zh-CN" altLang="en-US" smtClean="0">
                 <a:latin typeface="Arial" panose="020B0604020202020204" pitchFamily="34" charset="0"/>
               </a:rPr>
-              <a:t>对于上述方法实现了服务推荐的系统，系统主要包括在线和离线两个部分，其中离线的是爬虫子系统和计算子系统，在线的是查询推荐子系统和可视化子系统</a:t>
+              <a:t>验证本文提出的服务推荐算法的可组合服务查询推荐可以能过解决基于使用历史的</a:t>
+            </a:r>
+            <a:r>
+              <a:rPr lang="en-US" altLang="zh-CN" smtClean="0">
+                <a:latin typeface="Arial" panose="020B0604020202020204" pitchFamily="34" charset="0"/>
+              </a:rPr>
+              <a:t>API</a:t>
+            </a:r>
+            <a:r>
+              <a:rPr lang="zh-CN" altLang="en-US" smtClean="0">
+                <a:latin typeface="Arial" panose="020B0604020202020204" pitchFamily="34" charset="0"/>
+              </a:rPr>
+              <a:t>服务查询推荐方法可查询推荐的</a:t>
+            </a:r>
+            <a:r>
+              <a:rPr lang="en-US" altLang="zh-CN" smtClean="0">
+                <a:latin typeface="Arial" panose="020B0604020202020204" pitchFamily="34" charset="0"/>
+              </a:rPr>
+              <a:t>API</a:t>
+            </a:r>
+            <a:r>
+              <a:rPr lang="zh-CN" altLang="en-US" smtClean="0">
+                <a:latin typeface="Arial" panose="020B0604020202020204" pitchFamily="34" charset="0"/>
+              </a:rPr>
+              <a:t>服务数量较少的问题</a:t>
+            </a:r>
+          </a:p>
+          <a:p>
+            <a:r>
+              <a:rPr lang="en-US" altLang="zh-CN" smtClean="0">
+                <a:latin typeface="Arial" panose="020B0604020202020204" pitchFamily="34" charset="0"/>
+              </a:rPr>
+              <a:t>K</a:t>
+            </a:r>
+            <a:r>
+              <a:rPr lang="zh-CN" altLang="en-US" smtClean="0">
+                <a:latin typeface="Arial" panose="020B0604020202020204" pitchFamily="34" charset="0"/>
+              </a:rPr>
+              <a:t>为</a:t>
+            </a:r>
+            <a:r>
+              <a:rPr lang="en-US" altLang="zh-CN" smtClean="0">
+                <a:latin typeface="Arial" panose="020B0604020202020204" pitchFamily="34" charset="0"/>
+              </a:rPr>
+              <a:t>0</a:t>
+            </a:r>
+            <a:r>
+              <a:rPr lang="zh-CN" altLang="en-US" smtClean="0">
+                <a:latin typeface="Arial" panose="020B0604020202020204" pitchFamily="34" charset="0"/>
+              </a:rPr>
+              <a:t>时是基于使用历史的</a:t>
+            </a:r>
+            <a:r>
+              <a:rPr lang="en-US" altLang="zh-CN" smtClean="0">
+                <a:latin typeface="Arial" panose="020B0604020202020204" pitchFamily="34" charset="0"/>
+              </a:rPr>
+              <a:t>API</a:t>
+            </a:r>
+            <a:r>
+              <a:rPr lang="zh-CN" altLang="en-US" smtClean="0">
+                <a:latin typeface="Arial" panose="020B0604020202020204" pitchFamily="34" charset="0"/>
+              </a:rPr>
+              <a:t>服务的查询推荐</a:t>
+            </a:r>
+          </a:p>
+          <a:p>
+            <a:r>
+              <a:rPr lang="zh-CN" altLang="en-US" smtClean="0">
+                <a:latin typeface="Arial" panose="020B0604020202020204" pitchFamily="34" charset="0"/>
+              </a:rPr>
+              <a:t>可以看到在</a:t>
+            </a:r>
+            <a:r>
+              <a:rPr lang="en-US" altLang="zh-CN" smtClean="0">
+                <a:latin typeface="Arial" panose="020B0604020202020204" pitchFamily="34" charset="0"/>
+              </a:rPr>
+              <a:t>k</a:t>
+            </a:r>
+            <a:r>
+              <a:rPr lang="zh-CN" altLang="en-US" smtClean="0">
+                <a:latin typeface="Arial" panose="020B0604020202020204" pitchFamily="34" charset="0"/>
+              </a:rPr>
+              <a:t>为</a:t>
+            </a:r>
+            <a:r>
+              <a:rPr lang="en-US" altLang="zh-CN" smtClean="0">
+                <a:latin typeface="Arial" panose="020B0604020202020204" pitchFamily="34" charset="0"/>
+              </a:rPr>
+              <a:t>15</a:t>
+            </a:r>
+            <a:r>
+              <a:rPr lang="zh-CN" altLang="en-US" smtClean="0">
+                <a:latin typeface="Arial" panose="020B0604020202020204" pitchFamily="34" charset="0"/>
+              </a:rPr>
+              <a:t>时可以查询推荐的</a:t>
+            </a:r>
+            <a:r>
+              <a:rPr lang="en-US" altLang="zh-CN" smtClean="0">
+                <a:latin typeface="Arial" panose="020B0604020202020204" pitchFamily="34" charset="0"/>
+              </a:rPr>
+              <a:t>API</a:t>
+            </a:r>
+            <a:r>
+              <a:rPr lang="zh-CN" altLang="en-US" smtClean="0">
+                <a:latin typeface="Arial" panose="020B0604020202020204" pitchFamily="34" charset="0"/>
+              </a:rPr>
+              <a:t>服务就为</a:t>
+            </a:r>
+            <a:r>
+              <a:rPr lang="en-US" altLang="zh-CN" smtClean="0">
+                <a:latin typeface="Arial" panose="020B0604020202020204" pitchFamily="34" charset="0"/>
+              </a:rPr>
+              <a:t>4242</a:t>
+            </a:r>
+            <a:r>
+              <a:rPr lang="zh-CN" altLang="en-US" smtClean="0">
+                <a:latin typeface="Arial" panose="020B0604020202020204" pitchFamily="34" charset="0"/>
+              </a:rPr>
+              <a:t>个，基本都可以进行查询</a:t>
             </a:r>
           </a:p>
         </p:txBody>
@@ -2931,7 +2765,7 @@
       </p:grpSpPr>
       <p:sp>
         <p:nvSpPr>
-          <p:cNvPr id="95234" name="Rectangle 2"/>
+          <p:cNvPr id="75778" name="Rectangle 2"/>
           <p:cNvSpPr>
             <a:spLocks noGrp="1" noRot="1" noChangeAspect="1" noChangeArrowheads="1" noTextEdit="1"/>
           </p:cNvSpPr>
@@ -2945,7 +2779,7 @@
       </p:sp>
       <p:sp>
         <p:nvSpPr>
-          <p:cNvPr id="95235" name="Rectangle 3"/>
+          <p:cNvPr id="75779" name="Rectangle 3"/>
           <p:cNvSpPr>
             <a:spLocks noGrp="1" noChangeArrowheads="1"/>
           </p:cNvSpPr>
@@ -2980,35 +2814,178 @@
           <a:bodyPr/>
           <a:lstStyle/>
           <a:p>
-            <a:r>
-              <a:rPr lang="zh-CN" altLang="en-US" smtClean="0">
-                <a:latin typeface="Arial" panose="020B0604020202020204" pitchFamily="34" charset="0"/>
-              </a:rPr>
-              <a:t>这个是对于选择</a:t>
+            <a:pPr marL="742950" lvl="1" indent="-285750"/>
+            <a:r>
+              <a:rPr lang="zh-CN" altLang="en-US" smtClean="0">
+                <a:latin typeface="Arial" panose="020B0604020202020204" pitchFamily="34" charset="0"/>
+              </a:rPr>
+              <a:t>验证本文提出的服务推荐算法的可组合服务查询推荐的结果的有效性。</a:t>
+            </a:r>
+          </a:p>
+          <a:p>
+            <a:pPr marL="742950" lvl="1" indent="-285750"/>
+            <a:r>
+              <a:rPr lang="zh-CN" altLang="en-US" smtClean="0">
+                <a:latin typeface="Arial" panose="020B0604020202020204" pitchFamily="34" charset="0"/>
+              </a:rPr>
+              <a:t>基本思路  对于</a:t>
             </a:r>
             <a:r>
               <a:rPr lang="en-US" altLang="zh-CN" smtClean="0">
                 <a:latin typeface="Arial" panose="020B0604020202020204" pitchFamily="34" charset="0"/>
               </a:rPr>
+              <a:t>LFH</a:t>
+            </a:r>
+            <a:r>
+              <a:rPr lang="zh-CN" altLang="en-US" smtClean="0">
+                <a:latin typeface="Arial" panose="020B0604020202020204" pitchFamily="34" charset="0"/>
+              </a:rPr>
+              <a:t>可以查询的结果与本方法的结果进行比较 如果本方法查询的结果包含的基于使用历史的查询的结果越多，说明本方法越有效</a:t>
+            </a:r>
+          </a:p>
+          <a:p>
+            <a:endParaRPr lang="zh-CN" altLang="en-US" smtClean="0">
+              <a:latin typeface="Arial" panose="020B0604020202020204" pitchFamily="34" charset="0"/>
+            </a:endParaRPr>
+          </a:p>
+          <a:p>
+            <a:r>
+              <a:rPr lang="zh-CN" altLang="en-US" smtClean="0">
+                <a:latin typeface="Arial" panose="020B0604020202020204" pitchFamily="34" charset="0"/>
+              </a:rPr>
+              <a:t>可以看出</a:t>
+            </a:r>
+            <a:r>
+              <a:rPr lang="en-US" altLang="zh-CN" smtClean="0">
+                <a:latin typeface="Arial" panose="020B0604020202020204" pitchFamily="34" charset="0"/>
+              </a:rPr>
+              <a:t>68%</a:t>
+            </a:r>
+            <a:r>
+              <a:rPr lang="zh-CN" altLang="en-US" smtClean="0">
+                <a:latin typeface="Arial" panose="020B0604020202020204" pitchFamily="34" charset="0"/>
+              </a:rPr>
+              <a:t>的</a:t>
+            </a:r>
+            <a:r>
+              <a:rPr lang="en-US" altLang="zh-CN" smtClean="0">
+                <a:latin typeface="Arial" panose="020B0604020202020204" pitchFamily="34" charset="0"/>
+              </a:rPr>
               <a:t>API</a:t>
             </a:r>
             <a:r>
               <a:rPr lang="zh-CN" altLang="en-US" smtClean="0">
                 <a:latin typeface="Arial" panose="020B0604020202020204" pitchFamily="34" charset="0"/>
               </a:rPr>
-              <a:t>服务</a:t>
+              <a:t>服务通过本文提出的方法得到的可组合服务的</a:t>
             </a:r>
             <a:r>
               <a:rPr lang="en-US" altLang="zh-CN" smtClean="0">
                 <a:latin typeface="Arial" panose="020B0604020202020204" pitchFamily="34" charset="0"/>
               </a:rPr>
-              <a:t>blip.tv</a:t>
-            </a:r>
-            <a:r>
-              <a:rPr lang="zh-CN" altLang="en-US" smtClean="0">
-                <a:latin typeface="Arial" panose="020B0604020202020204" pitchFamily="34" charset="0"/>
-              </a:rPr>
-              <a:t>查询得到的推荐结果，</a:t>
+              <a:t>API</a:t>
+            </a:r>
+            <a:r>
+              <a:rPr lang="zh-CN" altLang="en-US" smtClean="0">
+                <a:latin typeface="Arial" panose="020B0604020202020204" pitchFamily="34" charset="0"/>
+              </a:rPr>
+              <a:t>服务推荐集合中包含了</a:t>
+            </a:r>
+            <a:r>
+              <a:rPr lang="en-US" altLang="zh-CN" smtClean="0">
+                <a:latin typeface="Arial" panose="020B0604020202020204" pitchFamily="34" charset="0"/>
+              </a:rPr>
+              <a:t>50%</a:t>
+            </a:r>
+            <a:r>
+              <a:rPr lang="zh-CN" altLang="en-US" smtClean="0">
+                <a:latin typeface="Arial" panose="020B0604020202020204" pitchFamily="34" charset="0"/>
+              </a:rPr>
+              <a:t>以上的通过</a:t>
+            </a:r>
+            <a:r>
+              <a:rPr lang="en-US" altLang="zh-CN" smtClean="0">
+                <a:latin typeface="Arial" panose="020B0604020202020204" pitchFamily="34" charset="0"/>
+              </a:rPr>
+              <a:t>LFH</a:t>
+            </a:r>
+            <a:r>
+              <a:rPr lang="zh-CN" altLang="en-US" smtClean="0">
+                <a:latin typeface="Arial" panose="020B0604020202020204" pitchFamily="34" charset="0"/>
+              </a:rPr>
+              <a:t>方法得到可组合服务的</a:t>
+            </a:r>
+            <a:r>
+              <a:rPr lang="en-US" altLang="zh-CN" smtClean="0">
+                <a:latin typeface="Arial" panose="020B0604020202020204" pitchFamily="34" charset="0"/>
+              </a:rPr>
+              <a:t>API</a:t>
+            </a:r>
+            <a:r>
+              <a:rPr lang="zh-CN" altLang="en-US" smtClean="0">
+                <a:latin typeface="Arial" panose="020B0604020202020204" pitchFamily="34" charset="0"/>
+              </a:rPr>
+              <a:t>服务推荐集合，并且其中</a:t>
+            </a:r>
+            <a:r>
+              <a:rPr lang="en-US" altLang="zh-CN" smtClean="0">
+                <a:latin typeface="Arial" panose="020B0604020202020204" pitchFamily="34" charset="0"/>
+              </a:rPr>
+              <a:t>1/3</a:t>
+            </a:r>
+            <a:r>
+              <a:rPr lang="zh-CN" altLang="en-US" smtClean="0">
+                <a:latin typeface="Arial" panose="020B0604020202020204" pitchFamily="34" charset="0"/>
+              </a:rPr>
+              <a:t>的</a:t>
+            </a:r>
+            <a:r>
+              <a:rPr lang="en-US" altLang="zh-CN" smtClean="0">
+                <a:latin typeface="Arial" panose="020B0604020202020204" pitchFamily="34" charset="0"/>
+              </a:rPr>
+              <a:t>API</a:t>
+            </a:r>
+            <a:r>
+              <a:rPr lang="zh-CN" altLang="en-US" smtClean="0">
+                <a:latin typeface="Arial" panose="020B0604020202020204" pitchFamily="34" charset="0"/>
+              </a:rPr>
+              <a:t>服务通过本文提出的方法可以得到的</a:t>
+            </a:r>
+            <a:r>
+              <a:rPr lang="en-US" altLang="zh-CN" smtClean="0">
+                <a:latin typeface="Arial" panose="020B0604020202020204" pitchFamily="34" charset="0"/>
+              </a:rPr>
+              <a:t>90%</a:t>
+            </a:r>
+            <a:r>
+              <a:rPr lang="zh-CN" altLang="en-US" smtClean="0">
+                <a:latin typeface="Arial" panose="020B0604020202020204" pitchFamily="34" charset="0"/>
+              </a:rPr>
+              <a:t>以上的通过</a:t>
+            </a:r>
+            <a:r>
+              <a:rPr lang="en-US" altLang="zh-CN" smtClean="0">
+                <a:latin typeface="Arial" panose="020B0604020202020204" pitchFamily="34" charset="0"/>
+              </a:rPr>
+              <a:t>LFH</a:t>
+            </a:r>
+            <a:r>
+              <a:rPr lang="zh-CN" altLang="en-US" smtClean="0">
+                <a:latin typeface="Arial" panose="020B0604020202020204" pitchFamily="34" charset="0"/>
+              </a:rPr>
+              <a:t>方法得到的可组合</a:t>
+            </a:r>
+            <a:r>
+              <a:rPr lang="en-US" altLang="zh-CN" smtClean="0">
+                <a:latin typeface="Arial" panose="020B0604020202020204" pitchFamily="34" charset="0"/>
+              </a:rPr>
+              <a:t>API</a:t>
+            </a:r>
+            <a:r>
+              <a:rPr lang="zh-CN" altLang="en-US" smtClean="0">
+                <a:latin typeface="Arial" panose="020B0604020202020204" pitchFamily="34" charset="0"/>
+              </a:rPr>
+              <a:t>服务 </a:t>
             </a:r>
           </a:p>
         </p:txBody>
@@ -3040,7 +3017,7 @@
       </p:grpSpPr>
       <p:sp>
         <p:nvSpPr>
-          <p:cNvPr id="80898" name="Rectangle 2"/>
+          <p:cNvPr id="94210" name="Rectangle 2"/>
           <p:cNvSpPr>
             <a:spLocks noGrp="1" noRot="1" noChangeAspect="1" noChangeArrowheads="1" noTextEdit="1"/>
           </p:cNvSpPr>
@@ -3054,7 +3031,7 @@
       </p:sp>
       <p:sp>
         <p:nvSpPr>
-          <p:cNvPr id="80899" name="Rectangle 3"/>
+          <p:cNvPr id="94211" name="Rectangle 3"/>
           <p:cNvSpPr>
             <a:spLocks noGrp="1" noChangeArrowheads="1"/>
           </p:cNvSpPr>
@@ -3090,112 +3067,11 @@
           <a:lstStyle/>
           <a:p>
             <a:r>
-              <a:rPr lang="zh-CN" altLang="en-US" sz="1000" smtClean="0">
-                <a:latin typeface="Arial" panose="020B0604020202020204" pitchFamily="34" charset="0"/>
-              </a:rPr>
-              <a:t>利用</a:t>
-            </a:r>
-            <a:r>
-              <a:rPr lang="en-US" altLang="zh-CN" sz="1000" smtClean="0">
-                <a:latin typeface="Arial" panose="020B0604020202020204" pitchFamily="34" charset="0"/>
-              </a:rPr>
-              <a:t>API</a:t>
-            </a:r>
-            <a:r>
-              <a:rPr lang="zh-CN" altLang="en-US" sz="1000" smtClean="0">
-                <a:latin typeface="Arial" panose="020B0604020202020204" pitchFamily="34" charset="0"/>
-              </a:rPr>
-              <a:t>服务的语义距离来进行竞争关系的服务的推荐，解决了</a:t>
-            </a:r>
-            <a:r>
-              <a:rPr lang="en-US" altLang="zh-CN" sz="1000" smtClean="0">
-                <a:latin typeface="Arial" panose="020B0604020202020204" pitchFamily="34" charset="0"/>
-              </a:rPr>
-              <a:t>LFH</a:t>
-            </a:r>
-            <a:r>
-              <a:rPr lang="zh-CN" altLang="en-US" sz="1000" smtClean="0">
-                <a:latin typeface="Arial" panose="020B0604020202020204" pitchFamily="34" charset="0"/>
-              </a:rPr>
-              <a:t>方法不能推荐竞争关系的服务的问题。</a:t>
-            </a:r>
-          </a:p>
-          <a:p>
-            <a:r>
-              <a:rPr lang="zh-CN" altLang="en-US" sz="1000" smtClean="0">
-                <a:latin typeface="Arial" panose="020B0604020202020204" pitchFamily="34" charset="0"/>
-              </a:rPr>
-              <a:t>与</a:t>
-            </a:r>
-            <a:r>
-              <a:rPr lang="en-US" altLang="zh-CN" sz="1000" smtClean="0">
-                <a:latin typeface="Arial" panose="020B0604020202020204" pitchFamily="34" charset="0"/>
-              </a:rPr>
-              <a:t>LFH</a:t>
-            </a:r>
-            <a:r>
-              <a:rPr lang="zh-CN" altLang="en-US" sz="1000" smtClean="0">
-                <a:latin typeface="Arial" panose="020B0604020202020204" pitchFamily="34" charset="0"/>
-              </a:rPr>
-              <a:t>方法进行结合，将</a:t>
-            </a:r>
-            <a:r>
-              <a:rPr lang="en-US" altLang="zh-CN" sz="1000" smtClean="0">
-                <a:latin typeface="Arial" panose="020B0604020202020204" pitchFamily="34" charset="0"/>
-              </a:rPr>
-              <a:t>LFH</a:t>
-            </a:r>
-            <a:r>
-              <a:rPr lang="zh-CN" altLang="en-US" sz="1000" smtClean="0">
-                <a:latin typeface="Arial" panose="020B0604020202020204" pitchFamily="34" charset="0"/>
-              </a:rPr>
-              <a:t>方法中构建的服务网络进行扩充，增加组合服务推荐可查询的服务数量。</a:t>
-            </a:r>
-          </a:p>
-          <a:p>
-            <a:r>
-              <a:rPr lang="zh-CN" altLang="en-US" sz="1000" smtClean="0">
-                <a:latin typeface="Arial" panose="020B0604020202020204" pitchFamily="34" charset="0"/>
-              </a:rPr>
-              <a:t>根据用户选择的</a:t>
-            </a:r>
-            <a:r>
-              <a:rPr lang="en-US" altLang="zh-CN" sz="1000" smtClean="0">
-                <a:latin typeface="Arial" panose="020B0604020202020204" pitchFamily="34" charset="0"/>
-              </a:rPr>
-              <a:t>API</a:t>
-            </a:r>
-            <a:r>
-              <a:rPr lang="zh-CN" altLang="en-US" sz="1000" smtClean="0">
-                <a:latin typeface="Arial" panose="020B0604020202020204" pitchFamily="34" charset="0"/>
-              </a:rPr>
-              <a:t>服务进行可替代服务和可组合服务的推荐。</a:t>
-            </a:r>
-          </a:p>
-          <a:p>
-            <a:r>
-              <a:rPr lang="zh-CN" altLang="en-US" sz="1000" smtClean="0">
-                <a:latin typeface="Arial" panose="020B0604020202020204" pitchFamily="34" charset="0"/>
-              </a:rPr>
-              <a:t>实现了</a:t>
-            </a:r>
-            <a:r>
-              <a:rPr lang="en-US" altLang="zh-CN" sz="1000" smtClean="0">
-                <a:latin typeface="Arial" panose="020B0604020202020204" pitchFamily="34" charset="0"/>
-              </a:rPr>
-              <a:t>API</a:t>
-            </a:r>
-            <a:r>
-              <a:rPr lang="zh-CN" altLang="en-US" sz="1000" smtClean="0">
-                <a:latin typeface="Arial" panose="020B0604020202020204" pitchFamily="34" charset="0"/>
-              </a:rPr>
-              <a:t>服务可组合服务推荐的可视化展示的功能</a:t>
-            </a:r>
-          </a:p>
-          <a:p>
-            <a:endParaRPr lang="zh-CN" altLang="en-US" sz="1000" smtClean="0">
-              <a:latin typeface="Arial" panose="020B0604020202020204" pitchFamily="34" charset="0"/>
-            </a:endParaRPr>
+              <a:rPr lang="zh-CN" altLang="en-US" smtClean="0">
+                <a:latin typeface="Arial" panose="020B0604020202020204" pitchFamily="34" charset="0"/>
+              </a:rPr>
+              <a:t>对于上述方法实现了服务推荐的系统，系统主要包括在线和离线两个部分，其中离线的是爬虫子系统和计算子系统，在线的是查询推荐子系统和可视化子系统</a:t>
+            </a:r>
           </a:p>
         </p:txBody>
       </p:sp>
@@ -3226,6 +3102,301 @@
       </p:grpSpPr>
       <p:sp>
         <p:nvSpPr>
+          <p:cNvPr id="95234" name="Rectangle 2"/>
+          <p:cNvSpPr>
+            <a:spLocks noGrp="1" noRot="1" noChangeAspect="1" noChangeArrowheads="1" noTextEdit="1"/>
+          </p:cNvSpPr>
+          <p:nvPr>
+            <p:ph type="sldImg"/>
+          </p:nvPr>
+        </p:nvSpPr>
+        <p:spPr>
+          <a:ln/>
+        </p:spPr>
+      </p:sp>
+      <p:sp>
+        <p:nvSpPr>
+          <p:cNvPr id="95235" name="Rectangle 3"/>
+          <p:cNvSpPr>
+            <a:spLocks noGrp="1" noChangeArrowheads="1"/>
+          </p:cNvSpPr>
+          <p:nvPr>
+            <p:ph type="body" idx="1"/>
+          </p:nvPr>
+        </p:nvSpPr>
+        <p:spPr>
+          <a:noFill/>
+          <a:ln/>
+          <a:extLst>
+            <a:ext uri="{909E8E84-426E-40DD-AFC4-6F175D3DCCD1}">
+              <a14:hiddenFill xmlns:a14="http://schemas.microsoft.com/office/drawing/2010/main">
+                <a:solidFill>
+                  <a:srgbClr val="FFFFFF"/>
+                </a:solidFill>
+              </a14:hiddenFill>
+            </a:ext>
+            <a:ext uri="{91240B29-F687-4F45-9708-019B960494DF}">
+              <a14:hiddenLine xmlns:a14="http://schemas.microsoft.com/office/drawing/2010/main" w="9525">
+                <a:solidFill>
+                  <a:srgbClr val="000000"/>
+                </a:solidFill>
+                <a:miter lim="800000"/>
+                <a:headEnd/>
+                <a:tailEnd/>
+              </a14:hiddenLine>
+            </a:ext>
+          </a:extLst>
+        </p:spPr>
+        <p:txBody>
+          <a:bodyPr/>
+          <a:lstStyle/>
+          <a:p>
+            <a:r>
+              <a:rPr lang="zh-CN" altLang="en-US" smtClean="0">
+                <a:latin typeface="Arial" panose="020B0604020202020204" pitchFamily="34" charset="0"/>
+              </a:rPr>
+              <a:t>这个是对于选择</a:t>
+            </a:r>
+            <a:r>
+              <a:rPr lang="en-US" altLang="zh-CN" smtClean="0">
+                <a:latin typeface="Arial" panose="020B0604020202020204" pitchFamily="34" charset="0"/>
+              </a:rPr>
+              <a:t>API</a:t>
+            </a:r>
+            <a:r>
+              <a:rPr lang="zh-CN" altLang="en-US" smtClean="0">
+                <a:latin typeface="Arial" panose="020B0604020202020204" pitchFamily="34" charset="0"/>
+              </a:rPr>
+              <a:t>服务</a:t>
+            </a:r>
+            <a:r>
+              <a:rPr lang="en-US" altLang="zh-CN" smtClean="0">
+                <a:latin typeface="Arial" panose="020B0604020202020204" pitchFamily="34" charset="0"/>
+              </a:rPr>
+              <a:t>blip.tv</a:t>
+            </a:r>
+            <a:r>
+              <a:rPr lang="zh-CN" altLang="en-US" smtClean="0">
+                <a:latin typeface="Arial" panose="020B0604020202020204" pitchFamily="34" charset="0"/>
+              </a:rPr>
+              <a:t>查询得到的推荐结果，</a:t>
+            </a:r>
+          </a:p>
+        </p:txBody>
+      </p:sp>
+    </p:spTree>
+  </p:cSld>
+  <p:clrMapOvr>
+    <a:masterClrMapping/>
+  </p:clrMapOvr>
+</p:notes>
+</file>
+
+<file path=ppt/notesSlides/notesSlide24.xml><?xml version="1.0" encoding="utf-8"?>
+<p:notes xmlns:a="http://schemas.openxmlformats.org/drawingml/2006/main" xmlns:r="http://schemas.openxmlformats.org/officeDocument/2006/relationships" xmlns:p="http://schemas.openxmlformats.org/presentationml/2006/main">
+  <p:cSld>
+    <p:spTree>
+      <p:nvGrpSpPr>
+        <p:cNvPr id="1" name=""/>
+        <p:cNvGrpSpPr/>
+        <p:nvPr/>
+      </p:nvGrpSpPr>
+      <p:grpSpPr>
+        <a:xfrm>
+          <a:off x="0" y="0"/>
+          <a:ext cx="0" cy="0"/>
+          <a:chOff x="0" y="0"/>
+          <a:chExt cx="0" cy="0"/>
+        </a:xfrm>
+      </p:grpSpPr>
+      <p:sp>
+        <p:nvSpPr>
+          <p:cNvPr id="80898" name="Rectangle 2"/>
+          <p:cNvSpPr>
+            <a:spLocks noGrp="1" noRot="1" noChangeAspect="1" noChangeArrowheads="1" noTextEdit="1"/>
+          </p:cNvSpPr>
+          <p:nvPr>
+            <p:ph type="sldImg"/>
+          </p:nvPr>
+        </p:nvSpPr>
+        <p:spPr>
+          <a:ln/>
+        </p:spPr>
+      </p:sp>
+      <p:sp>
+        <p:nvSpPr>
+          <p:cNvPr id="80899" name="Rectangle 3"/>
+          <p:cNvSpPr>
+            <a:spLocks noGrp="1" noChangeArrowheads="1"/>
+          </p:cNvSpPr>
+          <p:nvPr>
+            <p:ph type="body" idx="1"/>
+          </p:nvPr>
+        </p:nvSpPr>
+        <p:spPr>
+          <a:noFill/>
+          <a:ln/>
+          <a:extLst>
+            <a:ext uri="{909E8E84-426E-40DD-AFC4-6F175D3DCCD1}">
+              <a14:hiddenFill xmlns:a14="http://schemas.microsoft.com/office/drawing/2010/main">
+                <a:solidFill>
+                  <a:srgbClr val="FFFFFF"/>
+                </a:solidFill>
+              </a14:hiddenFill>
+            </a:ext>
+            <a:ext uri="{91240B29-F687-4F45-9708-019B960494DF}">
+              <a14:hiddenLine xmlns:a14="http://schemas.microsoft.com/office/drawing/2010/main" w="9525">
+                <a:solidFill>
+                  <a:srgbClr val="000000"/>
+                </a:solidFill>
+                <a:miter lim="800000"/>
+                <a:headEnd/>
+                <a:tailEnd/>
+              </a14:hiddenLine>
+            </a:ext>
+          </a:extLst>
+        </p:spPr>
+        <p:txBody>
+          <a:bodyPr/>
+          <a:lstStyle/>
+          <a:p>
+            <a:r>
+              <a:rPr lang="zh-CN" altLang="en-US" sz="1000" smtClean="0">
+                <a:latin typeface="Arial" panose="020B0604020202020204" pitchFamily="34" charset="0"/>
+              </a:rPr>
+              <a:t>利用</a:t>
+            </a:r>
+            <a:r>
+              <a:rPr lang="en-US" altLang="zh-CN" sz="1000" smtClean="0">
+                <a:latin typeface="Arial" panose="020B0604020202020204" pitchFamily="34" charset="0"/>
+              </a:rPr>
+              <a:t>API</a:t>
+            </a:r>
+            <a:r>
+              <a:rPr lang="zh-CN" altLang="en-US" sz="1000" smtClean="0">
+                <a:latin typeface="Arial" panose="020B0604020202020204" pitchFamily="34" charset="0"/>
+              </a:rPr>
+              <a:t>服务的语义距离来进行竞争关系的服务的推荐，解决了</a:t>
+            </a:r>
+            <a:r>
+              <a:rPr lang="en-US" altLang="zh-CN" sz="1000" smtClean="0">
+                <a:latin typeface="Arial" panose="020B0604020202020204" pitchFamily="34" charset="0"/>
+              </a:rPr>
+              <a:t>LFH</a:t>
+            </a:r>
+            <a:r>
+              <a:rPr lang="zh-CN" altLang="en-US" sz="1000" smtClean="0">
+                <a:latin typeface="Arial" panose="020B0604020202020204" pitchFamily="34" charset="0"/>
+              </a:rPr>
+              <a:t>方法不能推荐竞争关系的服务的问题。</a:t>
+            </a:r>
+          </a:p>
+          <a:p>
+            <a:r>
+              <a:rPr lang="zh-CN" altLang="en-US" sz="1000" smtClean="0">
+                <a:latin typeface="Arial" panose="020B0604020202020204" pitchFamily="34" charset="0"/>
+              </a:rPr>
+              <a:t>与</a:t>
+            </a:r>
+            <a:r>
+              <a:rPr lang="en-US" altLang="zh-CN" sz="1000" smtClean="0">
+                <a:latin typeface="Arial" panose="020B0604020202020204" pitchFamily="34" charset="0"/>
+              </a:rPr>
+              <a:t>LFH</a:t>
+            </a:r>
+            <a:r>
+              <a:rPr lang="zh-CN" altLang="en-US" sz="1000" smtClean="0">
+                <a:latin typeface="Arial" panose="020B0604020202020204" pitchFamily="34" charset="0"/>
+              </a:rPr>
+              <a:t>方法进行结合，将</a:t>
+            </a:r>
+            <a:r>
+              <a:rPr lang="en-US" altLang="zh-CN" sz="1000" smtClean="0">
+                <a:latin typeface="Arial" panose="020B0604020202020204" pitchFamily="34" charset="0"/>
+              </a:rPr>
+              <a:t>LFH</a:t>
+            </a:r>
+            <a:r>
+              <a:rPr lang="zh-CN" altLang="en-US" sz="1000" smtClean="0">
+                <a:latin typeface="Arial" panose="020B0604020202020204" pitchFamily="34" charset="0"/>
+              </a:rPr>
+              <a:t>方法中构建的服务网络进行扩充，增加组合服务推荐可查询的服务数量。</a:t>
+            </a:r>
+          </a:p>
+          <a:p>
+            <a:r>
+              <a:rPr lang="zh-CN" altLang="en-US" sz="1000" smtClean="0">
+                <a:latin typeface="Arial" panose="020B0604020202020204" pitchFamily="34" charset="0"/>
+              </a:rPr>
+              <a:t>根据用户选择的</a:t>
+            </a:r>
+            <a:r>
+              <a:rPr lang="en-US" altLang="zh-CN" sz="1000" smtClean="0">
+                <a:latin typeface="Arial" panose="020B0604020202020204" pitchFamily="34" charset="0"/>
+              </a:rPr>
+              <a:t>API</a:t>
+            </a:r>
+            <a:r>
+              <a:rPr lang="zh-CN" altLang="en-US" sz="1000" smtClean="0">
+                <a:latin typeface="Arial" panose="020B0604020202020204" pitchFamily="34" charset="0"/>
+              </a:rPr>
+              <a:t>服务进行可替代服务和可组合服务的推荐。</a:t>
+            </a:r>
+          </a:p>
+          <a:p>
+            <a:r>
+              <a:rPr lang="zh-CN" altLang="en-US" sz="1000" smtClean="0">
+                <a:latin typeface="Arial" panose="020B0604020202020204" pitchFamily="34" charset="0"/>
+              </a:rPr>
+              <a:t>实现了</a:t>
+            </a:r>
+            <a:r>
+              <a:rPr lang="en-US" altLang="zh-CN" sz="1000" smtClean="0">
+                <a:latin typeface="Arial" panose="020B0604020202020204" pitchFamily="34" charset="0"/>
+              </a:rPr>
+              <a:t>API</a:t>
+            </a:r>
+            <a:r>
+              <a:rPr lang="zh-CN" altLang="en-US" sz="1000" smtClean="0">
+                <a:latin typeface="Arial" panose="020B0604020202020204" pitchFamily="34" charset="0"/>
+              </a:rPr>
+              <a:t>服务可组合服务推荐的可视化展示的功能</a:t>
+            </a:r>
+          </a:p>
+          <a:p>
+            <a:endParaRPr lang="zh-CN" altLang="en-US" sz="1000" smtClean="0">
+              <a:latin typeface="Arial" panose="020B0604020202020204" pitchFamily="34" charset="0"/>
+            </a:endParaRPr>
+          </a:p>
+        </p:txBody>
+      </p:sp>
+    </p:spTree>
+  </p:cSld>
+  <p:clrMapOvr>
+    <a:masterClrMapping/>
+  </p:clrMapOvr>
+</p:notes>
+</file>
+
+<file path=ppt/notesSlides/notesSlide25.xml><?xml version="1.0" encoding="utf-8"?>
+<p:notes xmlns:a="http://schemas.openxmlformats.org/drawingml/2006/main" xmlns:r="http://schemas.openxmlformats.org/officeDocument/2006/relationships" xmlns:p="http://schemas.openxmlformats.org/presentationml/2006/main">
+  <p:cSld>
+    <p:spTree>
+      <p:nvGrpSpPr>
+        <p:cNvPr id="1" name=""/>
+        <p:cNvGrpSpPr/>
+        <p:nvPr/>
+      </p:nvGrpSpPr>
+      <p:grpSpPr>
+        <a:xfrm>
+          <a:off x="0" y="0"/>
+          <a:ext cx="0" cy="0"/>
+          <a:chOff x="0" y="0"/>
+          <a:chExt cx="0" cy="0"/>
+        </a:xfrm>
+      </p:grpSpPr>
+      <p:sp>
+        <p:nvSpPr>
           <p:cNvPr id="82946" name="Rectangle 2"/>
           <p:cNvSpPr>
             <a:spLocks noGrp="1" noRot="1" noChangeAspect="1" noChangeArrowheads="1" noTextEdit="1"/>
@@ -3413,7 +3584,7 @@
       </p:grpSpPr>
       <p:sp>
         <p:nvSpPr>
-          <p:cNvPr id="87042" name="Rectangle 2"/>
+          <p:cNvPr id="86018" name="Rectangle 2"/>
           <p:cNvSpPr>
             <a:spLocks noGrp="1" noRot="1" noChangeAspect="1" noChangeArrowheads="1" noTextEdit="1"/>
           </p:cNvSpPr>
@@ -3427,7 +3598,7 @@
       </p:sp>
       <p:sp>
         <p:nvSpPr>
-          <p:cNvPr id="87043" name="Rectangle 3"/>
+          <p:cNvPr id="86019" name="Rectangle 3"/>
           <p:cNvSpPr>
             <a:spLocks noGrp="1" noChangeArrowheads="1"/>
           </p:cNvSpPr>
@@ -3462,13 +3633,21 @@
           <a:bodyPr/>
           <a:lstStyle/>
           <a:p>
-            <a:endParaRPr lang="zh-CN" altLang="en-US" dirty="0" smtClean="0">
-              <a:latin typeface="Arial" panose="020B0604020202020204" pitchFamily="34" charset="0"/>
-            </a:endParaRPr>
+            <a:r>
+              <a:rPr lang="zh-CN" altLang="en-US" dirty="0" smtClean="0">
+                <a:latin typeface="Arial" panose="020B0604020202020204" pitchFamily="34" charset="0"/>
+              </a:rPr>
+              <a:t>下面我主要通过六个方面介绍我的论文工作 首先是介绍研究背景和相关工作，然后是研究框架和系统的设计与实验，最后给出本文的总结与展望以及在硕士期间参加的科研项目和发表的论文</a:t>
+            </a:r>
           </a:p>
         </p:txBody>
       </p:sp>
     </p:spTree>
+    <p:extLst>
+      <p:ext uri="{BB962C8B-B14F-4D97-AF65-F5344CB8AC3E}">
+        <p14:creationId xmlns:p14="http://schemas.microsoft.com/office/powerpoint/2010/main" val="3340417877"/>
+      </p:ext>
+    </p:extLst>
   </p:cSld>
   <p:clrMapOvr>
     <a:masterClrMapping/>
@@ -3495,7 +3674,7 @@
       </p:grpSpPr>
       <p:sp>
         <p:nvSpPr>
-          <p:cNvPr id="53250" name="Rectangle 2"/>
+          <p:cNvPr id="87042" name="Rectangle 2"/>
           <p:cNvSpPr>
             <a:spLocks noGrp="1" noRot="1" noChangeAspect="1" noChangeArrowheads="1" noTextEdit="1"/>
           </p:cNvSpPr>
@@ -3509,7 +3688,7 @@
       </p:sp>
       <p:sp>
         <p:nvSpPr>
-          <p:cNvPr id="53251" name="Rectangle 3"/>
+          <p:cNvPr id="87043" name="Rectangle 3"/>
           <p:cNvSpPr>
             <a:spLocks noGrp="1" noChangeArrowheads="1"/>
           </p:cNvSpPr>
@@ -3544,7 +3723,6 @@
           <a:bodyPr/>
           <a:lstStyle/>
           <a:p>
-            <a:pPr eaLnBrk="1" hangingPunct="1"/>
             <a:endParaRPr lang="zh-CN" altLang="en-US" dirty="0" smtClean="0">
               <a:latin typeface="Arial" panose="020B0604020202020204" pitchFamily="34" charset="0"/>
             </a:endParaRPr>
@@ -3578,171 +3756,7 @@
       </p:grpSpPr>
       <p:sp>
         <p:nvSpPr>
-          <p:cNvPr id="57346" name="Rectangle 7"/>
-          <p:cNvSpPr txBox="1">
-            <a:spLocks noGrp="1" noChangeArrowheads="1"/>
-          </p:cNvSpPr>
-          <p:nvPr/>
-        </p:nvSpPr>
-        <p:spPr bwMode="auto">
-          <a:xfrm>
-            <a:off x="3884613" y="8685213"/>
-            <a:ext cx="2971800" cy="457200"/>
-          </a:xfrm>
-          <a:prstGeom prst="rect">
-            <a:avLst/>
-          </a:prstGeom>
-          <a:noFill/>
-          <a:ln>
-            <a:noFill/>
-          </a:ln>
-          <a:extLst>
-            <a:ext uri="{909E8E84-426E-40DD-AFC4-6F175D3DCCD1}">
-              <a14:hiddenFill xmlns:a14="http://schemas.microsoft.com/office/drawing/2010/main">
-                <a:solidFill>
-                  <a:srgbClr val="FFFFFF"/>
-                </a:solidFill>
-              </a14:hiddenFill>
-            </a:ext>
-            <a:ext uri="{91240B29-F687-4F45-9708-019B960494DF}">
-              <a14:hiddenLine xmlns:a14="http://schemas.microsoft.com/office/drawing/2010/main" w="9525">
-                <a:solidFill>
-                  <a:srgbClr val="000000"/>
-                </a:solidFill>
-                <a:miter lim="800000"/>
-                <a:headEnd/>
-                <a:tailEnd/>
-              </a14:hiddenLine>
-            </a:ext>
-          </a:extLst>
-        </p:spPr>
-        <p:txBody>
-          <a:bodyPr anchor="b"/>
-          <a:lstStyle>
-            <a:lvl1pPr eaLnBrk="0" hangingPunct="0">
-              <a:defRPr sz="2400">
-                <a:solidFill>
-                  <a:schemeClr val="tx1"/>
-                </a:solidFill>
-                <a:latin typeface="Verdana" panose="020B0604030504040204" pitchFamily="34" charset="0"/>
-                <a:ea typeface="宋体" panose="02010600030101010101" pitchFamily="2" charset="-122"/>
-              </a:defRPr>
-            </a:lvl1pPr>
-            <a:lvl2pPr marL="742950" indent="-285750" eaLnBrk="0" hangingPunct="0">
-              <a:defRPr sz="2400">
-                <a:solidFill>
-                  <a:schemeClr val="tx1"/>
-                </a:solidFill>
-                <a:latin typeface="Verdana" panose="020B0604030504040204" pitchFamily="34" charset="0"/>
-                <a:ea typeface="宋体" panose="02010600030101010101" pitchFamily="2" charset="-122"/>
-              </a:defRPr>
-            </a:lvl2pPr>
-            <a:lvl3pPr marL="1143000" indent="-228600" eaLnBrk="0" hangingPunct="0">
-              <a:defRPr sz="2400">
-                <a:solidFill>
-                  <a:schemeClr val="tx1"/>
-                </a:solidFill>
-                <a:latin typeface="Verdana" panose="020B0604030504040204" pitchFamily="34" charset="0"/>
-                <a:ea typeface="宋体" panose="02010600030101010101" pitchFamily="2" charset="-122"/>
-              </a:defRPr>
-            </a:lvl3pPr>
-            <a:lvl4pPr marL="1600200" indent="-228600" eaLnBrk="0" hangingPunct="0">
-              <a:defRPr sz="2400">
-                <a:solidFill>
-                  <a:schemeClr val="tx1"/>
-                </a:solidFill>
-                <a:latin typeface="Verdana" panose="020B0604030504040204" pitchFamily="34" charset="0"/>
-                <a:ea typeface="宋体" panose="02010600030101010101" pitchFamily="2" charset="-122"/>
-              </a:defRPr>
-            </a:lvl4pPr>
-            <a:lvl5pPr marL="2057400" indent="-228600" eaLnBrk="0" hangingPunct="0">
-              <a:defRPr sz="2400">
-                <a:solidFill>
-                  <a:schemeClr val="tx1"/>
-                </a:solidFill>
-                <a:latin typeface="Verdana" panose="020B0604030504040204" pitchFamily="34" charset="0"/>
-                <a:ea typeface="宋体" panose="02010600030101010101" pitchFamily="2" charset="-122"/>
-              </a:defRPr>
-            </a:lvl5pPr>
-            <a:lvl6pPr marL="2514600" indent="-228600" eaLnBrk="0" fontAlgn="base" hangingPunct="0">
-              <a:spcBef>
-                <a:spcPct val="0"/>
-              </a:spcBef>
-              <a:spcAft>
-                <a:spcPct val="0"/>
-              </a:spcAft>
-              <a:defRPr sz="2400">
-                <a:solidFill>
-                  <a:schemeClr val="tx1"/>
-                </a:solidFill>
-                <a:latin typeface="Verdana" panose="020B0604030504040204" pitchFamily="34" charset="0"/>
-                <a:ea typeface="宋体" panose="02010600030101010101" pitchFamily="2" charset="-122"/>
-              </a:defRPr>
-            </a:lvl6pPr>
-            <a:lvl7pPr marL="2971800" indent="-228600" eaLnBrk="0" fontAlgn="base" hangingPunct="0">
-              <a:spcBef>
-                <a:spcPct val="0"/>
-              </a:spcBef>
-              <a:spcAft>
-                <a:spcPct val="0"/>
-              </a:spcAft>
-              <a:defRPr sz="2400">
-                <a:solidFill>
-                  <a:schemeClr val="tx1"/>
-                </a:solidFill>
-                <a:latin typeface="Verdana" panose="020B0604030504040204" pitchFamily="34" charset="0"/>
-                <a:ea typeface="宋体" panose="02010600030101010101" pitchFamily="2" charset="-122"/>
-              </a:defRPr>
-            </a:lvl7pPr>
-            <a:lvl8pPr marL="3429000" indent="-228600" eaLnBrk="0" fontAlgn="base" hangingPunct="0">
-              <a:spcBef>
-                <a:spcPct val="0"/>
-              </a:spcBef>
-              <a:spcAft>
-                <a:spcPct val="0"/>
-              </a:spcAft>
-              <a:defRPr sz="2400">
-                <a:solidFill>
-                  <a:schemeClr val="tx1"/>
-                </a:solidFill>
-                <a:latin typeface="Verdana" panose="020B0604030504040204" pitchFamily="34" charset="0"/>
-                <a:ea typeface="宋体" panose="02010600030101010101" pitchFamily="2" charset="-122"/>
-              </a:defRPr>
-            </a:lvl8pPr>
-            <a:lvl9pPr marL="3886200" indent="-228600" eaLnBrk="0" fontAlgn="base" hangingPunct="0">
-              <a:spcBef>
-                <a:spcPct val="0"/>
-              </a:spcBef>
-              <a:spcAft>
-                <a:spcPct val="0"/>
-              </a:spcAft>
-              <a:defRPr sz="2400">
-                <a:solidFill>
-                  <a:schemeClr val="tx1"/>
-                </a:solidFill>
-                <a:latin typeface="Verdana" panose="020B0604030504040204" pitchFamily="34" charset="0"/>
-                <a:ea typeface="宋体" panose="02010600030101010101" pitchFamily="2" charset="-122"/>
-              </a:defRPr>
-            </a:lvl9pPr>
-          </a:lstStyle>
-          <a:p>
-            <a:pPr algn="r" eaLnBrk="1" hangingPunct="1"/>
-            <a:fld id="{EBADF64A-AC4F-4AEB-BA79-18D2DCAFE158}" type="slidenum">
-              <a:rPr lang="en-US" altLang="zh-CN" sz="1200">
-                <a:latin typeface="Arial" panose="020B0604020202020204" pitchFamily="34" charset="0"/>
-              </a:rPr>
-              <a:pPr algn="r" eaLnBrk="1" hangingPunct="1"/>
-              <a:t>5</a:t>
-            </a:fld>
-            <a:endParaRPr lang="en-US" altLang="zh-CN" sz="1200">
-              <a:latin typeface="Arial" panose="020B0604020202020204" pitchFamily="34" charset="0"/>
-            </a:endParaRPr>
-          </a:p>
-        </p:txBody>
-      </p:sp>
-      <p:sp>
-        <p:nvSpPr>
-          <p:cNvPr id="57347" name="Rectangle 2"/>
+          <p:cNvPr id="53250" name="Rectangle 2"/>
           <p:cNvSpPr>
             <a:spLocks noGrp="1" noRot="1" noChangeAspect="1" noChangeArrowheads="1" noTextEdit="1"/>
           </p:cNvSpPr>
@@ -3756,7 +3770,7 @@
       </p:sp>
       <p:sp>
         <p:nvSpPr>
-          <p:cNvPr id="57348" name="Rectangle 3"/>
+          <p:cNvPr id="53251" name="Rectangle 3"/>
           <p:cNvSpPr>
             <a:spLocks noGrp="1" noChangeArrowheads="1"/>
           </p:cNvSpPr>
@@ -3791,290 +3805,8 @@
           <a:bodyPr/>
           <a:lstStyle/>
           <a:p>
-            <a:pPr marL="742950" lvl="1" indent="-285750"/>
-            <a:r>
-              <a:rPr lang="zh-CN" altLang="en-US" smtClean="0">
-                <a:latin typeface="Arial" panose="020B0604020202020204" pitchFamily="34" charset="0"/>
-              </a:rPr>
-              <a:t>但是基于使用历史的</a:t>
-            </a:r>
-            <a:r>
-              <a:rPr lang="en-US" altLang="zh-CN" smtClean="0">
-                <a:latin typeface="Arial" panose="020B0604020202020204" pitchFamily="34" charset="0"/>
-              </a:rPr>
-              <a:t>API</a:t>
-            </a:r>
-            <a:r>
-              <a:rPr lang="zh-CN" altLang="en-US" smtClean="0">
-                <a:latin typeface="Arial" panose="020B0604020202020204" pitchFamily="34" charset="0"/>
-              </a:rPr>
-              <a:t>服务推荐存在两个问题，一是该方法需要使用大量的</a:t>
-            </a:r>
-            <a:r>
-              <a:rPr lang="en-US" altLang="zh-CN" smtClean="0">
-                <a:latin typeface="Arial" panose="020B0604020202020204" pitchFamily="34" charset="0"/>
-              </a:rPr>
-              <a:t>API</a:t>
-            </a:r>
-            <a:r>
-              <a:rPr lang="zh-CN" altLang="en-US" smtClean="0">
-                <a:latin typeface="Arial" panose="020B0604020202020204" pitchFamily="34" charset="0"/>
-              </a:rPr>
-              <a:t>服务的使用历史，如果</a:t>
-            </a:r>
-            <a:r>
-              <a:rPr lang="en-US" altLang="zh-CN" smtClean="0">
-                <a:latin typeface="Arial" panose="020B0604020202020204" pitchFamily="34" charset="0"/>
-              </a:rPr>
-              <a:t>API</a:t>
-            </a:r>
-            <a:r>
-              <a:rPr lang="zh-CN" altLang="en-US" smtClean="0">
-                <a:latin typeface="Arial" panose="020B0604020202020204" pitchFamily="34" charset="0"/>
-              </a:rPr>
-              <a:t>服务没有提供使用历史，则无法进行推荐。但是大部分</a:t>
-            </a:r>
-            <a:r>
-              <a:rPr lang="en-US" altLang="zh-CN" smtClean="0">
-                <a:latin typeface="Arial" panose="020B0604020202020204" pitchFamily="34" charset="0"/>
-              </a:rPr>
-              <a:t>API</a:t>
-            </a:r>
-            <a:r>
-              <a:rPr lang="zh-CN" altLang="en-US" smtClean="0">
-                <a:latin typeface="Arial" panose="020B0604020202020204" pitchFamily="34" charset="0"/>
-              </a:rPr>
-              <a:t>服务没有使用历史，我们对于</a:t>
-            </a:r>
-            <a:r>
-              <a:rPr lang="en-US" altLang="zh-CN" smtClean="0">
-                <a:latin typeface="Arial" panose="020B0604020202020204" pitchFamily="34" charset="0"/>
-              </a:rPr>
-              <a:t>pw</a:t>
-            </a:r>
-            <a:r>
-              <a:rPr lang="zh-CN" altLang="en-US" smtClean="0">
-                <a:latin typeface="Arial" panose="020B0604020202020204" pitchFamily="34" charset="0"/>
-              </a:rPr>
-              <a:t>上的</a:t>
-            </a:r>
-            <a:r>
-              <a:rPr lang="en-US" altLang="zh-CN" smtClean="0">
-                <a:latin typeface="Arial" panose="020B0604020202020204" pitchFamily="34" charset="0"/>
-              </a:rPr>
-              <a:t>Mashup</a:t>
-            </a:r>
-            <a:r>
-              <a:rPr lang="zh-CN" altLang="en-US" smtClean="0">
-                <a:latin typeface="Arial" panose="020B0604020202020204" pitchFamily="34" charset="0"/>
-              </a:rPr>
-              <a:t>与</a:t>
-            </a:r>
-            <a:r>
-              <a:rPr lang="en-US" altLang="zh-CN" smtClean="0">
-                <a:latin typeface="Arial" panose="020B0604020202020204" pitchFamily="34" charset="0"/>
-              </a:rPr>
-              <a:t>API</a:t>
-            </a:r>
-            <a:r>
-              <a:rPr lang="zh-CN" altLang="en-US" smtClean="0">
-                <a:latin typeface="Arial" panose="020B0604020202020204" pitchFamily="34" charset="0"/>
-              </a:rPr>
-              <a:t>服务信息进行分析，</a:t>
-            </a:r>
-            <a:r>
-              <a:rPr lang="en-US" altLang="zh-CN" smtClean="0">
-                <a:latin typeface="Arial" panose="020B0604020202020204" pitchFamily="34" charset="0"/>
-              </a:rPr>
-              <a:t>API</a:t>
-            </a:r>
-            <a:r>
-              <a:rPr lang="zh-CN" altLang="en-US" smtClean="0">
-                <a:latin typeface="Arial" panose="020B0604020202020204" pitchFamily="34" charset="0"/>
-              </a:rPr>
-              <a:t>服务数量为</a:t>
-            </a:r>
-            <a:r>
-              <a:rPr lang="en-US" altLang="zh-CN" smtClean="0">
-                <a:latin typeface="Arial" panose="020B0604020202020204" pitchFamily="34" charset="0"/>
-              </a:rPr>
-              <a:t>4506</a:t>
-            </a:r>
-            <a:r>
-              <a:rPr lang="zh-CN" altLang="en-US" smtClean="0">
-                <a:latin typeface="Arial" panose="020B0604020202020204" pitchFamily="34" charset="0"/>
-              </a:rPr>
-              <a:t>，被</a:t>
-            </a:r>
-            <a:r>
-              <a:rPr lang="en-US" altLang="zh-CN" smtClean="0">
-                <a:latin typeface="Arial" panose="020B0604020202020204" pitchFamily="34" charset="0"/>
-              </a:rPr>
-              <a:t>Mashup</a:t>
-            </a:r>
-            <a:r>
-              <a:rPr lang="zh-CN" altLang="en-US" smtClean="0">
-                <a:latin typeface="Arial" panose="020B0604020202020204" pitchFamily="34" charset="0"/>
-              </a:rPr>
-              <a:t>服务使用过的</a:t>
-            </a:r>
-            <a:r>
-              <a:rPr lang="en-US" altLang="zh-CN" smtClean="0">
-                <a:latin typeface="Arial" panose="020B0604020202020204" pitchFamily="34" charset="0"/>
-              </a:rPr>
-              <a:t>API</a:t>
-            </a:r>
-            <a:r>
-              <a:rPr lang="zh-CN" altLang="en-US" smtClean="0">
-                <a:latin typeface="Arial" panose="020B0604020202020204" pitchFamily="34" charset="0"/>
-              </a:rPr>
-              <a:t>数量为</a:t>
-            </a:r>
-            <a:r>
-              <a:rPr lang="en-US" altLang="zh-CN" smtClean="0">
-                <a:latin typeface="Arial" panose="020B0604020202020204" pitchFamily="34" charset="0"/>
-              </a:rPr>
-              <a:t>982</a:t>
-            </a:r>
-            <a:r>
-              <a:rPr lang="zh-CN" altLang="en-US" smtClean="0">
-                <a:latin typeface="Arial" panose="020B0604020202020204" pitchFamily="34" charset="0"/>
-              </a:rPr>
-              <a:t>，其中有过与其他的</a:t>
-            </a:r>
-            <a:r>
-              <a:rPr lang="en-US" altLang="zh-CN" smtClean="0">
-                <a:latin typeface="Arial" panose="020B0604020202020204" pitchFamily="34" charset="0"/>
-              </a:rPr>
-              <a:t>API</a:t>
-            </a:r>
-            <a:r>
-              <a:rPr lang="zh-CN" altLang="en-US" smtClean="0">
-                <a:latin typeface="Arial" panose="020B0604020202020204" pitchFamily="34" charset="0"/>
-              </a:rPr>
-              <a:t>服务进行组合历史的</a:t>
-            </a:r>
-            <a:r>
-              <a:rPr lang="en-US" altLang="zh-CN" smtClean="0">
-                <a:latin typeface="Arial" panose="020B0604020202020204" pitchFamily="34" charset="0"/>
-              </a:rPr>
-              <a:t>API</a:t>
-            </a:r>
-            <a:r>
-              <a:rPr lang="zh-CN" altLang="en-US" smtClean="0">
-                <a:latin typeface="Arial" panose="020B0604020202020204" pitchFamily="34" charset="0"/>
-              </a:rPr>
-              <a:t>服务数量为</a:t>
-            </a:r>
-            <a:r>
-              <a:rPr lang="en-US" altLang="zh-CN" smtClean="0">
-                <a:latin typeface="Arial" panose="020B0604020202020204" pitchFamily="34" charset="0"/>
-              </a:rPr>
-              <a:t>865</a:t>
-            </a:r>
-            <a:r>
-              <a:rPr lang="zh-CN" altLang="en-US" smtClean="0">
-                <a:latin typeface="Arial" panose="020B0604020202020204" pitchFamily="34" charset="0"/>
-              </a:rPr>
-              <a:t>。在</a:t>
-            </a:r>
-            <a:r>
-              <a:rPr lang="en-US" altLang="zh-CN" smtClean="0">
-                <a:latin typeface="Arial" panose="020B0604020202020204" pitchFamily="34" charset="0"/>
-              </a:rPr>
-              <a:t>API</a:t>
-            </a:r>
-            <a:r>
-              <a:rPr lang="zh-CN" altLang="en-US" smtClean="0">
-                <a:latin typeface="Arial" panose="020B0604020202020204" pitchFamily="34" charset="0"/>
-              </a:rPr>
-              <a:t>服务网络构建中只有使用了多个</a:t>
-            </a:r>
-            <a:r>
-              <a:rPr lang="en-US" altLang="zh-CN" smtClean="0">
-                <a:latin typeface="Arial" panose="020B0604020202020204" pitchFamily="34" charset="0"/>
-              </a:rPr>
-              <a:t>API</a:t>
-            </a:r>
-            <a:r>
-              <a:rPr lang="zh-CN" altLang="en-US" smtClean="0">
-                <a:latin typeface="Arial" panose="020B0604020202020204" pitchFamily="34" charset="0"/>
-              </a:rPr>
-              <a:t>服务的</a:t>
-            </a:r>
-            <a:r>
-              <a:rPr lang="en-US" altLang="zh-CN" smtClean="0">
-                <a:latin typeface="Arial" panose="020B0604020202020204" pitchFamily="34" charset="0"/>
-              </a:rPr>
-              <a:t>Mashup</a:t>
-            </a:r>
-            <a:r>
-              <a:rPr lang="zh-CN" altLang="en-US" smtClean="0">
-                <a:latin typeface="Arial" panose="020B0604020202020204" pitchFamily="34" charset="0"/>
-              </a:rPr>
-              <a:t>才对网络构建有意思，但是</a:t>
-            </a:r>
-            <a:r>
-              <a:rPr lang="en-US" altLang="zh-CN" smtClean="0">
-                <a:latin typeface="Arial" panose="020B0604020202020204" pitchFamily="34" charset="0"/>
-              </a:rPr>
-              <a:t>Mashup</a:t>
-            </a:r>
-            <a:r>
-              <a:rPr lang="zh-CN" altLang="en-US" smtClean="0">
-                <a:latin typeface="Arial" panose="020B0604020202020204" pitchFamily="34" charset="0"/>
-              </a:rPr>
-              <a:t>中通常使用单个</a:t>
-            </a:r>
-            <a:r>
-              <a:rPr lang="en-US" altLang="zh-CN" smtClean="0">
-                <a:latin typeface="Arial" panose="020B0604020202020204" pitchFamily="34" charset="0"/>
-              </a:rPr>
-              <a:t>API</a:t>
-            </a:r>
-            <a:r>
-              <a:rPr lang="zh-CN" altLang="en-US" smtClean="0">
-                <a:latin typeface="Arial" panose="020B0604020202020204" pitchFamily="34" charset="0"/>
-              </a:rPr>
-              <a:t>服务。Mashup中一大半只使用了一个</a:t>
-            </a:r>
-            <a:r>
-              <a:rPr lang="en-US" altLang="zh-CN" smtClean="0">
-                <a:latin typeface="Arial" panose="020B0604020202020204" pitchFamily="34" charset="0"/>
-              </a:rPr>
-              <a:t>API</a:t>
-            </a:r>
-            <a:r>
-              <a:rPr lang="zh-CN" altLang="en-US" smtClean="0">
-                <a:latin typeface="Arial" panose="020B0604020202020204" pitchFamily="34" charset="0"/>
-              </a:rPr>
-              <a:t>服务，对于</a:t>
-            </a:r>
-            <a:r>
-              <a:rPr lang="en-US" altLang="zh-CN" smtClean="0">
-                <a:latin typeface="Arial" panose="020B0604020202020204" pitchFamily="34" charset="0"/>
-              </a:rPr>
-              <a:t>API</a:t>
-            </a:r>
-            <a:r>
-              <a:rPr lang="zh-CN" altLang="en-US" smtClean="0">
-                <a:latin typeface="Arial" panose="020B0604020202020204" pitchFamily="34" charset="0"/>
-              </a:rPr>
-              <a:t>服务构建没有贡献。二是该方法获得的</a:t>
-            </a:r>
-            <a:r>
-              <a:rPr lang="en-US" altLang="zh-CN" smtClean="0">
-                <a:latin typeface="Arial" panose="020B0604020202020204" pitchFamily="34" charset="0"/>
-              </a:rPr>
-              <a:t>API</a:t>
-            </a:r>
-            <a:r>
-              <a:rPr lang="zh-CN" altLang="en-US" smtClean="0">
-                <a:latin typeface="Arial" panose="020B0604020202020204" pitchFamily="34" charset="0"/>
-              </a:rPr>
-              <a:t>服务之间的关系都是协作关系，对于竞争关系的服务无法进行推荐。</a:t>
-            </a:r>
-            <a:endParaRPr lang="zh-CN" altLang="zh-CN" smtClean="0">
+            <a:pPr eaLnBrk="1" hangingPunct="1"/>
+            <a:endParaRPr lang="zh-CN" altLang="en-US" dirty="0" smtClean="0">
               <a:latin typeface="Arial" panose="020B0604020202020204" pitchFamily="34" charset="0"/>
             </a:endParaRPr>
           </a:p>
@@ -4610,6 +4342,535 @@
         </p:txBody>
       </p:sp>
     </p:spTree>
+  </p:cSld>
+  <p:clrMapOvr>
+    <a:masterClrMapping/>
+  </p:clrMapOvr>
+</p:notes>
+</file>
+
+<file path=ppt/notesSlides/notesSlide7.xml><?xml version="1.0" encoding="utf-8"?>
+<p:notes xmlns:a="http://schemas.openxmlformats.org/drawingml/2006/main" xmlns:r="http://schemas.openxmlformats.org/officeDocument/2006/relationships" xmlns:p="http://schemas.openxmlformats.org/presentationml/2006/main">
+  <p:cSld>
+    <p:spTree>
+      <p:nvGrpSpPr>
+        <p:cNvPr id="1" name=""/>
+        <p:cNvGrpSpPr/>
+        <p:nvPr/>
+      </p:nvGrpSpPr>
+      <p:grpSpPr>
+        <a:xfrm>
+          <a:off x="0" y="0"/>
+          <a:ext cx="0" cy="0"/>
+          <a:chOff x="0" y="0"/>
+          <a:chExt cx="0" cy="0"/>
+        </a:xfrm>
+      </p:grpSpPr>
+      <p:sp>
+        <p:nvSpPr>
+          <p:cNvPr id="57346" name="Rectangle 7"/>
+          <p:cNvSpPr txBox="1">
+            <a:spLocks noGrp="1" noChangeArrowheads="1"/>
+          </p:cNvSpPr>
+          <p:nvPr/>
+        </p:nvSpPr>
+        <p:spPr bwMode="auto">
+          <a:xfrm>
+            <a:off x="3884613" y="8685213"/>
+            <a:ext cx="2971800" cy="457200"/>
+          </a:xfrm>
+          <a:prstGeom prst="rect">
+            <a:avLst/>
+          </a:prstGeom>
+          <a:noFill/>
+          <a:ln>
+            <a:noFill/>
+          </a:ln>
+          <a:extLst>
+            <a:ext uri="{909E8E84-426E-40DD-AFC4-6F175D3DCCD1}">
+              <a14:hiddenFill xmlns:a14="http://schemas.microsoft.com/office/drawing/2010/main">
+                <a:solidFill>
+                  <a:srgbClr val="FFFFFF"/>
+                </a:solidFill>
+              </a14:hiddenFill>
+            </a:ext>
+            <a:ext uri="{91240B29-F687-4F45-9708-019B960494DF}">
+              <a14:hiddenLine xmlns:a14="http://schemas.microsoft.com/office/drawing/2010/main" w="9525">
+                <a:solidFill>
+                  <a:srgbClr val="000000"/>
+                </a:solidFill>
+                <a:miter lim="800000"/>
+                <a:headEnd/>
+                <a:tailEnd/>
+              </a14:hiddenLine>
+            </a:ext>
+          </a:extLst>
+        </p:spPr>
+        <p:txBody>
+          <a:bodyPr anchor="b"/>
+          <a:lstStyle>
+            <a:lvl1pPr eaLnBrk="0" hangingPunct="0">
+              <a:defRPr sz="2400">
+                <a:solidFill>
+                  <a:schemeClr val="tx1"/>
+                </a:solidFill>
+                <a:latin typeface="Verdana" panose="020B0604030504040204" pitchFamily="34" charset="0"/>
+                <a:ea typeface="宋体" panose="02010600030101010101" pitchFamily="2" charset="-122"/>
+              </a:defRPr>
+            </a:lvl1pPr>
+            <a:lvl2pPr marL="742950" indent="-285750" eaLnBrk="0" hangingPunct="0">
+              <a:defRPr sz="2400">
+                <a:solidFill>
+                  <a:schemeClr val="tx1"/>
+                </a:solidFill>
+                <a:latin typeface="Verdana" panose="020B0604030504040204" pitchFamily="34" charset="0"/>
+                <a:ea typeface="宋体" panose="02010600030101010101" pitchFamily="2" charset="-122"/>
+              </a:defRPr>
+            </a:lvl2pPr>
+            <a:lvl3pPr marL="1143000" indent="-228600" eaLnBrk="0" hangingPunct="0">
+              <a:defRPr sz="2400">
+                <a:solidFill>
+                  <a:schemeClr val="tx1"/>
+                </a:solidFill>
+                <a:latin typeface="Verdana" panose="020B0604030504040204" pitchFamily="34" charset="0"/>
+                <a:ea typeface="宋体" panose="02010600030101010101" pitchFamily="2" charset="-122"/>
+              </a:defRPr>
+            </a:lvl3pPr>
+            <a:lvl4pPr marL="1600200" indent="-228600" eaLnBrk="0" hangingPunct="0">
+              <a:defRPr sz="2400">
+                <a:solidFill>
+                  <a:schemeClr val="tx1"/>
+                </a:solidFill>
+                <a:latin typeface="Verdana" panose="020B0604030504040204" pitchFamily="34" charset="0"/>
+                <a:ea typeface="宋体" panose="02010600030101010101" pitchFamily="2" charset="-122"/>
+              </a:defRPr>
+            </a:lvl4pPr>
+            <a:lvl5pPr marL="2057400" indent="-228600" eaLnBrk="0" hangingPunct="0">
+              <a:defRPr sz="2400">
+                <a:solidFill>
+                  <a:schemeClr val="tx1"/>
+                </a:solidFill>
+                <a:latin typeface="Verdana" panose="020B0604030504040204" pitchFamily="34" charset="0"/>
+                <a:ea typeface="宋体" panose="02010600030101010101" pitchFamily="2" charset="-122"/>
+              </a:defRPr>
+            </a:lvl5pPr>
+            <a:lvl6pPr marL="2514600" indent="-228600" eaLnBrk="0" fontAlgn="base" hangingPunct="0">
+              <a:spcBef>
+                <a:spcPct val="0"/>
+              </a:spcBef>
+              <a:spcAft>
+                <a:spcPct val="0"/>
+              </a:spcAft>
+              <a:defRPr sz="2400">
+                <a:solidFill>
+                  <a:schemeClr val="tx1"/>
+                </a:solidFill>
+                <a:latin typeface="Verdana" panose="020B0604030504040204" pitchFamily="34" charset="0"/>
+                <a:ea typeface="宋体" panose="02010600030101010101" pitchFamily="2" charset="-122"/>
+              </a:defRPr>
+            </a:lvl6pPr>
+            <a:lvl7pPr marL="2971800" indent="-228600" eaLnBrk="0" fontAlgn="base" hangingPunct="0">
+              <a:spcBef>
+                <a:spcPct val="0"/>
+              </a:spcBef>
+              <a:spcAft>
+                <a:spcPct val="0"/>
+              </a:spcAft>
+              <a:defRPr sz="2400">
+                <a:solidFill>
+                  <a:schemeClr val="tx1"/>
+                </a:solidFill>
+                <a:latin typeface="Verdana" panose="020B0604030504040204" pitchFamily="34" charset="0"/>
+                <a:ea typeface="宋体" panose="02010600030101010101" pitchFamily="2" charset="-122"/>
+              </a:defRPr>
+            </a:lvl7pPr>
+            <a:lvl8pPr marL="3429000" indent="-228600" eaLnBrk="0" fontAlgn="base" hangingPunct="0">
+              <a:spcBef>
+                <a:spcPct val="0"/>
+              </a:spcBef>
+              <a:spcAft>
+                <a:spcPct val="0"/>
+              </a:spcAft>
+              <a:defRPr sz="2400">
+                <a:solidFill>
+                  <a:schemeClr val="tx1"/>
+                </a:solidFill>
+                <a:latin typeface="Verdana" panose="020B0604030504040204" pitchFamily="34" charset="0"/>
+                <a:ea typeface="宋体" panose="02010600030101010101" pitchFamily="2" charset="-122"/>
+              </a:defRPr>
+            </a:lvl8pPr>
+            <a:lvl9pPr marL="3886200" indent="-228600" eaLnBrk="0" fontAlgn="base" hangingPunct="0">
+              <a:spcBef>
+                <a:spcPct val="0"/>
+              </a:spcBef>
+              <a:spcAft>
+                <a:spcPct val="0"/>
+              </a:spcAft>
+              <a:defRPr sz="2400">
+                <a:solidFill>
+                  <a:schemeClr val="tx1"/>
+                </a:solidFill>
+                <a:latin typeface="Verdana" panose="020B0604030504040204" pitchFamily="34" charset="0"/>
+                <a:ea typeface="宋体" panose="02010600030101010101" pitchFamily="2" charset="-122"/>
+              </a:defRPr>
+            </a:lvl9pPr>
+          </a:lstStyle>
+          <a:p>
+            <a:pPr algn="r" eaLnBrk="1" hangingPunct="1"/>
+            <a:fld id="{EBADF64A-AC4F-4AEB-BA79-18D2DCAFE158}" type="slidenum">
+              <a:rPr lang="en-US" altLang="zh-CN" sz="1200">
+                <a:latin typeface="Arial" panose="020B0604020202020204" pitchFamily="34" charset="0"/>
+              </a:rPr>
+              <a:pPr algn="r" eaLnBrk="1" hangingPunct="1"/>
+              <a:t>7</a:t>
+            </a:fld>
+            <a:endParaRPr lang="en-US" altLang="zh-CN" sz="1200">
+              <a:latin typeface="Arial" panose="020B0604020202020204" pitchFamily="34" charset="0"/>
+            </a:endParaRPr>
+          </a:p>
+        </p:txBody>
+      </p:sp>
+      <p:sp>
+        <p:nvSpPr>
+          <p:cNvPr id="57347" name="Rectangle 2"/>
+          <p:cNvSpPr>
+            <a:spLocks noGrp="1" noRot="1" noChangeAspect="1" noChangeArrowheads="1" noTextEdit="1"/>
+          </p:cNvSpPr>
+          <p:nvPr>
+            <p:ph type="sldImg"/>
+          </p:nvPr>
+        </p:nvSpPr>
+        <p:spPr>
+          <a:ln/>
+        </p:spPr>
+      </p:sp>
+      <p:sp>
+        <p:nvSpPr>
+          <p:cNvPr id="57348" name="Rectangle 3"/>
+          <p:cNvSpPr>
+            <a:spLocks noGrp="1" noChangeArrowheads="1"/>
+          </p:cNvSpPr>
+          <p:nvPr>
+            <p:ph type="body" idx="1"/>
+          </p:nvPr>
+        </p:nvSpPr>
+        <p:spPr>
+          <a:noFill/>
+          <a:ln/>
+          <a:extLst>
+            <a:ext uri="{909E8E84-426E-40DD-AFC4-6F175D3DCCD1}">
+              <a14:hiddenFill xmlns:a14="http://schemas.microsoft.com/office/drawing/2010/main">
+                <a:solidFill>
+                  <a:srgbClr val="FFFFFF"/>
+                </a:solidFill>
+              </a14:hiddenFill>
+            </a:ext>
+            <a:ext uri="{91240B29-F687-4F45-9708-019B960494DF}">
+              <a14:hiddenLine xmlns:a14="http://schemas.microsoft.com/office/drawing/2010/main" w="9525">
+                <a:solidFill>
+                  <a:srgbClr val="000000"/>
+                </a:solidFill>
+                <a:miter lim="800000"/>
+                <a:headEnd/>
+                <a:tailEnd/>
+              </a14:hiddenLine>
+            </a:ext>
+          </a:extLst>
+        </p:spPr>
+        <p:txBody>
+          <a:bodyPr/>
+          <a:lstStyle/>
+          <a:p>
+            <a:pPr marL="742950" lvl="1" indent="-285750"/>
+            <a:r>
+              <a:rPr lang="zh-CN" altLang="en-US" smtClean="0">
+                <a:latin typeface="Arial" panose="020B0604020202020204" pitchFamily="34" charset="0"/>
+              </a:rPr>
+              <a:t>但是基于使用历史的</a:t>
+            </a:r>
+            <a:r>
+              <a:rPr lang="en-US" altLang="zh-CN" smtClean="0">
+                <a:latin typeface="Arial" panose="020B0604020202020204" pitchFamily="34" charset="0"/>
+              </a:rPr>
+              <a:t>API</a:t>
+            </a:r>
+            <a:r>
+              <a:rPr lang="zh-CN" altLang="en-US" smtClean="0">
+                <a:latin typeface="Arial" panose="020B0604020202020204" pitchFamily="34" charset="0"/>
+              </a:rPr>
+              <a:t>服务推荐存在两个问题，一是该方法需要使用大量的</a:t>
+            </a:r>
+            <a:r>
+              <a:rPr lang="en-US" altLang="zh-CN" smtClean="0">
+                <a:latin typeface="Arial" panose="020B0604020202020204" pitchFamily="34" charset="0"/>
+              </a:rPr>
+              <a:t>API</a:t>
+            </a:r>
+            <a:r>
+              <a:rPr lang="zh-CN" altLang="en-US" smtClean="0">
+                <a:latin typeface="Arial" panose="020B0604020202020204" pitchFamily="34" charset="0"/>
+              </a:rPr>
+              <a:t>服务的使用历史，如果</a:t>
+            </a:r>
+            <a:r>
+              <a:rPr lang="en-US" altLang="zh-CN" smtClean="0">
+                <a:latin typeface="Arial" panose="020B0604020202020204" pitchFamily="34" charset="0"/>
+              </a:rPr>
+              <a:t>API</a:t>
+            </a:r>
+            <a:r>
+              <a:rPr lang="zh-CN" altLang="en-US" smtClean="0">
+                <a:latin typeface="Arial" panose="020B0604020202020204" pitchFamily="34" charset="0"/>
+              </a:rPr>
+              <a:t>服务没有提供使用历史，则无法进行推荐。但是大部分</a:t>
+            </a:r>
+            <a:r>
+              <a:rPr lang="en-US" altLang="zh-CN" smtClean="0">
+                <a:latin typeface="Arial" panose="020B0604020202020204" pitchFamily="34" charset="0"/>
+              </a:rPr>
+              <a:t>API</a:t>
+            </a:r>
+            <a:r>
+              <a:rPr lang="zh-CN" altLang="en-US" smtClean="0">
+                <a:latin typeface="Arial" panose="020B0604020202020204" pitchFamily="34" charset="0"/>
+              </a:rPr>
+              <a:t>服务没有使用历史，我们对于</a:t>
+            </a:r>
+            <a:r>
+              <a:rPr lang="en-US" altLang="zh-CN" smtClean="0">
+                <a:latin typeface="Arial" panose="020B0604020202020204" pitchFamily="34" charset="0"/>
+              </a:rPr>
+              <a:t>pw</a:t>
+            </a:r>
+            <a:r>
+              <a:rPr lang="zh-CN" altLang="en-US" smtClean="0">
+                <a:latin typeface="Arial" panose="020B0604020202020204" pitchFamily="34" charset="0"/>
+              </a:rPr>
+              <a:t>上的</a:t>
+            </a:r>
+            <a:r>
+              <a:rPr lang="en-US" altLang="zh-CN" smtClean="0">
+                <a:latin typeface="Arial" panose="020B0604020202020204" pitchFamily="34" charset="0"/>
+              </a:rPr>
+              <a:t>Mashup</a:t>
+            </a:r>
+            <a:r>
+              <a:rPr lang="zh-CN" altLang="en-US" smtClean="0">
+                <a:latin typeface="Arial" panose="020B0604020202020204" pitchFamily="34" charset="0"/>
+              </a:rPr>
+              <a:t>与</a:t>
+            </a:r>
+            <a:r>
+              <a:rPr lang="en-US" altLang="zh-CN" smtClean="0">
+                <a:latin typeface="Arial" panose="020B0604020202020204" pitchFamily="34" charset="0"/>
+              </a:rPr>
+              <a:t>API</a:t>
+            </a:r>
+            <a:r>
+              <a:rPr lang="zh-CN" altLang="en-US" smtClean="0">
+                <a:latin typeface="Arial" panose="020B0604020202020204" pitchFamily="34" charset="0"/>
+              </a:rPr>
+              <a:t>服务信息进行分析，</a:t>
+            </a:r>
+            <a:r>
+              <a:rPr lang="en-US" altLang="zh-CN" smtClean="0">
+                <a:latin typeface="Arial" panose="020B0604020202020204" pitchFamily="34" charset="0"/>
+              </a:rPr>
+              <a:t>API</a:t>
+            </a:r>
+            <a:r>
+              <a:rPr lang="zh-CN" altLang="en-US" smtClean="0">
+                <a:latin typeface="Arial" panose="020B0604020202020204" pitchFamily="34" charset="0"/>
+              </a:rPr>
+              <a:t>服务数量为</a:t>
+            </a:r>
+            <a:r>
+              <a:rPr lang="en-US" altLang="zh-CN" smtClean="0">
+                <a:latin typeface="Arial" panose="020B0604020202020204" pitchFamily="34" charset="0"/>
+              </a:rPr>
+              <a:t>4506</a:t>
+            </a:r>
+            <a:r>
+              <a:rPr lang="zh-CN" altLang="en-US" smtClean="0">
+                <a:latin typeface="Arial" panose="020B0604020202020204" pitchFamily="34" charset="0"/>
+              </a:rPr>
+              <a:t>，被</a:t>
+            </a:r>
+            <a:r>
+              <a:rPr lang="en-US" altLang="zh-CN" smtClean="0">
+                <a:latin typeface="Arial" panose="020B0604020202020204" pitchFamily="34" charset="0"/>
+              </a:rPr>
+              <a:t>Mashup</a:t>
+            </a:r>
+            <a:r>
+              <a:rPr lang="zh-CN" altLang="en-US" smtClean="0">
+                <a:latin typeface="Arial" panose="020B0604020202020204" pitchFamily="34" charset="0"/>
+              </a:rPr>
+              <a:t>服务使用过的</a:t>
+            </a:r>
+            <a:r>
+              <a:rPr lang="en-US" altLang="zh-CN" smtClean="0">
+                <a:latin typeface="Arial" panose="020B0604020202020204" pitchFamily="34" charset="0"/>
+              </a:rPr>
+              <a:t>API</a:t>
+            </a:r>
+            <a:r>
+              <a:rPr lang="zh-CN" altLang="en-US" smtClean="0">
+                <a:latin typeface="Arial" panose="020B0604020202020204" pitchFamily="34" charset="0"/>
+              </a:rPr>
+              <a:t>数量为</a:t>
+            </a:r>
+            <a:r>
+              <a:rPr lang="en-US" altLang="zh-CN" smtClean="0">
+                <a:latin typeface="Arial" panose="020B0604020202020204" pitchFamily="34" charset="0"/>
+              </a:rPr>
+              <a:t>982</a:t>
+            </a:r>
+            <a:r>
+              <a:rPr lang="zh-CN" altLang="en-US" smtClean="0">
+                <a:latin typeface="Arial" panose="020B0604020202020204" pitchFamily="34" charset="0"/>
+              </a:rPr>
+              <a:t>，其中有过与其他的</a:t>
+            </a:r>
+            <a:r>
+              <a:rPr lang="en-US" altLang="zh-CN" smtClean="0">
+                <a:latin typeface="Arial" panose="020B0604020202020204" pitchFamily="34" charset="0"/>
+              </a:rPr>
+              <a:t>API</a:t>
+            </a:r>
+            <a:r>
+              <a:rPr lang="zh-CN" altLang="en-US" smtClean="0">
+                <a:latin typeface="Arial" panose="020B0604020202020204" pitchFamily="34" charset="0"/>
+              </a:rPr>
+              <a:t>服务进行组合历史的</a:t>
+            </a:r>
+            <a:r>
+              <a:rPr lang="en-US" altLang="zh-CN" smtClean="0">
+                <a:latin typeface="Arial" panose="020B0604020202020204" pitchFamily="34" charset="0"/>
+              </a:rPr>
+              <a:t>API</a:t>
+            </a:r>
+            <a:r>
+              <a:rPr lang="zh-CN" altLang="en-US" smtClean="0">
+                <a:latin typeface="Arial" panose="020B0604020202020204" pitchFamily="34" charset="0"/>
+              </a:rPr>
+              <a:t>服务数量为</a:t>
+            </a:r>
+            <a:r>
+              <a:rPr lang="en-US" altLang="zh-CN" smtClean="0">
+                <a:latin typeface="Arial" panose="020B0604020202020204" pitchFamily="34" charset="0"/>
+              </a:rPr>
+              <a:t>865</a:t>
+            </a:r>
+            <a:r>
+              <a:rPr lang="zh-CN" altLang="en-US" smtClean="0">
+                <a:latin typeface="Arial" panose="020B0604020202020204" pitchFamily="34" charset="0"/>
+              </a:rPr>
+              <a:t>。在</a:t>
+            </a:r>
+            <a:r>
+              <a:rPr lang="en-US" altLang="zh-CN" smtClean="0">
+                <a:latin typeface="Arial" panose="020B0604020202020204" pitchFamily="34" charset="0"/>
+              </a:rPr>
+              <a:t>API</a:t>
+            </a:r>
+            <a:r>
+              <a:rPr lang="zh-CN" altLang="en-US" smtClean="0">
+                <a:latin typeface="Arial" panose="020B0604020202020204" pitchFamily="34" charset="0"/>
+              </a:rPr>
+              <a:t>服务网络构建中只有使用了多个</a:t>
+            </a:r>
+            <a:r>
+              <a:rPr lang="en-US" altLang="zh-CN" smtClean="0">
+                <a:latin typeface="Arial" panose="020B0604020202020204" pitchFamily="34" charset="0"/>
+              </a:rPr>
+              <a:t>API</a:t>
+            </a:r>
+            <a:r>
+              <a:rPr lang="zh-CN" altLang="en-US" smtClean="0">
+                <a:latin typeface="Arial" panose="020B0604020202020204" pitchFamily="34" charset="0"/>
+              </a:rPr>
+              <a:t>服务的</a:t>
+            </a:r>
+            <a:r>
+              <a:rPr lang="en-US" altLang="zh-CN" smtClean="0">
+                <a:latin typeface="Arial" panose="020B0604020202020204" pitchFamily="34" charset="0"/>
+              </a:rPr>
+              <a:t>Mashup</a:t>
+            </a:r>
+            <a:r>
+              <a:rPr lang="zh-CN" altLang="en-US" smtClean="0">
+                <a:latin typeface="Arial" panose="020B0604020202020204" pitchFamily="34" charset="0"/>
+              </a:rPr>
+              <a:t>才对网络构建有意思，但是</a:t>
+            </a:r>
+            <a:r>
+              <a:rPr lang="en-US" altLang="zh-CN" smtClean="0">
+                <a:latin typeface="Arial" panose="020B0604020202020204" pitchFamily="34" charset="0"/>
+              </a:rPr>
+              <a:t>Mashup</a:t>
+            </a:r>
+            <a:r>
+              <a:rPr lang="zh-CN" altLang="en-US" smtClean="0">
+                <a:latin typeface="Arial" panose="020B0604020202020204" pitchFamily="34" charset="0"/>
+              </a:rPr>
+              <a:t>中通常使用单个</a:t>
+            </a:r>
+            <a:r>
+              <a:rPr lang="en-US" altLang="zh-CN" smtClean="0">
+                <a:latin typeface="Arial" panose="020B0604020202020204" pitchFamily="34" charset="0"/>
+              </a:rPr>
+              <a:t>API</a:t>
+            </a:r>
+            <a:r>
+              <a:rPr lang="zh-CN" altLang="en-US" smtClean="0">
+                <a:latin typeface="Arial" panose="020B0604020202020204" pitchFamily="34" charset="0"/>
+              </a:rPr>
+              <a:t>服务。Mashup中一大半只使用了一个</a:t>
+            </a:r>
+            <a:r>
+              <a:rPr lang="en-US" altLang="zh-CN" smtClean="0">
+                <a:latin typeface="Arial" panose="020B0604020202020204" pitchFamily="34" charset="0"/>
+              </a:rPr>
+              <a:t>API</a:t>
+            </a:r>
+            <a:r>
+              <a:rPr lang="zh-CN" altLang="en-US" smtClean="0">
+                <a:latin typeface="Arial" panose="020B0604020202020204" pitchFamily="34" charset="0"/>
+              </a:rPr>
+              <a:t>服务，对于</a:t>
+            </a:r>
+            <a:r>
+              <a:rPr lang="en-US" altLang="zh-CN" smtClean="0">
+                <a:latin typeface="Arial" panose="020B0604020202020204" pitchFamily="34" charset="0"/>
+              </a:rPr>
+              <a:t>API</a:t>
+            </a:r>
+            <a:r>
+              <a:rPr lang="zh-CN" altLang="en-US" smtClean="0">
+                <a:latin typeface="Arial" panose="020B0604020202020204" pitchFamily="34" charset="0"/>
+              </a:rPr>
+              <a:t>服务构建没有贡献。二是该方法获得的</a:t>
+            </a:r>
+            <a:r>
+              <a:rPr lang="en-US" altLang="zh-CN" smtClean="0">
+                <a:latin typeface="Arial" panose="020B0604020202020204" pitchFamily="34" charset="0"/>
+              </a:rPr>
+              <a:t>API</a:t>
+            </a:r>
+            <a:r>
+              <a:rPr lang="zh-CN" altLang="en-US" smtClean="0">
+                <a:latin typeface="Arial" panose="020B0604020202020204" pitchFamily="34" charset="0"/>
+              </a:rPr>
+              <a:t>服务之间的关系都是协作关系，对于竞争关系的服务无法进行推荐。</a:t>
+            </a:r>
+            <a:endParaRPr lang="zh-CN" altLang="zh-CN" smtClean="0">
+              <a:latin typeface="Arial" panose="020B0604020202020204" pitchFamily="34" charset="0"/>
+            </a:endParaRPr>
+          </a:p>
+        </p:txBody>
+      </p:sp>
+    </p:spTree>
     <p:extLst>
       <p:ext uri="{BB962C8B-B14F-4D97-AF65-F5344CB8AC3E}">
         <p14:creationId xmlns:p14="http://schemas.microsoft.com/office/powerpoint/2010/main" val="947246213"/>
@@ -4622,7 +4883,7 @@
 </p:notes>
 </file>
 
-<file path=ppt/notesSlides/notesSlide7.xml><?xml version="1.0" encoding="utf-8"?>
+<file path=ppt/notesSlides/notesSlide8.xml><?xml version="1.0" encoding="utf-8"?>
 <p:notes xmlns:a="http://schemas.openxmlformats.org/drawingml/2006/main" xmlns:r="http://schemas.openxmlformats.org/officeDocument/2006/relationships" xmlns:p="http://schemas.openxmlformats.org/presentationml/2006/main">
   <p:cSld>
     <p:spTree>
@@ -4795,7 +5056,7 @@
                 <a:latin typeface="Arial" panose="020B0604020202020204" pitchFamily="34" charset="0"/>
               </a:rPr>
               <a:pPr algn="r" eaLnBrk="1" hangingPunct="1"/>
-              <a:t>7</a:t>
+              <a:t>8</a:t>
             </a:fld>
             <a:endParaRPr lang="en-US" altLang="zh-CN" sz="1200">
               <a:latin typeface="Arial" panose="020B0604020202020204" pitchFamily="34" charset="0"/>
@@ -4946,88 +5207,6 @@
               <a:t>服务丰富的功能信息应用到服务推荐中</a:t>
             </a:r>
             <a:endParaRPr lang="zh-CN" altLang="zh-CN" smtClean="0">
-              <a:latin typeface="Arial" panose="020B0604020202020204" pitchFamily="34" charset="0"/>
-            </a:endParaRPr>
-          </a:p>
-        </p:txBody>
-      </p:sp>
-    </p:spTree>
-  </p:cSld>
-  <p:clrMapOvr>
-    <a:masterClrMapping/>
-  </p:clrMapOvr>
-</p:notes>
-</file>
-
-<file path=ppt/notesSlides/notesSlide8.xml><?xml version="1.0" encoding="utf-8"?>
-<p:notes xmlns:a="http://schemas.openxmlformats.org/drawingml/2006/main" xmlns:r="http://schemas.openxmlformats.org/officeDocument/2006/relationships" xmlns:p="http://schemas.openxmlformats.org/presentationml/2006/main">
-  <p:cSld>
-    <p:spTree>
-      <p:nvGrpSpPr>
-        <p:cNvPr id="1" name=""/>
-        <p:cNvGrpSpPr/>
-        <p:nvPr/>
-      </p:nvGrpSpPr>
-      <p:grpSpPr>
-        <a:xfrm>
-          <a:off x="0" y="0"/>
-          <a:ext cx="0" cy="0"/>
-          <a:chOff x="0" y="0"/>
-          <a:chExt cx="0" cy="0"/>
-        </a:xfrm>
-      </p:grpSpPr>
-      <p:sp>
-        <p:nvSpPr>
-          <p:cNvPr id="55298" name="Rectangle 2"/>
-          <p:cNvSpPr>
-            <a:spLocks noGrp="1" noRot="1" noChangeAspect="1" noChangeArrowheads="1" noTextEdit="1"/>
-          </p:cNvSpPr>
-          <p:nvPr>
-            <p:ph type="sldImg"/>
-          </p:nvPr>
-        </p:nvSpPr>
-        <p:spPr>
-          <a:ln/>
-        </p:spPr>
-      </p:sp>
-      <p:sp>
-        <p:nvSpPr>
-          <p:cNvPr id="55299" name="Rectangle 3"/>
-          <p:cNvSpPr>
-            <a:spLocks noGrp="1" noChangeArrowheads="1"/>
-          </p:cNvSpPr>
-          <p:nvPr>
-            <p:ph type="body" idx="1"/>
-          </p:nvPr>
-        </p:nvSpPr>
-        <p:spPr>
-          <a:noFill/>
-          <a:ln/>
-          <a:extLst>
-            <a:ext uri="{909E8E84-426E-40DD-AFC4-6F175D3DCCD1}">
-              <a14:hiddenFill xmlns:a14="http://schemas.microsoft.com/office/drawing/2010/main">
-                <a:solidFill>
-                  <a:srgbClr val="FFFFFF"/>
-                </a:solidFill>
-              </a14:hiddenFill>
-            </a:ext>
-            <a:ext uri="{91240B29-F687-4F45-9708-019B960494DF}">
-              <a14:hiddenLine xmlns:a14="http://schemas.microsoft.com/office/drawing/2010/main" w="9525">
-                <a:solidFill>
-                  <a:srgbClr val="000000"/>
-                </a:solidFill>
-                <a:miter lim="800000"/>
-                <a:headEnd/>
-                <a:tailEnd/>
-              </a14:hiddenLine>
-            </a:ext>
-          </a:extLst>
-        </p:spPr>
-        <p:txBody>
-          <a:bodyPr/>
-          <a:lstStyle/>
-          <a:p>
-            <a:endParaRPr lang="zh-CN" altLang="en-US" dirty="0" smtClean="0">
               <a:latin typeface="Arial" panose="020B0604020202020204" pitchFamily="34" charset="0"/>
             </a:endParaRPr>
           </a:p>
@@ -5060,7 +5239,7 @@
       </p:grpSpPr>
       <p:sp>
         <p:nvSpPr>
-          <p:cNvPr id="61442" name="Rectangle 2"/>
+          <p:cNvPr id="55298" name="Rectangle 2"/>
           <p:cNvSpPr>
             <a:spLocks noGrp="1" noRot="1" noChangeAspect="1" noChangeArrowheads="1" noTextEdit="1"/>
           </p:cNvSpPr>
@@ -5074,7 +5253,7 @@
       </p:sp>
       <p:sp>
         <p:nvSpPr>
-          <p:cNvPr id="61443" name="Rectangle 3"/>
+          <p:cNvPr id="55299" name="Rectangle 3"/>
           <p:cNvSpPr>
             <a:spLocks noGrp="1" noChangeArrowheads="1"/>
           </p:cNvSpPr>
@@ -5109,12 +5288,9 @@
           <a:bodyPr/>
           <a:lstStyle/>
           <a:p>
-            <a:r>
-              <a:rPr lang="zh-CN" altLang="en-US" smtClean="0">
-                <a:latin typeface="Arial" panose="020B0604020202020204" pitchFamily="34" charset="0"/>
-              </a:rPr>
-              <a:t>基于上述思考，我们提出了服务推荐方法，主要的流程是包括数据收集和整理、数据预处理、服务相似度计算和服务推荐这四个步骤，下面将做具体介绍</a:t>
-            </a:r>
+            <a:endParaRPr lang="zh-CN" altLang="en-US" dirty="0" smtClean="0">
+              <a:latin typeface="Arial" panose="020B0604020202020204" pitchFamily="34" charset="0"/>
+            </a:endParaRPr>
           </a:p>
         </p:txBody>
       </p:sp>
@@ -8899,6 +9075,792 @@
       </p:grpSpPr>
       <p:sp>
         <p:nvSpPr>
+          <p:cNvPr id="9219" name="Rectangle 6"/>
+          <p:cNvSpPr>
+            <a:spLocks noGrp="1" noChangeArrowheads="1"/>
+          </p:cNvSpPr>
+          <p:nvPr>
+            <p:ph type="title" idx="4294967295"/>
+          </p:nvPr>
+        </p:nvSpPr>
+        <p:spPr>
+          <a:xfrm>
+            <a:off x="0" y="0"/>
+            <a:ext cx="0" cy="0"/>
+          </a:xfrm>
+        </p:spPr>
+        <p:txBody>
+          <a:bodyPr anchor="ctr"/>
+          <a:lstStyle/>
+          <a:p>
+            <a:r>
+              <a:rPr lang="en-US" altLang="zh-CN" dirty="0" smtClean="0">
+                <a:effectLst>
+                  <a:outerShdw blurRad="38100" dist="38100" dir="2700000" algn="tl">
+                    <a:srgbClr val="C0C0C0"/>
+                  </a:outerShdw>
+                </a:effectLst>
+                <a:latin typeface="黑体" panose="02010609060101010101" pitchFamily="49" charset="-122"/>
+                <a:ea typeface="黑体" panose="02010609060101010101" pitchFamily="49" charset="-122"/>
+              </a:rPr>
+              <a:t/>
+            </a:r>
+            <a:br>
+              <a:rPr lang="en-US" altLang="zh-CN" dirty="0" smtClean="0">
+                <a:effectLst>
+                  <a:outerShdw blurRad="38100" dist="38100" dir="2700000" algn="tl">
+                    <a:srgbClr val="C0C0C0"/>
+                  </a:outerShdw>
+                </a:effectLst>
+                <a:latin typeface="黑体" panose="02010609060101010101" pitchFamily="49" charset="-122"/>
+                <a:ea typeface="黑体" panose="02010609060101010101" pitchFamily="49" charset="-122"/>
+              </a:rPr>
+            </a:br>
+            <a:r>
+              <a:rPr lang="en-US" altLang="zh-CN" dirty="0">
+                <a:effectLst>
+                  <a:outerShdw blurRad="38100" dist="38100" dir="2700000" algn="tl">
+                    <a:srgbClr val="C0C0C0"/>
+                  </a:outerShdw>
+                </a:effectLst>
+                <a:latin typeface="黑体" panose="02010609060101010101" pitchFamily="49" charset="-122"/>
+                <a:ea typeface="黑体" panose="02010609060101010101" pitchFamily="49" charset="-122"/>
+              </a:rPr>
+              <a:t/>
+            </a:r>
+            <a:br>
+              <a:rPr lang="en-US" altLang="zh-CN" dirty="0">
+                <a:effectLst>
+                  <a:outerShdw blurRad="38100" dist="38100" dir="2700000" algn="tl">
+                    <a:srgbClr val="C0C0C0"/>
+                  </a:outerShdw>
+                </a:effectLst>
+                <a:latin typeface="黑体" panose="02010609060101010101" pitchFamily="49" charset="-122"/>
+                <a:ea typeface="黑体" panose="02010609060101010101" pitchFamily="49" charset="-122"/>
+              </a:rPr>
+            </a:br>
+            <a:r>
+              <a:rPr lang="en-US" altLang="zh-CN" dirty="0" smtClean="0">
+                <a:effectLst>
+                  <a:outerShdw blurRad="38100" dist="38100" dir="2700000" algn="tl">
+                    <a:srgbClr val="C0C0C0"/>
+                  </a:outerShdw>
+                </a:effectLst>
+                <a:latin typeface="黑体" panose="02010609060101010101" pitchFamily="49" charset="-122"/>
+                <a:ea typeface="黑体" panose="02010609060101010101" pitchFamily="49" charset="-122"/>
+              </a:rPr>
+              <a:t/>
+            </a:r>
+            <a:br>
+              <a:rPr lang="en-US" altLang="zh-CN" dirty="0" smtClean="0">
+                <a:effectLst>
+                  <a:outerShdw blurRad="38100" dist="38100" dir="2700000" algn="tl">
+                    <a:srgbClr val="C0C0C0"/>
+                  </a:outerShdw>
+                </a:effectLst>
+                <a:latin typeface="黑体" panose="02010609060101010101" pitchFamily="49" charset="-122"/>
+                <a:ea typeface="黑体" panose="02010609060101010101" pitchFamily="49" charset="-122"/>
+              </a:rPr>
+            </a:br>
+            <a:r>
+              <a:rPr lang="en-US" altLang="zh-CN" dirty="0">
+                <a:effectLst>
+                  <a:outerShdw blurRad="38100" dist="38100" dir="2700000" algn="tl">
+                    <a:srgbClr val="C0C0C0"/>
+                  </a:outerShdw>
+                </a:effectLst>
+                <a:latin typeface="黑体" panose="02010609060101010101" pitchFamily="49" charset="-122"/>
+                <a:ea typeface="黑体" panose="02010609060101010101" pitchFamily="49" charset="-122"/>
+              </a:rPr>
+              <a:t> </a:t>
+            </a:r>
+            <a:endParaRPr lang="zh-CN" altLang="en-US" dirty="0" smtClean="0">
+              <a:effectLst>
+                <a:outerShdw blurRad="38100" dist="38100" dir="2700000" algn="tl">
+                  <a:srgbClr val="C0C0C0"/>
+                </a:outerShdw>
+              </a:effectLst>
+              <a:latin typeface="黑体" panose="02010609060101010101" pitchFamily="49" charset="-122"/>
+              <a:ea typeface="黑体" panose="02010609060101010101" pitchFamily="49" charset="-122"/>
+            </a:endParaRPr>
+          </a:p>
+        </p:txBody>
+      </p:sp>
+      <p:sp>
+        <p:nvSpPr>
+          <p:cNvPr id="54275" name="Rectangle 6"/>
+          <p:cNvSpPr txBox="1">
+            <a:spLocks noGrp="1" noChangeArrowheads="1"/>
+          </p:cNvSpPr>
+          <p:nvPr/>
+        </p:nvSpPr>
+        <p:spPr bwMode="auto">
+          <a:xfrm>
+            <a:off x="457200" y="6453188"/>
+            <a:ext cx="2133600" cy="268287"/>
+          </a:xfrm>
+          <a:prstGeom prst="rect">
+            <a:avLst/>
+          </a:prstGeom>
+          <a:noFill/>
+          <a:ln>
+            <a:noFill/>
+          </a:ln>
+          <a:extLst>
+            <a:ext uri="{909E8E84-426E-40DD-AFC4-6F175D3DCCD1}">
+              <a14:hiddenFill xmlns:a14="http://schemas.microsoft.com/office/drawing/2010/main">
+                <a:solidFill>
+                  <a:srgbClr val="FFFFFF"/>
+                </a:solidFill>
+              </a14:hiddenFill>
+            </a:ext>
+            <a:ext uri="{91240B29-F687-4F45-9708-019B960494DF}">
+              <a14:hiddenLine xmlns:a14="http://schemas.microsoft.com/office/drawing/2010/main" w="9525">
+                <a:solidFill>
+                  <a:srgbClr val="000000"/>
+                </a:solidFill>
+                <a:miter lim="800000"/>
+                <a:headEnd/>
+                <a:tailEnd/>
+              </a14:hiddenLine>
+            </a:ext>
+          </a:extLst>
+        </p:spPr>
+        <p:txBody>
+          <a:bodyPr anchor="b"/>
+          <a:lstStyle>
+            <a:lvl1pPr eaLnBrk="0" hangingPunct="0">
+              <a:defRPr sz="2400">
+                <a:solidFill>
+                  <a:schemeClr val="tx1"/>
+                </a:solidFill>
+                <a:latin typeface="Verdana" panose="020B0604030504040204" pitchFamily="34" charset="0"/>
+                <a:ea typeface="宋体" panose="02010600030101010101" pitchFamily="2" charset="-122"/>
+              </a:defRPr>
+            </a:lvl1pPr>
+            <a:lvl2pPr marL="742950" indent="-285750" eaLnBrk="0" hangingPunct="0">
+              <a:defRPr sz="2400">
+                <a:solidFill>
+                  <a:schemeClr val="tx1"/>
+                </a:solidFill>
+                <a:latin typeface="Verdana" panose="020B0604030504040204" pitchFamily="34" charset="0"/>
+                <a:ea typeface="宋体" panose="02010600030101010101" pitchFamily="2" charset="-122"/>
+              </a:defRPr>
+            </a:lvl2pPr>
+            <a:lvl3pPr marL="1143000" indent="-228600" eaLnBrk="0" hangingPunct="0">
+              <a:defRPr sz="2400">
+                <a:solidFill>
+                  <a:schemeClr val="tx1"/>
+                </a:solidFill>
+                <a:latin typeface="Verdana" panose="020B0604030504040204" pitchFamily="34" charset="0"/>
+                <a:ea typeface="宋体" panose="02010600030101010101" pitchFamily="2" charset="-122"/>
+              </a:defRPr>
+            </a:lvl3pPr>
+            <a:lvl4pPr marL="1600200" indent="-228600" eaLnBrk="0" hangingPunct="0">
+              <a:defRPr sz="2400">
+                <a:solidFill>
+                  <a:schemeClr val="tx1"/>
+                </a:solidFill>
+                <a:latin typeface="Verdana" panose="020B0604030504040204" pitchFamily="34" charset="0"/>
+                <a:ea typeface="宋体" panose="02010600030101010101" pitchFamily="2" charset="-122"/>
+              </a:defRPr>
+            </a:lvl4pPr>
+            <a:lvl5pPr marL="2057400" indent="-228600" eaLnBrk="0" hangingPunct="0">
+              <a:defRPr sz="2400">
+                <a:solidFill>
+                  <a:schemeClr val="tx1"/>
+                </a:solidFill>
+                <a:latin typeface="Verdana" panose="020B0604030504040204" pitchFamily="34" charset="0"/>
+                <a:ea typeface="宋体" panose="02010600030101010101" pitchFamily="2" charset="-122"/>
+              </a:defRPr>
+            </a:lvl5pPr>
+            <a:lvl6pPr marL="2514600" indent="-228600" eaLnBrk="0" fontAlgn="base" hangingPunct="0">
+              <a:spcBef>
+                <a:spcPct val="0"/>
+              </a:spcBef>
+              <a:spcAft>
+                <a:spcPct val="0"/>
+              </a:spcAft>
+              <a:defRPr sz="2400">
+                <a:solidFill>
+                  <a:schemeClr val="tx1"/>
+                </a:solidFill>
+                <a:latin typeface="Verdana" panose="020B0604030504040204" pitchFamily="34" charset="0"/>
+                <a:ea typeface="宋体" panose="02010600030101010101" pitchFamily="2" charset="-122"/>
+              </a:defRPr>
+            </a:lvl6pPr>
+            <a:lvl7pPr marL="2971800" indent="-228600" eaLnBrk="0" fontAlgn="base" hangingPunct="0">
+              <a:spcBef>
+                <a:spcPct val="0"/>
+              </a:spcBef>
+              <a:spcAft>
+                <a:spcPct val="0"/>
+              </a:spcAft>
+              <a:defRPr sz="2400">
+                <a:solidFill>
+                  <a:schemeClr val="tx1"/>
+                </a:solidFill>
+                <a:latin typeface="Verdana" panose="020B0604030504040204" pitchFamily="34" charset="0"/>
+                <a:ea typeface="宋体" panose="02010600030101010101" pitchFamily="2" charset="-122"/>
+              </a:defRPr>
+            </a:lvl7pPr>
+            <a:lvl8pPr marL="3429000" indent="-228600" eaLnBrk="0" fontAlgn="base" hangingPunct="0">
+              <a:spcBef>
+                <a:spcPct val="0"/>
+              </a:spcBef>
+              <a:spcAft>
+                <a:spcPct val="0"/>
+              </a:spcAft>
+              <a:defRPr sz="2400">
+                <a:solidFill>
+                  <a:schemeClr val="tx1"/>
+                </a:solidFill>
+                <a:latin typeface="Verdana" panose="020B0604030504040204" pitchFamily="34" charset="0"/>
+                <a:ea typeface="宋体" panose="02010600030101010101" pitchFamily="2" charset="-122"/>
+              </a:defRPr>
+            </a:lvl8pPr>
+            <a:lvl9pPr marL="3886200" indent="-228600" eaLnBrk="0" fontAlgn="base" hangingPunct="0">
+              <a:spcBef>
+                <a:spcPct val="0"/>
+              </a:spcBef>
+              <a:spcAft>
+                <a:spcPct val="0"/>
+              </a:spcAft>
+              <a:defRPr sz="2400">
+                <a:solidFill>
+                  <a:schemeClr val="tx1"/>
+                </a:solidFill>
+                <a:latin typeface="Verdana" panose="020B0604030504040204" pitchFamily="34" charset="0"/>
+                <a:ea typeface="宋体" panose="02010600030101010101" pitchFamily="2" charset="-122"/>
+              </a:defRPr>
+            </a:lvl9pPr>
+          </a:lstStyle>
+          <a:p>
+            <a:pPr eaLnBrk="1" hangingPunct="1"/>
+            <a:fld id="{1E9FE7B9-E983-427D-BAEE-77F4641B7D82}" type="slidenum">
+              <a:rPr lang="en-US" altLang="zh-CN" sz="1200">
+                <a:latin typeface="Arial" panose="020B0604020202020204" pitchFamily="34" charset="0"/>
+              </a:rPr>
+              <a:pPr eaLnBrk="1" hangingPunct="1"/>
+              <a:t>10</a:t>
+            </a:fld>
+            <a:endParaRPr lang="en-US" altLang="zh-CN" sz="1200">
+              <a:latin typeface="Arial" panose="020B0604020202020204" pitchFamily="34" charset="0"/>
+            </a:endParaRPr>
+          </a:p>
+        </p:txBody>
+      </p:sp>
+      <p:sp>
+        <p:nvSpPr>
+          <p:cNvPr id="6" name="Rectangle 2"/>
+          <p:cNvSpPr>
+            <a:spLocks noGrp="1" noChangeArrowheads="1"/>
+          </p:cNvSpPr>
+          <p:nvPr>
+            <p:ph type="title" idx="4294967295"/>
+          </p:nvPr>
+        </p:nvSpPr>
+        <p:spPr bwMode="auto">
+          <a:xfrm>
+            <a:off x="457200" y="533400"/>
+            <a:ext cx="8229600" cy="884238"/>
+          </a:xfrm>
+          <a:prstGeom prst="rect">
+            <a:avLst/>
+          </a:prstGeom>
+          <a:noFill/>
+          <a:extLst>
+            <a:ext uri="{909E8E84-426E-40DD-AFC4-6F175D3DCCD1}">
+              <a14:hiddenFill xmlns:a14="http://schemas.microsoft.com/office/drawing/2010/main">
+                <a:solidFill>
+                  <a:srgbClr val="FFFFFF"/>
+                </a:solidFill>
+              </a14:hiddenFill>
+            </a:ext>
+            <a:ext uri="{91240B29-F687-4F45-9708-019B960494DF}">
+              <a14:hiddenLine xmlns:a14="http://schemas.microsoft.com/office/drawing/2010/main" w="9525">
+                <a:solidFill>
+                  <a:srgbClr val="000000"/>
+                </a:solidFill>
+                <a:miter lim="800000"/>
+                <a:headEnd/>
+                <a:tailEnd/>
+              </a14:hiddenLine>
+            </a:ext>
+          </a:extLst>
+        </p:spPr>
+        <p:txBody>
+          <a:bodyPr/>
+          <a:lstStyle/>
+          <a:p>
+            <a:pPr eaLnBrk="1" hangingPunct="1"/>
+            <a:r>
+              <a:rPr lang="zh-CN" altLang="en-US" dirty="0" smtClean="0">
+                <a:effectLst>
+                  <a:outerShdw blurRad="38100" dist="38100" dir="2700000" algn="tl">
+                    <a:srgbClr val="C0C0C0"/>
+                  </a:outerShdw>
+                </a:effectLst>
+                <a:latin typeface="黑体" panose="02010609060101010101" pitchFamily="49" charset="-122"/>
+                <a:ea typeface="黑体" panose="02010609060101010101" pitchFamily="49" charset="-122"/>
+              </a:rPr>
+              <a:t>研究框架</a:t>
+            </a:r>
+            <a:r>
+              <a:rPr lang="en-US" altLang="zh-CN" dirty="0" smtClean="0">
+                <a:effectLst>
+                  <a:outerShdw blurRad="38100" dist="38100" dir="2700000" algn="tl">
+                    <a:srgbClr val="C0C0C0"/>
+                  </a:outerShdw>
+                </a:effectLst>
+                <a:latin typeface="黑体" panose="02010609060101010101" pitchFamily="49" charset="-122"/>
+                <a:ea typeface="黑体" panose="02010609060101010101" pitchFamily="49" charset="-122"/>
+              </a:rPr>
+              <a:t>—</a:t>
+            </a:r>
+            <a:r>
+              <a:rPr lang="zh-CN" altLang="en-US" smtClean="0">
+                <a:effectLst>
+                  <a:outerShdw blurRad="38100" dist="38100" dir="2700000" algn="tl">
+                    <a:srgbClr val="C0C0C0"/>
+                  </a:outerShdw>
+                </a:effectLst>
+                <a:latin typeface="黑体" panose="02010609060101010101" pitchFamily="49" charset="-122"/>
+                <a:ea typeface="黑体" panose="02010609060101010101" pitchFamily="49" charset="-122"/>
+              </a:rPr>
+              <a:t>主要工作</a:t>
+            </a:r>
+            <a:endParaRPr lang="zh-CN" altLang="en-US" dirty="0" smtClean="0">
+              <a:effectLst>
+                <a:outerShdw blurRad="38100" dist="38100" dir="2700000" algn="tl">
+                  <a:srgbClr val="C0C0C0"/>
+                </a:outerShdw>
+              </a:effectLst>
+              <a:latin typeface="黑体" panose="02010609060101010101" pitchFamily="49" charset="-122"/>
+              <a:ea typeface="黑体" panose="02010609060101010101" pitchFamily="49" charset="-122"/>
+            </a:endParaRPr>
+          </a:p>
+        </p:txBody>
+      </p:sp>
+      <p:pic>
+        <p:nvPicPr>
+          <p:cNvPr id="7" name="图片 6"/>
+          <p:cNvPicPr/>
+          <p:nvPr/>
+        </p:nvPicPr>
+        <p:blipFill>
+          <a:blip r:embed="rId3" cstate="print">
+            <a:extLst>
+              <a:ext uri="{28A0092B-C50C-407E-A947-70E740481C1C}">
+                <a14:useLocalDpi xmlns:a14="http://schemas.microsoft.com/office/drawing/2010/main" val="0"/>
+              </a:ext>
+            </a:extLst>
+          </a:blip>
+          <a:srcRect/>
+          <a:stretch>
+            <a:fillRect/>
+          </a:stretch>
+        </p:blipFill>
+        <p:spPr bwMode="auto">
+          <a:xfrm>
+            <a:off x="2133600" y="1508125"/>
+            <a:ext cx="5486400" cy="5121275"/>
+          </a:xfrm>
+          <a:prstGeom prst="rect">
+            <a:avLst/>
+          </a:prstGeom>
+          <a:noFill/>
+        </p:spPr>
+      </p:pic>
+    </p:spTree>
+    <p:extLst>
+      <p:ext uri="{BB962C8B-B14F-4D97-AF65-F5344CB8AC3E}">
+        <p14:creationId xmlns:p14="http://schemas.microsoft.com/office/powerpoint/2010/main" val="1219525103"/>
+      </p:ext>
+    </p:extLst>
+  </p:cSld>
+  <p:clrMapOvr>
+    <a:masterClrMapping/>
+  </p:clrMapOvr>
+  <p:timing>
+    <p:tnLst>
+      <p:par>
+        <p:cTn id="1" dur="indefinite" restart="never" nodeType="tmRoot"/>
+      </p:par>
+    </p:tnLst>
+  </p:timing>
+</p:sld>
+</file>
+
+<file path=ppt/slides/slide11.xml><?xml version="1.0" encoding="utf-8"?>
+<p:sld xmlns:a="http://schemas.openxmlformats.org/drawingml/2006/main" xmlns:r="http://schemas.openxmlformats.org/officeDocument/2006/relationships" xmlns:p="http://schemas.openxmlformats.org/presentationml/2006/main">
+  <p:cSld>
+    <p:spTree>
+      <p:nvGrpSpPr>
+        <p:cNvPr id="1" name=""/>
+        <p:cNvGrpSpPr/>
+        <p:nvPr/>
+      </p:nvGrpSpPr>
+      <p:grpSpPr>
+        <a:xfrm>
+          <a:off x="0" y="0"/>
+          <a:ext cx="0" cy="0"/>
+          <a:chOff x="0" y="0"/>
+          <a:chExt cx="0" cy="0"/>
+        </a:xfrm>
+      </p:grpSpPr>
+      <p:sp>
+        <p:nvSpPr>
+          <p:cNvPr id="91138" name="Rectangle 2"/>
+          <p:cNvSpPr>
+            <a:spLocks noGrp="1" noChangeArrowheads="1"/>
+          </p:cNvSpPr>
+          <p:nvPr>
+            <p:ph type="title" idx="4294967295"/>
+          </p:nvPr>
+        </p:nvSpPr>
+        <p:spPr>
+          <a:xfrm>
+            <a:off x="0" y="0"/>
+            <a:ext cx="0" cy="0"/>
+          </a:xfrm>
+        </p:spPr>
+        <p:txBody>
+          <a:bodyPr anchor="ctr"/>
+          <a:lstStyle/>
+          <a:p>
+            <a:r>
+              <a:rPr lang="en-US" altLang="zh-CN" dirty="0" smtClean="0">
+                <a:effectLst>
+                  <a:outerShdw blurRad="38100" dist="38100" dir="2700000" algn="tl">
+                    <a:srgbClr val="C0C0C0"/>
+                  </a:outerShdw>
+                </a:effectLst>
+                <a:latin typeface="黑体" panose="02010609060101010101" pitchFamily="49" charset="-122"/>
+                <a:ea typeface="黑体" panose="02010609060101010101" pitchFamily="49" charset="-122"/>
+              </a:rPr>
+              <a:t/>
+            </a:r>
+            <a:br>
+              <a:rPr lang="en-US" altLang="zh-CN" dirty="0" smtClean="0">
+                <a:effectLst>
+                  <a:outerShdw blurRad="38100" dist="38100" dir="2700000" algn="tl">
+                    <a:srgbClr val="C0C0C0"/>
+                  </a:outerShdw>
+                </a:effectLst>
+                <a:latin typeface="黑体" panose="02010609060101010101" pitchFamily="49" charset="-122"/>
+                <a:ea typeface="黑体" panose="02010609060101010101" pitchFamily="49" charset="-122"/>
+              </a:rPr>
+            </a:br>
+            <a:r>
+              <a:rPr lang="en-US" altLang="zh-CN" dirty="0">
+                <a:effectLst>
+                  <a:outerShdw blurRad="38100" dist="38100" dir="2700000" algn="tl">
+                    <a:srgbClr val="C0C0C0"/>
+                  </a:outerShdw>
+                </a:effectLst>
+                <a:latin typeface="黑体" panose="02010609060101010101" pitchFamily="49" charset="-122"/>
+                <a:ea typeface="黑体" panose="02010609060101010101" pitchFamily="49" charset="-122"/>
+              </a:rPr>
+              <a:t/>
+            </a:r>
+            <a:br>
+              <a:rPr lang="en-US" altLang="zh-CN" dirty="0">
+                <a:effectLst>
+                  <a:outerShdw blurRad="38100" dist="38100" dir="2700000" algn="tl">
+                    <a:srgbClr val="C0C0C0"/>
+                  </a:outerShdw>
+                </a:effectLst>
+                <a:latin typeface="黑体" panose="02010609060101010101" pitchFamily="49" charset="-122"/>
+                <a:ea typeface="黑体" panose="02010609060101010101" pitchFamily="49" charset="-122"/>
+              </a:rPr>
+            </a:br>
+            <a:endParaRPr lang="zh-CN" altLang="en-US" dirty="0" smtClean="0">
+              <a:effectLst>
+                <a:outerShdw blurRad="38100" dist="38100" dir="2700000" algn="tl">
+                  <a:srgbClr val="C0C0C0"/>
+                </a:outerShdw>
+              </a:effectLst>
+              <a:latin typeface="黑体" panose="02010609060101010101" pitchFamily="49" charset="-122"/>
+              <a:ea typeface="黑体" panose="02010609060101010101" pitchFamily="49" charset="-122"/>
+            </a:endParaRPr>
+          </a:p>
+        </p:txBody>
+      </p:sp>
+      <p:sp>
+        <p:nvSpPr>
+          <p:cNvPr id="60419" name="Rectangle 3"/>
+          <p:cNvSpPr>
+            <a:spLocks noGrp="1" noChangeArrowheads="1"/>
+          </p:cNvSpPr>
+          <p:nvPr>
+            <p:ph idx="4294967295"/>
+          </p:nvPr>
+        </p:nvSpPr>
+        <p:spPr bwMode="auto">
+          <a:xfrm>
+            <a:off x="457200" y="1600200"/>
+            <a:ext cx="8229600" cy="4525963"/>
+          </a:xfrm>
+          <a:prstGeom prst="rect">
+            <a:avLst/>
+          </a:prstGeom>
+          <a:noFill/>
+          <a:ln>
+            <a:solidFill>
+              <a:srgbClr val="000000"/>
+            </a:solidFill>
+            <a:miter lim="800000"/>
+            <a:headEnd/>
+            <a:tailEnd/>
+          </a:ln>
+          <a:extLst>
+            <a:ext uri="{909E8E84-426E-40DD-AFC4-6F175D3DCCD1}">
+              <a14:hiddenFill xmlns:a14="http://schemas.microsoft.com/office/drawing/2010/main">
+                <a:solidFill>
+                  <a:srgbClr val="FFFFFF"/>
+                </a:solidFill>
+              </a14:hiddenFill>
+            </a:ext>
+          </a:extLst>
+        </p:spPr>
+        <p:txBody>
+          <a:bodyPr/>
+          <a:lstStyle/>
+          <a:p>
+            <a:pPr>
+              <a:lnSpc>
+                <a:spcPct val="90000"/>
+              </a:lnSpc>
+            </a:pPr>
+            <a:r>
+              <a:rPr lang="zh-CN" altLang="en-US" sz="3400" dirty="0" smtClean="0">
+                <a:ea typeface="黑体" panose="02010609060101010101" pitchFamily="49" charset="-122"/>
+              </a:rPr>
+              <a:t>数据收集和整理</a:t>
+            </a:r>
+          </a:p>
+          <a:p>
+            <a:pPr lvl="1">
+              <a:lnSpc>
+                <a:spcPct val="90000"/>
+              </a:lnSpc>
+            </a:pPr>
+            <a:endParaRPr lang="zh-CN" altLang="en-US" sz="3500" dirty="0" smtClean="0">
+              <a:ea typeface="黑体" panose="02010609060101010101" pitchFamily="49" charset="-122"/>
+            </a:endParaRPr>
+          </a:p>
+          <a:p>
+            <a:pPr>
+              <a:lnSpc>
+                <a:spcPct val="90000"/>
+              </a:lnSpc>
+            </a:pPr>
+            <a:r>
+              <a:rPr lang="zh-CN" altLang="en-US" sz="3400" dirty="0" smtClean="0">
+                <a:ea typeface="黑体" panose="02010609060101010101" pitchFamily="49" charset="-122"/>
+              </a:rPr>
+              <a:t>数据预处理</a:t>
+            </a:r>
+          </a:p>
+          <a:p>
+            <a:pPr lvl="1">
+              <a:lnSpc>
+                <a:spcPct val="90000"/>
+              </a:lnSpc>
+            </a:pPr>
+            <a:endParaRPr lang="zh-CN" altLang="en-US" sz="3500" dirty="0" smtClean="0">
+              <a:ea typeface="黑体" panose="02010609060101010101" pitchFamily="49" charset="-122"/>
+            </a:endParaRPr>
+          </a:p>
+          <a:p>
+            <a:pPr>
+              <a:lnSpc>
+                <a:spcPct val="90000"/>
+              </a:lnSpc>
+            </a:pPr>
+            <a:r>
+              <a:rPr lang="zh-CN" altLang="en-US" sz="3400" dirty="0" smtClean="0">
+                <a:ea typeface="黑体" panose="02010609060101010101" pitchFamily="49" charset="-122"/>
+              </a:rPr>
+              <a:t>服务相似度计算</a:t>
+            </a:r>
+          </a:p>
+          <a:p>
+            <a:pPr>
+              <a:lnSpc>
+                <a:spcPct val="90000"/>
+              </a:lnSpc>
+            </a:pPr>
+            <a:endParaRPr lang="zh-CN" altLang="en-US" sz="3400" dirty="0" smtClean="0">
+              <a:ea typeface="黑体" panose="02010609060101010101" pitchFamily="49" charset="-122"/>
+            </a:endParaRPr>
+          </a:p>
+          <a:p>
+            <a:pPr>
+              <a:lnSpc>
+                <a:spcPct val="90000"/>
+              </a:lnSpc>
+            </a:pPr>
+            <a:r>
+              <a:rPr lang="zh-CN" altLang="en-US" sz="3400" dirty="0" smtClean="0">
+                <a:ea typeface="黑体" panose="02010609060101010101" pitchFamily="49" charset="-122"/>
+              </a:rPr>
+              <a:t>服务推荐</a:t>
+            </a:r>
+          </a:p>
+        </p:txBody>
+      </p:sp>
+      <p:sp>
+        <p:nvSpPr>
+          <p:cNvPr id="91141" name="Rectangle 5"/>
+          <p:cNvSpPr>
+            <a:spLocks noChangeArrowheads="1"/>
+          </p:cNvSpPr>
+          <p:nvPr/>
+        </p:nvSpPr>
+        <p:spPr bwMode="auto">
+          <a:xfrm>
+            <a:off x="0" y="0"/>
+            <a:ext cx="9144000" cy="0"/>
+          </a:xfrm>
+          <a:prstGeom prst="rect">
+            <a:avLst/>
+          </a:prstGeom>
+          <a:noFill/>
+          <a:ln w="9525" algn="ctr">
+            <a:noFill/>
+            <a:miter lim="800000"/>
+            <a:headEnd/>
+            <a:tailEnd/>
+          </a:ln>
+          <a:effectLst>
+            <a:prstShdw prst="shdw17" dist="17961" dir="2700000">
+              <a:schemeClr val="accent1">
+                <a:gamma/>
+                <a:shade val="60000"/>
+                <a:invGamma/>
+              </a:schemeClr>
+            </a:prstShdw>
+          </a:effectLst>
+        </p:spPr>
+        <p:txBody>
+          <a:bodyPr wrap="none" anchor="ctr">
+            <a:spAutoFit/>
+          </a:bodyPr>
+          <a:lstStyle/>
+          <a:p>
+            <a:pPr>
+              <a:defRPr/>
+            </a:pPr>
+            <a:endParaRPr lang="zh-CN" altLang="en-US" sz="1800">
+              <a:latin typeface="Arial" charset="0"/>
+            </a:endParaRPr>
+          </a:p>
+        </p:txBody>
+      </p:sp>
+      <p:sp>
+        <p:nvSpPr>
+          <p:cNvPr id="5" name="Rectangle 2"/>
+          <p:cNvSpPr>
+            <a:spLocks noGrp="1" noChangeArrowheads="1"/>
+          </p:cNvSpPr>
+          <p:nvPr>
+            <p:ph type="title" idx="4294967295"/>
+          </p:nvPr>
+        </p:nvSpPr>
+        <p:spPr bwMode="auto">
+          <a:xfrm>
+            <a:off x="457200" y="533400"/>
+            <a:ext cx="8229600" cy="884238"/>
+          </a:xfrm>
+          <a:prstGeom prst="rect">
+            <a:avLst/>
+          </a:prstGeom>
+          <a:noFill/>
+          <a:extLst>
+            <a:ext uri="{909E8E84-426E-40DD-AFC4-6F175D3DCCD1}">
+              <a14:hiddenFill xmlns:a14="http://schemas.microsoft.com/office/drawing/2010/main">
+                <a:solidFill>
+                  <a:srgbClr val="FFFFFF"/>
+                </a:solidFill>
+              </a14:hiddenFill>
+            </a:ext>
+            <a:ext uri="{91240B29-F687-4F45-9708-019B960494DF}">
+              <a14:hiddenLine xmlns:a14="http://schemas.microsoft.com/office/drawing/2010/main" w="9525">
+                <a:solidFill>
+                  <a:srgbClr val="000000"/>
+                </a:solidFill>
+                <a:miter lim="800000"/>
+                <a:headEnd/>
+                <a:tailEnd/>
+              </a14:hiddenLine>
+            </a:ext>
+          </a:extLst>
+        </p:spPr>
+        <p:txBody>
+          <a:bodyPr/>
+          <a:lstStyle/>
+          <a:p>
+            <a:pPr eaLnBrk="1" hangingPunct="1"/>
+            <a:r>
+              <a:rPr lang="zh-CN" altLang="en-US" dirty="0" smtClean="0">
+                <a:effectLst>
+                  <a:outerShdw blurRad="38100" dist="38100" dir="2700000" algn="tl">
+                    <a:srgbClr val="C0C0C0"/>
+                  </a:outerShdw>
+                </a:effectLst>
+                <a:latin typeface="黑体" panose="02010609060101010101" pitchFamily="49" charset="-122"/>
+                <a:ea typeface="黑体" panose="02010609060101010101" pitchFamily="49" charset="-122"/>
+              </a:rPr>
+              <a:t>关键技术</a:t>
+            </a:r>
+            <a:endParaRPr lang="zh-CN" altLang="en-US" dirty="0" smtClean="0">
+              <a:effectLst>
+                <a:outerShdw blurRad="38100" dist="38100" dir="2700000" algn="tl">
+                  <a:srgbClr val="C0C0C0"/>
+                </a:outerShdw>
+              </a:effectLst>
+              <a:latin typeface="黑体" panose="02010609060101010101" pitchFamily="49" charset="-122"/>
+              <a:ea typeface="黑体" panose="02010609060101010101" pitchFamily="49" charset="-122"/>
+            </a:endParaRPr>
+          </a:p>
+        </p:txBody>
+      </p:sp>
+    </p:spTree>
+  </p:cSld>
+  <p:clrMapOvr>
+    <a:masterClrMapping/>
+  </p:clrMapOvr>
+  <p:timing>
+    <p:tnLst>
+      <p:par>
+        <p:cTn id="1" dur="indefinite" restart="never" nodeType="tmRoot"/>
+      </p:par>
+    </p:tnLst>
+  </p:timing>
+</p:sld>
+</file>
+
+<file path=ppt/slides/slide12.xml><?xml version="1.0" encoding="utf-8"?>
+<p:sld xmlns:a="http://schemas.openxmlformats.org/drawingml/2006/main" xmlns:r="http://schemas.openxmlformats.org/officeDocument/2006/relationships" xmlns:p="http://schemas.openxmlformats.org/presentationml/2006/main">
+  <p:cSld>
+    <p:spTree>
+      <p:nvGrpSpPr>
+        <p:cNvPr id="1" name=""/>
+        <p:cNvGrpSpPr/>
+        <p:nvPr/>
+      </p:nvGrpSpPr>
+      <p:grpSpPr>
+        <a:xfrm>
+          <a:off x="0" y="0"/>
+          <a:ext cx="0" cy="0"/>
+          <a:chOff x="0" y="0"/>
+          <a:chExt cx="0" cy="0"/>
+        </a:xfrm>
+      </p:grpSpPr>
+      <p:sp>
+        <p:nvSpPr>
           <p:cNvPr id="92162" name="Rectangle 2"/>
           <p:cNvSpPr>
             <a:spLocks noGrp="1" noChangeArrowheads="1"/>
@@ -9187,7 +10149,7 @@
 </p:sld>
 </file>
 
-<file path=ppt/slides/slide11.xml><?xml version="1.0" encoding="utf-8"?>
+<file path=ppt/slides/slide13.xml><?xml version="1.0" encoding="utf-8"?>
 <p:sld xmlns:a="http://schemas.openxmlformats.org/drawingml/2006/main" xmlns:r="http://schemas.openxmlformats.org/officeDocument/2006/relationships" xmlns:p="http://schemas.openxmlformats.org/presentationml/2006/main">
   <p:cSld>
     <p:spTree>
@@ -9569,7 +10531,7 @@
 </p:sld>
 </file>
 
-<file path=ppt/slides/slide12.xml><?xml version="1.0" encoding="utf-8"?>
+<file path=ppt/slides/slide14.xml><?xml version="1.0" encoding="utf-8"?>
 <p:sld xmlns:a="http://schemas.openxmlformats.org/drawingml/2006/main" xmlns:r="http://schemas.openxmlformats.org/officeDocument/2006/relationships" xmlns:p="http://schemas.openxmlformats.org/presentationml/2006/main">
   <p:cSld>
     <p:spTree>
@@ -9837,7 +10799,7 @@
 </p:sld>
 </file>
 
-<file path=ppt/slides/slide13.xml><?xml version="1.0" encoding="utf-8"?>
+<file path=ppt/slides/slide15.xml><?xml version="1.0" encoding="utf-8"?>
 <p:sld xmlns:a="http://schemas.openxmlformats.org/drawingml/2006/main" xmlns:r="http://schemas.openxmlformats.org/officeDocument/2006/relationships" xmlns:p="http://schemas.openxmlformats.org/presentationml/2006/main">
   <p:cSld>
     <p:spTree>
@@ -10321,7 +11283,7 @@
 </p:sld>
 </file>
 
-<file path=ppt/slides/slide14.xml><?xml version="1.0" encoding="utf-8"?>
+<file path=ppt/slides/slide16.xml><?xml version="1.0" encoding="utf-8"?>
 <p:sld xmlns:a="http://schemas.openxmlformats.org/drawingml/2006/main" xmlns:r="http://schemas.openxmlformats.org/officeDocument/2006/relationships" xmlns:p="http://schemas.openxmlformats.org/presentationml/2006/main">
   <p:cSld>
     <p:spTree>
@@ -10803,7 +11765,7 @@
 </p:sld>
 </file>
 
-<file path=ppt/slides/slide15.xml><?xml version="1.0" encoding="utf-8"?>
+<file path=ppt/slides/slide17.xml><?xml version="1.0" encoding="utf-8"?>
 <p:sld xmlns:a="http://schemas.openxmlformats.org/drawingml/2006/main" xmlns:r="http://schemas.openxmlformats.org/officeDocument/2006/relationships" xmlns:p="http://schemas.openxmlformats.org/presentationml/2006/main">
   <p:cSld>
     <p:spTree>
@@ -11110,7 +12072,7 @@
 </p:sld>
 </file>
 
-<file path=ppt/slides/slide16.xml><?xml version="1.0" encoding="utf-8"?>
+<file path=ppt/slides/slide18.xml><?xml version="1.0" encoding="utf-8"?>
 <p:sld xmlns:a="http://schemas.openxmlformats.org/drawingml/2006/main" xmlns:r="http://schemas.openxmlformats.org/officeDocument/2006/relationships" xmlns:p="http://schemas.openxmlformats.org/presentationml/2006/main">
   <p:cSld>
     <p:spTree>
@@ -11465,7 +12427,7 @@
 </p:sld>
 </file>
 
-<file path=ppt/slides/slide17.xml><?xml version="1.0" encoding="utf-8"?>
+<file path=ppt/slides/slide19.xml><?xml version="1.0" encoding="utf-8"?>
 <p:sld xmlns:a="http://schemas.openxmlformats.org/drawingml/2006/main" xmlns:r="http://schemas.openxmlformats.org/officeDocument/2006/relationships" xmlns:p="http://schemas.openxmlformats.org/presentationml/2006/main">
   <p:cSld>
     <p:spTree>
@@ -11751,7 +12713,7 @@
           <a:graphicData uri="http://schemas.openxmlformats.org/presentationml/2006/ole">
             <mc:AlternateContent xmlns:mc="http://schemas.openxmlformats.org/markup-compatibility/2006">
               <mc:Choice xmlns:v="urn:schemas-microsoft-com:vml" Requires="v">
-                <p:oleObj spid="_x0000_s71693" name="Visio" r:id="rId4" imgW="3817620" imgH="5402967" progId="Visio.Drawing.11">
+                <p:oleObj spid="_x0000_s71708" name="Visio" r:id="rId4" imgW="3817620" imgH="5402967" progId="Visio.Drawing.11">
                   <p:embed/>
                 </p:oleObj>
               </mc:Choice>
@@ -11820,7 +12782,354 @@
 </p:sld>
 </file>
 
-<file path=ppt/slides/slide18.xml><?xml version="1.0" encoding="utf-8"?>
+<file path=ppt/slides/slide2.xml><?xml version="1.0" encoding="utf-8"?>
+<p:sld xmlns:a="http://schemas.openxmlformats.org/drawingml/2006/main" xmlns:r="http://schemas.openxmlformats.org/officeDocument/2006/relationships" xmlns:p="http://schemas.openxmlformats.org/presentationml/2006/main">
+  <p:cSld>
+    <p:spTree>
+      <p:nvGrpSpPr>
+        <p:cNvPr id="1" name=""/>
+        <p:cNvGrpSpPr/>
+        <p:nvPr/>
+      </p:nvGrpSpPr>
+      <p:grpSpPr>
+        <a:xfrm>
+          <a:off x="0" y="0"/>
+          <a:ext cx="0" cy="0"/>
+          <a:chOff x="0" y="0"/>
+          <a:chExt cx="0" cy="0"/>
+        </a:xfrm>
+      </p:grpSpPr>
+      <p:sp>
+        <p:nvSpPr>
+          <p:cNvPr id="14338" name="页脚占位符 4"/>
+          <p:cNvSpPr>
+            <a:spLocks noGrp="1"/>
+          </p:cNvSpPr>
+          <p:nvPr>
+            <p:ph type="ftr" sz="quarter" idx="10"/>
+          </p:nvPr>
+        </p:nvSpPr>
+        <p:spPr>
+          <a:noFill/>
+          <a:ln/>
+          <a:extLst>
+            <a:ext uri="{909E8E84-426E-40DD-AFC4-6F175D3DCCD1}">
+              <a14:hiddenFill xmlns:a14="http://schemas.microsoft.com/office/drawing/2010/main">
+                <a:solidFill>
+                  <a:srgbClr val="FFFFFF"/>
+                </a:solidFill>
+              </a14:hiddenFill>
+            </a:ext>
+            <a:ext uri="{91240B29-F687-4F45-9708-019B960494DF}">
+              <a14:hiddenLine xmlns:a14="http://schemas.microsoft.com/office/drawing/2010/main" w="9525">
+                <a:solidFill>
+                  <a:srgbClr val="000000"/>
+                </a:solidFill>
+                <a:miter lim="800000"/>
+                <a:headEnd/>
+                <a:tailEnd/>
+              </a14:hiddenLine>
+            </a:ext>
+          </a:extLst>
+        </p:spPr>
+        <p:txBody>
+          <a:bodyPr/>
+          <a:lstStyle>
+            <a:lvl1pPr eaLnBrk="0" hangingPunct="0">
+              <a:defRPr sz="2400">
+                <a:solidFill>
+                  <a:schemeClr val="tx1"/>
+                </a:solidFill>
+                <a:latin typeface="Verdana" panose="020B0604030504040204" pitchFamily="34" charset="0"/>
+                <a:ea typeface="宋体" panose="02010600030101010101" pitchFamily="2" charset="-122"/>
+              </a:defRPr>
+            </a:lvl1pPr>
+            <a:lvl2pPr marL="742950" indent="-285750" eaLnBrk="0" hangingPunct="0">
+              <a:defRPr sz="2400">
+                <a:solidFill>
+                  <a:schemeClr val="tx1"/>
+                </a:solidFill>
+                <a:latin typeface="Verdana" panose="020B0604030504040204" pitchFamily="34" charset="0"/>
+                <a:ea typeface="宋体" panose="02010600030101010101" pitchFamily="2" charset="-122"/>
+              </a:defRPr>
+            </a:lvl2pPr>
+            <a:lvl3pPr marL="1143000" indent="-228600" eaLnBrk="0" hangingPunct="0">
+              <a:defRPr sz="2400">
+                <a:solidFill>
+                  <a:schemeClr val="tx1"/>
+                </a:solidFill>
+                <a:latin typeface="Verdana" panose="020B0604030504040204" pitchFamily="34" charset="0"/>
+                <a:ea typeface="宋体" panose="02010600030101010101" pitchFamily="2" charset="-122"/>
+              </a:defRPr>
+            </a:lvl3pPr>
+            <a:lvl4pPr marL="1600200" indent="-228600" eaLnBrk="0" hangingPunct="0">
+              <a:defRPr sz="2400">
+                <a:solidFill>
+                  <a:schemeClr val="tx1"/>
+                </a:solidFill>
+                <a:latin typeface="Verdana" panose="020B0604030504040204" pitchFamily="34" charset="0"/>
+                <a:ea typeface="宋体" panose="02010600030101010101" pitchFamily="2" charset="-122"/>
+              </a:defRPr>
+            </a:lvl4pPr>
+            <a:lvl5pPr marL="2057400" indent="-228600" eaLnBrk="0" hangingPunct="0">
+              <a:defRPr sz="2400">
+                <a:solidFill>
+                  <a:schemeClr val="tx1"/>
+                </a:solidFill>
+                <a:latin typeface="Verdana" panose="020B0604030504040204" pitchFamily="34" charset="0"/>
+                <a:ea typeface="宋体" panose="02010600030101010101" pitchFamily="2" charset="-122"/>
+              </a:defRPr>
+            </a:lvl5pPr>
+            <a:lvl6pPr marL="2514600" indent="-228600" eaLnBrk="0" fontAlgn="base" hangingPunct="0">
+              <a:spcBef>
+                <a:spcPct val="0"/>
+              </a:spcBef>
+              <a:spcAft>
+                <a:spcPct val="0"/>
+              </a:spcAft>
+              <a:defRPr sz="2400">
+                <a:solidFill>
+                  <a:schemeClr val="tx1"/>
+                </a:solidFill>
+                <a:latin typeface="Verdana" panose="020B0604030504040204" pitchFamily="34" charset="0"/>
+                <a:ea typeface="宋体" panose="02010600030101010101" pitchFamily="2" charset="-122"/>
+              </a:defRPr>
+            </a:lvl6pPr>
+            <a:lvl7pPr marL="2971800" indent="-228600" eaLnBrk="0" fontAlgn="base" hangingPunct="0">
+              <a:spcBef>
+                <a:spcPct val="0"/>
+              </a:spcBef>
+              <a:spcAft>
+                <a:spcPct val="0"/>
+              </a:spcAft>
+              <a:defRPr sz="2400">
+                <a:solidFill>
+                  <a:schemeClr val="tx1"/>
+                </a:solidFill>
+                <a:latin typeface="Verdana" panose="020B0604030504040204" pitchFamily="34" charset="0"/>
+                <a:ea typeface="宋体" panose="02010600030101010101" pitchFamily="2" charset="-122"/>
+              </a:defRPr>
+            </a:lvl7pPr>
+            <a:lvl8pPr marL="3429000" indent="-228600" eaLnBrk="0" fontAlgn="base" hangingPunct="0">
+              <a:spcBef>
+                <a:spcPct val="0"/>
+              </a:spcBef>
+              <a:spcAft>
+                <a:spcPct val="0"/>
+              </a:spcAft>
+              <a:defRPr sz="2400">
+                <a:solidFill>
+                  <a:schemeClr val="tx1"/>
+                </a:solidFill>
+                <a:latin typeface="Verdana" panose="020B0604030504040204" pitchFamily="34" charset="0"/>
+                <a:ea typeface="宋体" panose="02010600030101010101" pitchFamily="2" charset="-122"/>
+              </a:defRPr>
+            </a:lvl8pPr>
+            <a:lvl9pPr marL="3886200" indent="-228600" eaLnBrk="0" fontAlgn="base" hangingPunct="0">
+              <a:spcBef>
+                <a:spcPct val="0"/>
+              </a:spcBef>
+              <a:spcAft>
+                <a:spcPct val="0"/>
+              </a:spcAft>
+              <a:defRPr sz="2400">
+                <a:solidFill>
+                  <a:schemeClr val="tx1"/>
+                </a:solidFill>
+                <a:latin typeface="Verdana" panose="020B0604030504040204" pitchFamily="34" charset="0"/>
+                <a:ea typeface="宋体" panose="02010600030101010101" pitchFamily="2" charset="-122"/>
+              </a:defRPr>
+            </a:lvl9pPr>
+          </a:lstStyle>
+          <a:p>
+            <a:pPr eaLnBrk="1" hangingPunct="1"/>
+            <a:r>
+              <a:rPr lang="zh-CN" altLang="en-US" sz="1600" dirty="0" smtClean="0">
+                <a:ea typeface="华文行楷" panose="02010800040101010101" pitchFamily="2" charset="-122"/>
+              </a:rPr>
+              <a:t>武汉大学计算机学院</a:t>
+            </a:r>
+          </a:p>
+        </p:txBody>
+      </p:sp>
+      <p:sp>
+        <p:nvSpPr>
+          <p:cNvPr id="14339" name="Rectangle 2"/>
+          <p:cNvSpPr>
+            <a:spLocks noGrp="1" noChangeArrowheads="1"/>
+          </p:cNvSpPr>
+          <p:nvPr>
+            <p:ph type="title"/>
+          </p:nvPr>
+        </p:nvSpPr>
+        <p:spPr bwMode="auto">
+          <a:xfrm>
+            <a:off x="457200" y="533400"/>
+            <a:ext cx="8229600" cy="838200"/>
+          </a:xfrm>
+          <a:noFill/>
+          <a:extLst>
+            <a:ext uri="{909E8E84-426E-40DD-AFC4-6F175D3DCCD1}">
+              <a14:hiddenFill xmlns:a14="http://schemas.microsoft.com/office/drawing/2010/main">
+                <a:solidFill>
+                  <a:srgbClr val="FFFFFF"/>
+                </a:solidFill>
+              </a14:hiddenFill>
+            </a:ext>
+            <a:ext uri="{91240B29-F687-4F45-9708-019B960494DF}">
+              <a14:hiddenLine xmlns:a14="http://schemas.microsoft.com/office/drawing/2010/main" w="9525">
+                <a:solidFill>
+                  <a:srgbClr val="000000"/>
+                </a:solidFill>
+                <a:miter lim="800000"/>
+                <a:headEnd/>
+                <a:tailEnd/>
+              </a14:hiddenLine>
+            </a:ext>
+          </a:extLst>
+        </p:spPr>
+        <p:txBody>
+          <a:bodyPr vert="horz" wrap="square" lIns="91440" tIns="45720" rIns="91440" bIns="45720" numCol="1" anchor="t" anchorCtr="0" compatLnSpc="1">
+            <a:prstTxWarp prst="textNoShape">
+              <a:avLst/>
+            </a:prstTxWarp>
+          </a:bodyPr>
+          <a:lstStyle/>
+          <a:p>
+            <a:pPr eaLnBrk="1" hangingPunct="1"/>
+            <a:r>
+              <a:rPr lang="zh-CN" altLang="en-US" smtClean="0">
+                <a:latin typeface="黑体" panose="02010609060101010101" pitchFamily="49" charset="-122"/>
+                <a:ea typeface="黑体" panose="02010609060101010101" pitchFamily="49" charset="-122"/>
+              </a:rPr>
+              <a:t>内容提要</a:t>
+            </a:r>
+          </a:p>
+        </p:txBody>
+      </p:sp>
+      <p:sp>
+        <p:nvSpPr>
+          <p:cNvPr id="14340" name="Rectangle 3"/>
+          <p:cNvSpPr>
+            <a:spLocks noGrp="1" noChangeArrowheads="1"/>
+          </p:cNvSpPr>
+          <p:nvPr>
+            <p:ph type="body" idx="1"/>
+          </p:nvPr>
+        </p:nvSpPr>
+        <p:spPr bwMode="auto">
+          <a:xfrm>
+            <a:off x="566738" y="1752600"/>
+            <a:ext cx="8001000" cy="4267200"/>
+          </a:xfrm>
+          <a:noFill/>
+          <a:extLst>
+            <a:ext uri="{909E8E84-426E-40DD-AFC4-6F175D3DCCD1}">
+              <a14:hiddenFill xmlns:a14="http://schemas.microsoft.com/office/drawing/2010/main">
+                <a:solidFill>
+                  <a:srgbClr val="FFFFFF"/>
+                </a:solidFill>
+              </a14:hiddenFill>
+            </a:ext>
+            <a:ext uri="{91240B29-F687-4F45-9708-019B960494DF}">
+              <a14:hiddenLine xmlns:a14="http://schemas.microsoft.com/office/drawing/2010/main" w="9525">
+                <a:solidFill>
+                  <a:srgbClr val="000000"/>
+                </a:solidFill>
+                <a:miter lim="800000"/>
+                <a:headEnd/>
+                <a:tailEnd/>
+              </a14:hiddenLine>
+            </a:ext>
+          </a:extLst>
+        </p:spPr>
+        <p:txBody>
+          <a:bodyPr vert="horz" wrap="square" lIns="91440" tIns="45720" rIns="91440" bIns="45720" numCol="1" anchor="t" anchorCtr="0" compatLnSpc="1">
+            <a:prstTxWarp prst="textNoShape">
+              <a:avLst/>
+            </a:prstTxWarp>
+          </a:bodyPr>
+          <a:lstStyle/>
+          <a:p>
+            <a:r>
+              <a:rPr lang="zh-CN" altLang="en-US" b="1" dirty="0" smtClean="0">
+                <a:latin typeface="Verdana" panose="020B0604030504040204" pitchFamily="34" charset="0"/>
+                <a:ea typeface="宋体" panose="02010600030101010101" pitchFamily="2" charset="-122"/>
+              </a:rPr>
+              <a:t>研究背景</a:t>
+            </a:r>
+          </a:p>
+          <a:p>
+            <a:r>
+              <a:rPr lang="zh-CN" altLang="en-US" b="1" dirty="0" smtClean="0">
+                <a:latin typeface="Verdana" panose="020B0604030504040204" pitchFamily="34" charset="0"/>
+                <a:ea typeface="宋体" panose="02010600030101010101" pitchFamily="2" charset="-122"/>
+              </a:rPr>
+              <a:t>相关工作</a:t>
+            </a:r>
+          </a:p>
+          <a:p>
+            <a:r>
+              <a:rPr lang="zh-CN" altLang="en-US" b="1" dirty="0" smtClean="0">
+                <a:latin typeface="Verdana" panose="020B0604030504040204" pitchFamily="34" charset="0"/>
+                <a:ea typeface="宋体" panose="02010600030101010101" pitchFamily="2" charset="-122"/>
+              </a:rPr>
+              <a:t>研究框架</a:t>
+            </a:r>
+            <a:endParaRPr lang="en-US" altLang="zh-CN" b="1" dirty="0" smtClean="0">
+              <a:latin typeface="Verdana" panose="020B0604030504040204" pitchFamily="34" charset="0"/>
+              <a:ea typeface="宋体" panose="02010600030101010101" pitchFamily="2" charset="-122"/>
+            </a:endParaRPr>
+          </a:p>
+          <a:p>
+            <a:r>
+              <a:rPr lang="zh-CN" altLang="en-US" b="1" dirty="0" smtClean="0">
+                <a:latin typeface="Verdana" panose="020B0604030504040204" pitchFamily="34" charset="0"/>
+                <a:ea typeface="宋体" panose="02010600030101010101" pitchFamily="2" charset="-122"/>
+              </a:rPr>
+              <a:t>系统设计与实现</a:t>
+            </a:r>
+          </a:p>
+          <a:p>
+            <a:r>
+              <a:rPr lang="zh-CN" altLang="en-US" b="1" dirty="0" smtClean="0">
+                <a:latin typeface="Verdana" panose="020B0604030504040204" pitchFamily="34" charset="0"/>
+                <a:ea typeface="宋体" panose="02010600030101010101" pitchFamily="2" charset="-122"/>
+              </a:rPr>
+              <a:t>总结与展望</a:t>
+            </a:r>
+          </a:p>
+          <a:p>
+            <a:r>
+              <a:rPr lang="zh-CN" altLang="en-US" b="1" dirty="0" smtClean="0">
+                <a:latin typeface="Verdana" panose="020B0604030504040204" pitchFamily="34" charset="0"/>
+                <a:ea typeface="宋体" panose="02010600030101010101" pitchFamily="2" charset="-122"/>
+              </a:rPr>
+              <a:t>参加的科研项目与发表论文</a:t>
+            </a:r>
+            <a:endParaRPr lang="en-US" altLang="zh-CN" b="1" dirty="0" smtClean="0">
+              <a:latin typeface="Verdana" panose="020B0604030504040204" pitchFamily="34" charset="0"/>
+              <a:ea typeface="宋体" panose="02010600030101010101" pitchFamily="2" charset="-122"/>
+            </a:endParaRPr>
+          </a:p>
+        </p:txBody>
+      </p:sp>
+    </p:spTree>
+  </p:cSld>
+  <p:clrMapOvr>
+    <a:masterClrMapping/>
+  </p:clrMapOvr>
+  <p:timing>
+    <p:tnLst>
+      <p:par>
+        <p:cTn id="1" dur="indefinite" restart="never" nodeType="tmRoot"/>
+      </p:par>
+    </p:tnLst>
+  </p:timing>
+</p:sld>
+</file>
+
+<file path=ppt/slides/slide20.xml><?xml version="1.0" encoding="utf-8"?>
 <p:sld xmlns:a="http://schemas.openxmlformats.org/drawingml/2006/main" xmlns:r="http://schemas.openxmlformats.org/officeDocument/2006/relationships" xmlns:p="http://schemas.openxmlformats.org/presentationml/2006/main">
   <p:cSld>
     <p:spTree>
@@ -12138,7 +13447,7 @@
 </p:sld>
 </file>
 
-<file path=ppt/slides/slide19.xml><?xml version="1.0" encoding="utf-8"?>
+<file path=ppt/slides/slide21.xml><?xml version="1.0" encoding="utf-8"?>
 <p:sld xmlns:a="http://schemas.openxmlformats.org/drawingml/2006/main" xmlns:r="http://schemas.openxmlformats.org/officeDocument/2006/relationships" xmlns:p="http://schemas.openxmlformats.org/presentationml/2006/main">
   <p:cSld>
     <p:spTree>
@@ -12548,354 +13857,7 @@
 </p:sld>
 </file>
 
-<file path=ppt/slides/slide2.xml><?xml version="1.0" encoding="utf-8"?>
-<p:sld xmlns:a="http://schemas.openxmlformats.org/drawingml/2006/main" xmlns:r="http://schemas.openxmlformats.org/officeDocument/2006/relationships" xmlns:p="http://schemas.openxmlformats.org/presentationml/2006/main">
-  <p:cSld>
-    <p:spTree>
-      <p:nvGrpSpPr>
-        <p:cNvPr id="1" name=""/>
-        <p:cNvGrpSpPr/>
-        <p:nvPr/>
-      </p:nvGrpSpPr>
-      <p:grpSpPr>
-        <a:xfrm>
-          <a:off x="0" y="0"/>
-          <a:ext cx="0" cy="0"/>
-          <a:chOff x="0" y="0"/>
-          <a:chExt cx="0" cy="0"/>
-        </a:xfrm>
-      </p:grpSpPr>
-      <p:sp>
-        <p:nvSpPr>
-          <p:cNvPr id="14338" name="页脚占位符 4"/>
-          <p:cNvSpPr>
-            <a:spLocks noGrp="1"/>
-          </p:cNvSpPr>
-          <p:nvPr>
-            <p:ph type="ftr" sz="quarter" idx="10"/>
-          </p:nvPr>
-        </p:nvSpPr>
-        <p:spPr>
-          <a:noFill/>
-          <a:ln/>
-          <a:extLst>
-            <a:ext uri="{909E8E84-426E-40DD-AFC4-6F175D3DCCD1}">
-              <a14:hiddenFill xmlns:a14="http://schemas.microsoft.com/office/drawing/2010/main">
-                <a:solidFill>
-                  <a:srgbClr val="FFFFFF"/>
-                </a:solidFill>
-              </a14:hiddenFill>
-            </a:ext>
-            <a:ext uri="{91240B29-F687-4F45-9708-019B960494DF}">
-              <a14:hiddenLine xmlns:a14="http://schemas.microsoft.com/office/drawing/2010/main" w="9525">
-                <a:solidFill>
-                  <a:srgbClr val="000000"/>
-                </a:solidFill>
-                <a:miter lim="800000"/>
-                <a:headEnd/>
-                <a:tailEnd/>
-              </a14:hiddenLine>
-            </a:ext>
-          </a:extLst>
-        </p:spPr>
-        <p:txBody>
-          <a:bodyPr/>
-          <a:lstStyle>
-            <a:lvl1pPr eaLnBrk="0" hangingPunct="0">
-              <a:defRPr sz="2400">
-                <a:solidFill>
-                  <a:schemeClr val="tx1"/>
-                </a:solidFill>
-                <a:latin typeface="Verdana" panose="020B0604030504040204" pitchFamily="34" charset="0"/>
-                <a:ea typeface="宋体" panose="02010600030101010101" pitchFamily="2" charset="-122"/>
-              </a:defRPr>
-            </a:lvl1pPr>
-            <a:lvl2pPr marL="742950" indent="-285750" eaLnBrk="0" hangingPunct="0">
-              <a:defRPr sz="2400">
-                <a:solidFill>
-                  <a:schemeClr val="tx1"/>
-                </a:solidFill>
-                <a:latin typeface="Verdana" panose="020B0604030504040204" pitchFamily="34" charset="0"/>
-                <a:ea typeface="宋体" panose="02010600030101010101" pitchFamily="2" charset="-122"/>
-              </a:defRPr>
-            </a:lvl2pPr>
-            <a:lvl3pPr marL="1143000" indent="-228600" eaLnBrk="0" hangingPunct="0">
-              <a:defRPr sz="2400">
-                <a:solidFill>
-                  <a:schemeClr val="tx1"/>
-                </a:solidFill>
-                <a:latin typeface="Verdana" panose="020B0604030504040204" pitchFamily="34" charset="0"/>
-                <a:ea typeface="宋体" panose="02010600030101010101" pitchFamily="2" charset="-122"/>
-              </a:defRPr>
-            </a:lvl3pPr>
-            <a:lvl4pPr marL="1600200" indent="-228600" eaLnBrk="0" hangingPunct="0">
-              <a:defRPr sz="2400">
-                <a:solidFill>
-                  <a:schemeClr val="tx1"/>
-                </a:solidFill>
-                <a:latin typeface="Verdana" panose="020B0604030504040204" pitchFamily="34" charset="0"/>
-                <a:ea typeface="宋体" panose="02010600030101010101" pitchFamily="2" charset="-122"/>
-              </a:defRPr>
-            </a:lvl4pPr>
-            <a:lvl5pPr marL="2057400" indent="-228600" eaLnBrk="0" hangingPunct="0">
-              <a:defRPr sz="2400">
-                <a:solidFill>
-                  <a:schemeClr val="tx1"/>
-                </a:solidFill>
-                <a:latin typeface="Verdana" panose="020B0604030504040204" pitchFamily="34" charset="0"/>
-                <a:ea typeface="宋体" panose="02010600030101010101" pitchFamily="2" charset="-122"/>
-              </a:defRPr>
-            </a:lvl5pPr>
-            <a:lvl6pPr marL="2514600" indent="-228600" eaLnBrk="0" fontAlgn="base" hangingPunct="0">
-              <a:spcBef>
-                <a:spcPct val="0"/>
-              </a:spcBef>
-              <a:spcAft>
-                <a:spcPct val="0"/>
-              </a:spcAft>
-              <a:defRPr sz="2400">
-                <a:solidFill>
-                  <a:schemeClr val="tx1"/>
-                </a:solidFill>
-                <a:latin typeface="Verdana" panose="020B0604030504040204" pitchFamily="34" charset="0"/>
-                <a:ea typeface="宋体" panose="02010600030101010101" pitchFamily="2" charset="-122"/>
-              </a:defRPr>
-            </a:lvl6pPr>
-            <a:lvl7pPr marL="2971800" indent="-228600" eaLnBrk="0" fontAlgn="base" hangingPunct="0">
-              <a:spcBef>
-                <a:spcPct val="0"/>
-              </a:spcBef>
-              <a:spcAft>
-                <a:spcPct val="0"/>
-              </a:spcAft>
-              <a:defRPr sz="2400">
-                <a:solidFill>
-                  <a:schemeClr val="tx1"/>
-                </a:solidFill>
-                <a:latin typeface="Verdana" panose="020B0604030504040204" pitchFamily="34" charset="0"/>
-                <a:ea typeface="宋体" panose="02010600030101010101" pitchFamily="2" charset="-122"/>
-              </a:defRPr>
-            </a:lvl7pPr>
-            <a:lvl8pPr marL="3429000" indent="-228600" eaLnBrk="0" fontAlgn="base" hangingPunct="0">
-              <a:spcBef>
-                <a:spcPct val="0"/>
-              </a:spcBef>
-              <a:spcAft>
-                <a:spcPct val="0"/>
-              </a:spcAft>
-              <a:defRPr sz="2400">
-                <a:solidFill>
-                  <a:schemeClr val="tx1"/>
-                </a:solidFill>
-                <a:latin typeface="Verdana" panose="020B0604030504040204" pitchFamily="34" charset="0"/>
-                <a:ea typeface="宋体" panose="02010600030101010101" pitchFamily="2" charset="-122"/>
-              </a:defRPr>
-            </a:lvl8pPr>
-            <a:lvl9pPr marL="3886200" indent="-228600" eaLnBrk="0" fontAlgn="base" hangingPunct="0">
-              <a:spcBef>
-                <a:spcPct val="0"/>
-              </a:spcBef>
-              <a:spcAft>
-                <a:spcPct val="0"/>
-              </a:spcAft>
-              <a:defRPr sz="2400">
-                <a:solidFill>
-                  <a:schemeClr val="tx1"/>
-                </a:solidFill>
-                <a:latin typeface="Verdana" panose="020B0604030504040204" pitchFamily="34" charset="0"/>
-                <a:ea typeface="宋体" panose="02010600030101010101" pitchFamily="2" charset="-122"/>
-              </a:defRPr>
-            </a:lvl9pPr>
-          </a:lstStyle>
-          <a:p>
-            <a:pPr eaLnBrk="1" hangingPunct="1"/>
-            <a:r>
-              <a:rPr lang="zh-CN" altLang="en-US" sz="1600" dirty="0" smtClean="0">
-                <a:ea typeface="华文行楷" panose="02010800040101010101" pitchFamily="2" charset="-122"/>
-              </a:rPr>
-              <a:t>武汉大学计算机学院</a:t>
-            </a:r>
-          </a:p>
-        </p:txBody>
-      </p:sp>
-      <p:sp>
-        <p:nvSpPr>
-          <p:cNvPr id="14339" name="Rectangle 2"/>
-          <p:cNvSpPr>
-            <a:spLocks noGrp="1" noChangeArrowheads="1"/>
-          </p:cNvSpPr>
-          <p:nvPr>
-            <p:ph type="title"/>
-          </p:nvPr>
-        </p:nvSpPr>
-        <p:spPr bwMode="auto">
-          <a:xfrm>
-            <a:off x="457200" y="533400"/>
-            <a:ext cx="8229600" cy="838200"/>
-          </a:xfrm>
-          <a:noFill/>
-          <a:extLst>
-            <a:ext uri="{909E8E84-426E-40DD-AFC4-6F175D3DCCD1}">
-              <a14:hiddenFill xmlns:a14="http://schemas.microsoft.com/office/drawing/2010/main">
-                <a:solidFill>
-                  <a:srgbClr val="FFFFFF"/>
-                </a:solidFill>
-              </a14:hiddenFill>
-            </a:ext>
-            <a:ext uri="{91240B29-F687-4F45-9708-019B960494DF}">
-              <a14:hiddenLine xmlns:a14="http://schemas.microsoft.com/office/drawing/2010/main" w="9525">
-                <a:solidFill>
-                  <a:srgbClr val="000000"/>
-                </a:solidFill>
-                <a:miter lim="800000"/>
-                <a:headEnd/>
-                <a:tailEnd/>
-              </a14:hiddenLine>
-            </a:ext>
-          </a:extLst>
-        </p:spPr>
-        <p:txBody>
-          <a:bodyPr vert="horz" wrap="square" lIns="91440" tIns="45720" rIns="91440" bIns="45720" numCol="1" anchor="t" anchorCtr="0" compatLnSpc="1">
-            <a:prstTxWarp prst="textNoShape">
-              <a:avLst/>
-            </a:prstTxWarp>
-          </a:bodyPr>
-          <a:lstStyle/>
-          <a:p>
-            <a:pPr eaLnBrk="1" hangingPunct="1"/>
-            <a:r>
-              <a:rPr lang="zh-CN" altLang="en-US" smtClean="0">
-                <a:latin typeface="黑体" panose="02010609060101010101" pitchFamily="49" charset="-122"/>
-                <a:ea typeface="黑体" panose="02010609060101010101" pitchFamily="49" charset="-122"/>
-              </a:rPr>
-              <a:t>内容提要</a:t>
-            </a:r>
-          </a:p>
-        </p:txBody>
-      </p:sp>
-      <p:sp>
-        <p:nvSpPr>
-          <p:cNvPr id="14340" name="Rectangle 3"/>
-          <p:cNvSpPr>
-            <a:spLocks noGrp="1" noChangeArrowheads="1"/>
-          </p:cNvSpPr>
-          <p:nvPr>
-            <p:ph type="body" idx="1"/>
-          </p:nvPr>
-        </p:nvSpPr>
-        <p:spPr bwMode="auto">
-          <a:xfrm>
-            <a:off x="566738" y="1752600"/>
-            <a:ext cx="8001000" cy="4267200"/>
-          </a:xfrm>
-          <a:noFill/>
-          <a:extLst>
-            <a:ext uri="{909E8E84-426E-40DD-AFC4-6F175D3DCCD1}">
-              <a14:hiddenFill xmlns:a14="http://schemas.microsoft.com/office/drawing/2010/main">
-                <a:solidFill>
-                  <a:srgbClr val="FFFFFF"/>
-                </a:solidFill>
-              </a14:hiddenFill>
-            </a:ext>
-            <a:ext uri="{91240B29-F687-4F45-9708-019B960494DF}">
-              <a14:hiddenLine xmlns:a14="http://schemas.microsoft.com/office/drawing/2010/main" w="9525">
-                <a:solidFill>
-                  <a:srgbClr val="000000"/>
-                </a:solidFill>
-                <a:miter lim="800000"/>
-                <a:headEnd/>
-                <a:tailEnd/>
-              </a14:hiddenLine>
-            </a:ext>
-          </a:extLst>
-        </p:spPr>
-        <p:txBody>
-          <a:bodyPr vert="horz" wrap="square" lIns="91440" tIns="45720" rIns="91440" bIns="45720" numCol="1" anchor="t" anchorCtr="0" compatLnSpc="1">
-            <a:prstTxWarp prst="textNoShape">
-              <a:avLst/>
-            </a:prstTxWarp>
-          </a:bodyPr>
-          <a:lstStyle/>
-          <a:p>
-            <a:r>
-              <a:rPr lang="zh-CN" altLang="en-US" b="1" dirty="0" smtClean="0">
-                <a:latin typeface="Verdana" panose="020B0604030504040204" pitchFamily="34" charset="0"/>
-                <a:ea typeface="宋体" panose="02010600030101010101" pitchFamily="2" charset="-122"/>
-              </a:rPr>
-              <a:t>研究背景</a:t>
-            </a:r>
-          </a:p>
-          <a:p>
-            <a:r>
-              <a:rPr lang="zh-CN" altLang="en-US" b="1" dirty="0" smtClean="0">
-                <a:latin typeface="Verdana" panose="020B0604030504040204" pitchFamily="34" charset="0"/>
-                <a:ea typeface="宋体" panose="02010600030101010101" pitchFamily="2" charset="-122"/>
-              </a:rPr>
-              <a:t>相关工作</a:t>
-            </a:r>
-          </a:p>
-          <a:p>
-            <a:r>
-              <a:rPr lang="zh-CN" altLang="en-US" b="1" dirty="0" smtClean="0">
-                <a:latin typeface="Verdana" panose="020B0604030504040204" pitchFamily="34" charset="0"/>
-                <a:ea typeface="宋体" panose="02010600030101010101" pitchFamily="2" charset="-122"/>
-              </a:rPr>
-              <a:t>研究框架</a:t>
-            </a:r>
-            <a:endParaRPr lang="en-US" altLang="zh-CN" b="1" dirty="0" smtClean="0">
-              <a:latin typeface="Verdana" panose="020B0604030504040204" pitchFamily="34" charset="0"/>
-              <a:ea typeface="宋体" panose="02010600030101010101" pitchFamily="2" charset="-122"/>
-            </a:endParaRPr>
-          </a:p>
-          <a:p>
-            <a:r>
-              <a:rPr lang="zh-CN" altLang="en-US" b="1" dirty="0" smtClean="0">
-                <a:latin typeface="Verdana" panose="020B0604030504040204" pitchFamily="34" charset="0"/>
-                <a:ea typeface="宋体" panose="02010600030101010101" pitchFamily="2" charset="-122"/>
-              </a:rPr>
-              <a:t>系统设计与实现</a:t>
-            </a:r>
-          </a:p>
-          <a:p>
-            <a:r>
-              <a:rPr lang="zh-CN" altLang="en-US" b="1" dirty="0" smtClean="0">
-                <a:latin typeface="Verdana" panose="020B0604030504040204" pitchFamily="34" charset="0"/>
-                <a:ea typeface="宋体" panose="02010600030101010101" pitchFamily="2" charset="-122"/>
-              </a:rPr>
-              <a:t>总结与展望</a:t>
-            </a:r>
-          </a:p>
-          <a:p>
-            <a:r>
-              <a:rPr lang="zh-CN" altLang="en-US" b="1" dirty="0" smtClean="0">
-                <a:latin typeface="Verdana" panose="020B0604030504040204" pitchFamily="34" charset="0"/>
-                <a:ea typeface="宋体" panose="02010600030101010101" pitchFamily="2" charset="-122"/>
-              </a:rPr>
-              <a:t>参加的科研项目与发表论文</a:t>
-            </a:r>
-            <a:endParaRPr lang="en-US" altLang="zh-CN" b="1" dirty="0" smtClean="0">
-              <a:latin typeface="Verdana" panose="020B0604030504040204" pitchFamily="34" charset="0"/>
-              <a:ea typeface="宋体" panose="02010600030101010101" pitchFamily="2" charset="-122"/>
-            </a:endParaRPr>
-          </a:p>
-        </p:txBody>
-      </p:sp>
-    </p:spTree>
-  </p:cSld>
-  <p:clrMapOvr>
-    <a:masterClrMapping/>
-  </p:clrMapOvr>
-  <p:timing>
-    <p:tnLst>
-      <p:par>
-        <p:cTn id="1" dur="indefinite" restart="never" nodeType="tmRoot"/>
-      </p:par>
-    </p:tnLst>
-  </p:timing>
-</p:sld>
-</file>
-
-<file path=ppt/slides/slide20.xml><?xml version="1.0" encoding="utf-8"?>
+<file path=ppt/slides/slide22.xml><?xml version="1.0" encoding="utf-8"?>
 <p:sld xmlns:a="http://schemas.openxmlformats.org/drawingml/2006/main" xmlns:r="http://schemas.openxmlformats.org/officeDocument/2006/relationships" xmlns:p="http://schemas.openxmlformats.org/presentationml/2006/main">
   <p:cSld>
     <p:spTree>
@@ -13111,7 +14073,7 @@
 </p:sld>
 </file>
 
-<file path=ppt/slides/slide21.xml><?xml version="1.0" encoding="utf-8"?>
+<file path=ppt/slides/slide23.xml><?xml version="1.0" encoding="utf-8"?>
 <p:sld xmlns:a="http://schemas.openxmlformats.org/drawingml/2006/main" xmlns:r="http://schemas.openxmlformats.org/officeDocument/2006/relationships" xmlns:p="http://schemas.openxmlformats.org/presentationml/2006/main">
   <p:cSld>
     <p:spTree>
@@ -13321,7 +14283,7 @@
 </p:sld>
 </file>
 
-<file path=ppt/slides/slide22.xml><?xml version="1.0" encoding="utf-8"?>
+<file path=ppt/slides/slide24.xml><?xml version="1.0" encoding="utf-8"?>
 <p:sld xmlns:a="http://schemas.openxmlformats.org/drawingml/2006/main" xmlns:r="http://schemas.openxmlformats.org/officeDocument/2006/relationships" xmlns:p="http://schemas.openxmlformats.org/presentationml/2006/main">
   <p:cSld>
     <p:spTree>
@@ -13582,7 +14544,7 @@
 </p:sld>
 </file>
 
-<file path=ppt/slides/slide23.xml><?xml version="1.0" encoding="utf-8"?>
+<file path=ppt/slides/slide25.xml><?xml version="1.0" encoding="utf-8"?>
 <p:sld xmlns:a="http://schemas.openxmlformats.org/drawingml/2006/main" xmlns:r="http://schemas.openxmlformats.org/officeDocument/2006/relationships" xmlns:p="http://schemas.openxmlformats.org/presentationml/2006/main">
   <p:cSld>
     <p:spTree>
@@ -13852,7 +14814,7 @@
 </p:sld>
 </file>
 
-<file path=ppt/slides/slide24.xml><?xml version="1.0" encoding="utf-8"?>
+<file path=ppt/slides/slide26.xml><?xml version="1.0" encoding="utf-8"?>
 <p:sld xmlns:a="http://schemas.openxmlformats.org/drawingml/2006/main" xmlns:r="http://schemas.openxmlformats.org/officeDocument/2006/relationships" xmlns:p="http://schemas.openxmlformats.org/presentationml/2006/main">
   <p:cSld>
     <p:spTree>
@@ -14086,7 +15048,7 @@
 </p:sld>
 </file>
 
-<file path=ppt/slides/slide25.xml><?xml version="1.0" encoding="utf-8"?>
+<file path=ppt/slides/slide27.xml><?xml version="1.0" encoding="utf-8"?>
 <p:sld xmlns:a="http://schemas.openxmlformats.org/drawingml/2006/main" xmlns:r="http://schemas.openxmlformats.org/officeDocument/2006/relationships" xmlns:p="http://schemas.openxmlformats.org/presentationml/2006/main">
   <p:cSld>
     <p:spTree>
@@ -14679,7 +15641,7 @@
 </p:sld>
 </file>
 
-<file path=ppt/slides/slide26.xml><?xml version="1.0" encoding="utf-8"?>
+<file path=ppt/slides/slide28.xml><?xml version="1.0" encoding="utf-8"?>
 <p:sld xmlns:a="http://schemas.openxmlformats.org/drawingml/2006/main" xmlns:r="http://schemas.openxmlformats.org/officeDocument/2006/relationships" xmlns:p="http://schemas.openxmlformats.org/presentationml/2006/main">
   <p:cSld>
     <p:spTree>
@@ -15212,7 +16174,7 @@
 </p:sld>
 </file>
 
-<file path=ppt/slides/slide27.xml><?xml version="1.0" encoding="utf-8"?>
+<file path=ppt/slides/slide29.xml><?xml version="1.0" encoding="utf-8"?>
 <p:sld xmlns:a="http://schemas.openxmlformats.org/drawingml/2006/main" xmlns:r="http://schemas.openxmlformats.org/officeDocument/2006/relationships" xmlns:p="http://schemas.openxmlformats.org/presentationml/2006/main">
   <p:cSld>
     <p:spTree>
@@ -15474,6 +16436,407 @@
       </p:grpSpPr>
       <p:sp>
         <p:nvSpPr>
+          <p:cNvPr id="14338" name="页脚占位符 4"/>
+          <p:cNvSpPr>
+            <a:spLocks noGrp="1"/>
+          </p:cNvSpPr>
+          <p:nvPr>
+            <p:ph type="ftr" sz="quarter" idx="10"/>
+          </p:nvPr>
+        </p:nvSpPr>
+        <p:spPr>
+          <a:noFill/>
+          <a:ln/>
+          <a:extLst>
+            <a:ext uri="{909E8E84-426E-40DD-AFC4-6F175D3DCCD1}">
+              <a14:hiddenFill xmlns:a14="http://schemas.microsoft.com/office/drawing/2010/main">
+                <a:solidFill>
+                  <a:srgbClr val="FFFFFF"/>
+                </a:solidFill>
+              </a14:hiddenFill>
+            </a:ext>
+            <a:ext uri="{91240B29-F687-4F45-9708-019B960494DF}">
+              <a14:hiddenLine xmlns:a14="http://schemas.microsoft.com/office/drawing/2010/main" w="9525">
+                <a:solidFill>
+                  <a:srgbClr val="000000"/>
+                </a:solidFill>
+                <a:miter lim="800000"/>
+                <a:headEnd/>
+                <a:tailEnd/>
+              </a14:hiddenLine>
+            </a:ext>
+          </a:extLst>
+        </p:spPr>
+        <p:txBody>
+          <a:bodyPr/>
+          <a:lstStyle>
+            <a:lvl1pPr eaLnBrk="0" hangingPunct="0">
+              <a:defRPr sz="2400">
+                <a:solidFill>
+                  <a:schemeClr val="tx1"/>
+                </a:solidFill>
+                <a:latin typeface="Verdana" panose="020B0604030504040204" pitchFamily="34" charset="0"/>
+                <a:ea typeface="宋体" panose="02010600030101010101" pitchFamily="2" charset="-122"/>
+              </a:defRPr>
+            </a:lvl1pPr>
+            <a:lvl2pPr marL="742950" indent="-285750" eaLnBrk="0" hangingPunct="0">
+              <a:defRPr sz="2400">
+                <a:solidFill>
+                  <a:schemeClr val="tx1"/>
+                </a:solidFill>
+                <a:latin typeface="Verdana" panose="020B0604030504040204" pitchFamily="34" charset="0"/>
+                <a:ea typeface="宋体" panose="02010600030101010101" pitchFamily="2" charset="-122"/>
+              </a:defRPr>
+            </a:lvl2pPr>
+            <a:lvl3pPr marL="1143000" indent="-228600" eaLnBrk="0" hangingPunct="0">
+              <a:defRPr sz="2400">
+                <a:solidFill>
+                  <a:schemeClr val="tx1"/>
+                </a:solidFill>
+                <a:latin typeface="Verdana" panose="020B0604030504040204" pitchFamily="34" charset="0"/>
+                <a:ea typeface="宋体" panose="02010600030101010101" pitchFamily="2" charset="-122"/>
+              </a:defRPr>
+            </a:lvl3pPr>
+            <a:lvl4pPr marL="1600200" indent="-228600" eaLnBrk="0" hangingPunct="0">
+              <a:defRPr sz="2400">
+                <a:solidFill>
+                  <a:schemeClr val="tx1"/>
+                </a:solidFill>
+                <a:latin typeface="Verdana" panose="020B0604030504040204" pitchFamily="34" charset="0"/>
+                <a:ea typeface="宋体" panose="02010600030101010101" pitchFamily="2" charset="-122"/>
+              </a:defRPr>
+            </a:lvl4pPr>
+            <a:lvl5pPr marL="2057400" indent="-228600" eaLnBrk="0" hangingPunct="0">
+              <a:defRPr sz="2400">
+                <a:solidFill>
+                  <a:schemeClr val="tx1"/>
+                </a:solidFill>
+                <a:latin typeface="Verdana" panose="020B0604030504040204" pitchFamily="34" charset="0"/>
+                <a:ea typeface="宋体" panose="02010600030101010101" pitchFamily="2" charset="-122"/>
+              </a:defRPr>
+            </a:lvl5pPr>
+            <a:lvl6pPr marL="2514600" indent="-228600" eaLnBrk="0" fontAlgn="base" hangingPunct="0">
+              <a:spcBef>
+                <a:spcPct val="0"/>
+              </a:spcBef>
+              <a:spcAft>
+                <a:spcPct val="0"/>
+              </a:spcAft>
+              <a:defRPr sz="2400">
+                <a:solidFill>
+                  <a:schemeClr val="tx1"/>
+                </a:solidFill>
+                <a:latin typeface="Verdana" panose="020B0604030504040204" pitchFamily="34" charset="0"/>
+                <a:ea typeface="宋体" panose="02010600030101010101" pitchFamily="2" charset="-122"/>
+              </a:defRPr>
+            </a:lvl6pPr>
+            <a:lvl7pPr marL="2971800" indent="-228600" eaLnBrk="0" fontAlgn="base" hangingPunct="0">
+              <a:spcBef>
+                <a:spcPct val="0"/>
+              </a:spcBef>
+              <a:spcAft>
+                <a:spcPct val="0"/>
+              </a:spcAft>
+              <a:defRPr sz="2400">
+                <a:solidFill>
+                  <a:schemeClr val="tx1"/>
+                </a:solidFill>
+                <a:latin typeface="Verdana" panose="020B0604030504040204" pitchFamily="34" charset="0"/>
+                <a:ea typeface="宋体" panose="02010600030101010101" pitchFamily="2" charset="-122"/>
+              </a:defRPr>
+            </a:lvl7pPr>
+            <a:lvl8pPr marL="3429000" indent="-228600" eaLnBrk="0" fontAlgn="base" hangingPunct="0">
+              <a:spcBef>
+                <a:spcPct val="0"/>
+              </a:spcBef>
+              <a:spcAft>
+                <a:spcPct val="0"/>
+              </a:spcAft>
+              <a:defRPr sz="2400">
+                <a:solidFill>
+                  <a:schemeClr val="tx1"/>
+                </a:solidFill>
+                <a:latin typeface="Verdana" panose="020B0604030504040204" pitchFamily="34" charset="0"/>
+                <a:ea typeface="宋体" panose="02010600030101010101" pitchFamily="2" charset="-122"/>
+              </a:defRPr>
+            </a:lvl8pPr>
+            <a:lvl9pPr marL="3886200" indent="-228600" eaLnBrk="0" fontAlgn="base" hangingPunct="0">
+              <a:spcBef>
+                <a:spcPct val="0"/>
+              </a:spcBef>
+              <a:spcAft>
+                <a:spcPct val="0"/>
+              </a:spcAft>
+              <a:defRPr sz="2400">
+                <a:solidFill>
+                  <a:schemeClr val="tx1"/>
+                </a:solidFill>
+                <a:latin typeface="Verdana" panose="020B0604030504040204" pitchFamily="34" charset="0"/>
+                <a:ea typeface="宋体" panose="02010600030101010101" pitchFamily="2" charset="-122"/>
+              </a:defRPr>
+            </a:lvl9pPr>
+          </a:lstStyle>
+          <a:p>
+            <a:pPr eaLnBrk="1" hangingPunct="1"/>
+            <a:r>
+              <a:rPr lang="zh-CN" altLang="en-US" sz="1600" dirty="0" smtClean="0">
+                <a:ea typeface="华文行楷" panose="02010800040101010101" pitchFamily="2" charset="-122"/>
+              </a:rPr>
+              <a:t>武汉大学计算机学院</a:t>
+            </a:r>
+          </a:p>
+        </p:txBody>
+      </p:sp>
+      <p:sp>
+        <p:nvSpPr>
+          <p:cNvPr id="14339" name="Rectangle 2"/>
+          <p:cNvSpPr>
+            <a:spLocks noGrp="1" noChangeArrowheads="1"/>
+          </p:cNvSpPr>
+          <p:nvPr>
+            <p:ph type="title"/>
+          </p:nvPr>
+        </p:nvSpPr>
+        <p:spPr bwMode="auto">
+          <a:xfrm>
+            <a:off x="457200" y="533400"/>
+            <a:ext cx="8229600" cy="838200"/>
+          </a:xfrm>
+          <a:noFill/>
+          <a:extLst>
+            <a:ext uri="{909E8E84-426E-40DD-AFC4-6F175D3DCCD1}">
+              <a14:hiddenFill xmlns:a14="http://schemas.microsoft.com/office/drawing/2010/main">
+                <a:solidFill>
+                  <a:srgbClr val="FFFFFF"/>
+                </a:solidFill>
+              </a14:hiddenFill>
+            </a:ext>
+            <a:ext uri="{91240B29-F687-4F45-9708-019B960494DF}">
+              <a14:hiddenLine xmlns:a14="http://schemas.microsoft.com/office/drawing/2010/main" w="9525">
+                <a:solidFill>
+                  <a:srgbClr val="000000"/>
+                </a:solidFill>
+                <a:miter lim="800000"/>
+                <a:headEnd/>
+                <a:tailEnd/>
+              </a14:hiddenLine>
+            </a:ext>
+          </a:extLst>
+        </p:spPr>
+        <p:txBody>
+          <a:bodyPr vert="horz" wrap="square" lIns="91440" tIns="45720" rIns="91440" bIns="45720" numCol="1" anchor="t" anchorCtr="0" compatLnSpc="1">
+            <a:prstTxWarp prst="textNoShape">
+              <a:avLst/>
+            </a:prstTxWarp>
+          </a:bodyPr>
+          <a:lstStyle/>
+          <a:p>
+            <a:pPr eaLnBrk="1" hangingPunct="1"/>
+            <a:r>
+              <a:rPr lang="zh-CN" altLang="en-US" dirty="0" smtClean="0">
+                <a:latin typeface="黑体" panose="02010609060101010101" pitchFamily="49" charset="-122"/>
+                <a:ea typeface="黑体" panose="02010609060101010101" pitchFamily="49" charset="-122"/>
+              </a:rPr>
+              <a:t>项目背景</a:t>
+            </a:r>
+            <a:endParaRPr lang="zh-CN" altLang="en-US" dirty="0" smtClean="0">
+              <a:latin typeface="黑体" panose="02010609060101010101" pitchFamily="49" charset="-122"/>
+              <a:ea typeface="黑体" panose="02010609060101010101" pitchFamily="49" charset="-122"/>
+            </a:endParaRPr>
+          </a:p>
+        </p:txBody>
+      </p:sp>
+      <p:sp>
+        <p:nvSpPr>
+          <p:cNvPr id="14340" name="Rectangle 3"/>
+          <p:cNvSpPr>
+            <a:spLocks noGrp="1" noChangeArrowheads="1"/>
+          </p:cNvSpPr>
+          <p:nvPr>
+            <p:ph type="body" idx="1"/>
+          </p:nvPr>
+        </p:nvSpPr>
+        <p:spPr bwMode="auto">
+          <a:xfrm>
+            <a:off x="566738" y="1752600"/>
+            <a:ext cx="8001000" cy="4267200"/>
+          </a:xfrm>
+          <a:noFill/>
+          <a:extLst>
+            <a:ext uri="{909E8E84-426E-40DD-AFC4-6F175D3DCCD1}">
+              <a14:hiddenFill xmlns:a14="http://schemas.microsoft.com/office/drawing/2010/main">
+                <a:solidFill>
+                  <a:srgbClr val="FFFFFF"/>
+                </a:solidFill>
+              </a14:hiddenFill>
+            </a:ext>
+            <a:ext uri="{91240B29-F687-4F45-9708-019B960494DF}">
+              <a14:hiddenLine xmlns:a14="http://schemas.microsoft.com/office/drawing/2010/main" w="9525">
+                <a:solidFill>
+                  <a:srgbClr val="000000"/>
+                </a:solidFill>
+                <a:miter lim="800000"/>
+                <a:headEnd/>
+                <a:tailEnd/>
+              </a14:hiddenLine>
+            </a:ext>
+          </a:extLst>
+        </p:spPr>
+        <p:txBody>
+          <a:bodyPr vert="horz" wrap="square" lIns="91440" tIns="45720" rIns="91440" bIns="45720" numCol="1" anchor="t" anchorCtr="0" compatLnSpc="1">
+            <a:prstTxWarp prst="textNoShape">
+              <a:avLst/>
+            </a:prstTxWarp>
+          </a:bodyPr>
+          <a:lstStyle/>
+          <a:p>
+            <a:pPr>
+              <a:buFont typeface="Wingdings" panose="05000000000000000000" pitchFamily="2" charset="2"/>
+              <a:buChar char="p"/>
+            </a:pPr>
+            <a:r>
+              <a:rPr lang="zh-CN" altLang="en-US" b="1" dirty="0" smtClean="0">
+                <a:latin typeface="微软雅黑" panose="020B0503020204020204" pitchFamily="34" charset="-122"/>
+                <a:ea typeface="微软雅黑" panose="020B0503020204020204" pitchFamily="34" charset="-122"/>
+              </a:rPr>
+              <a:t>面临科学挑战</a:t>
+            </a:r>
+            <a:endParaRPr lang="en-US" altLang="zh-CN" b="1" dirty="0" smtClean="0">
+              <a:latin typeface="微软雅黑" panose="020B0503020204020204" pitchFamily="34" charset="-122"/>
+              <a:ea typeface="微软雅黑" panose="020B0503020204020204" pitchFamily="34" charset="-122"/>
+            </a:endParaRPr>
+          </a:p>
+          <a:p>
+            <a:pPr lvl="1">
+              <a:buFont typeface="Wingdings" panose="05000000000000000000" pitchFamily="2" charset="2"/>
+              <a:buChar char="p"/>
+            </a:pPr>
+            <a:r>
+              <a:rPr lang="zh-CN" altLang="en-US" b="1" dirty="0" smtClean="0">
+                <a:solidFill>
+                  <a:srgbClr val="FF0000"/>
+                </a:solidFill>
+                <a:latin typeface="微软雅黑" panose="020B0503020204020204" pitchFamily="34" charset="-122"/>
+                <a:ea typeface="微软雅黑" panose="020B0503020204020204" pitchFamily="34" charset="-122"/>
+              </a:rPr>
+              <a:t>网络空间中精准时空体系的构建</a:t>
+            </a:r>
+            <a:endParaRPr lang="en-US" altLang="zh-CN" b="1" dirty="0" smtClean="0">
+              <a:solidFill>
+                <a:srgbClr val="FF0000"/>
+              </a:solidFill>
+              <a:latin typeface="微软雅黑" panose="020B0503020204020204" pitchFamily="34" charset="-122"/>
+              <a:ea typeface="微软雅黑" panose="020B0503020204020204" pitchFamily="34" charset="-122"/>
+            </a:endParaRPr>
+          </a:p>
+          <a:p>
+            <a:pPr marL="471487" lvl="1" indent="0">
+              <a:buNone/>
+            </a:pPr>
+            <a:endParaRPr lang="en-US" altLang="zh-CN" b="1" dirty="0" smtClean="0">
+              <a:solidFill>
+                <a:srgbClr val="FF0000"/>
+              </a:solidFill>
+              <a:latin typeface="微软雅黑" panose="020B0503020204020204" pitchFamily="34" charset="-122"/>
+              <a:ea typeface="微软雅黑" panose="020B0503020204020204" pitchFamily="34" charset="-122"/>
+            </a:endParaRPr>
+          </a:p>
+          <a:p>
+            <a:r>
+              <a:rPr lang="zh-CN" altLang="en-US" b="1" dirty="0">
+                <a:latin typeface="微软雅黑" panose="020B0503020204020204" pitchFamily="34" charset="-122"/>
+                <a:ea typeface="微软雅黑" panose="020B0503020204020204" pitchFamily="34" charset="-122"/>
+              </a:rPr>
+              <a:t>国家重点研发计划      </a:t>
+            </a:r>
+            <a:r>
+              <a:rPr lang="en-US" altLang="zh-CN" dirty="0">
+                <a:latin typeface="微软雅黑" panose="020B0503020204020204" pitchFamily="34" charset="-122"/>
+                <a:ea typeface="微软雅黑" panose="020B0503020204020204" pitchFamily="34" charset="-122"/>
+              </a:rPr>
+              <a:t>2016YFB0800401</a:t>
+            </a:r>
+            <a:endParaRPr lang="en-US" altLang="zh-CN" b="1" dirty="0">
+              <a:latin typeface="微软雅黑" panose="020B0503020204020204" pitchFamily="34" charset="-122"/>
+              <a:ea typeface="微软雅黑" panose="020B0503020204020204" pitchFamily="34" charset="-122"/>
+            </a:endParaRPr>
+          </a:p>
+          <a:p>
+            <a:pPr marL="0" indent="0">
+              <a:buNone/>
+            </a:pPr>
+            <a:r>
+              <a:rPr lang="en-US" altLang="zh-CN" b="1" dirty="0">
+                <a:latin typeface="微软雅黑" panose="020B0503020204020204" pitchFamily="34" charset="-122"/>
+                <a:ea typeface="微软雅黑" panose="020B0503020204020204" pitchFamily="34" charset="-122"/>
+              </a:rPr>
+              <a:t>	</a:t>
+            </a:r>
+            <a:r>
+              <a:rPr lang="zh-CN" altLang="zh-CN" dirty="0">
+                <a:latin typeface="微软雅黑" panose="020B0503020204020204" pitchFamily="34" charset="-122"/>
+                <a:ea typeface="微软雅黑" panose="020B0503020204020204" pitchFamily="34" charset="-122"/>
+              </a:rPr>
+              <a:t>网络大数据的数据保护与隐私保护</a:t>
+            </a:r>
+            <a:endParaRPr lang="en-US" altLang="zh-CN" dirty="0">
+              <a:latin typeface="微软雅黑" panose="020B0503020204020204" pitchFamily="34" charset="-122"/>
+              <a:ea typeface="微软雅黑" panose="020B0503020204020204" pitchFamily="34" charset="-122"/>
+            </a:endParaRPr>
+          </a:p>
+          <a:p>
+            <a:pPr marL="0" indent="0">
+              <a:buNone/>
+            </a:pPr>
+            <a:endParaRPr lang="en-US" altLang="zh-CN" b="1" dirty="0" smtClean="0">
+              <a:solidFill>
+                <a:srgbClr val="FF0000"/>
+              </a:solidFill>
+              <a:latin typeface="微软雅黑" panose="020B0503020204020204" pitchFamily="34" charset="-122"/>
+              <a:ea typeface="微软雅黑" panose="020B0503020204020204" pitchFamily="34" charset="-122"/>
+            </a:endParaRPr>
+          </a:p>
+        </p:txBody>
+      </p:sp>
+    </p:spTree>
+    <p:extLst>
+      <p:ext uri="{BB962C8B-B14F-4D97-AF65-F5344CB8AC3E}">
+        <p14:creationId xmlns:p14="http://schemas.microsoft.com/office/powerpoint/2010/main" val="4152621553"/>
+      </p:ext>
+    </p:extLst>
+  </p:cSld>
+  <p:clrMapOvr>
+    <a:masterClrMapping/>
+  </p:clrMapOvr>
+  <p:timing>
+    <p:tnLst>
+      <p:par>
+        <p:cTn id="1" dur="indefinite" restart="never" nodeType="tmRoot"/>
+      </p:par>
+    </p:tnLst>
+  </p:timing>
+</p:sld>
+</file>
+
+<file path=ppt/slides/slide4.xml><?xml version="1.0" encoding="utf-8"?>
+<p:sld xmlns:a="http://schemas.openxmlformats.org/drawingml/2006/main" xmlns:r="http://schemas.openxmlformats.org/officeDocument/2006/relationships" xmlns:p="http://schemas.openxmlformats.org/presentationml/2006/main">
+  <p:cSld>
+    <p:spTree>
+      <p:nvGrpSpPr>
+        <p:cNvPr id="1" name=""/>
+        <p:cNvGrpSpPr/>
+        <p:nvPr/>
+      </p:nvGrpSpPr>
+      <p:grpSpPr>
+        <a:xfrm>
+          <a:off x="0" y="0"/>
+          <a:ext cx="0" cy="0"/>
+          <a:chOff x="0" y="0"/>
+          <a:chExt cx="0" cy="0"/>
+        </a:xfrm>
+      </p:grpSpPr>
+      <p:sp>
+        <p:nvSpPr>
           <p:cNvPr id="15362" name="Rectangle 2"/>
           <p:cNvSpPr>
             <a:spLocks noGrp="1" noChangeArrowheads="1"/>
@@ -15622,47 +16985,45 @@
             </a:pPr>
             <a:r>
               <a:rPr lang="zh-CN" altLang="en-US" sz="3200" dirty="0" smtClean="0">
-                <a:latin typeface="黑体" panose="02010609060101010101" pitchFamily="49" charset="-122"/>
-                <a:ea typeface="黑体" panose="02010609060101010101" pitchFamily="49" charset="-122"/>
-              </a:rPr>
-              <a:t>大规模</a:t>
-            </a:r>
-            <a:r>
-              <a:rPr lang="zh-CN" altLang="en-US" sz="3200" dirty="0" smtClean="0">
-                <a:latin typeface="黑体" panose="02010609060101010101" pitchFamily="49" charset="-122"/>
-                <a:ea typeface="黑体" panose="02010609060101010101" pitchFamily="49" charset="-122"/>
-              </a:rPr>
-              <a:t>网络高精度</a:t>
-            </a:r>
-            <a:r>
-              <a:rPr lang="zh-CN" altLang="en-US" sz="3200" dirty="0" smtClean="0">
-                <a:latin typeface="黑体" panose="02010609060101010101" pitchFamily="49" charset="-122"/>
-                <a:ea typeface="黑体" panose="02010609060101010101" pitchFamily="49" charset="-122"/>
-              </a:rPr>
-              <a:t>时间同步成为多网融合关键问题</a:t>
+                <a:latin typeface="微软雅黑" panose="020B0503020204020204" pitchFamily="34" charset="-122"/>
+                <a:ea typeface="微软雅黑" panose="020B0503020204020204" pitchFamily="34" charset="-122"/>
+              </a:rPr>
+              <a:t>大规模网络高精度时间同步成为多网融合关键问题</a:t>
             </a:r>
           </a:p>
           <a:p>
             <a:pPr lvl="1"/>
             <a:r>
-              <a:rPr lang="zh-CN" altLang="zh-CN" sz="2800" dirty="0" smtClean="0"/>
+              <a:rPr lang="zh-CN" altLang="zh-CN" sz="2800" dirty="0" smtClean="0">
+                <a:latin typeface="微软雅黑" panose="020B0503020204020204" pitchFamily="34" charset="-122"/>
+                <a:ea typeface="微软雅黑" panose="020B0503020204020204" pitchFamily="34" charset="-122"/>
+              </a:rPr>
               <a:t>移动互联网、信息</a:t>
             </a:r>
             <a:r>
-              <a:rPr lang="en-US" altLang="zh-CN" sz="2800" dirty="0" smtClean="0"/>
+              <a:rPr lang="en-US" altLang="zh-CN" sz="2800" dirty="0" smtClean="0">
+                <a:latin typeface="微软雅黑" panose="020B0503020204020204" pitchFamily="34" charset="-122"/>
+                <a:ea typeface="微软雅黑" panose="020B0503020204020204" pitchFamily="34" charset="-122"/>
+              </a:rPr>
               <a:t>-</a:t>
             </a:r>
             <a:r>
-              <a:rPr lang="zh-CN" altLang="zh-CN" sz="2800" dirty="0" smtClean="0"/>
+              <a:rPr lang="zh-CN" altLang="zh-CN" sz="2800" dirty="0" smtClean="0">
+                <a:latin typeface="微软雅黑" panose="020B0503020204020204" pitchFamily="34" charset="-122"/>
+                <a:ea typeface="微软雅黑" panose="020B0503020204020204" pitchFamily="34" charset="-122"/>
+              </a:rPr>
               <a:t>物理融合系统依靠时间同步技术建立并维持整网的统一时间基准，时间同步包含了时钟同步和频率同步两层含义。大规模网络高精度时间同步技术一直是网络通信等领域的研究热点和难点。</a:t>
             </a:r>
-            <a:endParaRPr lang="zh-CN" altLang="zh-CN" sz="2000" dirty="0" smtClean="0"/>
+            <a:endParaRPr lang="zh-CN" altLang="zh-CN" sz="2000" dirty="0" smtClean="0">
+              <a:latin typeface="微软雅黑" panose="020B0503020204020204" pitchFamily="34" charset="-122"/>
+              <a:ea typeface="微软雅黑" panose="020B0503020204020204" pitchFamily="34" charset="-122"/>
+            </a:endParaRPr>
           </a:p>
           <a:p>
             <a:pPr eaLnBrk="1" hangingPunct="1"/>
             <a:endParaRPr lang="zh-CN" altLang="en-US" dirty="0" smtClean="0">
-              <a:latin typeface="黑体" panose="02010609060101010101" pitchFamily="49" charset="-122"/>
-              <a:ea typeface="黑体" panose="02010609060101010101" pitchFamily="49" charset="-122"/>
+              <a:latin typeface="微软雅黑" panose="020B0503020204020204" pitchFamily="34" charset="-122"/>
+              <a:ea typeface="微软雅黑" panose="020B0503020204020204" pitchFamily="34" charset="-122"/>
             </a:endParaRPr>
           </a:p>
         </p:txBody>
@@ -15841,8 +17202,8 @@
         </p:blipFill>
         <p:spPr bwMode="auto">
           <a:xfrm>
-            <a:off x="2057400" y="3878947"/>
-            <a:ext cx="5701030" cy="4005263"/>
+            <a:off x="1600200" y="1653381"/>
+            <a:ext cx="5943600" cy="4419600"/>
           </a:xfrm>
           <a:prstGeom prst="rect">
             <a:avLst/>
@@ -15868,7 +17229,7 @@
 </p:sld>
 </file>
 
-<file path=ppt/slides/slide4.xml><?xml version="1.0" encoding="utf-8"?>
+<file path=ppt/slides/slide5.xml><?xml version="1.0" encoding="utf-8"?>
 <p:sld xmlns:a="http://schemas.openxmlformats.org/drawingml/2006/main" xmlns:r="http://schemas.openxmlformats.org/officeDocument/2006/relationships" xmlns:p="http://schemas.openxmlformats.org/presentationml/2006/main">
   <p:cSld>
     <p:spTree>
@@ -16018,8 +17379,8 @@
             </a:pPr>
             <a:r>
               <a:rPr lang="zh-CN" altLang="en-US" sz="3400" dirty="0" smtClean="0">
-                <a:latin typeface="黑体" panose="02010609060101010101" pitchFamily="49" charset="-122"/>
-                <a:ea typeface="黑体" panose="02010609060101010101" pitchFamily="49" charset="-122"/>
+                <a:latin typeface="微软雅黑" panose="020B0503020204020204" pitchFamily="34" charset="-122"/>
+                <a:ea typeface="微软雅黑" panose="020B0503020204020204" pitchFamily="34" charset="-122"/>
               </a:rPr>
               <a:t>网络空间中构建时空网络坐标系</a:t>
             </a:r>
@@ -16031,10 +17392,16 @@
               </a:lnSpc>
             </a:pPr>
             <a:r>
-              <a:rPr lang="zh-CN" altLang="zh-CN" dirty="0" smtClean="0"/>
+              <a:rPr lang="zh-CN" altLang="zh-CN" dirty="0" smtClean="0">
+                <a:latin typeface="微软雅黑" panose="020B0503020204020204" pitchFamily="34" charset="-122"/>
+                <a:ea typeface="微软雅黑" panose="020B0503020204020204" pitchFamily="34" charset="-122"/>
+              </a:rPr>
               <a:t>在网络空间中建立空间基准，就是借助地理空间位置信息建立网络坐标系统。网络坐标系统研究是互联网领域中与地理位置有关的热点问题，但在移动互联网领域则刚刚开始。</a:t>
             </a:r>
-            <a:endParaRPr lang="en-US" altLang="zh-CN" dirty="0" smtClean="0"/>
+            <a:endParaRPr lang="en-US" altLang="zh-CN" dirty="0" smtClean="0">
+              <a:latin typeface="微软雅黑" panose="020B0503020204020204" pitchFamily="34" charset="-122"/>
+              <a:ea typeface="微软雅黑" panose="020B0503020204020204" pitchFamily="34" charset="-122"/>
+            </a:endParaRPr>
           </a:p>
           <a:p>
             <a:pPr eaLnBrk="1" hangingPunct="1">
@@ -16044,14 +17411,14 @@
             </a:pPr>
             <a:r>
               <a:rPr lang="zh-CN" altLang="en-US" sz="3200" dirty="0" smtClean="0">
-                <a:latin typeface="黑体" panose="02010609060101010101" pitchFamily="49" charset="-122"/>
-                <a:ea typeface="黑体" panose="02010609060101010101" pitchFamily="49" charset="-122"/>
+                <a:latin typeface="微软雅黑" panose="020B0503020204020204" pitchFamily="34" charset="-122"/>
+                <a:ea typeface="微软雅黑" panose="020B0503020204020204" pitchFamily="34" charset="-122"/>
               </a:rPr>
               <a:t>网络空间中信息的定位和追踪</a:t>
             </a:r>
             <a:endParaRPr lang="en-US" altLang="zh-CN" sz="3200" dirty="0" smtClean="0">
-              <a:latin typeface="黑体" panose="02010609060101010101" pitchFamily="49" charset="-122"/>
-              <a:ea typeface="黑体" panose="02010609060101010101" pitchFamily="49" charset="-122"/>
+              <a:latin typeface="微软雅黑" panose="020B0503020204020204" pitchFamily="34" charset="-122"/>
+              <a:ea typeface="微软雅黑" panose="020B0503020204020204" pitchFamily="34" charset="-122"/>
             </a:endParaRPr>
           </a:p>
           <a:p>
@@ -16061,24 +17428,36 @@
               </a:lnSpc>
             </a:pPr>
             <a:r>
-              <a:rPr lang="zh-CN" altLang="zh-CN" dirty="0" smtClean="0"/>
+              <a:rPr lang="zh-CN" altLang="zh-CN" dirty="0" smtClean="0">
+                <a:latin typeface="微软雅黑" panose="020B0503020204020204" pitchFamily="34" charset="-122"/>
+                <a:ea typeface="微软雅黑" panose="020B0503020204020204" pitchFamily="34" charset="-122"/>
+              </a:rPr>
               <a:t>网络</a:t>
             </a:r>
             <a:r>
-              <a:rPr lang="zh-CN" altLang="zh-CN" dirty="0"/>
+              <a:rPr lang="zh-CN" altLang="zh-CN" dirty="0">
+                <a:latin typeface="微软雅黑" panose="020B0503020204020204" pitchFamily="34" charset="-122"/>
+                <a:ea typeface="微软雅黑" panose="020B0503020204020204" pitchFamily="34" charset="-122"/>
+              </a:rPr>
               <a:t>空间中构建时空基准后，网络信息即可用对应的时空信息所标识</a:t>
             </a:r>
             <a:r>
-              <a:rPr lang="zh-CN" altLang="zh-CN" dirty="0" smtClean="0"/>
+              <a:rPr lang="zh-CN" altLang="zh-CN" dirty="0" smtClean="0">
+                <a:latin typeface="微软雅黑" panose="020B0503020204020204" pitchFamily="34" charset="-122"/>
+                <a:ea typeface="微软雅黑" panose="020B0503020204020204" pitchFamily="34" charset="-122"/>
+              </a:rPr>
               <a:t>，</a:t>
             </a:r>
             <a:r>
-              <a:rPr lang="zh-CN" altLang="en-US" dirty="0" smtClean="0"/>
+              <a:rPr lang="zh-CN" altLang="en-US" dirty="0" smtClean="0">
+                <a:latin typeface="微软雅黑" panose="020B0503020204020204" pitchFamily="34" charset="-122"/>
+                <a:ea typeface="微软雅黑" panose="020B0503020204020204" pitchFamily="34" charset="-122"/>
+              </a:rPr>
               <a:t>就可以对网络中的信息进行定位和追踪，现有理论和技术不能很好地满足实际需求，如何利用更加丰富的时空信息来优化网络路由效率成为一个重要研究方向。</a:t>
             </a:r>
             <a:endParaRPr lang="zh-CN" altLang="en-US" sz="2400" dirty="0" smtClean="0">
-              <a:latin typeface="黑体" panose="02010609060101010101" pitchFamily="49" charset="-122"/>
-              <a:ea typeface="黑体" panose="02010609060101010101" pitchFamily="49" charset="-122"/>
+              <a:latin typeface="微软雅黑" panose="020B0503020204020204" pitchFamily="34" charset="-122"/>
+              <a:ea typeface="微软雅黑" panose="020B0503020204020204" pitchFamily="34" charset="-122"/>
             </a:endParaRPr>
           </a:p>
         </p:txBody>
@@ -16249,439 +17628,6 @@
             <a:endParaRPr lang="zh-CN" altLang="en-US" sz="1600" dirty="0">
               <a:ea typeface="华文行楷" panose="02010800040101010101" pitchFamily="2" charset="-122"/>
             </a:endParaRPr>
-          </a:p>
-        </p:txBody>
-      </p:sp>
-    </p:spTree>
-  </p:cSld>
-  <p:clrMapOvr>
-    <a:masterClrMapping/>
-  </p:clrMapOvr>
-  <p:timing>
-    <p:tnLst>
-      <p:par>
-        <p:cTn id="1" dur="indefinite" restart="never" nodeType="tmRoot"/>
-      </p:par>
-    </p:tnLst>
-  </p:timing>
-</p:sld>
-</file>
-
-<file path=ppt/slides/slide5.xml><?xml version="1.0" encoding="utf-8"?>
-<p:sld xmlns:a="http://schemas.openxmlformats.org/drawingml/2006/main" xmlns:r="http://schemas.openxmlformats.org/officeDocument/2006/relationships" xmlns:p="http://schemas.openxmlformats.org/presentationml/2006/main">
-  <p:cSld>
-    <p:spTree>
-      <p:nvGrpSpPr>
-        <p:cNvPr id="1" name=""/>
-        <p:cNvGrpSpPr/>
-        <p:nvPr/>
-      </p:nvGrpSpPr>
-      <p:grpSpPr>
-        <a:xfrm>
-          <a:off x="0" y="0"/>
-          <a:ext cx="0" cy="0"/>
-          <a:chOff x="0" y="0"/>
-          <a:chExt cx="0" cy="0"/>
-        </a:xfrm>
-      </p:grpSpPr>
-      <p:sp>
-        <p:nvSpPr>
-          <p:cNvPr id="56322" name="灯片编号占位符 5"/>
-          <p:cNvSpPr txBox="1">
-            <a:spLocks noGrp="1"/>
-          </p:cNvSpPr>
-          <p:nvPr/>
-        </p:nvSpPr>
-        <p:spPr bwMode="auto">
-          <a:xfrm>
-            <a:off x="7956550" y="6597650"/>
-            <a:ext cx="1187450" cy="260350"/>
-          </a:xfrm>
-          <a:prstGeom prst="rect">
-            <a:avLst/>
-          </a:prstGeom>
-          <a:noFill/>
-          <a:ln>
-            <a:noFill/>
-          </a:ln>
-          <a:extLst>
-            <a:ext uri="{909E8E84-426E-40DD-AFC4-6F175D3DCCD1}">
-              <a14:hiddenFill xmlns:a14="http://schemas.microsoft.com/office/drawing/2010/main">
-                <a:solidFill>
-                  <a:srgbClr val="FFFFFF"/>
-                </a:solidFill>
-              </a14:hiddenFill>
-            </a:ext>
-            <a:ext uri="{91240B29-F687-4F45-9708-019B960494DF}">
-              <a14:hiddenLine xmlns:a14="http://schemas.microsoft.com/office/drawing/2010/main" w="9525">
-                <a:solidFill>
-                  <a:srgbClr val="000000"/>
-                </a:solidFill>
-                <a:miter lim="800000"/>
-                <a:headEnd/>
-                <a:tailEnd/>
-              </a14:hiddenLine>
-            </a:ext>
-          </a:extLst>
-        </p:spPr>
-        <p:txBody>
-          <a:bodyPr anchor="b"/>
-          <a:lstStyle>
-            <a:lvl1pPr eaLnBrk="0" hangingPunct="0">
-              <a:defRPr sz="2400">
-                <a:solidFill>
-                  <a:schemeClr val="tx1"/>
-                </a:solidFill>
-                <a:latin typeface="Verdana" panose="020B0604030504040204" pitchFamily="34" charset="0"/>
-                <a:ea typeface="宋体" panose="02010600030101010101" pitchFamily="2" charset="-122"/>
-              </a:defRPr>
-            </a:lvl1pPr>
-            <a:lvl2pPr marL="742950" indent="-285750" eaLnBrk="0" hangingPunct="0">
-              <a:defRPr sz="2400">
-                <a:solidFill>
-                  <a:schemeClr val="tx1"/>
-                </a:solidFill>
-                <a:latin typeface="Verdana" panose="020B0604030504040204" pitchFamily="34" charset="0"/>
-                <a:ea typeface="宋体" panose="02010600030101010101" pitchFamily="2" charset="-122"/>
-              </a:defRPr>
-            </a:lvl2pPr>
-            <a:lvl3pPr marL="1143000" indent="-228600" eaLnBrk="0" hangingPunct="0">
-              <a:defRPr sz="2400">
-                <a:solidFill>
-                  <a:schemeClr val="tx1"/>
-                </a:solidFill>
-                <a:latin typeface="Verdana" panose="020B0604030504040204" pitchFamily="34" charset="0"/>
-                <a:ea typeface="宋体" panose="02010600030101010101" pitchFamily="2" charset="-122"/>
-              </a:defRPr>
-            </a:lvl3pPr>
-            <a:lvl4pPr marL="1600200" indent="-228600" eaLnBrk="0" hangingPunct="0">
-              <a:defRPr sz="2400">
-                <a:solidFill>
-                  <a:schemeClr val="tx1"/>
-                </a:solidFill>
-                <a:latin typeface="Verdana" panose="020B0604030504040204" pitchFamily="34" charset="0"/>
-                <a:ea typeface="宋体" panose="02010600030101010101" pitchFamily="2" charset="-122"/>
-              </a:defRPr>
-            </a:lvl4pPr>
-            <a:lvl5pPr marL="2057400" indent="-228600" eaLnBrk="0" hangingPunct="0">
-              <a:defRPr sz="2400">
-                <a:solidFill>
-                  <a:schemeClr val="tx1"/>
-                </a:solidFill>
-                <a:latin typeface="Verdana" panose="020B0604030504040204" pitchFamily="34" charset="0"/>
-                <a:ea typeface="宋体" panose="02010600030101010101" pitchFamily="2" charset="-122"/>
-              </a:defRPr>
-            </a:lvl5pPr>
-            <a:lvl6pPr marL="2514600" indent="-228600" eaLnBrk="0" fontAlgn="base" hangingPunct="0">
-              <a:spcBef>
-                <a:spcPct val="0"/>
-              </a:spcBef>
-              <a:spcAft>
-                <a:spcPct val="0"/>
-              </a:spcAft>
-              <a:defRPr sz="2400">
-                <a:solidFill>
-                  <a:schemeClr val="tx1"/>
-                </a:solidFill>
-                <a:latin typeface="Verdana" panose="020B0604030504040204" pitchFamily="34" charset="0"/>
-                <a:ea typeface="宋体" panose="02010600030101010101" pitchFamily="2" charset="-122"/>
-              </a:defRPr>
-            </a:lvl6pPr>
-            <a:lvl7pPr marL="2971800" indent="-228600" eaLnBrk="0" fontAlgn="base" hangingPunct="0">
-              <a:spcBef>
-                <a:spcPct val="0"/>
-              </a:spcBef>
-              <a:spcAft>
-                <a:spcPct val="0"/>
-              </a:spcAft>
-              <a:defRPr sz="2400">
-                <a:solidFill>
-                  <a:schemeClr val="tx1"/>
-                </a:solidFill>
-                <a:latin typeface="Verdana" panose="020B0604030504040204" pitchFamily="34" charset="0"/>
-                <a:ea typeface="宋体" panose="02010600030101010101" pitchFamily="2" charset="-122"/>
-              </a:defRPr>
-            </a:lvl7pPr>
-            <a:lvl8pPr marL="3429000" indent="-228600" eaLnBrk="0" fontAlgn="base" hangingPunct="0">
-              <a:spcBef>
-                <a:spcPct val="0"/>
-              </a:spcBef>
-              <a:spcAft>
-                <a:spcPct val="0"/>
-              </a:spcAft>
-              <a:defRPr sz="2400">
-                <a:solidFill>
-                  <a:schemeClr val="tx1"/>
-                </a:solidFill>
-                <a:latin typeface="Verdana" panose="020B0604030504040204" pitchFamily="34" charset="0"/>
-                <a:ea typeface="宋体" panose="02010600030101010101" pitchFamily="2" charset="-122"/>
-              </a:defRPr>
-            </a:lvl8pPr>
-            <a:lvl9pPr marL="3886200" indent="-228600" eaLnBrk="0" fontAlgn="base" hangingPunct="0">
-              <a:spcBef>
-                <a:spcPct val="0"/>
-              </a:spcBef>
-              <a:spcAft>
-                <a:spcPct val="0"/>
-              </a:spcAft>
-              <a:defRPr sz="2400">
-                <a:solidFill>
-                  <a:schemeClr val="tx1"/>
-                </a:solidFill>
-                <a:latin typeface="Verdana" panose="020B0604030504040204" pitchFamily="34" charset="0"/>
-                <a:ea typeface="宋体" panose="02010600030101010101" pitchFamily="2" charset="-122"/>
-              </a:defRPr>
-            </a:lvl9pPr>
-          </a:lstStyle>
-          <a:p>
-            <a:pPr algn="r" eaLnBrk="1" hangingPunct="1"/>
-            <a:fld id="{01E327FC-E94C-402E-9007-7F31B6F6C4AA}" type="slidenum">
-              <a:rPr lang="en-US" altLang="zh-CN" sz="1400">
-                <a:latin typeface="Arial Black" panose="020B0A04020102020204" pitchFamily="34" charset="0"/>
-              </a:rPr>
-              <a:pPr algn="r" eaLnBrk="1" hangingPunct="1"/>
-              <a:t>5</a:t>
-            </a:fld>
-            <a:endParaRPr lang="en-US" altLang="zh-CN" sz="1400">
-              <a:latin typeface="Arial Black" panose="020B0A04020102020204" pitchFamily="34" charset="0"/>
-            </a:endParaRPr>
-          </a:p>
-        </p:txBody>
-      </p:sp>
-      <p:sp>
-        <p:nvSpPr>
-          <p:cNvPr id="393218" name="Rectangle 2"/>
-          <p:cNvSpPr>
-            <a:spLocks noGrp="1" noChangeArrowheads="1"/>
-          </p:cNvSpPr>
-          <p:nvPr>
-            <p:ph type="title" idx="4294967295"/>
-          </p:nvPr>
-        </p:nvSpPr>
-        <p:spPr bwMode="auto">
-          <a:xfrm>
-            <a:off x="457200" y="274638"/>
-            <a:ext cx="8229600" cy="1143000"/>
-          </a:xfrm>
-          <a:prstGeom prst="rect">
-            <a:avLst/>
-          </a:prstGeom>
-          <a:noFill/>
-          <a:ln>
-            <a:solidFill>
-              <a:srgbClr val="000000"/>
-            </a:solidFill>
-            <a:miter lim="800000"/>
-            <a:headEnd/>
-            <a:tailEnd/>
-          </a:ln>
-          <a:extLst>
-            <a:ext uri="{909E8E84-426E-40DD-AFC4-6F175D3DCCD1}">
-              <a14:hiddenFill xmlns:a14="http://schemas.microsoft.com/office/drawing/2010/main">
-                <a:solidFill>
-                  <a:srgbClr val="FFFFFF"/>
-                </a:solidFill>
-              </a14:hiddenFill>
-            </a:ext>
-          </a:extLst>
-        </p:spPr>
-        <p:txBody>
-          <a:bodyPr anchor="ctr"/>
-          <a:lstStyle/>
-          <a:p>
-            <a:pPr eaLnBrk="1" hangingPunct="1"/>
-            <a:r>
-              <a:rPr lang="zh-CN" altLang="en-US" dirty="0" smtClean="0">
-                <a:effectLst>
-                  <a:outerShdw blurRad="38100" dist="38100" dir="2700000" algn="tl">
-                    <a:srgbClr val="C0C0C0"/>
-                  </a:outerShdw>
-                </a:effectLst>
-                <a:latin typeface="黑体" panose="02010609060101010101" pitchFamily="49" charset="-122"/>
-                <a:ea typeface="黑体" panose="02010609060101010101" pitchFamily="49" charset="-122"/>
-              </a:rPr>
-              <a:t>相关工作（</a:t>
-            </a:r>
-            <a:r>
-              <a:rPr lang="en-US" altLang="zh-CN" dirty="0" smtClean="0">
-                <a:effectLst>
-                  <a:outerShdw blurRad="38100" dist="38100" dir="2700000" algn="tl">
-                    <a:srgbClr val="C0C0C0"/>
-                  </a:outerShdw>
-                </a:effectLst>
-                <a:latin typeface="黑体" panose="02010609060101010101" pitchFamily="49" charset="-122"/>
-                <a:ea typeface="黑体" panose="02010609060101010101" pitchFamily="49" charset="-122"/>
-              </a:rPr>
-              <a:t>1/3</a:t>
-            </a:r>
-            <a:r>
-              <a:rPr lang="zh-CN" altLang="en-US" dirty="0" smtClean="0">
-                <a:effectLst>
-                  <a:outerShdw blurRad="38100" dist="38100" dir="2700000" algn="tl">
-                    <a:srgbClr val="C0C0C0"/>
-                  </a:outerShdw>
-                </a:effectLst>
-                <a:latin typeface="黑体" panose="02010609060101010101" pitchFamily="49" charset="-122"/>
-                <a:ea typeface="黑体" panose="02010609060101010101" pitchFamily="49" charset="-122"/>
-              </a:rPr>
-              <a:t>）</a:t>
-            </a:r>
-          </a:p>
-        </p:txBody>
-      </p:sp>
-      <p:sp>
-        <p:nvSpPr>
-          <p:cNvPr id="56324" name="Rectangle 4"/>
-          <p:cNvSpPr>
-            <a:spLocks noGrp="1" noChangeArrowheads="1"/>
-          </p:cNvSpPr>
-          <p:nvPr>
-            <p:ph idx="4294967295"/>
-          </p:nvPr>
-        </p:nvSpPr>
-        <p:spPr bwMode="auto">
-          <a:xfrm>
-            <a:off x="457200" y="1600200"/>
-            <a:ext cx="8229600" cy="4525963"/>
-          </a:xfrm>
-          <a:prstGeom prst="rect">
-            <a:avLst/>
-          </a:prstGeom>
-          <a:noFill/>
-          <a:ln>
-            <a:solidFill>
-              <a:srgbClr val="000000"/>
-            </a:solidFill>
-            <a:miter lim="800000"/>
-            <a:headEnd/>
-            <a:tailEnd/>
-          </a:ln>
-          <a:extLst>
-            <a:ext uri="{909E8E84-426E-40DD-AFC4-6F175D3DCCD1}">
-              <a14:hiddenFill xmlns:a14="http://schemas.microsoft.com/office/drawing/2010/main">
-                <a:solidFill>
-                  <a:srgbClr val="FFFFFF"/>
-                </a:solidFill>
-              </a14:hiddenFill>
-            </a:ext>
-          </a:extLst>
-        </p:spPr>
-        <p:txBody>
-          <a:bodyPr/>
-          <a:lstStyle/>
-          <a:p>
-            <a:r>
-              <a:rPr lang="zh-CN" altLang="zh-CN" b="1" dirty="0"/>
-              <a:t>网络空间中的时间</a:t>
-            </a:r>
-            <a:r>
-              <a:rPr lang="zh-CN" altLang="zh-CN" b="1" dirty="0" smtClean="0"/>
-              <a:t>基准</a:t>
-            </a:r>
-            <a:endParaRPr lang="zh-CN" altLang="en-US" b="1" dirty="0" smtClean="0"/>
-          </a:p>
-          <a:p>
-            <a:pPr lvl="1"/>
-            <a:r>
-              <a:rPr lang="zh-CN" altLang="zh-CN" sz="2400" dirty="0"/>
-              <a:t>移动互联网中</a:t>
-            </a:r>
-            <a:r>
-              <a:rPr lang="en-US" altLang="zh-CN" sz="2400" dirty="0"/>
-              <a:t>FDD</a:t>
-            </a:r>
-            <a:r>
-              <a:rPr lang="zh-CN" altLang="zh-CN" sz="2400" dirty="0"/>
-              <a:t>无线系统（如</a:t>
-            </a:r>
-            <a:r>
-              <a:rPr lang="en-US" altLang="zh-CN" sz="2400" dirty="0"/>
-              <a:t>WCDMA</a:t>
-            </a:r>
-            <a:r>
-              <a:rPr lang="zh-CN" altLang="zh-CN" sz="2400" dirty="0"/>
-              <a:t>）仅需节点间的频率同步即</a:t>
-            </a:r>
-            <a:r>
-              <a:rPr lang="zh-CN" altLang="zh-CN" sz="2400" dirty="0" smtClean="0"/>
-              <a:t>可</a:t>
-            </a:r>
-            <a:endParaRPr lang="en-US" altLang="zh-CN" sz="2400" dirty="0" smtClean="0"/>
-          </a:p>
-          <a:p>
-            <a:pPr lvl="1"/>
-            <a:r>
-              <a:rPr lang="zh-CN" altLang="zh-CN" sz="2400" dirty="0"/>
-              <a:t>时间同步渗透到系统计算、网络和控制的各个</a:t>
-            </a:r>
-            <a:r>
-              <a:rPr lang="zh-CN" altLang="zh-CN" sz="2400" dirty="0" smtClean="0"/>
-              <a:t>层面</a:t>
-            </a:r>
-            <a:endParaRPr lang="en-US" altLang="zh-CN" sz="2400" dirty="0"/>
-          </a:p>
-          <a:p>
-            <a:r>
-              <a:rPr lang="zh-CN" altLang="zh-CN" b="1" dirty="0"/>
-              <a:t>网络空间中的空间</a:t>
-            </a:r>
-            <a:r>
-              <a:rPr lang="zh-CN" altLang="zh-CN" b="1" dirty="0" smtClean="0"/>
-              <a:t>基准</a:t>
-            </a:r>
-            <a:endParaRPr lang="en-US" altLang="zh-CN" b="1" dirty="0" smtClean="0"/>
-          </a:p>
-          <a:p>
-            <a:pPr lvl="1"/>
-            <a:r>
-              <a:rPr lang="en-US" altLang="zh-CN" dirty="0"/>
-              <a:t>Michael </a:t>
-            </a:r>
-            <a:r>
-              <a:rPr lang="zh-CN" altLang="zh-CN" dirty="0"/>
-              <a:t>和</a:t>
-            </a:r>
-            <a:r>
-              <a:rPr lang="en-US" altLang="zh-CN" dirty="0" err="1"/>
-              <a:t>Karthik</a:t>
-            </a:r>
-            <a:r>
-              <a:rPr lang="en-US" altLang="zh-CN" dirty="0"/>
-              <a:t> </a:t>
-            </a:r>
-            <a:r>
-              <a:rPr lang="zh-CN" altLang="zh-CN" dirty="0"/>
-              <a:t>研究</a:t>
-            </a:r>
-            <a:r>
-              <a:rPr lang="zh-CN" altLang="zh-CN" dirty="0" smtClean="0"/>
-              <a:t>发现</a:t>
-            </a:r>
-            <a:r>
-              <a:rPr lang="zh-CN" altLang="en-US" dirty="0" smtClean="0"/>
-              <a:t>互联网主机网络距离和主机地理距离基本成正比关系</a:t>
-            </a:r>
-            <a:endParaRPr lang="en-US" altLang="zh-CN" dirty="0" smtClean="0"/>
-          </a:p>
-          <a:p>
-            <a:pPr lvl="1"/>
-            <a:r>
-              <a:rPr lang="zh-CN" altLang="zh-CN" dirty="0"/>
-              <a:t>在</a:t>
-            </a:r>
-            <a:r>
-              <a:rPr lang="en-US" altLang="zh-CN" dirty="0"/>
-              <a:t>Google CDN </a:t>
-            </a:r>
-            <a:r>
-              <a:rPr lang="zh-CN" altLang="zh-CN" dirty="0"/>
-              <a:t>中采用了基于欧氏距离的中心式网络坐标系统</a:t>
-            </a:r>
-            <a:r>
-              <a:rPr lang="en-US" altLang="zh-CN" dirty="0"/>
-              <a:t>GNP</a:t>
-            </a:r>
-            <a:endParaRPr lang="zh-CN" altLang="en-US" dirty="0" smtClean="0"/>
           </a:p>
         </p:txBody>
       </p:sp>
@@ -16945,7 +17891,7 @@
                 <a:latin typeface="黑体" panose="02010609060101010101" pitchFamily="49" charset="-122"/>
                 <a:ea typeface="黑体" panose="02010609060101010101" pitchFamily="49" charset="-122"/>
               </a:rPr>
-              <a:t>2/3</a:t>
+              <a:t>1/3</a:t>
             </a:r>
             <a:r>
               <a:rPr lang="zh-CN" altLang="en-US" dirty="0" smtClean="0">
@@ -17004,6 +17950,439 @@
           <a:lstStyle/>
           <a:p>
             <a:r>
+              <a:rPr lang="zh-CN" altLang="zh-CN" b="1" dirty="0"/>
+              <a:t>网络空间中的时间</a:t>
+            </a:r>
+            <a:r>
+              <a:rPr lang="zh-CN" altLang="zh-CN" b="1" dirty="0" smtClean="0"/>
+              <a:t>基准</a:t>
+            </a:r>
+            <a:endParaRPr lang="zh-CN" altLang="en-US" b="1" dirty="0" smtClean="0"/>
+          </a:p>
+          <a:p>
+            <a:pPr lvl="1"/>
+            <a:r>
+              <a:rPr lang="zh-CN" altLang="zh-CN" sz="2400" dirty="0"/>
+              <a:t>移动互联网中</a:t>
+            </a:r>
+            <a:r>
+              <a:rPr lang="en-US" altLang="zh-CN" sz="2400" dirty="0"/>
+              <a:t>FDD</a:t>
+            </a:r>
+            <a:r>
+              <a:rPr lang="zh-CN" altLang="zh-CN" sz="2400" dirty="0"/>
+              <a:t>无线系统（如</a:t>
+            </a:r>
+            <a:r>
+              <a:rPr lang="en-US" altLang="zh-CN" sz="2400" dirty="0"/>
+              <a:t>WCDMA</a:t>
+            </a:r>
+            <a:r>
+              <a:rPr lang="zh-CN" altLang="zh-CN" sz="2400" dirty="0"/>
+              <a:t>）仅需节点间的频率同步即</a:t>
+            </a:r>
+            <a:r>
+              <a:rPr lang="zh-CN" altLang="zh-CN" sz="2400" dirty="0" smtClean="0"/>
+              <a:t>可</a:t>
+            </a:r>
+            <a:endParaRPr lang="en-US" altLang="zh-CN" sz="2400" dirty="0" smtClean="0"/>
+          </a:p>
+          <a:p>
+            <a:pPr lvl="1"/>
+            <a:r>
+              <a:rPr lang="zh-CN" altLang="zh-CN" sz="2400" dirty="0"/>
+              <a:t>时间同步渗透到系统计算、网络和控制的各个</a:t>
+            </a:r>
+            <a:r>
+              <a:rPr lang="zh-CN" altLang="zh-CN" sz="2400" dirty="0" smtClean="0"/>
+              <a:t>层面</a:t>
+            </a:r>
+            <a:endParaRPr lang="en-US" altLang="zh-CN" sz="2400" dirty="0"/>
+          </a:p>
+          <a:p>
+            <a:r>
+              <a:rPr lang="zh-CN" altLang="zh-CN" b="1" dirty="0"/>
+              <a:t>网络空间中的空间</a:t>
+            </a:r>
+            <a:r>
+              <a:rPr lang="zh-CN" altLang="zh-CN" b="1" dirty="0" smtClean="0"/>
+              <a:t>基准</a:t>
+            </a:r>
+            <a:endParaRPr lang="en-US" altLang="zh-CN" b="1" dirty="0" smtClean="0"/>
+          </a:p>
+          <a:p>
+            <a:pPr lvl="1"/>
+            <a:r>
+              <a:rPr lang="en-US" altLang="zh-CN" dirty="0"/>
+              <a:t>Michael </a:t>
+            </a:r>
+            <a:r>
+              <a:rPr lang="zh-CN" altLang="zh-CN" dirty="0"/>
+              <a:t>和</a:t>
+            </a:r>
+            <a:r>
+              <a:rPr lang="en-US" altLang="zh-CN" dirty="0" err="1"/>
+              <a:t>Karthik</a:t>
+            </a:r>
+            <a:r>
+              <a:rPr lang="en-US" altLang="zh-CN" dirty="0"/>
+              <a:t> </a:t>
+            </a:r>
+            <a:r>
+              <a:rPr lang="zh-CN" altLang="zh-CN" dirty="0"/>
+              <a:t>研究</a:t>
+            </a:r>
+            <a:r>
+              <a:rPr lang="zh-CN" altLang="zh-CN" dirty="0" smtClean="0"/>
+              <a:t>发现</a:t>
+            </a:r>
+            <a:r>
+              <a:rPr lang="zh-CN" altLang="en-US" dirty="0" smtClean="0"/>
+              <a:t>互联网主机网络距离和主机地理距离基本成正比关系</a:t>
+            </a:r>
+            <a:endParaRPr lang="en-US" altLang="zh-CN" dirty="0" smtClean="0"/>
+          </a:p>
+          <a:p>
+            <a:pPr lvl="1"/>
+            <a:r>
+              <a:rPr lang="zh-CN" altLang="zh-CN" dirty="0"/>
+              <a:t>在</a:t>
+            </a:r>
+            <a:r>
+              <a:rPr lang="en-US" altLang="zh-CN" dirty="0"/>
+              <a:t>Google CDN </a:t>
+            </a:r>
+            <a:r>
+              <a:rPr lang="zh-CN" altLang="zh-CN" dirty="0"/>
+              <a:t>中采用了基于欧氏距离的中心式网络坐标系统</a:t>
+            </a:r>
+            <a:r>
+              <a:rPr lang="en-US" altLang="zh-CN" dirty="0"/>
+              <a:t>GNP</a:t>
+            </a:r>
+            <a:endParaRPr lang="zh-CN" altLang="en-US" dirty="0" smtClean="0"/>
+          </a:p>
+        </p:txBody>
+      </p:sp>
+    </p:spTree>
+  </p:cSld>
+  <p:clrMapOvr>
+    <a:masterClrMapping/>
+  </p:clrMapOvr>
+  <p:timing>
+    <p:tnLst>
+      <p:par>
+        <p:cTn id="1" dur="indefinite" restart="never" nodeType="tmRoot"/>
+      </p:par>
+    </p:tnLst>
+  </p:timing>
+</p:sld>
+</file>
+
+<file path=ppt/slides/slide7.xml><?xml version="1.0" encoding="utf-8"?>
+<p:sld xmlns:a="http://schemas.openxmlformats.org/drawingml/2006/main" xmlns:r="http://schemas.openxmlformats.org/officeDocument/2006/relationships" xmlns:p="http://schemas.openxmlformats.org/presentationml/2006/main">
+  <p:cSld>
+    <p:spTree>
+      <p:nvGrpSpPr>
+        <p:cNvPr id="1" name=""/>
+        <p:cNvGrpSpPr/>
+        <p:nvPr/>
+      </p:nvGrpSpPr>
+      <p:grpSpPr>
+        <a:xfrm>
+          <a:off x="0" y="0"/>
+          <a:ext cx="0" cy="0"/>
+          <a:chOff x="0" y="0"/>
+          <a:chExt cx="0" cy="0"/>
+        </a:xfrm>
+      </p:grpSpPr>
+      <p:sp>
+        <p:nvSpPr>
+          <p:cNvPr id="56322" name="灯片编号占位符 5"/>
+          <p:cNvSpPr txBox="1">
+            <a:spLocks noGrp="1"/>
+          </p:cNvSpPr>
+          <p:nvPr/>
+        </p:nvSpPr>
+        <p:spPr bwMode="auto">
+          <a:xfrm>
+            <a:off x="7956550" y="6597650"/>
+            <a:ext cx="1187450" cy="260350"/>
+          </a:xfrm>
+          <a:prstGeom prst="rect">
+            <a:avLst/>
+          </a:prstGeom>
+          <a:noFill/>
+          <a:ln>
+            <a:noFill/>
+          </a:ln>
+          <a:extLst>
+            <a:ext uri="{909E8E84-426E-40DD-AFC4-6F175D3DCCD1}">
+              <a14:hiddenFill xmlns:a14="http://schemas.microsoft.com/office/drawing/2010/main">
+                <a:solidFill>
+                  <a:srgbClr val="FFFFFF"/>
+                </a:solidFill>
+              </a14:hiddenFill>
+            </a:ext>
+            <a:ext uri="{91240B29-F687-4F45-9708-019B960494DF}">
+              <a14:hiddenLine xmlns:a14="http://schemas.microsoft.com/office/drawing/2010/main" w="9525">
+                <a:solidFill>
+                  <a:srgbClr val="000000"/>
+                </a:solidFill>
+                <a:miter lim="800000"/>
+                <a:headEnd/>
+                <a:tailEnd/>
+              </a14:hiddenLine>
+            </a:ext>
+          </a:extLst>
+        </p:spPr>
+        <p:txBody>
+          <a:bodyPr anchor="b"/>
+          <a:lstStyle>
+            <a:lvl1pPr eaLnBrk="0" hangingPunct="0">
+              <a:defRPr sz="2400">
+                <a:solidFill>
+                  <a:schemeClr val="tx1"/>
+                </a:solidFill>
+                <a:latin typeface="Verdana" panose="020B0604030504040204" pitchFamily="34" charset="0"/>
+                <a:ea typeface="宋体" panose="02010600030101010101" pitchFamily="2" charset="-122"/>
+              </a:defRPr>
+            </a:lvl1pPr>
+            <a:lvl2pPr marL="742950" indent="-285750" eaLnBrk="0" hangingPunct="0">
+              <a:defRPr sz="2400">
+                <a:solidFill>
+                  <a:schemeClr val="tx1"/>
+                </a:solidFill>
+                <a:latin typeface="Verdana" panose="020B0604030504040204" pitchFamily="34" charset="0"/>
+                <a:ea typeface="宋体" panose="02010600030101010101" pitchFamily="2" charset="-122"/>
+              </a:defRPr>
+            </a:lvl2pPr>
+            <a:lvl3pPr marL="1143000" indent="-228600" eaLnBrk="0" hangingPunct="0">
+              <a:defRPr sz="2400">
+                <a:solidFill>
+                  <a:schemeClr val="tx1"/>
+                </a:solidFill>
+                <a:latin typeface="Verdana" panose="020B0604030504040204" pitchFamily="34" charset="0"/>
+                <a:ea typeface="宋体" panose="02010600030101010101" pitchFamily="2" charset="-122"/>
+              </a:defRPr>
+            </a:lvl3pPr>
+            <a:lvl4pPr marL="1600200" indent="-228600" eaLnBrk="0" hangingPunct="0">
+              <a:defRPr sz="2400">
+                <a:solidFill>
+                  <a:schemeClr val="tx1"/>
+                </a:solidFill>
+                <a:latin typeface="Verdana" panose="020B0604030504040204" pitchFamily="34" charset="0"/>
+                <a:ea typeface="宋体" panose="02010600030101010101" pitchFamily="2" charset="-122"/>
+              </a:defRPr>
+            </a:lvl4pPr>
+            <a:lvl5pPr marL="2057400" indent="-228600" eaLnBrk="0" hangingPunct="0">
+              <a:defRPr sz="2400">
+                <a:solidFill>
+                  <a:schemeClr val="tx1"/>
+                </a:solidFill>
+                <a:latin typeface="Verdana" panose="020B0604030504040204" pitchFamily="34" charset="0"/>
+                <a:ea typeface="宋体" panose="02010600030101010101" pitchFamily="2" charset="-122"/>
+              </a:defRPr>
+            </a:lvl5pPr>
+            <a:lvl6pPr marL="2514600" indent="-228600" eaLnBrk="0" fontAlgn="base" hangingPunct="0">
+              <a:spcBef>
+                <a:spcPct val="0"/>
+              </a:spcBef>
+              <a:spcAft>
+                <a:spcPct val="0"/>
+              </a:spcAft>
+              <a:defRPr sz="2400">
+                <a:solidFill>
+                  <a:schemeClr val="tx1"/>
+                </a:solidFill>
+                <a:latin typeface="Verdana" panose="020B0604030504040204" pitchFamily="34" charset="0"/>
+                <a:ea typeface="宋体" panose="02010600030101010101" pitchFamily="2" charset="-122"/>
+              </a:defRPr>
+            </a:lvl6pPr>
+            <a:lvl7pPr marL="2971800" indent="-228600" eaLnBrk="0" fontAlgn="base" hangingPunct="0">
+              <a:spcBef>
+                <a:spcPct val="0"/>
+              </a:spcBef>
+              <a:spcAft>
+                <a:spcPct val="0"/>
+              </a:spcAft>
+              <a:defRPr sz="2400">
+                <a:solidFill>
+                  <a:schemeClr val="tx1"/>
+                </a:solidFill>
+                <a:latin typeface="Verdana" panose="020B0604030504040204" pitchFamily="34" charset="0"/>
+                <a:ea typeface="宋体" panose="02010600030101010101" pitchFamily="2" charset="-122"/>
+              </a:defRPr>
+            </a:lvl7pPr>
+            <a:lvl8pPr marL="3429000" indent="-228600" eaLnBrk="0" fontAlgn="base" hangingPunct="0">
+              <a:spcBef>
+                <a:spcPct val="0"/>
+              </a:spcBef>
+              <a:spcAft>
+                <a:spcPct val="0"/>
+              </a:spcAft>
+              <a:defRPr sz="2400">
+                <a:solidFill>
+                  <a:schemeClr val="tx1"/>
+                </a:solidFill>
+                <a:latin typeface="Verdana" panose="020B0604030504040204" pitchFamily="34" charset="0"/>
+                <a:ea typeface="宋体" panose="02010600030101010101" pitchFamily="2" charset="-122"/>
+              </a:defRPr>
+            </a:lvl8pPr>
+            <a:lvl9pPr marL="3886200" indent="-228600" eaLnBrk="0" fontAlgn="base" hangingPunct="0">
+              <a:spcBef>
+                <a:spcPct val="0"/>
+              </a:spcBef>
+              <a:spcAft>
+                <a:spcPct val="0"/>
+              </a:spcAft>
+              <a:defRPr sz="2400">
+                <a:solidFill>
+                  <a:schemeClr val="tx1"/>
+                </a:solidFill>
+                <a:latin typeface="Verdana" panose="020B0604030504040204" pitchFamily="34" charset="0"/>
+                <a:ea typeface="宋体" panose="02010600030101010101" pitchFamily="2" charset="-122"/>
+              </a:defRPr>
+            </a:lvl9pPr>
+          </a:lstStyle>
+          <a:p>
+            <a:pPr algn="r" eaLnBrk="1" hangingPunct="1"/>
+            <a:fld id="{01E327FC-E94C-402E-9007-7F31B6F6C4AA}" type="slidenum">
+              <a:rPr lang="en-US" altLang="zh-CN" sz="1400">
+                <a:latin typeface="Arial Black" panose="020B0A04020102020204" pitchFamily="34" charset="0"/>
+              </a:rPr>
+              <a:pPr algn="r" eaLnBrk="1" hangingPunct="1"/>
+              <a:t>7</a:t>
+            </a:fld>
+            <a:endParaRPr lang="en-US" altLang="zh-CN" sz="1400">
+              <a:latin typeface="Arial Black" panose="020B0A04020102020204" pitchFamily="34" charset="0"/>
+            </a:endParaRPr>
+          </a:p>
+        </p:txBody>
+      </p:sp>
+      <p:sp>
+        <p:nvSpPr>
+          <p:cNvPr id="393218" name="Rectangle 2"/>
+          <p:cNvSpPr>
+            <a:spLocks noGrp="1" noChangeArrowheads="1"/>
+          </p:cNvSpPr>
+          <p:nvPr>
+            <p:ph type="title" idx="4294967295"/>
+          </p:nvPr>
+        </p:nvSpPr>
+        <p:spPr bwMode="auto">
+          <a:xfrm>
+            <a:off x="457200" y="274638"/>
+            <a:ext cx="8229600" cy="1143000"/>
+          </a:xfrm>
+          <a:prstGeom prst="rect">
+            <a:avLst/>
+          </a:prstGeom>
+          <a:noFill/>
+          <a:ln>
+            <a:solidFill>
+              <a:srgbClr val="000000"/>
+            </a:solidFill>
+            <a:miter lim="800000"/>
+            <a:headEnd/>
+            <a:tailEnd/>
+          </a:ln>
+          <a:extLst>
+            <a:ext uri="{909E8E84-426E-40DD-AFC4-6F175D3DCCD1}">
+              <a14:hiddenFill xmlns:a14="http://schemas.microsoft.com/office/drawing/2010/main">
+                <a:solidFill>
+                  <a:srgbClr val="FFFFFF"/>
+                </a:solidFill>
+              </a14:hiddenFill>
+            </a:ext>
+          </a:extLst>
+        </p:spPr>
+        <p:txBody>
+          <a:bodyPr anchor="ctr"/>
+          <a:lstStyle/>
+          <a:p>
+            <a:pPr eaLnBrk="1" hangingPunct="1"/>
+            <a:r>
+              <a:rPr lang="zh-CN" altLang="en-US" dirty="0" smtClean="0">
+                <a:effectLst>
+                  <a:outerShdw blurRad="38100" dist="38100" dir="2700000" algn="tl">
+                    <a:srgbClr val="C0C0C0"/>
+                  </a:outerShdw>
+                </a:effectLst>
+                <a:latin typeface="黑体" panose="02010609060101010101" pitchFamily="49" charset="-122"/>
+                <a:ea typeface="黑体" panose="02010609060101010101" pitchFamily="49" charset="-122"/>
+              </a:rPr>
+              <a:t>相关工作（</a:t>
+            </a:r>
+            <a:r>
+              <a:rPr lang="en-US" altLang="zh-CN" dirty="0" smtClean="0">
+                <a:effectLst>
+                  <a:outerShdw blurRad="38100" dist="38100" dir="2700000" algn="tl">
+                    <a:srgbClr val="C0C0C0"/>
+                  </a:outerShdw>
+                </a:effectLst>
+                <a:latin typeface="黑体" panose="02010609060101010101" pitchFamily="49" charset="-122"/>
+                <a:ea typeface="黑体" panose="02010609060101010101" pitchFamily="49" charset="-122"/>
+              </a:rPr>
+              <a:t>2/3</a:t>
+            </a:r>
+            <a:r>
+              <a:rPr lang="zh-CN" altLang="en-US" dirty="0" smtClean="0">
+                <a:effectLst>
+                  <a:outerShdw blurRad="38100" dist="38100" dir="2700000" algn="tl">
+                    <a:srgbClr val="C0C0C0"/>
+                  </a:outerShdw>
+                </a:effectLst>
+                <a:latin typeface="黑体" panose="02010609060101010101" pitchFamily="49" charset="-122"/>
+                <a:ea typeface="黑体" panose="02010609060101010101" pitchFamily="49" charset="-122"/>
+              </a:rPr>
+              <a:t>）</a:t>
+            </a:r>
+          </a:p>
+        </p:txBody>
+      </p:sp>
+      <p:sp>
+        <p:nvSpPr>
+          <p:cNvPr id="56324" name="Rectangle 4"/>
+          <p:cNvSpPr>
+            <a:spLocks noGrp="1" noChangeArrowheads="1"/>
+          </p:cNvSpPr>
+          <p:nvPr>
+            <p:ph idx="4294967295"/>
+          </p:nvPr>
+        </p:nvSpPr>
+        <p:spPr bwMode="auto">
+          <a:xfrm>
+            <a:off x="457200" y="1600200"/>
+            <a:ext cx="8229600" cy="4525963"/>
+          </a:xfrm>
+          <a:prstGeom prst="rect">
+            <a:avLst/>
+          </a:prstGeom>
+          <a:noFill/>
+          <a:ln>
+            <a:solidFill>
+              <a:srgbClr val="000000"/>
+            </a:solidFill>
+            <a:miter lim="800000"/>
+            <a:headEnd/>
+            <a:tailEnd/>
+          </a:ln>
+          <a:extLst>
+            <a:ext uri="{909E8E84-426E-40DD-AFC4-6F175D3DCCD1}">
+              <a14:hiddenFill xmlns:a14="http://schemas.microsoft.com/office/drawing/2010/main">
+                <a:solidFill>
+                  <a:srgbClr val="FFFFFF"/>
+                </a:solidFill>
+              </a14:hiddenFill>
+            </a:ext>
+          </a:extLst>
+        </p:spPr>
+        <p:txBody>
+          <a:bodyPr/>
+          <a:lstStyle/>
+          <a:p>
+            <a:r>
               <a:rPr lang="zh-CN" altLang="en-US" b="1" dirty="0" smtClean="0"/>
               <a:t>网络信息时空戳</a:t>
             </a:r>
@@ -17122,7 +18501,7 @@
 </p:sld>
 </file>
 
-<file path=ppt/slides/slide7.xml><?xml version="1.0" encoding="utf-8"?>
+<file path=ppt/slides/slide8.xml><?xml version="1.0" encoding="utf-8"?>
 <p:sld xmlns:a="http://schemas.openxmlformats.org/drawingml/2006/main" xmlns:r="http://schemas.openxmlformats.org/officeDocument/2006/relationships" xmlns:p="http://schemas.openxmlformats.org/presentationml/2006/main">
   <p:cSld>
     <p:spTree>
@@ -17548,7 +18927,7 @@
                 <a:latin typeface="Arial Black" panose="020B0A04020102020204" pitchFamily="34" charset="0"/>
               </a:rPr>
               <a:pPr algn="r" eaLnBrk="1" hangingPunct="1"/>
-              <a:t>7</a:t>
+              <a:t>8</a:t>
             </a:fld>
             <a:endParaRPr lang="en-US" altLang="zh-CN" sz="1400">
               <a:latin typeface="Arial Black" panose="020B0A04020102020204" pitchFamily="34" charset="0"/>
@@ -17556,404 +18935,6 @@
           </a:p>
         </p:txBody>
       </p:sp>
-    </p:spTree>
-  </p:cSld>
-  <p:clrMapOvr>
-    <a:masterClrMapping/>
-  </p:clrMapOvr>
-  <p:timing>
-    <p:tnLst>
-      <p:par>
-        <p:cTn id="1" dur="indefinite" restart="never" nodeType="tmRoot"/>
-      </p:par>
-    </p:tnLst>
-  </p:timing>
-</p:sld>
-</file>
-
-<file path=ppt/slides/slide8.xml><?xml version="1.0" encoding="utf-8"?>
-<p:sld xmlns:a="http://schemas.openxmlformats.org/drawingml/2006/main" xmlns:r="http://schemas.openxmlformats.org/officeDocument/2006/relationships" xmlns:p="http://schemas.openxmlformats.org/presentationml/2006/main">
-  <p:cSld>
-    <p:spTree>
-      <p:nvGrpSpPr>
-        <p:cNvPr id="1" name=""/>
-        <p:cNvGrpSpPr/>
-        <p:nvPr/>
-      </p:nvGrpSpPr>
-      <p:grpSpPr>
-        <a:xfrm>
-          <a:off x="0" y="0"/>
-          <a:ext cx="0" cy="0"/>
-          <a:chOff x="0" y="0"/>
-          <a:chExt cx="0" cy="0"/>
-        </a:xfrm>
-      </p:grpSpPr>
-      <p:sp>
-        <p:nvSpPr>
-          <p:cNvPr id="9219" name="Rectangle 6"/>
-          <p:cNvSpPr>
-            <a:spLocks noGrp="1" noChangeArrowheads="1"/>
-          </p:cNvSpPr>
-          <p:nvPr>
-            <p:ph type="title" idx="4294967295"/>
-          </p:nvPr>
-        </p:nvSpPr>
-        <p:spPr>
-          <a:xfrm>
-            <a:off x="0" y="0"/>
-            <a:ext cx="0" cy="0"/>
-          </a:xfrm>
-        </p:spPr>
-        <p:txBody>
-          <a:bodyPr anchor="ctr"/>
-          <a:lstStyle/>
-          <a:p>
-            <a:r>
-              <a:rPr lang="en-US" altLang="zh-CN" dirty="0" smtClean="0">
-                <a:effectLst>
-                  <a:outerShdw blurRad="38100" dist="38100" dir="2700000" algn="tl">
-                    <a:srgbClr val="C0C0C0"/>
-                  </a:outerShdw>
-                </a:effectLst>
-                <a:latin typeface="黑体" panose="02010609060101010101" pitchFamily="49" charset="-122"/>
-                <a:ea typeface="黑体" panose="02010609060101010101" pitchFamily="49" charset="-122"/>
-              </a:rPr>
-              <a:t/>
-            </a:r>
-            <a:br>
-              <a:rPr lang="en-US" altLang="zh-CN" dirty="0" smtClean="0">
-                <a:effectLst>
-                  <a:outerShdw blurRad="38100" dist="38100" dir="2700000" algn="tl">
-                    <a:srgbClr val="C0C0C0"/>
-                  </a:outerShdw>
-                </a:effectLst>
-                <a:latin typeface="黑体" panose="02010609060101010101" pitchFamily="49" charset="-122"/>
-                <a:ea typeface="黑体" panose="02010609060101010101" pitchFamily="49" charset="-122"/>
-              </a:rPr>
-            </a:br>
-            <a:r>
-              <a:rPr lang="en-US" altLang="zh-CN" dirty="0">
-                <a:effectLst>
-                  <a:outerShdw blurRad="38100" dist="38100" dir="2700000" algn="tl">
-                    <a:srgbClr val="C0C0C0"/>
-                  </a:outerShdw>
-                </a:effectLst>
-                <a:latin typeface="黑体" panose="02010609060101010101" pitchFamily="49" charset="-122"/>
-                <a:ea typeface="黑体" panose="02010609060101010101" pitchFamily="49" charset="-122"/>
-              </a:rPr>
-              <a:t/>
-            </a:r>
-            <a:br>
-              <a:rPr lang="en-US" altLang="zh-CN" dirty="0">
-                <a:effectLst>
-                  <a:outerShdw blurRad="38100" dist="38100" dir="2700000" algn="tl">
-                    <a:srgbClr val="C0C0C0"/>
-                  </a:outerShdw>
-                </a:effectLst>
-                <a:latin typeface="黑体" panose="02010609060101010101" pitchFamily="49" charset="-122"/>
-                <a:ea typeface="黑体" panose="02010609060101010101" pitchFamily="49" charset="-122"/>
-              </a:rPr>
-            </a:br>
-            <a:r>
-              <a:rPr lang="en-US" altLang="zh-CN" dirty="0" smtClean="0">
-                <a:effectLst>
-                  <a:outerShdw blurRad="38100" dist="38100" dir="2700000" algn="tl">
-                    <a:srgbClr val="C0C0C0"/>
-                  </a:outerShdw>
-                </a:effectLst>
-                <a:latin typeface="黑体" panose="02010609060101010101" pitchFamily="49" charset="-122"/>
-                <a:ea typeface="黑体" panose="02010609060101010101" pitchFamily="49" charset="-122"/>
-              </a:rPr>
-              <a:t/>
-            </a:r>
-            <a:br>
-              <a:rPr lang="en-US" altLang="zh-CN" dirty="0" smtClean="0">
-                <a:effectLst>
-                  <a:outerShdw blurRad="38100" dist="38100" dir="2700000" algn="tl">
-                    <a:srgbClr val="C0C0C0"/>
-                  </a:outerShdw>
-                </a:effectLst>
-                <a:latin typeface="黑体" panose="02010609060101010101" pitchFamily="49" charset="-122"/>
-                <a:ea typeface="黑体" panose="02010609060101010101" pitchFamily="49" charset="-122"/>
-              </a:rPr>
-            </a:br>
-            <a:r>
-              <a:rPr lang="en-US" altLang="zh-CN" dirty="0">
-                <a:effectLst>
-                  <a:outerShdw blurRad="38100" dist="38100" dir="2700000" algn="tl">
-                    <a:srgbClr val="C0C0C0"/>
-                  </a:outerShdw>
-                </a:effectLst>
-                <a:latin typeface="黑体" panose="02010609060101010101" pitchFamily="49" charset="-122"/>
-                <a:ea typeface="黑体" panose="02010609060101010101" pitchFamily="49" charset="-122"/>
-              </a:rPr>
-              <a:t> </a:t>
-            </a:r>
-            <a:endParaRPr lang="zh-CN" altLang="en-US" dirty="0" smtClean="0">
-              <a:effectLst>
-                <a:outerShdw blurRad="38100" dist="38100" dir="2700000" algn="tl">
-                  <a:srgbClr val="C0C0C0"/>
-                </a:outerShdw>
-              </a:effectLst>
-              <a:latin typeface="黑体" panose="02010609060101010101" pitchFamily="49" charset="-122"/>
-              <a:ea typeface="黑体" panose="02010609060101010101" pitchFamily="49" charset="-122"/>
-            </a:endParaRPr>
-          </a:p>
-        </p:txBody>
-      </p:sp>
-      <p:sp>
-        <p:nvSpPr>
-          <p:cNvPr id="54275" name="Rectangle 6"/>
-          <p:cNvSpPr txBox="1">
-            <a:spLocks noGrp="1" noChangeArrowheads="1"/>
-          </p:cNvSpPr>
-          <p:nvPr/>
-        </p:nvSpPr>
-        <p:spPr bwMode="auto">
-          <a:xfrm>
-            <a:off x="457200" y="6453188"/>
-            <a:ext cx="2133600" cy="268287"/>
-          </a:xfrm>
-          <a:prstGeom prst="rect">
-            <a:avLst/>
-          </a:prstGeom>
-          <a:noFill/>
-          <a:ln>
-            <a:noFill/>
-          </a:ln>
-          <a:extLst>
-            <a:ext uri="{909E8E84-426E-40DD-AFC4-6F175D3DCCD1}">
-              <a14:hiddenFill xmlns:a14="http://schemas.microsoft.com/office/drawing/2010/main">
-                <a:solidFill>
-                  <a:srgbClr val="FFFFFF"/>
-                </a:solidFill>
-              </a14:hiddenFill>
-            </a:ext>
-            <a:ext uri="{91240B29-F687-4F45-9708-019B960494DF}">
-              <a14:hiddenLine xmlns:a14="http://schemas.microsoft.com/office/drawing/2010/main" w="9525">
-                <a:solidFill>
-                  <a:srgbClr val="000000"/>
-                </a:solidFill>
-                <a:miter lim="800000"/>
-                <a:headEnd/>
-                <a:tailEnd/>
-              </a14:hiddenLine>
-            </a:ext>
-          </a:extLst>
-        </p:spPr>
-        <p:txBody>
-          <a:bodyPr anchor="b"/>
-          <a:lstStyle>
-            <a:lvl1pPr eaLnBrk="0" hangingPunct="0">
-              <a:defRPr sz="2400">
-                <a:solidFill>
-                  <a:schemeClr val="tx1"/>
-                </a:solidFill>
-                <a:latin typeface="Verdana" panose="020B0604030504040204" pitchFamily="34" charset="0"/>
-                <a:ea typeface="宋体" panose="02010600030101010101" pitchFamily="2" charset="-122"/>
-              </a:defRPr>
-            </a:lvl1pPr>
-            <a:lvl2pPr marL="742950" indent="-285750" eaLnBrk="0" hangingPunct="0">
-              <a:defRPr sz="2400">
-                <a:solidFill>
-                  <a:schemeClr val="tx1"/>
-                </a:solidFill>
-                <a:latin typeface="Verdana" panose="020B0604030504040204" pitchFamily="34" charset="0"/>
-                <a:ea typeface="宋体" panose="02010600030101010101" pitchFamily="2" charset="-122"/>
-              </a:defRPr>
-            </a:lvl2pPr>
-            <a:lvl3pPr marL="1143000" indent="-228600" eaLnBrk="0" hangingPunct="0">
-              <a:defRPr sz="2400">
-                <a:solidFill>
-                  <a:schemeClr val="tx1"/>
-                </a:solidFill>
-                <a:latin typeface="Verdana" panose="020B0604030504040204" pitchFamily="34" charset="0"/>
-                <a:ea typeface="宋体" panose="02010600030101010101" pitchFamily="2" charset="-122"/>
-              </a:defRPr>
-            </a:lvl3pPr>
-            <a:lvl4pPr marL="1600200" indent="-228600" eaLnBrk="0" hangingPunct="0">
-              <a:defRPr sz="2400">
-                <a:solidFill>
-                  <a:schemeClr val="tx1"/>
-                </a:solidFill>
-                <a:latin typeface="Verdana" panose="020B0604030504040204" pitchFamily="34" charset="0"/>
-                <a:ea typeface="宋体" panose="02010600030101010101" pitchFamily="2" charset="-122"/>
-              </a:defRPr>
-            </a:lvl4pPr>
-            <a:lvl5pPr marL="2057400" indent="-228600" eaLnBrk="0" hangingPunct="0">
-              <a:defRPr sz="2400">
-                <a:solidFill>
-                  <a:schemeClr val="tx1"/>
-                </a:solidFill>
-                <a:latin typeface="Verdana" panose="020B0604030504040204" pitchFamily="34" charset="0"/>
-                <a:ea typeface="宋体" panose="02010600030101010101" pitchFamily="2" charset="-122"/>
-              </a:defRPr>
-            </a:lvl5pPr>
-            <a:lvl6pPr marL="2514600" indent="-228600" eaLnBrk="0" fontAlgn="base" hangingPunct="0">
-              <a:spcBef>
-                <a:spcPct val="0"/>
-              </a:spcBef>
-              <a:spcAft>
-                <a:spcPct val="0"/>
-              </a:spcAft>
-              <a:defRPr sz="2400">
-                <a:solidFill>
-                  <a:schemeClr val="tx1"/>
-                </a:solidFill>
-                <a:latin typeface="Verdana" panose="020B0604030504040204" pitchFamily="34" charset="0"/>
-                <a:ea typeface="宋体" panose="02010600030101010101" pitchFamily="2" charset="-122"/>
-              </a:defRPr>
-            </a:lvl6pPr>
-            <a:lvl7pPr marL="2971800" indent="-228600" eaLnBrk="0" fontAlgn="base" hangingPunct="0">
-              <a:spcBef>
-                <a:spcPct val="0"/>
-              </a:spcBef>
-              <a:spcAft>
-                <a:spcPct val="0"/>
-              </a:spcAft>
-              <a:defRPr sz="2400">
-                <a:solidFill>
-                  <a:schemeClr val="tx1"/>
-                </a:solidFill>
-                <a:latin typeface="Verdana" panose="020B0604030504040204" pitchFamily="34" charset="0"/>
-                <a:ea typeface="宋体" panose="02010600030101010101" pitchFamily="2" charset="-122"/>
-              </a:defRPr>
-            </a:lvl7pPr>
-            <a:lvl8pPr marL="3429000" indent="-228600" eaLnBrk="0" fontAlgn="base" hangingPunct="0">
-              <a:spcBef>
-                <a:spcPct val="0"/>
-              </a:spcBef>
-              <a:spcAft>
-                <a:spcPct val="0"/>
-              </a:spcAft>
-              <a:defRPr sz="2400">
-                <a:solidFill>
-                  <a:schemeClr val="tx1"/>
-                </a:solidFill>
-                <a:latin typeface="Verdana" panose="020B0604030504040204" pitchFamily="34" charset="0"/>
-                <a:ea typeface="宋体" panose="02010600030101010101" pitchFamily="2" charset="-122"/>
-              </a:defRPr>
-            </a:lvl8pPr>
-            <a:lvl9pPr marL="3886200" indent="-228600" eaLnBrk="0" fontAlgn="base" hangingPunct="0">
-              <a:spcBef>
-                <a:spcPct val="0"/>
-              </a:spcBef>
-              <a:spcAft>
-                <a:spcPct val="0"/>
-              </a:spcAft>
-              <a:defRPr sz="2400">
-                <a:solidFill>
-                  <a:schemeClr val="tx1"/>
-                </a:solidFill>
-                <a:latin typeface="Verdana" panose="020B0604030504040204" pitchFamily="34" charset="0"/>
-                <a:ea typeface="宋体" panose="02010600030101010101" pitchFamily="2" charset="-122"/>
-              </a:defRPr>
-            </a:lvl9pPr>
-          </a:lstStyle>
-          <a:p>
-            <a:pPr eaLnBrk="1" hangingPunct="1"/>
-            <a:fld id="{1E9FE7B9-E983-427D-BAEE-77F4641B7D82}" type="slidenum">
-              <a:rPr lang="en-US" altLang="zh-CN" sz="1200">
-                <a:latin typeface="Arial" panose="020B0604020202020204" pitchFamily="34" charset="0"/>
-              </a:rPr>
-              <a:pPr eaLnBrk="1" hangingPunct="1"/>
-              <a:t>8</a:t>
-            </a:fld>
-            <a:endParaRPr lang="en-US" altLang="zh-CN" sz="1200">
-              <a:latin typeface="Arial" panose="020B0604020202020204" pitchFamily="34" charset="0"/>
-            </a:endParaRPr>
-          </a:p>
-        </p:txBody>
-      </p:sp>
-      <p:sp>
-        <p:nvSpPr>
-          <p:cNvPr id="6" name="Rectangle 2"/>
-          <p:cNvSpPr>
-            <a:spLocks noGrp="1" noChangeArrowheads="1"/>
-          </p:cNvSpPr>
-          <p:nvPr>
-            <p:ph type="title" idx="4294967295"/>
-          </p:nvPr>
-        </p:nvSpPr>
-        <p:spPr bwMode="auto">
-          <a:xfrm>
-            <a:off x="457200" y="533400"/>
-            <a:ext cx="8229600" cy="884238"/>
-          </a:xfrm>
-          <a:prstGeom prst="rect">
-            <a:avLst/>
-          </a:prstGeom>
-          <a:noFill/>
-          <a:extLst>
-            <a:ext uri="{909E8E84-426E-40DD-AFC4-6F175D3DCCD1}">
-              <a14:hiddenFill xmlns:a14="http://schemas.microsoft.com/office/drawing/2010/main">
-                <a:solidFill>
-                  <a:srgbClr val="FFFFFF"/>
-                </a:solidFill>
-              </a14:hiddenFill>
-            </a:ext>
-            <a:ext uri="{91240B29-F687-4F45-9708-019B960494DF}">
-              <a14:hiddenLine xmlns:a14="http://schemas.microsoft.com/office/drawing/2010/main" w="9525">
-                <a:solidFill>
-                  <a:srgbClr val="000000"/>
-                </a:solidFill>
-                <a:miter lim="800000"/>
-                <a:headEnd/>
-                <a:tailEnd/>
-              </a14:hiddenLine>
-            </a:ext>
-          </a:extLst>
-        </p:spPr>
-        <p:txBody>
-          <a:bodyPr/>
-          <a:lstStyle/>
-          <a:p>
-            <a:pPr eaLnBrk="1" hangingPunct="1"/>
-            <a:r>
-              <a:rPr lang="zh-CN" altLang="en-US" dirty="0" smtClean="0">
-                <a:effectLst>
-                  <a:outerShdw blurRad="38100" dist="38100" dir="2700000" algn="tl">
-                    <a:srgbClr val="C0C0C0"/>
-                  </a:outerShdw>
-                </a:effectLst>
-                <a:latin typeface="黑体" panose="02010609060101010101" pitchFamily="49" charset="-122"/>
-                <a:ea typeface="黑体" panose="02010609060101010101" pitchFamily="49" charset="-122"/>
-              </a:rPr>
-              <a:t>主要工作和研究框架</a:t>
-            </a:r>
-          </a:p>
-        </p:txBody>
-      </p:sp>
-      <p:pic>
-        <p:nvPicPr>
-          <p:cNvPr id="7" name="图片 6"/>
-          <p:cNvPicPr/>
-          <p:nvPr/>
-        </p:nvPicPr>
-        <p:blipFill>
-          <a:blip r:embed="rId3" cstate="print">
-            <a:extLst>
-              <a:ext uri="{28A0092B-C50C-407E-A947-70E740481C1C}">
-                <a14:useLocalDpi xmlns:a14="http://schemas.microsoft.com/office/drawing/2010/main" val="0"/>
-              </a:ext>
-            </a:extLst>
-          </a:blip>
-          <a:srcRect/>
-          <a:stretch>
-            <a:fillRect/>
-          </a:stretch>
-        </p:blipFill>
-        <p:spPr bwMode="auto">
-          <a:xfrm>
-            <a:off x="2133600" y="1508125"/>
-            <a:ext cx="5486400" cy="5121275"/>
-          </a:xfrm>
-          <a:prstGeom prst="rect">
-            <a:avLst/>
-          </a:prstGeom>
-          <a:noFill/>
-        </p:spPr>
-      </p:pic>
     </p:spTree>
   </p:cSld>
   <p:clrMapOvr>
@@ -17988,7 +18969,7 @@
       </p:grpSpPr>
       <p:sp>
         <p:nvSpPr>
-          <p:cNvPr id="91138" name="Rectangle 2"/>
+          <p:cNvPr id="9219" name="Rectangle 6"/>
           <p:cNvSpPr>
             <a:spLocks noGrp="1" noChangeArrowheads="1"/>
           </p:cNvSpPr>
@@ -18007,7 +18988,7 @@
           <a:lstStyle/>
           <a:p>
             <a:r>
-              <a:rPr lang="zh-CN" altLang="en-US" smtClean="0">
+              <a:rPr lang="en-US" altLang="zh-CN" dirty="0" smtClean="0">
                 <a:effectLst>
                   <a:outerShdw blurRad="38100" dist="38100" dir="2700000" algn="tl">
                     <a:srgbClr val="C0C0C0"/>
@@ -18016,10 +18997,10 @@
                 <a:latin typeface="黑体" panose="02010609060101010101" pitchFamily="49" charset="-122"/>
                 <a:ea typeface="黑体" panose="02010609060101010101" pitchFamily="49" charset="-122"/>
               </a:rPr>
-              <a:t>服务推荐方法（</a:t>
-            </a:r>
-            <a:r>
-              <a:rPr lang="en-US" altLang="zh-CN" smtClean="0">
+              <a:t/>
+            </a:r>
+            <a:br>
+              <a:rPr lang="en-US" altLang="zh-CN" dirty="0" smtClean="0">
                 <a:effectLst>
                   <a:outerShdw blurRad="38100" dist="38100" dir="2700000" algn="tl">
                     <a:srgbClr val="C0C0C0"/>
@@ -18028,10 +19009,9 @@
                 <a:latin typeface="黑体" panose="02010609060101010101" pitchFamily="49" charset="-122"/>
                 <a:ea typeface="黑体" panose="02010609060101010101" pitchFamily="49" charset="-122"/>
               </a:rPr>
-              <a:t>1/11</a:t>
-            </a:r>
-            <a:r>
-              <a:rPr lang="zh-CN" altLang="en-US" smtClean="0">
+            </a:br>
+            <a:r>
+              <a:rPr lang="en-US" altLang="zh-CN" dirty="0">
                 <a:effectLst>
                   <a:outerShdw blurRad="38100" dist="38100" dir="2700000" algn="tl">
                     <a:srgbClr val="C0C0C0"/>
@@ -18040,7 +19020,53 @@
                 <a:latin typeface="黑体" panose="02010609060101010101" pitchFamily="49" charset="-122"/>
                 <a:ea typeface="黑体" panose="02010609060101010101" pitchFamily="49" charset="-122"/>
               </a:rPr>
-              <a:t>）</a:t>
+              <a:t/>
+            </a:r>
+            <a:br>
+              <a:rPr lang="en-US" altLang="zh-CN" dirty="0">
+                <a:effectLst>
+                  <a:outerShdw blurRad="38100" dist="38100" dir="2700000" algn="tl">
+                    <a:srgbClr val="C0C0C0"/>
+                  </a:outerShdw>
+                </a:effectLst>
+                <a:latin typeface="黑体" panose="02010609060101010101" pitchFamily="49" charset="-122"/>
+                <a:ea typeface="黑体" panose="02010609060101010101" pitchFamily="49" charset="-122"/>
+              </a:rPr>
+            </a:br>
+            <a:r>
+              <a:rPr lang="en-US" altLang="zh-CN" dirty="0" smtClean="0">
+                <a:effectLst>
+                  <a:outerShdw blurRad="38100" dist="38100" dir="2700000" algn="tl">
+                    <a:srgbClr val="C0C0C0"/>
+                  </a:outerShdw>
+                </a:effectLst>
+                <a:latin typeface="黑体" panose="02010609060101010101" pitchFamily="49" charset="-122"/>
+                <a:ea typeface="黑体" panose="02010609060101010101" pitchFamily="49" charset="-122"/>
+              </a:rPr>
+              <a:t/>
+            </a:r>
+            <a:br>
+              <a:rPr lang="en-US" altLang="zh-CN" dirty="0" smtClean="0">
+                <a:effectLst>
+                  <a:outerShdw blurRad="38100" dist="38100" dir="2700000" algn="tl">
+                    <a:srgbClr val="C0C0C0"/>
+                  </a:outerShdw>
+                </a:effectLst>
+                <a:latin typeface="黑体" panose="02010609060101010101" pitchFamily="49" charset="-122"/>
+                <a:ea typeface="黑体" panose="02010609060101010101" pitchFamily="49" charset="-122"/>
+              </a:rPr>
+            </a:br>
+            <a:r>
+              <a:rPr lang="en-US" altLang="zh-CN" dirty="0">
+                <a:effectLst>
+                  <a:outerShdw blurRad="38100" dist="38100" dir="2700000" algn="tl">
+                    <a:srgbClr val="C0C0C0"/>
+                  </a:outerShdw>
+                </a:effectLst>
+                <a:latin typeface="黑体" panose="02010609060101010101" pitchFamily="49" charset="-122"/>
+                <a:ea typeface="黑体" panose="02010609060101010101" pitchFamily="49" charset="-122"/>
+              </a:rPr>
+              <a:t> </a:t>
             </a:r>
             <a:endParaRPr lang="zh-CN" altLang="en-US" dirty="0" smtClean="0">
               <a:effectLst>
@@ -18056,30 +19082,23 @@
       </p:sp>
       <p:sp>
         <p:nvSpPr>
-          <p:cNvPr id="60419" name="Rectangle 3"/>
-          <p:cNvSpPr>
+          <p:cNvPr id="54275" name="Rectangle 6"/>
+          <p:cNvSpPr txBox="1">
             <a:spLocks noGrp="1" noChangeArrowheads="1"/>
           </p:cNvSpPr>
-          <p:nvPr>
-            <p:ph idx="4294967295"/>
-          </p:nvPr>
+          <p:nvPr/>
         </p:nvSpPr>
         <p:spPr bwMode="auto">
           <a:xfrm>
-            <a:off x="457200" y="1600200"/>
-            <a:ext cx="8229600" cy="4525963"/>
+            <a:off x="457200" y="6453188"/>
+            <a:ext cx="2133600" cy="268287"/>
           </a:xfrm>
           <a:prstGeom prst="rect">
             <a:avLst/>
           </a:prstGeom>
           <a:noFill/>
           <a:ln>
-            <a:solidFill>
-              <a:srgbClr val="000000"/>
-            </a:solidFill>
-            <a:miter lim="800000"/>
-            <a:headEnd/>
-            <a:tailEnd/>
+            <a:noFill/>
           </a:ln>
           <a:extLst>
             <a:ext uri="{909E8E84-426E-40DD-AFC4-6F175D3DCCD1}">
@@ -18089,143 +19108,257 @@
                 </a:solidFill>
               </a14:hiddenFill>
             </a:ext>
+            <a:ext uri="{91240B29-F687-4F45-9708-019B960494DF}">
+              <a14:hiddenLine xmlns:a14="http://schemas.microsoft.com/office/drawing/2010/main" w="9525">
+                <a:solidFill>
+                  <a:srgbClr val="000000"/>
+                </a:solidFill>
+                <a:miter lim="800000"/>
+                <a:headEnd/>
+                <a:tailEnd/>
+              </a14:hiddenLine>
+            </a:ext>
           </a:extLst>
         </p:spPr>
         <p:txBody>
-          <a:bodyPr/>
-          <a:lstStyle/>
-          <a:p>
-            <a:pPr>
-              <a:lnSpc>
-                <a:spcPct val="90000"/>
-              </a:lnSpc>
-            </a:pPr>
-            <a:r>
-              <a:rPr lang="zh-CN" altLang="en-US" sz="3400" smtClean="0">
-                <a:ea typeface="黑体" panose="02010609060101010101" pitchFamily="49" charset="-122"/>
-              </a:rPr>
-              <a:t>数据收集和整理</a:t>
-            </a:r>
-          </a:p>
-          <a:p>
-            <a:pPr lvl="1">
-              <a:lnSpc>
-                <a:spcPct val="90000"/>
-              </a:lnSpc>
-            </a:pPr>
-            <a:endParaRPr lang="zh-CN" altLang="en-US" sz="3500" smtClean="0">
-              <a:ea typeface="黑体" panose="02010609060101010101" pitchFamily="49" charset="-122"/>
+          <a:bodyPr anchor="b"/>
+          <a:lstStyle>
+            <a:lvl1pPr eaLnBrk="0" hangingPunct="0">
+              <a:defRPr sz="2400">
+                <a:solidFill>
+                  <a:schemeClr val="tx1"/>
+                </a:solidFill>
+                <a:latin typeface="Verdana" panose="020B0604030504040204" pitchFamily="34" charset="0"/>
+                <a:ea typeface="宋体" panose="02010600030101010101" pitchFamily="2" charset="-122"/>
+              </a:defRPr>
+            </a:lvl1pPr>
+            <a:lvl2pPr marL="742950" indent="-285750" eaLnBrk="0" hangingPunct="0">
+              <a:defRPr sz="2400">
+                <a:solidFill>
+                  <a:schemeClr val="tx1"/>
+                </a:solidFill>
+                <a:latin typeface="Verdana" panose="020B0604030504040204" pitchFamily="34" charset="0"/>
+                <a:ea typeface="宋体" panose="02010600030101010101" pitchFamily="2" charset="-122"/>
+              </a:defRPr>
+            </a:lvl2pPr>
+            <a:lvl3pPr marL="1143000" indent="-228600" eaLnBrk="0" hangingPunct="0">
+              <a:defRPr sz="2400">
+                <a:solidFill>
+                  <a:schemeClr val="tx1"/>
+                </a:solidFill>
+                <a:latin typeface="Verdana" panose="020B0604030504040204" pitchFamily="34" charset="0"/>
+                <a:ea typeface="宋体" panose="02010600030101010101" pitchFamily="2" charset="-122"/>
+              </a:defRPr>
+            </a:lvl3pPr>
+            <a:lvl4pPr marL="1600200" indent="-228600" eaLnBrk="0" hangingPunct="0">
+              <a:defRPr sz="2400">
+                <a:solidFill>
+                  <a:schemeClr val="tx1"/>
+                </a:solidFill>
+                <a:latin typeface="Verdana" panose="020B0604030504040204" pitchFamily="34" charset="0"/>
+                <a:ea typeface="宋体" panose="02010600030101010101" pitchFamily="2" charset="-122"/>
+              </a:defRPr>
+            </a:lvl4pPr>
+            <a:lvl5pPr marL="2057400" indent="-228600" eaLnBrk="0" hangingPunct="0">
+              <a:defRPr sz="2400">
+                <a:solidFill>
+                  <a:schemeClr val="tx1"/>
+                </a:solidFill>
+                <a:latin typeface="Verdana" panose="020B0604030504040204" pitchFamily="34" charset="0"/>
+                <a:ea typeface="宋体" panose="02010600030101010101" pitchFamily="2" charset="-122"/>
+              </a:defRPr>
+            </a:lvl5pPr>
+            <a:lvl6pPr marL="2514600" indent="-228600" eaLnBrk="0" fontAlgn="base" hangingPunct="0">
+              <a:spcBef>
+                <a:spcPct val="0"/>
+              </a:spcBef>
+              <a:spcAft>
+                <a:spcPct val="0"/>
+              </a:spcAft>
+              <a:defRPr sz="2400">
+                <a:solidFill>
+                  <a:schemeClr val="tx1"/>
+                </a:solidFill>
+                <a:latin typeface="Verdana" panose="020B0604030504040204" pitchFamily="34" charset="0"/>
+                <a:ea typeface="宋体" panose="02010600030101010101" pitchFamily="2" charset="-122"/>
+              </a:defRPr>
+            </a:lvl6pPr>
+            <a:lvl7pPr marL="2971800" indent="-228600" eaLnBrk="0" fontAlgn="base" hangingPunct="0">
+              <a:spcBef>
+                <a:spcPct val="0"/>
+              </a:spcBef>
+              <a:spcAft>
+                <a:spcPct val="0"/>
+              </a:spcAft>
+              <a:defRPr sz="2400">
+                <a:solidFill>
+                  <a:schemeClr val="tx1"/>
+                </a:solidFill>
+                <a:latin typeface="Verdana" panose="020B0604030504040204" pitchFamily="34" charset="0"/>
+                <a:ea typeface="宋体" panose="02010600030101010101" pitchFamily="2" charset="-122"/>
+              </a:defRPr>
+            </a:lvl7pPr>
+            <a:lvl8pPr marL="3429000" indent="-228600" eaLnBrk="0" fontAlgn="base" hangingPunct="0">
+              <a:spcBef>
+                <a:spcPct val="0"/>
+              </a:spcBef>
+              <a:spcAft>
+                <a:spcPct val="0"/>
+              </a:spcAft>
+              <a:defRPr sz="2400">
+                <a:solidFill>
+                  <a:schemeClr val="tx1"/>
+                </a:solidFill>
+                <a:latin typeface="Verdana" panose="020B0604030504040204" pitchFamily="34" charset="0"/>
+                <a:ea typeface="宋体" panose="02010600030101010101" pitchFamily="2" charset="-122"/>
+              </a:defRPr>
+            </a:lvl8pPr>
+            <a:lvl9pPr marL="3886200" indent="-228600" eaLnBrk="0" fontAlgn="base" hangingPunct="0">
+              <a:spcBef>
+                <a:spcPct val="0"/>
+              </a:spcBef>
+              <a:spcAft>
+                <a:spcPct val="0"/>
+              </a:spcAft>
+              <a:defRPr sz="2400">
+                <a:solidFill>
+                  <a:schemeClr val="tx1"/>
+                </a:solidFill>
+                <a:latin typeface="Verdana" panose="020B0604030504040204" pitchFamily="34" charset="0"/>
+                <a:ea typeface="宋体" panose="02010600030101010101" pitchFamily="2" charset="-122"/>
+              </a:defRPr>
+            </a:lvl9pPr>
+          </a:lstStyle>
+          <a:p>
+            <a:pPr eaLnBrk="1" hangingPunct="1"/>
+            <a:fld id="{1E9FE7B9-E983-427D-BAEE-77F4641B7D82}" type="slidenum">
+              <a:rPr lang="en-US" altLang="zh-CN" sz="1200">
+                <a:latin typeface="Arial" panose="020B0604020202020204" pitchFamily="34" charset="0"/>
+              </a:rPr>
+              <a:pPr eaLnBrk="1" hangingPunct="1"/>
+              <a:t>9</a:t>
+            </a:fld>
+            <a:endParaRPr lang="en-US" altLang="zh-CN" sz="1200">
+              <a:latin typeface="Arial" panose="020B0604020202020204" pitchFamily="34" charset="0"/>
             </a:endParaRPr>
-          </a:p>
-          <a:p>
-            <a:pPr>
-              <a:lnSpc>
-                <a:spcPct val="90000"/>
-              </a:lnSpc>
-            </a:pPr>
-            <a:r>
-              <a:rPr lang="zh-CN" altLang="en-US" sz="3400" smtClean="0">
-                <a:ea typeface="黑体" panose="02010609060101010101" pitchFamily="49" charset="-122"/>
-              </a:rPr>
-              <a:t>数据预处理</a:t>
-            </a:r>
-          </a:p>
-          <a:p>
-            <a:pPr lvl="1">
-              <a:lnSpc>
-                <a:spcPct val="90000"/>
-              </a:lnSpc>
-            </a:pPr>
-            <a:endParaRPr lang="zh-CN" altLang="en-US" sz="3500" smtClean="0">
-              <a:ea typeface="黑体" panose="02010609060101010101" pitchFamily="49" charset="-122"/>
-            </a:endParaRPr>
-          </a:p>
-          <a:p>
-            <a:pPr>
-              <a:lnSpc>
-                <a:spcPct val="90000"/>
-              </a:lnSpc>
-            </a:pPr>
-            <a:r>
-              <a:rPr lang="zh-CN" altLang="en-US" sz="3400" smtClean="0">
-                <a:ea typeface="黑体" panose="02010609060101010101" pitchFamily="49" charset="-122"/>
-              </a:rPr>
-              <a:t>服务相似度计算</a:t>
-            </a:r>
-          </a:p>
-          <a:p>
-            <a:pPr>
-              <a:lnSpc>
-                <a:spcPct val="90000"/>
-              </a:lnSpc>
-            </a:pPr>
-            <a:endParaRPr lang="zh-CN" altLang="en-US" sz="3400" smtClean="0">
-              <a:ea typeface="黑体" panose="02010609060101010101" pitchFamily="49" charset="-122"/>
-            </a:endParaRPr>
-          </a:p>
-          <a:p>
-            <a:pPr>
-              <a:lnSpc>
-                <a:spcPct val="90000"/>
-              </a:lnSpc>
-            </a:pPr>
-            <a:r>
-              <a:rPr lang="zh-CN" altLang="en-US" sz="3400" smtClean="0">
-                <a:ea typeface="黑体" panose="02010609060101010101" pitchFamily="49" charset="-122"/>
-              </a:rPr>
-              <a:t>服务推荐</a:t>
-            </a:r>
           </a:p>
         </p:txBody>
       </p:sp>
       <p:sp>
         <p:nvSpPr>
-          <p:cNvPr id="91141" name="Rectangle 5"/>
+          <p:cNvPr id="6" name="Rectangle 2"/>
           <p:cNvSpPr>
-            <a:spLocks noChangeArrowheads="1"/>
+            <a:spLocks noGrp="1" noChangeArrowheads="1"/>
           </p:cNvSpPr>
-          <p:nvPr/>
+          <p:nvPr>
+            <p:ph type="title" idx="4294967295"/>
+          </p:nvPr>
         </p:nvSpPr>
         <p:spPr bwMode="auto">
           <a:xfrm>
-            <a:off x="0" y="0"/>
-            <a:ext cx="9144000" cy="0"/>
+            <a:off x="457200" y="533400"/>
+            <a:ext cx="8229600" cy="884238"/>
           </a:xfrm>
           <a:prstGeom prst="rect">
             <a:avLst/>
           </a:prstGeom>
           <a:noFill/>
-          <a:ln w="9525" algn="ctr">
-            <a:noFill/>
-            <a:miter lim="800000"/>
-            <a:headEnd/>
-            <a:tailEnd/>
-          </a:ln>
-          <a:effectLst>
-            <a:prstShdw prst="shdw17" dist="17961" dir="2700000">
-              <a:schemeClr val="accent1">
-                <a:gamma/>
-                <a:shade val="60000"/>
-                <a:invGamma/>
-              </a:schemeClr>
-            </a:prstShdw>
-          </a:effectLst>
+          <a:extLst>
+            <a:ext uri="{909E8E84-426E-40DD-AFC4-6F175D3DCCD1}">
+              <a14:hiddenFill xmlns:a14="http://schemas.microsoft.com/office/drawing/2010/main">
+                <a:solidFill>
+                  <a:srgbClr val="FFFFFF"/>
+                </a:solidFill>
+              </a14:hiddenFill>
+            </a:ext>
+            <a:ext uri="{91240B29-F687-4F45-9708-019B960494DF}">
+              <a14:hiddenLine xmlns:a14="http://schemas.microsoft.com/office/drawing/2010/main" w="9525">
+                <a:solidFill>
+                  <a:srgbClr val="000000"/>
+                </a:solidFill>
+                <a:miter lim="800000"/>
+                <a:headEnd/>
+                <a:tailEnd/>
+              </a14:hiddenLine>
+            </a:ext>
+          </a:extLst>
         </p:spPr>
         <p:txBody>
-          <a:bodyPr wrap="none" anchor="ctr">
-            <a:spAutoFit/>
-          </a:bodyPr>
+          <a:bodyPr/>
           <a:lstStyle/>
           <a:p>
-            <a:pPr>
-              <a:defRPr/>
-            </a:pPr>
-            <a:endParaRPr lang="zh-CN" altLang="en-US" sz="1800">
-              <a:latin typeface="Arial" charset="0"/>
+            <a:pPr eaLnBrk="1" hangingPunct="1"/>
+            <a:r>
+              <a:rPr lang="zh-CN" altLang="en-US" dirty="0" smtClean="0">
+                <a:effectLst>
+                  <a:outerShdw blurRad="38100" dist="38100" dir="2700000" algn="tl">
+                    <a:srgbClr val="C0C0C0"/>
+                  </a:outerShdw>
+                </a:effectLst>
+                <a:latin typeface="黑体" panose="02010609060101010101" pitchFamily="49" charset="-122"/>
+                <a:ea typeface="黑体" panose="02010609060101010101" pitchFamily="49" charset="-122"/>
+              </a:rPr>
+              <a:t>研究框架</a:t>
+            </a:r>
+            <a:r>
+              <a:rPr lang="en-US" altLang="zh-CN" dirty="0" smtClean="0">
+                <a:effectLst>
+                  <a:outerShdw blurRad="38100" dist="38100" dir="2700000" algn="tl">
+                    <a:srgbClr val="C0C0C0"/>
+                  </a:outerShdw>
+                </a:effectLst>
+                <a:latin typeface="黑体" panose="02010609060101010101" pitchFamily="49" charset="-122"/>
+                <a:ea typeface="黑体" panose="02010609060101010101" pitchFamily="49" charset="-122"/>
+              </a:rPr>
+              <a:t>--</a:t>
+            </a:r>
+            <a:r>
+              <a:rPr lang="zh-CN" altLang="en-US" dirty="0" smtClean="0">
+                <a:effectLst>
+                  <a:outerShdw blurRad="38100" dist="38100" dir="2700000" algn="tl">
+                    <a:srgbClr val="C0C0C0"/>
+                  </a:outerShdw>
+                </a:effectLst>
+                <a:latin typeface="黑体" panose="02010609060101010101" pitchFamily="49" charset="-122"/>
+                <a:ea typeface="黑体" panose="02010609060101010101" pitchFamily="49" charset="-122"/>
+              </a:rPr>
+              <a:t>技术途径</a:t>
+            </a:r>
+            <a:endParaRPr lang="zh-CN" altLang="en-US" dirty="0" smtClean="0">
+              <a:effectLst>
+                <a:outerShdw blurRad="38100" dist="38100" dir="2700000" algn="tl">
+                  <a:srgbClr val="C0C0C0"/>
+                </a:outerShdw>
+              </a:effectLst>
+              <a:latin typeface="黑体" panose="02010609060101010101" pitchFamily="49" charset="-122"/>
+              <a:ea typeface="黑体" panose="02010609060101010101" pitchFamily="49" charset="-122"/>
             </a:endParaRPr>
           </a:p>
         </p:txBody>
       </p:sp>
+      <p:pic>
+        <p:nvPicPr>
+          <p:cNvPr id="8" name="图片 7"/>
+          <p:cNvPicPr>
+            <a:picLocks noChangeAspect="1"/>
+          </p:cNvPicPr>
+          <p:nvPr/>
+        </p:nvPicPr>
+        <p:blipFill rotWithShape="1">
+          <a:blip r:embed="rId3"/>
+          <a:srcRect b="9675"/>
+          <a:stretch/>
+        </p:blipFill>
+        <p:spPr>
+          <a:xfrm>
+            <a:off x="784455" y="1559356"/>
+            <a:ext cx="7368945" cy="4576781"/>
+          </a:xfrm>
+          <a:prstGeom prst="rect">
+            <a:avLst/>
+          </a:prstGeom>
+        </p:spPr>
+      </p:pic>
     </p:spTree>
   </p:cSld>
   <p:clrMapOvr>
